--- a/Spring 2017 Semester/Music or Arts/ARUS HW/6 ARUS HW/ARUS HW#6 notes.pptx
+++ b/Spring 2017 Semester/Music or Arts/ARUS HW/6 ARUS HW/ARUS HW#6 notes.pptx
@@ -34,6 +34,13 @@
     <p:sldId id="282" r:id="rId28"/>
     <p:sldId id="283" r:id="rId29"/>
     <p:sldId id="284" r:id="rId30"/>
+    <p:sldId id="285" r:id="rId31"/>
+    <p:sldId id="286" r:id="rId32"/>
+    <p:sldId id="287" r:id="rId33"/>
+    <p:sldId id="288" r:id="rId34"/>
+    <p:sldId id="289" r:id="rId35"/>
+    <p:sldId id="290" r:id="rId36"/>
+    <p:sldId id="291" r:id="rId37"/>
   </p:sldIdLst>
   <p:sldSz cx="12192000" cy="6858000"/>
   <p:notesSz cx="6858000" cy="9144000"/>
@@ -132,6 +139,11 @@
       </a:defRPr>
     </a:lvl9pPr>
   </p:defaultTextStyle>
+  <p:extLst>
+    <p:ext uri="{EFAFB233-063F-42B5-8137-9DF3F51BA10A}">
+      <p15:sldGuideLst xmlns:p15="http://schemas.microsoft.com/office/powerpoint/2012/main"/>
+    </p:ext>
+  </p:extLst>
 </p:presentation>
 </file>
 
@@ -3789,11 +3801,7 @@
           <a:p>
             <a:r>
               <a:rPr lang="en-US" sz="3200" dirty="0" smtClean="0"/>
-              <a:t>1 hour 10 mi</a:t>
-            </a:r>
-            <a:r>
-              <a:rPr lang="en-US" sz="3200" dirty="0" smtClean="0"/>
-              <a:t>n</a:t>
+              <a:t>1 hour 10 min</a:t>
             </a:r>
           </a:p>
           <a:p>
@@ -3901,11 +3909,7 @@
           <a:p>
             <a:r>
               <a:rPr lang="en-US" sz="3200" dirty="0" smtClean="0"/>
-              <a:t>Pe</a:t>
-            </a:r>
-            <a:r>
-              <a:rPr lang="en-US" sz="3200" dirty="0" smtClean="0"/>
-              <a:t>ople </a:t>
+              <a:t>People </a:t>
             </a:r>
             <a:r>
               <a:rPr lang="en-US" sz="3200" dirty="0" err="1" smtClean="0"/>
@@ -4307,21 +4311,13 @@
           <a:p>
             <a:r>
               <a:rPr lang="en-US" sz="3200" dirty="0" smtClean="0"/>
-              <a:t>Kids are hanging out playin</a:t>
-            </a:r>
-            <a:r>
-              <a:rPr lang="en-US" sz="3200" dirty="0" smtClean="0"/>
-              <a:t>g w/ toys</a:t>
-            </a:r>
-          </a:p>
-          <a:p>
-            <a:r>
-              <a:rPr lang="en-US" sz="3200" dirty="0" smtClean="0"/>
-              <a:t>Demons enter officers as they </a:t>
-            </a:r>
-            <a:r>
-              <a:rPr lang="en-US" sz="3200" dirty="0" smtClean="0"/>
-              <a:t>throw a kid off the roof </a:t>
+              <a:t>Kids are hanging out playing w/ toys</a:t>
+            </a:r>
+          </a:p>
+          <a:p>
+            <a:r>
+              <a:rPr lang="en-US" sz="3200" dirty="0" smtClean="0"/>
+              <a:t>Demons enter officers as they throw a kid off the roof </a:t>
             </a:r>
           </a:p>
           <a:p>
@@ -4481,7 +4477,6 @@
               <a:rPr lang="en-US" dirty="0" smtClean="0"/>
               <a:t>Taylor’s article “Cinema” from the Blackwell Encyclopedia of the Russian Revolution </a:t>
             </a:r>
-            <a:endParaRPr lang="en-US" dirty="0" smtClean="0"/>
           </a:p>
         </p:txBody>
       </p:sp>
@@ -4704,7 +4699,6 @@
               <a:rPr lang="en-US" sz="3200" dirty="0" smtClean="0"/>
               <a:t>The movies sucked, it was supposed to be for communist propaganda. Act quick or they can’t do anything</a:t>
             </a:r>
-            <a:endParaRPr lang="en-US" sz="3200" dirty="0" smtClean="0"/>
           </a:p>
           <a:p>
             <a:endParaRPr lang="en-US" sz="3200" dirty="0" smtClean="0"/>
@@ -5061,7 +5055,6 @@
               <a:rPr lang="en-US" sz="3200" dirty="0" smtClean="0"/>
               <a:t> was figuring things out but it was already the most important of the arts</a:t>
             </a:r>
-            <a:endParaRPr lang="en-US" sz="3200" dirty="0" smtClean="0"/>
           </a:p>
           <a:p>
             <a:endParaRPr lang="en-US" sz="3200" dirty="0" smtClean="0"/>
@@ -5111,7 +5104,12 @@
             <p:ph type="title"/>
           </p:nvPr>
         </p:nvSpPr>
-        <p:spPr/>
+        <p:spPr>
+          <a:xfrm>
+            <a:off x="557530" y="1736726"/>
+            <a:ext cx="10515600" cy="2852737"/>
+          </a:xfrm>
+        </p:spPr>
         <p:txBody>
           <a:bodyPr/>
           <a:lstStyle/>
@@ -5120,7 +5118,6 @@
               <a:rPr lang="en-US" dirty="0" smtClean="0"/>
               <a:t>Eagle Eisenstein as a Semiotician</a:t>
             </a:r>
-            <a:endParaRPr lang="en-US" dirty="0" smtClean="0"/>
           </a:p>
         </p:txBody>
       </p:sp>
@@ -5343,6 +5340,799 @@
     <p:extLst>
       <p:ext uri="{BB962C8B-B14F-4D97-AF65-F5344CB8AC3E}">
         <p14:creationId xmlns:p14="http://schemas.microsoft.com/office/powerpoint/2010/main" val="1087231081"/>
+      </p:ext>
+    </p:extLst>
+  </p:cSld>
+  <p:clrMapOvr>
+    <a:masterClrMapping/>
+  </p:clrMapOvr>
+</p:sld>
+</file>
+
+<file path=ppt/slides/slide30.xml><?xml version="1.0" encoding="utf-8"?>
+<p:sld xmlns:a="http://schemas.openxmlformats.org/drawingml/2006/main" xmlns:r="http://schemas.openxmlformats.org/officeDocument/2006/relationships" xmlns:p="http://schemas.openxmlformats.org/presentationml/2006/main">
+  <p:cSld>
+    <p:spTree>
+      <p:nvGrpSpPr>
+        <p:cNvPr id="1" name=""/>
+        <p:cNvGrpSpPr/>
+        <p:nvPr/>
+      </p:nvGrpSpPr>
+      <p:grpSpPr>
+        <a:xfrm>
+          <a:off x="0" y="0"/>
+          <a:ext cx="0" cy="0"/>
+          <a:chOff x="0" y="0"/>
+          <a:chExt cx="0" cy="0"/>
+        </a:xfrm>
+      </p:grpSpPr>
+      <p:sp>
+        <p:nvSpPr>
+          <p:cNvPr id="3" name="Content Placeholder 2"/>
+          <p:cNvSpPr>
+            <a:spLocks noGrp="1"/>
+          </p:cNvSpPr>
+          <p:nvPr>
+            <p:ph idx="1"/>
+          </p:nvPr>
+        </p:nvSpPr>
+        <p:spPr>
+          <a:xfrm>
+            <a:off x="838200" y="161365"/>
+            <a:ext cx="10515600" cy="6015598"/>
+          </a:xfrm>
+        </p:spPr>
+        <p:txBody>
+          <a:bodyPr>
+            <a:normAutofit/>
+          </a:bodyPr>
+          <a:lstStyle/>
+          <a:p>
+            <a:r>
+              <a:rPr lang="en-US" sz="3200" dirty="0" smtClean="0"/>
+              <a:t>P 6 (pdf)</a:t>
+            </a:r>
+          </a:p>
+          <a:p>
+            <a:r>
+              <a:rPr lang="en-US" sz="3200" dirty="0" smtClean="0"/>
+              <a:t>Got inner speech from Ley </a:t>
+            </a:r>
+            <a:r>
+              <a:rPr lang="en-US" sz="3200" dirty="0" err="1" smtClean="0"/>
+              <a:t>Vygotski</a:t>
+            </a:r>
+            <a:endParaRPr lang="en-US" sz="3200" dirty="0" smtClean="0"/>
+          </a:p>
+          <a:p>
+            <a:r>
+              <a:rPr lang="en-US" sz="3200" dirty="0" smtClean="0"/>
+              <a:t>He said inner speech brings forth thought</a:t>
+            </a:r>
+          </a:p>
+          <a:p>
+            <a:r>
+              <a:rPr lang="en-US" sz="3200" dirty="0" smtClean="0"/>
+              <a:t>He said thought is a whole thing not separate</a:t>
+            </a:r>
+          </a:p>
+          <a:p>
+            <a:r>
+              <a:rPr lang="en-US" sz="3200" dirty="0" err="1" smtClean="0"/>
+              <a:t>Eisen</a:t>
+            </a:r>
+            <a:r>
+              <a:rPr lang="en-US" sz="3200" dirty="0" smtClean="0"/>
+              <a:t>. Agrees wants to make a model use image to speak this inner language</a:t>
+            </a:r>
+          </a:p>
+          <a:p>
+            <a:r>
+              <a:rPr lang="en-US" sz="3200" dirty="0" smtClean="0"/>
+              <a:t>Found image-sensual in </a:t>
+            </a:r>
+            <a:r>
+              <a:rPr lang="en-US" sz="3200" dirty="0" err="1" smtClean="0"/>
+              <a:t>metynomic</a:t>
+            </a:r>
+            <a:r>
+              <a:rPr lang="en-US" sz="3200" dirty="0" smtClean="0"/>
+              <a:t> or metaphor things. Model based off typology, icon and index says you </a:t>
+            </a:r>
+            <a:r>
+              <a:rPr lang="en-US" sz="3200" dirty="0" err="1" smtClean="0"/>
+              <a:t>gotta</a:t>
+            </a:r>
+            <a:r>
+              <a:rPr lang="en-US" sz="3200" dirty="0" smtClean="0"/>
+              <a:t> do it right</a:t>
+            </a:r>
+          </a:p>
+        </p:txBody>
+      </p:sp>
+    </p:spTree>
+    <p:extLst>
+      <p:ext uri="{BB962C8B-B14F-4D97-AF65-F5344CB8AC3E}">
+        <p14:creationId xmlns:p14="http://schemas.microsoft.com/office/powerpoint/2010/main" val="3121246351"/>
+      </p:ext>
+    </p:extLst>
+  </p:cSld>
+  <p:clrMapOvr>
+    <a:masterClrMapping/>
+  </p:clrMapOvr>
+</p:sld>
+</file>
+
+<file path=ppt/slides/slide31.xml><?xml version="1.0" encoding="utf-8"?>
+<p:sld xmlns:a="http://schemas.openxmlformats.org/drawingml/2006/main" xmlns:r="http://schemas.openxmlformats.org/officeDocument/2006/relationships" xmlns:p="http://schemas.openxmlformats.org/presentationml/2006/main">
+  <p:cSld>
+    <p:spTree>
+      <p:nvGrpSpPr>
+        <p:cNvPr id="1" name=""/>
+        <p:cNvGrpSpPr/>
+        <p:nvPr/>
+      </p:nvGrpSpPr>
+      <p:grpSpPr>
+        <a:xfrm>
+          <a:off x="0" y="0"/>
+          <a:ext cx="0" cy="0"/>
+          <a:chOff x="0" y="0"/>
+          <a:chExt cx="0" cy="0"/>
+        </a:xfrm>
+      </p:grpSpPr>
+      <p:sp>
+        <p:nvSpPr>
+          <p:cNvPr id="3" name="Content Placeholder 2"/>
+          <p:cNvSpPr>
+            <a:spLocks noGrp="1"/>
+          </p:cNvSpPr>
+          <p:nvPr>
+            <p:ph idx="1"/>
+          </p:nvPr>
+        </p:nvSpPr>
+        <p:spPr>
+          <a:xfrm>
+            <a:off x="838200" y="161365"/>
+            <a:ext cx="10515600" cy="6015598"/>
+          </a:xfrm>
+        </p:spPr>
+        <p:txBody>
+          <a:bodyPr>
+            <a:normAutofit/>
+          </a:bodyPr>
+          <a:lstStyle/>
+          <a:p>
+            <a:r>
+              <a:rPr lang="en-US" sz="3200" dirty="0" smtClean="0"/>
+              <a:t>P 7 (pdf)</a:t>
+            </a:r>
+          </a:p>
+          <a:p>
+            <a:r>
+              <a:rPr lang="en-US" sz="3200" dirty="0" err="1" smtClean="0"/>
+              <a:t>Cimena</a:t>
+            </a:r>
+            <a:r>
+              <a:rPr lang="en-US" sz="3200" dirty="0" smtClean="0"/>
+              <a:t> is man made, and </a:t>
+            </a:r>
+            <a:r>
+              <a:rPr lang="en-US" sz="3200" dirty="0" err="1" smtClean="0"/>
+              <a:t>unfies</a:t>
+            </a:r>
+            <a:r>
+              <a:rPr lang="en-US" sz="3200" dirty="0" smtClean="0"/>
+              <a:t> all potentials of the </a:t>
+            </a:r>
+            <a:r>
+              <a:rPr lang="en-US" sz="3200" dirty="0" smtClean="0"/>
+              <a:t>arts</a:t>
+            </a:r>
+            <a:endParaRPr lang="en-US" dirty="0"/>
+          </a:p>
+          <a:p>
+            <a:r>
+              <a:rPr lang="en-US" sz="3200" dirty="0" err="1" smtClean="0"/>
+              <a:t>Scuplture</a:t>
+            </a:r>
+            <a:r>
+              <a:rPr lang="en-US" sz="3200" dirty="0" smtClean="0"/>
+              <a:t>- changing plastic</a:t>
+            </a:r>
+          </a:p>
+          <a:p>
+            <a:r>
+              <a:rPr lang="en-US" sz="3200" dirty="0" smtClean="0"/>
+              <a:t>Painting- movement</a:t>
+            </a:r>
+          </a:p>
+          <a:p>
+            <a:r>
+              <a:rPr lang="en-US" sz="3200" dirty="0" smtClean="0"/>
+              <a:t>Music- </a:t>
+            </a:r>
+            <a:r>
+              <a:rPr lang="en-US" sz="3200" dirty="0" err="1" smtClean="0"/>
+              <a:t>visuality</a:t>
+            </a:r>
+            <a:endParaRPr lang="en-US" sz="3200" dirty="0" smtClean="0"/>
+          </a:p>
+          <a:p>
+            <a:r>
+              <a:rPr lang="en-US" sz="3200" dirty="0" smtClean="0"/>
+              <a:t>Literature- can see it</a:t>
+            </a:r>
+          </a:p>
+          <a:p>
+            <a:r>
+              <a:rPr lang="en-US" sz="3200" dirty="0" smtClean="0"/>
+              <a:t>Cinema put it into one</a:t>
+            </a:r>
+          </a:p>
+          <a:p>
+            <a:r>
+              <a:rPr lang="en-US" sz="3200" dirty="0" err="1" smtClean="0"/>
+              <a:t>Eisen</a:t>
+            </a:r>
+            <a:r>
+              <a:rPr lang="en-US" sz="3200" dirty="0" smtClean="0"/>
+              <a:t>. Had to blow up wall that stood </a:t>
+            </a:r>
+            <a:r>
+              <a:rPr lang="en-US" sz="3200" dirty="0" err="1" smtClean="0"/>
+              <a:t>btwn</a:t>
+            </a:r>
+            <a:r>
+              <a:rPr lang="en-US" sz="3200" dirty="0" smtClean="0"/>
+              <a:t> language of logic and language of images, movies had to make sense</a:t>
+            </a:r>
+            <a:endParaRPr lang="en-US" sz="3200" dirty="0" smtClean="0"/>
+          </a:p>
+        </p:txBody>
+      </p:sp>
+    </p:spTree>
+    <p:extLst>
+      <p:ext uri="{BB962C8B-B14F-4D97-AF65-F5344CB8AC3E}">
+        <p14:creationId xmlns:p14="http://schemas.microsoft.com/office/powerpoint/2010/main" val="3104095314"/>
+      </p:ext>
+    </p:extLst>
+  </p:cSld>
+  <p:clrMapOvr>
+    <a:masterClrMapping/>
+  </p:clrMapOvr>
+</p:sld>
+</file>
+
+<file path=ppt/slides/slide32.xml><?xml version="1.0" encoding="utf-8"?>
+<p:sld xmlns:a="http://schemas.openxmlformats.org/drawingml/2006/main" xmlns:r="http://schemas.openxmlformats.org/officeDocument/2006/relationships" xmlns:p="http://schemas.openxmlformats.org/presentationml/2006/main">
+  <p:cSld>
+    <p:spTree>
+      <p:nvGrpSpPr>
+        <p:cNvPr id="1" name=""/>
+        <p:cNvGrpSpPr/>
+        <p:nvPr/>
+      </p:nvGrpSpPr>
+      <p:grpSpPr>
+        <a:xfrm>
+          <a:off x="0" y="0"/>
+          <a:ext cx="0" cy="0"/>
+          <a:chOff x="0" y="0"/>
+          <a:chExt cx="0" cy="0"/>
+        </a:xfrm>
+      </p:grpSpPr>
+      <p:sp>
+        <p:nvSpPr>
+          <p:cNvPr id="3" name="Content Placeholder 2"/>
+          <p:cNvSpPr>
+            <a:spLocks noGrp="1"/>
+          </p:cNvSpPr>
+          <p:nvPr>
+            <p:ph idx="1"/>
+          </p:nvPr>
+        </p:nvSpPr>
+        <p:spPr>
+          <a:xfrm>
+            <a:off x="838200" y="161365"/>
+            <a:ext cx="10515600" cy="6015598"/>
+          </a:xfrm>
+        </p:spPr>
+        <p:txBody>
+          <a:bodyPr>
+            <a:normAutofit/>
+          </a:bodyPr>
+          <a:lstStyle/>
+          <a:p>
+            <a:r>
+              <a:rPr lang="en-US" sz="3200" dirty="0" smtClean="0"/>
+              <a:t>P </a:t>
+            </a:r>
+            <a:r>
+              <a:rPr lang="en-US" sz="3200" dirty="0" smtClean="0"/>
+              <a:t> 8 (pdf</a:t>
+            </a:r>
+            <a:r>
+              <a:rPr lang="en-US" sz="3200" dirty="0" smtClean="0"/>
+              <a:t>)</a:t>
+            </a:r>
+          </a:p>
+          <a:p>
+            <a:r>
+              <a:rPr lang="en-US" sz="3200" dirty="0" err="1" smtClean="0"/>
+              <a:t>Eisen</a:t>
+            </a:r>
+            <a:r>
+              <a:rPr lang="en-US" sz="3200" dirty="0" smtClean="0"/>
+              <a:t>. Tries to use </a:t>
+            </a:r>
+            <a:r>
+              <a:rPr lang="en-US" sz="3200" dirty="0" err="1" smtClean="0"/>
+              <a:t>cimena</a:t>
+            </a:r>
+            <a:r>
+              <a:rPr lang="en-US" sz="3200" dirty="0" smtClean="0"/>
+              <a:t> to get to </a:t>
+            </a:r>
+            <a:r>
+              <a:rPr lang="en-US" sz="3200" dirty="0" err="1" smtClean="0"/>
+              <a:t>psycology</a:t>
+            </a:r>
+            <a:r>
+              <a:rPr lang="en-US" sz="3200" dirty="0" smtClean="0"/>
+              <a:t> of man in order to advance mankind</a:t>
+            </a:r>
+          </a:p>
+          <a:p>
+            <a:r>
+              <a:rPr lang="en-US" sz="3200" dirty="0" smtClean="0"/>
+              <a:t>What does 2</a:t>
+            </a:r>
+            <a:r>
+              <a:rPr lang="en-US" sz="3200" baseline="30000" dirty="0" smtClean="0"/>
+              <a:t>nd</a:t>
+            </a:r>
+            <a:r>
+              <a:rPr lang="en-US" sz="3200" dirty="0" smtClean="0"/>
+              <a:t> </a:t>
+            </a:r>
+            <a:r>
+              <a:rPr lang="en-US" sz="3200" dirty="0" err="1" smtClean="0"/>
+              <a:t>parargraph</a:t>
+            </a:r>
+            <a:r>
+              <a:rPr lang="en-US" sz="3200" dirty="0" smtClean="0"/>
+              <a:t> mean</a:t>
+            </a:r>
+          </a:p>
+          <a:p>
+            <a:r>
+              <a:rPr lang="en-US" sz="3200" dirty="0" err="1" smtClean="0"/>
+              <a:t>Eisen</a:t>
+            </a:r>
+            <a:r>
+              <a:rPr lang="en-US" sz="3200" dirty="0" smtClean="0"/>
+              <a:t>. Copies Japanese ideograms. Pictures are turned into alphabets in Japanese and emotions are merges of those alphabets. </a:t>
+            </a:r>
+            <a:r>
+              <a:rPr lang="en-US" sz="3200" dirty="0" err="1" smtClean="0"/>
+              <a:t>Eisen</a:t>
+            </a:r>
+            <a:r>
+              <a:rPr lang="en-US" sz="3200" dirty="0" smtClean="0"/>
+              <a:t>. </a:t>
+            </a:r>
+            <a:r>
+              <a:rPr lang="en-US" sz="3200" dirty="0" smtClean="0"/>
+              <a:t>has an off screen narrator speak while someone acts out the scene</a:t>
+            </a:r>
+            <a:endParaRPr lang="en-US" sz="3200" dirty="0" smtClean="0"/>
+          </a:p>
+        </p:txBody>
+      </p:sp>
+    </p:spTree>
+    <p:extLst>
+      <p:ext uri="{BB962C8B-B14F-4D97-AF65-F5344CB8AC3E}">
+        <p14:creationId xmlns:p14="http://schemas.microsoft.com/office/powerpoint/2010/main" val="462892155"/>
+      </p:ext>
+    </p:extLst>
+  </p:cSld>
+  <p:clrMapOvr>
+    <a:masterClrMapping/>
+  </p:clrMapOvr>
+</p:sld>
+</file>
+
+<file path=ppt/slides/slide33.xml><?xml version="1.0" encoding="utf-8"?>
+<p:sld xmlns:a="http://schemas.openxmlformats.org/drawingml/2006/main" xmlns:r="http://schemas.openxmlformats.org/officeDocument/2006/relationships" xmlns:p="http://schemas.openxmlformats.org/presentationml/2006/main">
+  <p:cSld>
+    <p:spTree>
+      <p:nvGrpSpPr>
+        <p:cNvPr id="1" name=""/>
+        <p:cNvGrpSpPr/>
+        <p:nvPr/>
+      </p:nvGrpSpPr>
+      <p:grpSpPr>
+        <a:xfrm>
+          <a:off x="0" y="0"/>
+          <a:ext cx="0" cy="0"/>
+          <a:chOff x="0" y="0"/>
+          <a:chExt cx="0" cy="0"/>
+        </a:xfrm>
+      </p:grpSpPr>
+      <p:sp>
+        <p:nvSpPr>
+          <p:cNvPr id="3" name="Content Placeholder 2"/>
+          <p:cNvSpPr>
+            <a:spLocks noGrp="1"/>
+          </p:cNvSpPr>
+          <p:nvPr>
+            <p:ph idx="1"/>
+          </p:nvPr>
+        </p:nvSpPr>
+        <p:spPr>
+          <a:xfrm>
+            <a:off x="838200" y="161365"/>
+            <a:ext cx="10515600" cy="6015598"/>
+          </a:xfrm>
+        </p:spPr>
+        <p:txBody>
+          <a:bodyPr>
+            <a:normAutofit/>
+          </a:bodyPr>
+          <a:lstStyle/>
+          <a:p>
+            <a:r>
+              <a:rPr lang="en-US" sz="3200" dirty="0" smtClean="0"/>
+              <a:t>P </a:t>
+            </a:r>
+            <a:r>
+              <a:rPr lang="en-US" sz="3200" dirty="0" smtClean="0"/>
+              <a:t> 9 (pdf</a:t>
+            </a:r>
+            <a:r>
+              <a:rPr lang="en-US" sz="3200" dirty="0" smtClean="0"/>
+              <a:t>)</a:t>
+            </a:r>
+          </a:p>
+          <a:p>
+            <a:r>
+              <a:rPr lang="en-US" sz="3200" dirty="0" err="1" smtClean="0"/>
+              <a:t>Eisen</a:t>
+            </a:r>
+            <a:r>
+              <a:rPr lang="en-US" sz="3200" dirty="0" smtClean="0"/>
+              <a:t>. Did it more than images he used brightness all visual aspects to talk his inner voice language</a:t>
+            </a:r>
+          </a:p>
+          <a:p>
+            <a:r>
+              <a:rPr lang="en-US" sz="3200" dirty="0" smtClean="0"/>
+              <a:t>D.W. Griffith does things like a </a:t>
+            </a:r>
+            <a:r>
+              <a:rPr lang="en-US" sz="3200" dirty="0" err="1" smtClean="0"/>
+              <a:t>metyoymn</a:t>
+            </a:r>
+            <a:r>
+              <a:rPr lang="en-US" sz="3200" dirty="0" smtClean="0"/>
+              <a:t> while </a:t>
+            </a:r>
+            <a:r>
+              <a:rPr lang="en-US" sz="3200" dirty="0" err="1" smtClean="0"/>
+              <a:t>Eisen</a:t>
+            </a:r>
+            <a:r>
+              <a:rPr lang="en-US" sz="3200" dirty="0" smtClean="0"/>
+              <a:t>. Uses metaphor he cares about using quality to create quality</a:t>
+            </a:r>
+          </a:p>
+          <a:p>
+            <a:r>
+              <a:rPr lang="en-US" sz="3200" dirty="0" smtClean="0"/>
+              <a:t>So </a:t>
+            </a:r>
+            <a:r>
+              <a:rPr lang="en-US" sz="3200" dirty="0" err="1" smtClean="0"/>
+              <a:t>Eisen</a:t>
+            </a:r>
+            <a:r>
+              <a:rPr lang="en-US" sz="3200" dirty="0" smtClean="0"/>
+              <a:t>. Puts all objects of the same object together to create paradigms</a:t>
+            </a:r>
+          </a:p>
+        </p:txBody>
+      </p:sp>
+    </p:spTree>
+    <p:extLst>
+      <p:ext uri="{BB962C8B-B14F-4D97-AF65-F5344CB8AC3E}">
+        <p14:creationId xmlns:p14="http://schemas.microsoft.com/office/powerpoint/2010/main" val="346287130"/>
+      </p:ext>
+    </p:extLst>
+  </p:cSld>
+  <p:clrMapOvr>
+    <a:masterClrMapping/>
+  </p:clrMapOvr>
+</p:sld>
+</file>
+
+<file path=ppt/slides/slide34.xml><?xml version="1.0" encoding="utf-8"?>
+<p:sld xmlns:a="http://schemas.openxmlformats.org/drawingml/2006/main" xmlns:r="http://schemas.openxmlformats.org/officeDocument/2006/relationships" xmlns:p="http://schemas.openxmlformats.org/presentationml/2006/main">
+  <p:cSld>
+    <p:spTree>
+      <p:nvGrpSpPr>
+        <p:cNvPr id="1" name=""/>
+        <p:cNvGrpSpPr/>
+        <p:nvPr/>
+      </p:nvGrpSpPr>
+      <p:grpSpPr>
+        <a:xfrm>
+          <a:off x="0" y="0"/>
+          <a:ext cx="0" cy="0"/>
+          <a:chOff x="0" y="0"/>
+          <a:chExt cx="0" cy="0"/>
+        </a:xfrm>
+      </p:grpSpPr>
+      <p:sp>
+        <p:nvSpPr>
+          <p:cNvPr id="3" name="Content Placeholder 2"/>
+          <p:cNvSpPr>
+            <a:spLocks noGrp="1"/>
+          </p:cNvSpPr>
+          <p:nvPr>
+            <p:ph idx="1"/>
+          </p:nvPr>
+        </p:nvSpPr>
+        <p:spPr>
+          <a:xfrm>
+            <a:off x="838200" y="161365"/>
+            <a:ext cx="10515600" cy="6015598"/>
+          </a:xfrm>
+        </p:spPr>
+        <p:txBody>
+          <a:bodyPr>
+            <a:normAutofit/>
+          </a:bodyPr>
+          <a:lstStyle/>
+          <a:p>
+            <a:r>
+              <a:rPr lang="en-US" sz="3200" dirty="0" smtClean="0"/>
+              <a:t>P </a:t>
+            </a:r>
+            <a:r>
+              <a:rPr lang="en-US" sz="3200" dirty="0" smtClean="0"/>
+              <a:t> 10 (pdf</a:t>
+            </a:r>
+            <a:r>
+              <a:rPr lang="en-US" sz="3200" dirty="0" smtClean="0"/>
+              <a:t>)</a:t>
+            </a:r>
+          </a:p>
+          <a:p>
+            <a:r>
+              <a:rPr lang="en-US" sz="3200" dirty="0" smtClean="0"/>
+              <a:t>What is the 1</a:t>
+            </a:r>
+            <a:r>
+              <a:rPr lang="en-US" sz="3200" baseline="30000" dirty="0" smtClean="0"/>
+              <a:t>st</a:t>
+            </a:r>
+            <a:r>
+              <a:rPr lang="en-US" sz="3200" dirty="0" smtClean="0"/>
+              <a:t> paragraph </a:t>
+            </a:r>
+            <a:r>
+              <a:rPr lang="en-US" sz="3200" dirty="0" err="1" smtClean="0"/>
+              <a:t>abt</a:t>
+            </a:r>
+            <a:endParaRPr lang="en-US" sz="3200" dirty="0" smtClean="0"/>
+          </a:p>
+          <a:p>
+            <a:r>
+              <a:rPr lang="en-US" sz="3200" dirty="0" smtClean="0"/>
+              <a:t>The persons physical characteristics were </a:t>
+            </a:r>
+            <a:r>
+              <a:rPr lang="en-US" sz="3200" dirty="0" err="1" smtClean="0"/>
+              <a:t>impt</a:t>
+            </a:r>
+            <a:r>
+              <a:rPr lang="en-US" sz="3200" dirty="0" smtClean="0"/>
+              <a:t>, just like kabuki his characters reminded </a:t>
+            </a:r>
+            <a:r>
+              <a:rPr lang="en-US" sz="3200" dirty="0" err="1" smtClean="0"/>
+              <a:t>ppl</a:t>
+            </a:r>
+            <a:r>
+              <a:rPr lang="en-US" sz="3200" dirty="0" smtClean="0"/>
+              <a:t> and acted like their respective animals</a:t>
+            </a:r>
+            <a:endParaRPr lang="en-US" sz="3200" dirty="0" smtClean="0"/>
+          </a:p>
+        </p:txBody>
+      </p:sp>
+    </p:spTree>
+    <p:extLst>
+      <p:ext uri="{BB962C8B-B14F-4D97-AF65-F5344CB8AC3E}">
+        <p14:creationId xmlns:p14="http://schemas.microsoft.com/office/powerpoint/2010/main" val="3009201768"/>
+      </p:ext>
+    </p:extLst>
+  </p:cSld>
+  <p:clrMapOvr>
+    <a:masterClrMapping/>
+  </p:clrMapOvr>
+</p:sld>
+</file>
+
+<file path=ppt/slides/slide35.xml><?xml version="1.0" encoding="utf-8"?>
+<p:sld xmlns:a="http://schemas.openxmlformats.org/drawingml/2006/main" xmlns:r="http://schemas.openxmlformats.org/officeDocument/2006/relationships" xmlns:p="http://schemas.openxmlformats.org/presentationml/2006/main">
+  <p:cSld>
+    <p:spTree>
+      <p:nvGrpSpPr>
+        <p:cNvPr id="1" name=""/>
+        <p:cNvGrpSpPr/>
+        <p:nvPr/>
+      </p:nvGrpSpPr>
+      <p:grpSpPr>
+        <a:xfrm>
+          <a:off x="0" y="0"/>
+          <a:ext cx="0" cy="0"/>
+          <a:chOff x="0" y="0"/>
+          <a:chExt cx="0" cy="0"/>
+        </a:xfrm>
+      </p:grpSpPr>
+      <p:sp>
+        <p:nvSpPr>
+          <p:cNvPr id="3" name="Content Placeholder 2"/>
+          <p:cNvSpPr>
+            <a:spLocks noGrp="1"/>
+          </p:cNvSpPr>
+          <p:nvPr>
+            <p:ph idx="1"/>
+          </p:nvPr>
+        </p:nvSpPr>
+        <p:spPr>
+          <a:xfrm>
+            <a:off x="838200" y="161365"/>
+            <a:ext cx="10515600" cy="6015598"/>
+          </a:xfrm>
+        </p:spPr>
+        <p:txBody>
+          <a:bodyPr>
+            <a:normAutofit/>
+          </a:bodyPr>
+          <a:lstStyle/>
+          <a:p>
+            <a:r>
+              <a:rPr lang="en-US" sz="3200" dirty="0" smtClean="0"/>
+              <a:t>P </a:t>
+            </a:r>
+            <a:r>
+              <a:rPr lang="en-US" sz="3200" dirty="0" smtClean="0"/>
+              <a:t> 11 (pdf</a:t>
+            </a:r>
+            <a:r>
+              <a:rPr lang="en-US" sz="3200" dirty="0" smtClean="0"/>
+              <a:t>)</a:t>
+            </a:r>
+          </a:p>
+          <a:p>
+            <a:r>
+              <a:rPr lang="en-US" sz="3200" dirty="0" err="1" smtClean="0"/>
+              <a:t>Eisen</a:t>
+            </a:r>
+            <a:r>
+              <a:rPr lang="en-US" sz="3200" dirty="0" smtClean="0"/>
+              <a:t>. Talks about </a:t>
+            </a:r>
+            <a:r>
+              <a:rPr lang="en-US" sz="3200" dirty="0" err="1" smtClean="0"/>
+              <a:t>fragementation</a:t>
+            </a:r>
+            <a:r>
+              <a:rPr lang="en-US" sz="3200" dirty="0" smtClean="0"/>
+              <a:t> of signs, says actors task is to match his </a:t>
+            </a:r>
+            <a:r>
+              <a:rPr lang="en-US" sz="3200" dirty="0" err="1" smtClean="0"/>
+              <a:t>charcter</a:t>
+            </a:r>
+            <a:r>
+              <a:rPr lang="en-US" sz="3200" dirty="0" smtClean="0"/>
+              <a:t> in a few features</a:t>
+            </a:r>
+          </a:p>
+          <a:p>
+            <a:r>
+              <a:rPr lang="en-US" sz="3200" dirty="0" smtClean="0"/>
+              <a:t>He has to live out his character</a:t>
+            </a:r>
+          </a:p>
+          <a:p>
+            <a:r>
+              <a:rPr lang="en-US" sz="3200" dirty="0" smtClean="0"/>
+              <a:t>Also the change in quality of a scene as you see it can also cause a change in emotion</a:t>
+            </a:r>
+          </a:p>
+        </p:txBody>
+      </p:sp>
+    </p:spTree>
+    <p:extLst>
+      <p:ext uri="{BB962C8B-B14F-4D97-AF65-F5344CB8AC3E}">
+        <p14:creationId xmlns:p14="http://schemas.microsoft.com/office/powerpoint/2010/main" val="3389904435"/>
+      </p:ext>
+    </p:extLst>
+  </p:cSld>
+  <p:clrMapOvr>
+    <a:masterClrMapping/>
+  </p:clrMapOvr>
+</p:sld>
+</file>
+
+<file path=ppt/slides/slide36.xml><?xml version="1.0" encoding="utf-8"?>
+<p:sld xmlns:a="http://schemas.openxmlformats.org/drawingml/2006/main" xmlns:r="http://schemas.openxmlformats.org/officeDocument/2006/relationships" xmlns:p="http://schemas.openxmlformats.org/presentationml/2006/main">
+  <p:cSld>
+    <p:spTree>
+      <p:nvGrpSpPr>
+        <p:cNvPr id="1" name=""/>
+        <p:cNvGrpSpPr/>
+        <p:nvPr/>
+      </p:nvGrpSpPr>
+      <p:grpSpPr>
+        <a:xfrm>
+          <a:off x="0" y="0"/>
+          <a:ext cx="0" cy="0"/>
+          <a:chOff x="0" y="0"/>
+          <a:chExt cx="0" cy="0"/>
+        </a:xfrm>
+      </p:grpSpPr>
+      <p:sp>
+        <p:nvSpPr>
+          <p:cNvPr id="3" name="Content Placeholder 2"/>
+          <p:cNvSpPr>
+            <a:spLocks noGrp="1"/>
+          </p:cNvSpPr>
+          <p:nvPr>
+            <p:ph idx="1"/>
+          </p:nvPr>
+        </p:nvSpPr>
+        <p:spPr>
+          <a:xfrm>
+            <a:off x="838200" y="161365"/>
+            <a:ext cx="10515600" cy="6015598"/>
+          </a:xfrm>
+        </p:spPr>
+        <p:txBody>
+          <a:bodyPr>
+            <a:normAutofit/>
+          </a:bodyPr>
+          <a:lstStyle/>
+          <a:p>
+            <a:r>
+              <a:rPr lang="en-US" sz="3200" dirty="0" smtClean="0"/>
+              <a:t>P </a:t>
+            </a:r>
+            <a:r>
+              <a:rPr lang="en-US" sz="3200" dirty="0" smtClean="0"/>
+              <a:t> 12 (pdf</a:t>
+            </a:r>
+            <a:r>
+              <a:rPr lang="en-US" sz="3200" dirty="0" smtClean="0"/>
+              <a:t>)</a:t>
+            </a:r>
+          </a:p>
+          <a:p>
+            <a:r>
+              <a:rPr lang="en-US" sz="3200" dirty="0" smtClean="0"/>
+              <a:t>Gestures are important</a:t>
+            </a:r>
+            <a:endParaRPr lang="en-US" sz="3200" dirty="0" smtClean="0"/>
+          </a:p>
+        </p:txBody>
+      </p:sp>
+    </p:spTree>
+    <p:extLst>
+      <p:ext uri="{BB962C8B-B14F-4D97-AF65-F5344CB8AC3E}">
+        <p14:creationId xmlns:p14="http://schemas.microsoft.com/office/powerpoint/2010/main" val="1245892544"/>
       </p:ext>
     </p:extLst>
   </p:cSld>

--- a/Spring 2017 Semester/Music or Arts/ARUS HW/6 ARUS HW/ARUS HW#6 notes.pptx
+++ b/Spring 2017 Semester/Music or Arts/ARUS HW/6 ARUS HW/ARUS HW#6 notes.pptx
@@ -2,12 +2,12 @@
 <file path=ppt/presentation.xml><?xml version="1.0" encoding="utf-8"?>
 <p:presentation xmlns:a="http://schemas.openxmlformats.org/drawingml/2006/main" xmlns:r="http://schemas.openxmlformats.org/officeDocument/2006/relationships" xmlns:p="http://schemas.openxmlformats.org/presentationml/2006/main" saveSubsetFonts="1">
   <p:sldMasterIdLst>
-    <p:sldMasterId id="2147483648" r:id="rId1"/>
+    <p:sldMasterId id="2147483659" r:id="rId1"/>
   </p:sldMasterIdLst>
   <p:sldIdLst>
     <p:sldId id="256" r:id="rId2"/>
-    <p:sldId id="258" r:id="rId3"/>
-    <p:sldId id="257" r:id="rId4"/>
+    <p:sldId id="257" r:id="rId3"/>
+    <p:sldId id="258" r:id="rId4"/>
     <p:sldId id="259" r:id="rId5"/>
     <p:sldId id="260" r:id="rId6"/>
     <p:sldId id="261" r:id="rId7"/>
@@ -41,6 +41,25 @@
     <p:sldId id="289" r:id="rId35"/>
     <p:sldId id="290" r:id="rId36"/>
     <p:sldId id="291" r:id="rId37"/>
+    <p:sldId id="292" r:id="rId38"/>
+    <p:sldId id="293" r:id="rId39"/>
+    <p:sldId id="294" r:id="rId40"/>
+    <p:sldId id="295" r:id="rId41"/>
+    <p:sldId id="296" r:id="rId42"/>
+    <p:sldId id="297" r:id="rId43"/>
+    <p:sldId id="298" r:id="rId44"/>
+    <p:sldId id="299" r:id="rId45"/>
+    <p:sldId id="300" r:id="rId46"/>
+    <p:sldId id="301" r:id="rId47"/>
+    <p:sldId id="302" r:id="rId48"/>
+    <p:sldId id="303" r:id="rId49"/>
+    <p:sldId id="304" r:id="rId50"/>
+    <p:sldId id="305" r:id="rId51"/>
+    <p:sldId id="306" r:id="rId52"/>
+    <p:sldId id="307" r:id="rId53"/>
+    <p:sldId id="308" r:id="rId54"/>
+    <p:sldId id="309" r:id="rId55"/>
+    <p:sldId id="310" r:id="rId56"/>
   </p:sldIdLst>
   <p:sldSz cx="12192000" cy="6858000"/>
   <p:notesSz cx="6858000" cy="9144000"/>
@@ -181,7 +200,7 @@
           </a:xfrm>
         </p:spPr>
         <p:txBody>
-          <a:bodyPr anchor="b"/>
+          <a:bodyPr numCol="1" anchor="b"/>
           <a:lstStyle>
             <a:lvl1pPr algn="ctr">
               <a:defRPr sz="6000"/>
@@ -213,7 +232,7 @@
           </a:xfrm>
         </p:spPr>
         <p:txBody>
-          <a:bodyPr/>
+          <a:bodyPr numCol="1"/>
           <a:lstStyle>
             <a:lvl1pPr marL="0" indent="0" algn="ctr">
               <a:buNone/>
@@ -273,12 +292,12 @@
         </p:nvSpPr>
         <p:spPr/>
         <p:txBody>
-          <a:bodyPr/>
+          <a:bodyPr numCol="1"/>
           <a:lstStyle/>
           <a:p>
             <a:fld id="{565AE5A7-D644-464D-B982-26090501DA72}" type="datetimeFigureOut">
               <a:rPr lang="en-US" smtClean="0"/>
-              <a:t>2/16/2017</a:t>
+              <a:t>2/20/2017</a:t>
             </a:fld>
             <a:endParaRPr lang="en-US"/>
           </a:p>
@@ -296,7 +315,7 @@
         </p:nvSpPr>
         <p:spPr/>
         <p:txBody>
-          <a:bodyPr/>
+          <a:bodyPr numCol="1"/>
           <a:lstStyle/>
           <a:p>
             <a:endParaRPr lang="en-US"/>
@@ -315,7 +334,7 @@
         </p:nvSpPr>
         <p:spPr/>
         <p:txBody>
-          <a:bodyPr/>
+          <a:bodyPr numCol="1"/>
           <a:lstStyle/>
           <a:p>
             <a:fld id="{F85CA616-104E-4A84-ABF0-22257A41171C}" type="slidenum">
@@ -368,7 +387,7 @@
         </p:nvSpPr>
         <p:spPr/>
         <p:txBody>
-          <a:bodyPr/>
+          <a:bodyPr numCol="1"/>
           <a:lstStyle/>
           <a:p>
             <a:r>
@@ -391,7 +410,7 @@
         </p:nvSpPr>
         <p:spPr/>
         <p:txBody>
-          <a:bodyPr vert="eaVert"/>
+          <a:bodyPr vert="eaVert" numCol="1"/>
           <a:lstStyle/>
           <a:p>
             <a:pPr lvl="0"/>
@@ -443,12 +462,12 @@
         </p:nvSpPr>
         <p:spPr/>
         <p:txBody>
-          <a:bodyPr/>
+          <a:bodyPr numCol="1"/>
           <a:lstStyle/>
           <a:p>
             <a:fld id="{565AE5A7-D644-464D-B982-26090501DA72}" type="datetimeFigureOut">
               <a:rPr lang="en-US" smtClean="0"/>
-              <a:t>2/16/2017</a:t>
+              <a:t>2/20/2017</a:t>
             </a:fld>
             <a:endParaRPr lang="en-US"/>
           </a:p>
@@ -466,7 +485,7 @@
         </p:nvSpPr>
         <p:spPr/>
         <p:txBody>
-          <a:bodyPr/>
+          <a:bodyPr numCol="1"/>
           <a:lstStyle/>
           <a:p>
             <a:endParaRPr lang="en-US"/>
@@ -485,7 +504,7 @@
         </p:nvSpPr>
         <p:spPr/>
         <p:txBody>
-          <a:bodyPr/>
+          <a:bodyPr numCol="1"/>
           <a:lstStyle/>
           <a:p>
             <a:fld id="{F85CA616-104E-4A84-ABF0-22257A41171C}" type="slidenum">
@@ -543,7 +562,7 @@
           </a:xfrm>
         </p:spPr>
         <p:txBody>
-          <a:bodyPr vert="eaVert"/>
+          <a:bodyPr vert="eaVert" numCol="1"/>
           <a:lstStyle/>
           <a:p>
             <a:r>
@@ -571,7 +590,7 @@
           </a:xfrm>
         </p:spPr>
         <p:txBody>
-          <a:bodyPr vert="eaVert"/>
+          <a:bodyPr vert="eaVert" numCol="1"/>
           <a:lstStyle/>
           <a:p>
             <a:pPr lvl="0"/>
@@ -623,12 +642,12 @@
         </p:nvSpPr>
         <p:spPr/>
         <p:txBody>
-          <a:bodyPr/>
+          <a:bodyPr numCol="1"/>
           <a:lstStyle/>
           <a:p>
             <a:fld id="{565AE5A7-D644-464D-B982-26090501DA72}" type="datetimeFigureOut">
               <a:rPr lang="en-US" smtClean="0"/>
-              <a:t>2/16/2017</a:t>
+              <a:t>2/20/2017</a:t>
             </a:fld>
             <a:endParaRPr lang="en-US"/>
           </a:p>
@@ -646,7 +665,7 @@
         </p:nvSpPr>
         <p:spPr/>
         <p:txBody>
-          <a:bodyPr/>
+          <a:bodyPr numCol="1"/>
           <a:lstStyle/>
           <a:p>
             <a:endParaRPr lang="en-US"/>
@@ -665,7 +684,7 @@
         </p:nvSpPr>
         <p:spPr/>
         <p:txBody>
-          <a:bodyPr/>
+          <a:bodyPr numCol="1"/>
           <a:lstStyle/>
           <a:p>
             <a:fld id="{F85CA616-104E-4A84-ABF0-22257A41171C}" type="slidenum">
@@ -718,7 +737,7 @@
         </p:nvSpPr>
         <p:spPr/>
         <p:txBody>
-          <a:bodyPr/>
+          <a:bodyPr numCol="1"/>
           <a:lstStyle/>
           <a:p>
             <a:r>
@@ -741,7 +760,7 @@
         </p:nvSpPr>
         <p:spPr/>
         <p:txBody>
-          <a:bodyPr/>
+          <a:bodyPr numCol="1"/>
           <a:lstStyle/>
           <a:p>
             <a:pPr lvl="0"/>
@@ -793,12 +812,12 @@
         </p:nvSpPr>
         <p:spPr/>
         <p:txBody>
-          <a:bodyPr/>
+          <a:bodyPr numCol="1"/>
           <a:lstStyle/>
           <a:p>
             <a:fld id="{565AE5A7-D644-464D-B982-26090501DA72}" type="datetimeFigureOut">
               <a:rPr lang="en-US" smtClean="0"/>
-              <a:t>2/16/2017</a:t>
+              <a:t>2/20/2017</a:t>
             </a:fld>
             <a:endParaRPr lang="en-US"/>
           </a:p>
@@ -816,7 +835,7 @@
         </p:nvSpPr>
         <p:spPr/>
         <p:txBody>
-          <a:bodyPr/>
+          <a:bodyPr numCol="1"/>
           <a:lstStyle/>
           <a:p>
             <a:endParaRPr lang="en-US"/>
@@ -835,7 +854,7 @@
         </p:nvSpPr>
         <p:spPr/>
         <p:txBody>
-          <a:bodyPr/>
+          <a:bodyPr numCol="1"/>
           <a:lstStyle/>
           <a:p>
             <a:fld id="{F85CA616-104E-4A84-ABF0-22257A41171C}" type="slidenum">
@@ -893,7 +912,7 @@
           </a:xfrm>
         </p:spPr>
         <p:txBody>
-          <a:bodyPr anchor="b"/>
+          <a:bodyPr numCol="1" anchor="b"/>
           <a:lstStyle>
             <a:lvl1pPr>
               <a:defRPr sz="6000"/>
@@ -925,7 +944,7 @@
           </a:xfrm>
         </p:spPr>
         <p:txBody>
-          <a:bodyPr/>
+          <a:bodyPr numCol="1"/>
           <a:lstStyle>
             <a:lvl1pPr marL="0" indent="0">
               <a:buNone/>
@@ -1039,12 +1058,12 @@
         </p:nvSpPr>
         <p:spPr/>
         <p:txBody>
-          <a:bodyPr/>
+          <a:bodyPr numCol="1"/>
           <a:lstStyle/>
           <a:p>
             <a:fld id="{565AE5A7-D644-464D-B982-26090501DA72}" type="datetimeFigureOut">
               <a:rPr lang="en-US" smtClean="0"/>
-              <a:t>2/16/2017</a:t>
+              <a:t>2/20/2017</a:t>
             </a:fld>
             <a:endParaRPr lang="en-US"/>
           </a:p>
@@ -1062,7 +1081,7 @@
         </p:nvSpPr>
         <p:spPr/>
         <p:txBody>
-          <a:bodyPr/>
+          <a:bodyPr numCol="1"/>
           <a:lstStyle/>
           <a:p>
             <a:endParaRPr lang="en-US"/>
@@ -1081,7 +1100,7 @@
         </p:nvSpPr>
         <p:spPr/>
         <p:txBody>
-          <a:bodyPr/>
+          <a:bodyPr numCol="1"/>
           <a:lstStyle/>
           <a:p>
             <a:fld id="{F85CA616-104E-4A84-ABF0-22257A41171C}" type="slidenum">
@@ -1134,7 +1153,7 @@
         </p:nvSpPr>
         <p:spPr/>
         <p:txBody>
-          <a:bodyPr/>
+          <a:bodyPr numCol="1"/>
           <a:lstStyle/>
           <a:p>
             <a:r>
@@ -1162,7 +1181,7 @@
           </a:xfrm>
         </p:spPr>
         <p:txBody>
-          <a:bodyPr/>
+          <a:bodyPr numCol="1"/>
           <a:lstStyle/>
           <a:p>
             <a:pPr lvl="0"/>
@@ -1219,7 +1238,7 @@
           </a:xfrm>
         </p:spPr>
         <p:txBody>
-          <a:bodyPr/>
+          <a:bodyPr numCol="1"/>
           <a:lstStyle/>
           <a:p>
             <a:pPr lvl="0"/>
@@ -1271,12 +1290,12 @@
         </p:nvSpPr>
         <p:spPr/>
         <p:txBody>
-          <a:bodyPr/>
+          <a:bodyPr numCol="1"/>
           <a:lstStyle/>
           <a:p>
             <a:fld id="{565AE5A7-D644-464D-B982-26090501DA72}" type="datetimeFigureOut">
               <a:rPr lang="en-US" smtClean="0"/>
-              <a:t>2/16/2017</a:t>
+              <a:t>2/20/2017</a:t>
             </a:fld>
             <a:endParaRPr lang="en-US"/>
           </a:p>
@@ -1294,7 +1313,7 @@
         </p:nvSpPr>
         <p:spPr/>
         <p:txBody>
-          <a:bodyPr/>
+          <a:bodyPr numCol="1"/>
           <a:lstStyle/>
           <a:p>
             <a:endParaRPr lang="en-US"/>
@@ -1313,7 +1332,7 @@
         </p:nvSpPr>
         <p:spPr/>
         <p:txBody>
-          <a:bodyPr/>
+          <a:bodyPr numCol="1"/>
           <a:lstStyle/>
           <a:p>
             <a:fld id="{F85CA616-104E-4A84-ABF0-22257A41171C}" type="slidenum">
@@ -1371,7 +1390,7 @@
           </a:xfrm>
         </p:spPr>
         <p:txBody>
-          <a:bodyPr/>
+          <a:bodyPr numCol="1"/>
           <a:lstStyle/>
           <a:p>
             <a:r>
@@ -1399,7 +1418,7 @@
           </a:xfrm>
         </p:spPr>
         <p:txBody>
-          <a:bodyPr anchor="b"/>
+          <a:bodyPr numCol="1" anchor="b"/>
           <a:lstStyle>
             <a:lvl1pPr marL="0" indent="0">
               <a:buNone/>
@@ -1464,7 +1483,7 @@
           </a:xfrm>
         </p:spPr>
         <p:txBody>
-          <a:bodyPr/>
+          <a:bodyPr numCol="1"/>
           <a:lstStyle/>
           <a:p>
             <a:pPr lvl="0"/>
@@ -1521,7 +1540,7 @@
           </a:xfrm>
         </p:spPr>
         <p:txBody>
-          <a:bodyPr anchor="b"/>
+          <a:bodyPr numCol="1" anchor="b"/>
           <a:lstStyle>
             <a:lvl1pPr marL="0" indent="0">
               <a:buNone/>
@@ -1586,7 +1605,7 @@
           </a:xfrm>
         </p:spPr>
         <p:txBody>
-          <a:bodyPr/>
+          <a:bodyPr numCol="1"/>
           <a:lstStyle/>
           <a:p>
             <a:pPr lvl="0"/>
@@ -1638,12 +1657,12 @@
         </p:nvSpPr>
         <p:spPr/>
         <p:txBody>
-          <a:bodyPr/>
+          <a:bodyPr numCol="1"/>
           <a:lstStyle/>
           <a:p>
             <a:fld id="{565AE5A7-D644-464D-B982-26090501DA72}" type="datetimeFigureOut">
               <a:rPr lang="en-US" smtClean="0"/>
-              <a:t>2/16/2017</a:t>
+              <a:t>2/20/2017</a:t>
             </a:fld>
             <a:endParaRPr lang="en-US"/>
           </a:p>
@@ -1661,7 +1680,7 @@
         </p:nvSpPr>
         <p:spPr/>
         <p:txBody>
-          <a:bodyPr/>
+          <a:bodyPr numCol="1"/>
           <a:lstStyle/>
           <a:p>
             <a:endParaRPr lang="en-US"/>
@@ -1680,7 +1699,7 @@
         </p:nvSpPr>
         <p:spPr/>
         <p:txBody>
-          <a:bodyPr/>
+          <a:bodyPr numCol="1"/>
           <a:lstStyle/>
           <a:p>
             <a:fld id="{F85CA616-104E-4A84-ABF0-22257A41171C}" type="slidenum">
@@ -1733,7 +1752,7 @@
         </p:nvSpPr>
         <p:spPr/>
         <p:txBody>
-          <a:bodyPr/>
+          <a:bodyPr numCol="1"/>
           <a:lstStyle/>
           <a:p>
             <a:r>
@@ -1756,12 +1775,12 @@
         </p:nvSpPr>
         <p:spPr/>
         <p:txBody>
-          <a:bodyPr/>
+          <a:bodyPr numCol="1"/>
           <a:lstStyle/>
           <a:p>
             <a:fld id="{565AE5A7-D644-464D-B982-26090501DA72}" type="datetimeFigureOut">
               <a:rPr lang="en-US" smtClean="0"/>
-              <a:t>2/16/2017</a:t>
+              <a:t>2/20/2017</a:t>
             </a:fld>
             <a:endParaRPr lang="en-US"/>
           </a:p>
@@ -1779,7 +1798,7 @@
         </p:nvSpPr>
         <p:spPr/>
         <p:txBody>
-          <a:bodyPr/>
+          <a:bodyPr numCol="1"/>
           <a:lstStyle/>
           <a:p>
             <a:endParaRPr lang="en-US"/>
@@ -1798,7 +1817,7 @@
         </p:nvSpPr>
         <p:spPr/>
         <p:txBody>
-          <a:bodyPr/>
+          <a:bodyPr numCol="1"/>
           <a:lstStyle/>
           <a:p>
             <a:fld id="{F85CA616-104E-4A84-ABF0-22257A41171C}" type="slidenum">
@@ -1851,12 +1870,12 @@
         </p:nvSpPr>
         <p:spPr/>
         <p:txBody>
-          <a:bodyPr/>
+          <a:bodyPr numCol="1"/>
           <a:lstStyle/>
           <a:p>
             <a:fld id="{565AE5A7-D644-464D-B982-26090501DA72}" type="datetimeFigureOut">
               <a:rPr lang="en-US" smtClean="0"/>
-              <a:t>2/16/2017</a:t>
+              <a:t>2/20/2017</a:t>
             </a:fld>
             <a:endParaRPr lang="en-US"/>
           </a:p>
@@ -1874,7 +1893,7 @@
         </p:nvSpPr>
         <p:spPr/>
         <p:txBody>
-          <a:bodyPr/>
+          <a:bodyPr numCol="1"/>
           <a:lstStyle/>
           <a:p>
             <a:endParaRPr lang="en-US"/>
@@ -1893,7 +1912,7 @@
         </p:nvSpPr>
         <p:spPr/>
         <p:txBody>
-          <a:bodyPr/>
+          <a:bodyPr numCol="1"/>
           <a:lstStyle/>
           <a:p>
             <a:fld id="{F85CA616-104E-4A84-ABF0-22257A41171C}" type="slidenum">
@@ -1951,7 +1970,7 @@
           </a:xfrm>
         </p:spPr>
         <p:txBody>
-          <a:bodyPr anchor="b"/>
+          <a:bodyPr numCol="1" anchor="b"/>
           <a:lstStyle>
             <a:lvl1pPr>
               <a:defRPr sz="3200"/>
@@ -1983,7 +2002,7 @@
           </a:xfrm>
         </p:spPr>
         <p:txBody>
-          <a:bodyPr/>
+          <a:bodyPr numCol="1"/>
           <a:lstStyle>
             <a:lvl1pPr>
               <a:defRPr sz="3200"/>
@@ -2068,7 +2087,7 @@
           </a:xfrm>
         </p:spPr>
         <p:txBody>
-          <a:bodyPr/>
+          <a:bodyPr numCol="1"/>
           <a:lstStyle>
             <a:lvl1pPr marL="0" indent="0">
               <a:buNone/>
@@ -2128,12 +2147,12 @@
         </p:nvSpPr>
         <p:spPr/>
         <p:txBody>
-          <a:bodyPr/>
+          <a:bodyPr numCol="1"/>
           <a:lstStyle/>
           <a:p>
             <a:fld id="{565AE5A7-D644-464D-B982-26090501DA72}" type="datetimeFigureOut">
               <a:rPr lang="en-US" smtClean="0"/>
-              <a:t>2/16/2017</a:t>
+              <a:t>2/20/2017</a:t>
             </a:fld>
             <a:endParaRPr lang="en-US"/>
           </a:p>
@@ -2151,7 +2170,7 @@
         </p:nvSpPr>
         <p:spPr/>
         <p:txBody>
-          <a:bodyPr/>
+          <a:bodyPr numCol="1"/>
           <a:lstStyle/>
           <a:p>
             <a:endParaRPr lang="en-US"/>
@@ -2170,7 +2189,7 @@
         </p:nvSpPr>
         <p:spPr/>
         <p:txBody>
-          <a:bodyPr/>
+          <a:bodyPr numCol="1"/>
           <a:lstStyle/>
           <a:p>
             <a:fld id="{F85CA616-104E-4A84-ABF0-22257A41171C}" type="slidenum">
@@ -2228,7 +2247,7 @@
           </a:xfrm>
         </p:spPr>
         <p:txBody>
-          <a:bodyPr anchor="b"/>
+          <a:bodyPr numCol="1" anchor="b"/>
           <a:lstStyle>
             <a:lvl1pPr>
               <a:defRPr sz="3200"/>
@@ -2260,7 +2279,7 @@
           </a:xfrm>
         </p:spPr>
         <p:txBody>
-          <a:bodyPr/>
+          <a:bodyPr numCol="1"/>
           <a:lstStyle>
             <a:lvl1pPr marL="0" indent="0">
               <a:buNone/>
@@ -2321,7 +2340,7 @@
           </a:xfrm>
         </p:spPr>
         <p:txBody>
-          <a:bodyPr/>
+          <a:bodyPr numCol="1"/>
           <a:lstStyle>
             <a:lvl1pPr marL="0" indent="0">
               <a:buNone/>
@@ -2381,12 +2400,12 @@
         </p:nvSpPr>
         <p:spPr/>
         <p:txBody>
-          <a:bodyPr/>
+          <a:bodyPr numCol="1"/>
           <a:lstStyle/>
           <a:p>
             <a:fld id="{565AE5A7-D644-464D-B982-26090501DA72}" type="datetimeFigureOut">
               <a:rPr lang="en-US" smtClean="0"/>
-              <a:t>2/16/2017</a:t>
+              <a:t>2/20/2017</a:t>
             </a:fld>
             <a:endParaRPr lang="en-US"/>
           </a:p>
@@ -2404,7 +2423,7 @@
         </p:nvSpPr>
         <p:spPr/>
         <p:txBody>
-          <a:bodyPr/>
+          <a:bodyPr numCol="1"/>
           <a:lstStyle/>
           <a:p>
             <a:endParaRPr lang="en-US"/>
@@ -2423,7 +2442,7 @@
         </p:nvSpPr>
         <p:spPr/>
         <p:txBody>
-          <a:bodyPr/>
+          <a:bodyPr numCol="1"/>
           <a:lstStyle/>
           <a:p>
             <a:fld id="{F85CA616-104E-4A84-ABF0-22257A41171C}" type="slidenum">
@@ -2489,7 +2508,7 @@
           </a:prstGeom>
         </p:spPr>
         <p:txBody>
-          <a:bodyPr vert="horz" lIns="91440" tIns="45720" rIns="91440" bIns="45720" rtlCol="0" anchor="ctr">
+          <a:bodyPr vert="horz" lIns="91440" tIns="45720" rIns="91440" bIns="45720" numCol="1" rtlCol="0" anchor="ctr">
             <a:normAutofit/>
           </a:bodyPr>
           <a:lstStyle/>
@@ -2522,7 +2541,7 @@
           </a:prstGeom>
         </p:spPr>
         <p:txBody>
-          <a:bodyPr vert="horz" lIns="91440" tIns="45720" rIns="91440" bIns="45720" rtlCol="0">
+          <a:bodyPr vert="horz" lIns="91440" tIns="45720" rIns="91440" bIns="45720" numCol="1" rtlCol="0">
             <a:normAutofit/>
           </a:bodyPr>
           <a:lstStyle/>
@@ -2584,7 +2603,7 @@
           </a:prstGeom>
         </p:spPr>
         <p:txBody>
-          <a:bodyPr vert="horz" lIns="91440" tIns="45720" rIns="91440" bIns="45720" rtlCol="0" anchor="ctr"/>
+          <a:bodyPr vert="horz" lIns="91440" tIns="45720" rIns="91440" bIns="45720" numCol="1" rtlCol="0" anchor="ctr"/>
           <a:lstStyle>
             <a:lvl1pPr algn="l">
               <a:defRPr sz="1200">
@@ -2599,7 +2618,7 @@
           <a:p>
             <a:fld id="{565AE5A7-D644-464D-B982-26090501DA72}" type="datetimeFigureOut">
               <a:rPr lang="en-US" smtClean="0"/>
-              <a:t>2/16/2017</a:t>
+              <a:t>2/20/2017</a:t>
             </a:fld>
             <a:endParaRPr lang="en-US"/>
           </a:p>
@@ -2625,7 +2644,7 @@
           </a:prstGeom>
         </p:spPr>
         <p:txBody>
-          <a:bodyPr vert="horz" lIns="91440" tIns="45720" rIns="91440" bIns="45720" rtlCol="0" anchor="ctr"/>
+          <a:bodyPr vert="horz" lIns="91440" tIns="45720" rIns="91440" bIns="45720" numCol="1" rtlCol="0" anchor="ctr"/>
           <a:lstStyle>
             <a:lvl1pPr algn="ctr">
               <a:defRPr sz="1200">
@@ -2662,7 +2681,7 @@
           </a:prstGeom>
         </p:spPr>
         <p:txBody>
-          <a:bodyPr vert="horz" lIns="91440" tIns="45720" rIns="91440" bIns="45720" rtlCol="0" anchor="ctr"/>
+          <a:bodyPr vert="horz" lIns="91440" tIns="45720" rIns="91440" bIns="45720" numCol="1" rtlCol="0" anchor="ctr"/>
           <a:lstStyle>
             <a:lvl1pPr algn="r">
               <a:defRPr sz="1200">
@@ -2692,17 +2711,17 @@
   </p:cSld>
   <p:clrMap bg1="lt1" tx1="dk1" bg2="lt2" tx2="dk2" accent1="accent1" accent2="accent2" accent3="accent3" accent4="accent4" accent5="accent5" accent6="accent6" hlink="hlink" folHlink="folHlink"/>
   <p:sldLayoutIdLst>
-    <p:sldLayoutId id="2147483649" r:id="rId1"/>
-    <p:sldLayoutId id="2147483650" r:id="rId2"/>
-    <p:sldLayoutId id="2147483651" r:id="rId3"/>
-    <p:sldLayoutId id="2147483652" r:id="rId4"/>
-    <p:sldLayoutId id="2147483653" r:id="rId5"/>
-    <p:sldLayoutId id="2147483654" r:id="rId6"/>
-    <p:sldLayoutId id="2147483655" r:id="rId7"/>
-    <p:sldLayoutId id="2147483656" r:id="rId8"/>
-    <p:sldLayoutId id="2147483657" r:id="rId9"/>
-    <p:sldLayoutId id="2147483658" r:id="rId10"/>
-    <p:sldLayoutId id="2147483659" r:id="rId11"/>
+    <p:sldLayoutId id="2147483648" r:id="rId1"/>
+    <p:sldLayoutId id="2147483649" r:id="rId2"/>
+    <p:sldLayoutId id="2147483650" r:id="rId3"/>
+    <p:sldLayoutId id="2147483651" r:id="rId4"/>
+    <p:sldLayoutId id="2147483652" r:id="rId5"/>
+    <p:sldLayoutId id="2147483653" r:id="rId6"/>
+    <p:sldLayoutId id="2147483654" r:id="rId7"/>
+    <p:sldLayoutId id="2147483655" r:id="rId8"/>
+    <p:sldLayoutId id="2147483656" r:id="rId9"/>
+    <p:sldLayoutId id="2147483657" r:id="rId10"/>
+    <p:sldLayoutId id="2147483658" r:id="rId11"/>
   </p:sldLayoutIdLst>
   <p:txStyles>
     <p:titleStyle>
@@ -3016,12 +3035,12 @@
         </p:nvSpPr>
         <p:spPr/>
         <p:txBody>
-          <a:bodyPr/>
+          <a:bodyPr numCol="1"/>
           <a:lstStyle/>
           <a:p>
             <a:r>
               <a:rPr lang="en-US" dirty="0" smtClean="0"/>
-              <a:t>ARUS 280 HW #4</a:t>
+              <a:t>ARUS 280 HW #6</a:t>
             </a:r>
             <a:endParaRPr lang="en-US" dirty="0"/>
           </a:p>
@@ -3039,12 +3058,12 @@
         </p:nvSpPr>
         <p:spPr>
           <a:xfrm>
-            <a:off x="1524000" y="3602037"/>
-            <a:ext cx="9144000" cy="2228607"/>
+            <a:off x="1537153" y="3549425"/>
+            <a:ext cx="9144000" cy="2228552"/>
           </a:xfrm>
         </p:spPr>
         <p:txBody>
-          <a:bodyPr>
+          <a:bodyPr numCol="1">
             <a:normAutofit/>
           </a:bodyPr>
           <a:lstStyle/>
@@ -3144,7 +3163,7 @@
           </a:xfrm>
         </p:spPr>
         <p:txBody>
-          <a:bodyPr>
+          <a:bodyPr numCol="1">
             <a:normAutofit/>
           </a:bodyPr>
           <a:lstStyle/>
@@ -3248,7 +3267,7 @@
           </a:xfrm>
         </p:spPr>
         <p:txBody>
-          <a:bodyPr>
+          <a:bodyPr numCol="1">
             <a:normAutofit/>
           </a:bodyPr>
           <a:lstStyle/>
@@ -3355,7 +3374,7 @@
           </a:xfrm>
         </p:spPr>
         <p:txBody>
-          <a:bodyPr>
+          <a:bodyPr numCol="1">
             <a:normAutofit/>
           </a:bodyPr>
           <a:lstStyle/>
@@ -3463,7 +3482,7 @@
           </a:xfrm>
         </p:spPr>
         <p:txBody>
-          <a:bodyPr>
+          <a:bodyPr numCol="1">
             <a:normAutofit/>
           </a:bodyPr>
           <a:lstStyle/>
@@ -3565,7 +3584,7 @@
           </a:xfrm>
         </p:spPr>
         <p:txBody>
-          <a:bodyPr>
+          <a:bodyPr numCol="1">
             <a:normAutofit/>
           </a:bodyPr>
           <a:lstStyle/>
@@ -3677,7 +3696,7 @@
           </a:xfrm>
         </p:spPr>
         <p:txBody>
-          <a:bodyPr>
+          <a:bodyPr numCol="1">
             <a:normAutofit/>
           </a:bodyPr>
           <a:lstStyle/>
@@ -3794,7 +3813,7 @@
           </a:xfrm>
         </p:spPr>
         <p:txBody>
-          <a:bodyPr>
+          <a:bodyPr numCol="1">
             <a:normAutofit/>
           </a:bodyPr>
           <a:lstStyle/>
@@ -3896,7 +3915,7 @@
           </a:xfrm>
         </p:spPr>
         <p:txBody>
-          <a:bodyPr>
+          <a:bodyPr numCol="1">
             <a:normAutofit/>
           </a:bodyPr>
           <a:lstStyle/>
@@ -3990,7 +4009,7 @@
           </a:xfrm>
         </p:spPr>
         <p:txBody>
-          <a:bodyPr>
+          <a:bodyPr numCol="1">
             <a:normAutofit/>
           </a:bodyPr>
           <a:lstStyle/>
@@ -4094,7 +4113,7 @@
           </a:xfrm>
         </p:spPr>
         <p:txBody>
-          <a:bodyPr>
+          <a:bodyPr numCol="1">
             <a:normAutofit/>
           </a:bodyPr>
           <a:lstStyle/>
@@ -4181,7 +4200,7 @@
         </p:nvSpPr>
         <p:spPr/>
         <p:txBody>
-          <a:bodyPr/>
+          <a:bodyPr numCol="1"/>
           <a:lstStyle/>
           <a:p>
             <a:r>
@@ -4204,7 +4223,7 @@
         </p:nvSpPr>
         <p:spPr/>
         <p:txBody>
-          <a:bodyPr/>
+          <a:bodyPr numCol="1"/>
           <a:lstStyle/>
           <a:p>
             <a:r>
@@ -4262,7 +4281,7 @@
           </a:xfrm>
         </p:spPr>
         <p:txBody>
-          <a:bodyPr>
+          <a:bodyPr numCol="1">
             <a:normAutofit/>
           </a:bodyPr>
           <a:lstStyle/>
@@ -4372,7 +4391,7 @@
           </a:xfrm>
         </p:spPr>
         <p:txBody>
-          <a:bodyPr>
+          <a:bodyPr numCol="1">
             <a:normAutofit/>
           </a:bodyPr>
           <a:lstStyle/>
@@ -4470,7 +4489,7 @@
         </p:nvSpPr>
         <p:spPr/>
         <p:txBody>
-          <a:bodyPr/>
+          <a:bodyPr numCol="1"/>
           <a:lstStyle/>
           <a:p>
             <a:r>
@@ -4492,7 +4511,7 @@
         </p:nvSpPr>
         <p:spPr/>
         <p:txBody>
-          <a:bodyPr/>
+          <a:bodyPr numCol="1"/>
           <a:lstStyle/>
           <a:p>
             <a:r>
@@ -4550,7 +4569,7 @@
           </a:xfrm>
         </p:spPr>
         <p:txBody>
-          <a:bodyPr>
+          <a:bodyPr numCol="1">
             <a:normAutofit/>
           </a:bodyPr>
           <a:lstStyle/>
@@ -4636,7 +4655,7 @@
           </a:xfrm>
         </p:spPr>
         <p:txBody>
-          <a:bodyPr>
+          <a:bodyPr numCol="1">
             <a:normAutofit/>
           </a:bodyPr>
           <a:lstStyle/>
@@ -4758,7 +4777,7 @@
           </a:xfrm>
         </p:spPr>
         <p:txBody>
-          <a:bodyPr>
+          <a:bodyPr numCol="1">
             <a:normAutofit/>
           </a:bodyPr>
           <a:lstStyle/>
@@ -4858,7 +4877,7 @@
           </a:xfrm>
         </p:spPr>
         <p:txBody>
-          <a:bodyPr>
+          <a:bodyPr numCol="1">
             <a:normAutofit/>
           </a:bodyPr>
           <a:lstStyle/>
@@ -5020,7 +5039,7 @@
           </a:xfrm>
         </p:spPr>
         <p:txBody>
-          <a:bodyPr>
+          <a:bodyPr numCol="1">
             <a:normAutofit/>
           </a:bodyPr>
           <a:lstStyle/>
@@ -5111,7 +5130,7 @@
           </a:xfrm>
         </p:spPr>
         <p:txBody>
-          <a:bodyPr/>
+          <a:bodyPr numCol="1"/>
           <a:lstStyle/>
           <a:p>
             <a:r>
@@ -5133,7 +5152,7 @@
         </p:nvSpPr>
         <p:spPr/>
         <p:txBody>
-          <a:bodyPr/>
+          <a:bodyPr numCol="1"/>
           <a:lstStyle/>
           <a:p>
             <a:r>
@@ -5191,7 +5210,7 @@
           </a:xfrm>
         </p:spPr>
         <p:txBody>
-          <a:bodyPr>
+          <a:bodyPr numCol="1">
             <a:normAutofit/>
           </a:bodyPr>
           <a:lstStyle/>
@@ -5276,7 +5295,7 @@
           </a:xfrm>
         </p:spPr>
         <p:txBody>
-          <a:bodyPr/>
+          <a:bodyPr numCol="1"/>
           <a:lstStyle/>
           <a:p>
             <a:r>
@@ -5383,7 +5402,7 @@
           </a:xfrm>
         </p:spPr>
         <p:txBody>
-          <a:bodyPr>
+          <a:bodyPr numCol="1">
             <a:normAutofit/>
           </a:bodyPr>
           <a:lstStyle/>
@@ -5497,7 +5516,7 @@
           </a:xfrm>
         </p:spPr>
         <p:txBody>
-          <a:bodyPr>
+          <a:bodyPr numCol="1">
             <a:normAutofit/>
           </a:bodyPr>
           <a:lstStyle/>
@@ -5522,11 +5541,7 @@
             </a:r>
             <a:r>
               <a:rPr lang="en-US" sz="3200" dirty="0" smtClean="0"/>
-              <a:t> all potentials of the </a:t>
-            </a:r>
-            <a:r>
-              <a:rPr lang="en-US" sz="3200" dirty="0" smtClean="0"/>
-              <a:t>arts</a:t>
+              <a:t> all potentials of the arts</a:t>
             </a:r>
             <a:endParaRPr lang="en-US" dirty="0"/>
           </a:p>
@@ -5586,7 +5601,6 @@
               <a:rPr lang="en-US" sz="3200" dirty="0" smtClean="0"/>
               <a:t> language of logic and language of images, movies had to make sense</a:t>
             </a:r>
-            <a:endParaRPr lang="en-US" sz="3200" dirty="0" smtClean="0"/>
           </a:p>
         </p:txBody>
       </p:sp>
@@ -5637,22 +5651,14 @@
           </a:xfrm>
         </p:spPr>
         <p:txBody>
-          <a:bodyPr>
+          <a:bodyPr numCol="1">
             <a:normAutofit/>
           </a:bodyPr>
           <a:lstStyle/>
           <a:p>
             <a:r>
               <a:rPr lang="en-US" sz="3200" dirty="0" smtClean="0"/>
-              <a:t>P </a:t>
-            </a:r>
-            <a:r>
-              <a:rPr lang="en-US" sz="3200" dirty="0" smtClean="0"/>
-              <a:t> 8 (pdf</a:t>
-            </a:r>
-            <a:r>
-              <a:rPr lang="en-US" sz="3200" dirty="0" smtClean="0"/>
-              <a:t>)</a:t>
+              <a:t>P  8 (pdf)</a:t>
             </a:r>
           </a:p>
           <a:p>
@@ -5718,13 +5724,8 @@
             </a:r>
             <a:r>
               <a:rPr lang="en-US" sz="3200" dirty="0" smtClean="0"/>
-              <a:t>. </a:t>
-            </a:r>
-            <a:r>
-              <a:rPr lang="en-US" sz="3200" dirty="0" smtClean="0"/>
-              <a:t>has an off screen narrator speak while someone acts out the scene</a:t>
-            </a:r>
-            <a:endParaRPr lang="en-US" sz="3200" dirty="0" smtClean="0"/>
+              <a:t>. has an off screen narrator speak while someone acts out the scene</a:t>
+            </a:r>
           </a:p>
         </p:txBody>
       </p:sp>
@@ -5775,22 +5776,14 @@
           </a:xfrm>
         </p:spPr>
         <p:txBody>
-          <a:bodyPr>
+          <a:bodyPr numCol="1">
             <a:normAutofit/>
           </a:bodyPr>
           <a:lstStyle/>
           <a:p>
             <a:r>
               <a:rPr lang="en-US" sz="3200" dirty="0" smtClean="0"/>
-              <a:t>P </a:t>
-            </a:r>
-            <a:r>
-              <a:rPr lang="en-US" sz="3200" dirty="0" smtClean="0"/>
-              <a:t> 9 (pdf</a:t>
-            </a:r>
-            <a:r>
-              <a:rPr lang="en-US" sz="3200" dirty="0" smtClean="0"/>
-              <a:t>)</a:t>
+              <a:t>P  9 (pdf)</a:t>
             </a:r>
           </a:p>
           <a:p>
@@ -5888,22 +5881,14 @@
           </a:xfrm>
         </p:spPr>
         <p:txBody>
-          <a:bodyPr>
+          <a:bodyPr numCol="1">
             <a:normAutofit/>
           </a:bodyPr>
           <a:lstStyle/>
           <a:p>
             <a:r>
               <a:rPr lang="en-US" sz="3200" dirty="0" smtClean="0"/>
-              <a:t>P </a:t>
-            </a:r>
-            <a:r>
-              <a:rPr lang="en-US" sz="3200" dirty="0" smtClean="0"/>
-              <a:t> 10 (pdf</a:t>
-            </a:r>
-            <a:r>
-              <a:rPr lang="en-US" sz="3200" dirty="0" smtClean="0"/>
-              <a:t>)</a:t>
+              <a:t>P  10 (pdf)</a:t>
             </a:r>
           </a:p>
           <a:p>
@@ -5946,7 +5931,6 @@
               <a:rPr lang="en-US" sz="3200" dirty="0" smtClean="0"/>
               <a:t> and acted like their respective animals</a:t>
             </a:r>
-            <a:endParaRPr lang="en-US" sz="3200" dirty="0" smtClean="0"/>
           </a:p>
         </p:txBody>
       </p:sp>
@@ -5997,22 +5981,14 @@
           </a:xfrm>
         </p:spPr>
         <p:txBody>
-          <a:bodyPr>
+          <a:bodyPr numCol="1">
             <a:normAutofit/>
           </a:bodyPr>
           <a:lstStyle/>
           <a:p>
             <a:r>
               <a:rPr lang="en-US" sz="3200" dirty="0" smtClean="0"/>
-              <a:t>P </a:t>
-            </a:r>
-            <a:r>
-              <a:rPr lang="en-US" sz="3200" dirty="0" smtClean="0"/>
-              <a:t> 11 (pdf</a:t>
-            </a:r>
-            <a:r>
-              <a:rPr lang="en-US" sz="3200" dirty="0" smtClean="0"/>
-              <a:t>)</a:t>
+              <a:t>P  11 (pdf)</a:t>
             </a:r>
           </a:p>
           <a:p>
@@ -6102,29 +6078,357 @@
           </a:xfrm>
         </p:spPr>
         <p:txBody>
-          <a:bodyPr>
+          <a:bodyPr numCol="1">
             <a:normAutofit/>
           </a:bodyPr>
           <a:lstStyle/>
           <a:p>
             <a:r>
               <a:rPr lang="en-US" sz="3200" dirty="0" smtClean="0"/>
-              <a:t>P </a:t>
-            </a:r>
-            <a:r>
-              <a:rPr lang="en-US" sz="3200" dirty="0" smtClean="0"/>
-              <a:t> 12 (pdf</a:t>
-            </a:r>
-            <a:r>
-              <a:rPr lang="en-US" sz="3200" dirty="0" smtClean="0"/>
-              <a:t>)</a:t>
-            </a:r>
-          </a:p>
-          <a:p>
-            <a:r>
-              <a:rPr lang="en-US" sz="3200" dirty="0" smtClean="0"/>
+              <a:t>P  12 (pdf)</a:t>
+            </a:r>
+          </a:p>
+          <a:p>
+            <a:r>
+              <a:rPr sz="3200">
+                <a:solidFill>
+                  <a:schemeClr val="tx1"/>
+                </a:solidFill>
+                <a:latin typeface="+mn-lt"/>
+              </a:rPr>
               <a:t>Gestures are important</a:t>
             </a:r>
+            <a:endParaRPr lang="en-US" sz="3200" dirty="0" smtClean="0"/>
+          </a:p>
+          <a:p>
+            <a:r>
+              <a:rPr lang="en-US" sz="3200" dirty="0" smtClean="0"/>
+              <a:t>Colors have no meaning, just conceptuality and they help make movies look good</a:t>
+            </a:r>
+          </a:p>
+          <a:p>
+            <a:endParaRPr lang="en-US" sz="3200" dirty="0" smtClean="0"/>
+          </a:p>
+          <a:p>
+            <a:endParaRPr lang="en-US" sz="3200" dirty="0" smtClean="0"/>
+          </a:p>
+          <a:p>
+            <a:endParaRPr lang="en-US" sz="3200" dirty="0" smtClean="0"/>
+          </a:p>
+        </p:txBody>
+      </p:sp>
+    </p:spTree>
+    <p:extLst>
+      <p:ext uri="{BB962C8B-B14F-4D97-AF65-F5344CB8AC3E}">
+        <p14:creationId xmlns:p14="http://schemas.microsoft.com/office/powerpoint/2010/main" val="1245892544"/>
+      </p:ext>
+    </p:extLst>
+  </p:cSld>
+  <p:clrMapOvr>
+    <a:masterClrMapping/>
+  </p:clrMapOvr>
+</p:sld>
+</file>
+
+<file path=ppt/slides/slide37.xml><?xml version="1.0" encoding="utf-8"?>
+<p:sld xmlns:a="http://schemas.openxmlformats.org/drawingml/2006/main" xmlns:r="http://schemas.openxmlformats.org/officeDocument/2006/relationships" xmlns:p="http://schemas.openxmlformats.org/presentationml/2006/main">
+  <p:cSld>
+    <p:spTree>
+      <p:nvGrpSpPr>
+        <p:cNvPr id="1" name=""/>
+        <p:cNvGrpSpPr/>
+        <p:nvPr/>
+      </p:nvGrpSpPr>
+      <p:grpSpPr>
+        <a:xfrm>
+          <a:off x="0" y="0"/>
+          <a:ext cx="0" cy="0"/>
+          <a:chOff x="0" y="0"/>
+          <a:chExt cx="0" cy="0"/>
+        </a:xfrm>
+      </p:grpSpPr>
+      <p:sp>
+        <p:nvSpPr>
+          <p:cNvPr id="3" name="Content Placeholder 2"/>
+          <p:cNvSpPr>
+            <a:spLocks noGrp="1"/>
+          </p:cNvSpPr>
+          <p:nvPr>
+            <p:ph idx="1"/>
+          </p:nvPr>
+        </p:nvSpPr>
+        <p:spPr>
+          <a:xfrm>
+            <a:off x="838200" y="161365"/>
+            <a:ext cx="10515600" cy="6015598"/>
+          </a:xfrm>
+        </p:spPr>
+        <p:txBody>
+          <a:bodyPr numCol="1">
+            <a:normAutofit/>
+          </a:bodyPr>
+          <a:lstStyle/>
+          <a:p>
+            <a:r>
+              <a:rPr lang="en-US" sz="3200" dirty="0" smtClean="0"/>
+              <a:t>P  13(pdf)</a:t>
+            </a:r>
+          </a:p>
+          <a:p>
+            <a:r>
+              <a:rPr/>
+              <a:t>Colors depend on the movie to work</a:t>
+            </a:r>
+          </a:p>
+          <a:p>
+            <a:r>
+              <a:rPr/>
+              <a:t>Music used to push out gestures</a:t>
+            </a:r>
+          </a:p>
+          <a:p>
+            <a:r>
+              <a:rPr/>
+              <a:t>Uses music to express emotion</a:t>
+            </a:r>
+          </a:p>
+          <a:p>
+            <a:endParaRPr/>
+          </a:p>
+          <a:p>
+            <a:endParaRPr lang="en-US" sz="3200" dirty="0" smtClean="0"/>
+          </a:p>
+          <a:p>
+            <a:endParaRPr lang="en-US" sz="3200" dirty="0" smtClean="0"/>
+          </a:p>
+          <a:p>
+            <a:endParaRPr lang="en-US" sz="3200" dirty="0" smtClean="0"/>
+          </a:p>
+          <a:p>
+            <a:endParaRPr lang="en-US" sz="3200" dirty="0" smtClean="0"/>
+          </a:p>
+        </p:txBody>
+      </p:sp>
+    </p:spTree>
+    <p:extLst>
+      <p:ext uri="{BB962C8B-B14F-4D97-AF65-F5344CB8AC3E}">
+        <p14:creationId xmlns:p14="http://schemas.microsoft.com/office/powerpoint/2010/main" val="1245892544"/>
+      </p:ext>
+    </p:extLst>
+  </p:cSld>
+  <p:clrMapOvr>
+    <a:masterClrMapping/>
+  </p:clrMapOvr>
+</p:sld>
+</file>
+
+<file path=ppt/slides/slide38.xml><?xml version="1.0" encoding="utf-8"?>
+<p:sld xmlns:a="http://schemas.openxmlformats.org/drawingml/2006/main" xmlns:r="http://schemas.openxmlformats.org/officeDocument/2006/relationships" xmlns:p="http://schemas.openxmlformats.org/presentationml/2006/main">
+  <p:cSld>
+    <p:spTree>
+      <p:nvGrpSpPr>
+        <p:cNvPr id="1" name=""/>
+        <p:cNvGrpSpPr/>
+        <p:nvPr/>
+      </p:nvGrpSpPr>
+      <p:grpSpPr>
+        <a:xfrm>
+          <a:off x="0" y="0"/>
+          <a:ext cx="0" cy="0"/>
+          <a:chOff x="0" y="0"/>
+          <a:chExt cx="0" cy="0"/>
+        </a:xfrm>
+      </p:grpSpPr>
+      <p:sp>
+        <p:nvSpPr>
+          <p:cNvPr id="3" name="Content Placeholder 2"/>
+          <p:cNvSpPr>
+            <a:spLocks noGrp="1"/>
+          </p:cNvSpPr>
+          <p:nvPr>
+            <p:ph idx="1"/>
+          </p:nvPr>
+        </p:nvSpPr>
+        <p:spPr>
+          <a:xfrm>
+            <a:off x="838200" y="161365"/>
+            <a:ext cx="10515600" cy="6015598"/>
+          </a:xfrm>
+        </p:spPr>
+        <p:txBody>
+          <a:bodyPr numCol="1">
+            <a:normAutofit/>
+          </a:bodyPr>
+          <a:lstStyle/>
+          <a:p>
+            <a:r>
+              <a:rPr lang="en-US" sz="3200" dirty="0" smtClean="0"/>
+              <a:t>P  14(pdf)</a:t>
+            </a:r>
+          </a:p>
+          <a:p>
+            <a:r>
+              <a:rPr sz="3200">
+                <a:solidFill>
+                  <a:schemeClr val="tx1"/>
+                </a:solidFill>
+                <a:latin typeface="+mn-lt"/>
+              </a:rPr>
+              <a:t>Eisen makes his music clash, like like yin and yang</a:t>
+            </a:r>
+          </a:p>
+          <a:p>
+            <a:r>
+              <a:rPr sz="3200">
+                <a:solidFill>
+                  <a:schemeClr val="tx1"/>
+                </a:solidFill>
+                <a:latin typeface="+mn-lt"/>
+              </a:rPr>
+              <a:t>Music should signify something to the audience</a:t>
+            </a:r>
+          </a:p>
+          <a:p>
+            <a:r>
+              <a:rPr sz="3000"/>
+              <a:t>I dont get this paragrahph at all (p 3)</a:t>
+            </a:r>
+          </a:p>
+          <a:p>
+            <a:r>
+              <a:rPr sz="3000"/>
+              <a:t>Cinematic art works by telling u its real and fake at the same time</a:t>
+            </a:r>
+          </a:p>
+          <a:p>
+            <a:r>
+              <a:rPr/>
+              <a:t>Everything in Eisen. work is overlapping</a:t>
+            </a:r>
+          </a:p>
+          <a:p>
+            <a:endParaRPr/>
+          </a:p>
+          <a:p>
+            <a:endParaRPr/>
+          </a:p>
+          <a:p>
+            <a:endParaRPr lang="en-US" sz="3200" dirty="0" smtClean="0"/>
+          </a:p>
+          <a:p>
+            <a:endParaRPr lang="en-US" sz="3200" dirty="0" smtClean="0"/>
+          </a:p>
+          <a:p>
+            <a:endParaRPr lang="en-US" sz="3200" dirty="0" smtClean="0"/>
+          </a:p>
+          <a:p>
+            <a:endParaRPr lang="en-US" sz="3200" dirty="0" smtClean="0"/>
+          </a:p>
+        </p:txBody>
+      </p:sp>
+    </p:spTree>
+    <p:extLst>
+      <p:ext uri="{BB962C8B-B14F-4D97-AF65-F5344CB8AC3E}">
+        <p14:creationId xmlns:p14="http://schemas.microsoft.com/office/powerpoint/2010/main" val="1245892544"/>
+      </p:ext>
+    </p:extLst>
+  </p:cSld>
+  <p:clrMapOvr>
+    <a:masterClrMapping/>
+  </p:clrMapOvr>
+</p:sld>
+</file>
+
+<file path=ppt/slides/slide39.xml><?xml version="1.0" encoding="utf-8"?>
+<p:sld xmlns:a="http://schemas.openxmlformats.org/drawingml/2006/main" xmlns:r="http://schemas.openxmlformats.org/officeDocument/2006/relationships" xmlns:p="http://schemas.openxmlformats.org/presentationml/2006/main">
+  <p:cSld>
+    <p:spTree>
+      <p:nvGrpSpPr>
+        <p:cNvPr id="1" name=""/>
+        <p:cNvGrpSpPr/>
+        <p:nvPr/>
+      </p:nvGrpSpPr>
+      <p:grpSpPr>
+        <a:xfrm>
+          <a:off x="0" y="0"/>
+          <a:ext cx="0" cy="0"/>
+          <a:chOff x="0" y="0"/>
+          <a:chExt cx="0" cy="0"/>
+        </a:xfrm>
+      </p:grpSpPr>
+      <p:sp>
+        <p:nvSpPr>
+          <p:cNvPr id="3" name="Content Placeholder 2"/>
+          <p:cNvSpPr>
+            <a:spLocks noGrp="1"/>
+          </p:cNvSpPr>
+          <p:nvPr>
+            <p:ph idx="1"/>
+          </p:nvPr>
+        </p:nvSpPr>
+        <p:spPr>
+          <a:xfrm>
+            <a:off x="838200" y="161365"/>
+            <a:ext cx="10515600" cy="6015598"/>
+          </a:xfrm>
+        </p:spPr>
+        <p:txBody>
+          <a:bodyPr numCol="1">
+            <a:normAutofit/>
+          </a:bodyPr>
+          <a:lstStyle/>
+          <a:p>
+            <a:r>
+              <a:rPr lang="en-US" sz="3200" dirty="0" smtClean="0"/>
+              <a:t>P  15(pdf)</a:t>
+            </a:r>
+          </a:p>
+          <a:p>
+            <a:r>
+              <a:rPr/>
+              <a:t>His work is ultimately dynamic</a:t>
+            </a:r>
+          </a:p>
+          <a:p>
+            <a:r>
+              <a:rPr/>
+              <a:t>Cinema is living</a:t>
+            </a:r>
+          </a:p>
+          <a:p>
+            <a:r>
+              <a:rPr/>
+              <a:t>People gotta enjoy the movie</a:t>
+            </a:r>
+          </a:p>
+          <a:p>
+            <a:r>
+              <a:rPr/>
+              <a:t>As people watch, they also make the image for theirselves, their own personal way of how they see things</a:t>
+            </a:r>
+          </a:p>
+          <a:p>
+            <a:endParaRPr/>
+          </a:p>
+          <a:p>
+            <a:endParaRPr/>
+          </a:p>
+          <a:p>
+            <a:endParaRPr/>
+          </a:p>
+          <a:p>
+            <a:endParaRPr/>
+          </a:p>
+          <a:p>
+            <a:endParaRPr lang="en-US" sz="3200" dirty="0" smtClean="0"/>
+          </a:p>
+          <a:p>
+            <a:endParaRPr lang="en-US" sz="3200" dirty="0" smtClean="0"/>
+          </a:p>
+          <a:p>
+            <a:endParaRPr lang="en-US" sz="3200" dirty="0" smtClean="0"/>
+          </a:p>
+          <a:p>
             <a:endParaRPr lang="en-US" sz="3200" dirty="0" smtClean="0"/>
           </a:p>
         </p:txBody>
@@ -6176,7 +6480,7 @@
           </a:xfrm>
         </p:spPr>
         <p:txBody>
-          <a:bodyPr/>
+          <a:bodyPr numCol="1"/>
           <a:lstStyle/>
           <a:p>
             <a:r>
@@ -6278,6 +6582,1134 @@
     <p:extLst>
       <p:ext uri="{BB962C8B-B14F-4D97-AF65-F5344CB8AC3E}">
         <p14:creationId xmlns:p14="http://schemas.microsoft.com/office/powerpoint/2010/main" val="4138976083"/>
+      </p:ext>
+    </p:extLst>
+  </p:cSld>
+  <p:clrMapOvr>
+    <a:masterClrMapping/>
+  </p:clrMapOvr>
+</p:sld>
+</file>
+
+<file path=ppt/slides/slide40.xml><?xml version="1.0" encoding="utf-8"?>
+<p:sld xmlns:a="http://schemas.openxmlformats.org/drawingml/2006/main" xmlns:r="http://schemas.openxmlformats.org/officeDocument/2006/relationships" xmlns:p="http://schemas.openxmlformats.org/presentationml/2006/main">
+  <p:cSld>
+    <p:spTree>
+      <p:nvGrpSpPr>
+        <p:cNvPr id="1" name=""/>
+        <p:cNvGrpSpPr/>
+        <p:nvPr/>
+      </p:nvGrpSpPr>
+      <p:grpSpPr>
+        <a:xfrm>
+          <a:off x="0" y="0"/>
+          <a:ext cx="0" cy="0"/>
+          <a:chOff x="0" y="0"/>
+          <a:chExt cx="0" cy="0"/>
+        </a:xfrm>
+      </p:grpSpPr>
+      <p:sp>
+        <p:nvSpPr>
+          <p:cNvPr id="3" name="Content Placeholder 2"/>
+          <p:cNvSpPr>
+            <a:spLocks noGrp="1"/>
+          </p:cNvSpPr>
+          <p:nvPr>
+            <p:ph idx="1"/>
+          </p:nvPr>
+        </p:nvSpPr>
+        <p:spPr>
+          <a:xfrm>
+            <a:off x="838200" y="161365"/>
+            <a:ext cx="10515600" cy="6015598"/>
+          </a:xfrm>
+        </p:spPr>
+        <p:txBody>
+          <a:bodyPr numCol="1">
+            <a:normAutofit/>
+          </a:bodyPr>
+          <a:lstStyle/>
+          <a:p>
+            <a:r>
+              <a:rPr lang="en-US" sz="3200" dirty="0" smtClean="0"/>
+              <a:t>P  16(pdf)</a:t>
+            </a:r>
+          </a:p>
+          <a:p>
+            <a:r>
+              <a:rPr/>
+              <a:t>There is norms and deviation in movies</a:t>
+            </a:r>
+          </a:p>
+          <a:p>
+            <a:r>
+              <a:rPr/>
+              <a:t>Idk I think it talks abt montage</a:t>
+            </a:r>
+          </a:p>
+          <a:p>
+            <a:endParaRPr/>
+          </a:p>
+          <a:p>
+            <a:endParaRPr/>
+          </a:p>
+          <a:p>
+            <a:endParaRPr/>
+          </a:p>
+          <a:p>
+            <a:endParaRPr/>
+          </a:p>
+          <a:p>
+            <a:endParaRPr/>
+          </a:p>
+          <a:p>
+            <a:endParaRPr lang="en-US" sz="3200" dirty="0" smtClean="0"/>
+          </a:p>
+          <a:p>
+            <a:endParaRPr lang="en-US" sz="3200" dirty="0" smtClean="0"/>
+          </a:p>
+          <a:p>
+            <a:endParaRPr lang="en-US" sz="3200" dirty="0" smtClean="0"/>
+          </a:p>
+          <a:p>
+            <a:endParaRPr lang="en-US" sz="3200" dirty="0" smtClean="0"/>
+          </a:p>
+        </p:txBody>
+      </p:sp>
+    </p:spTree>
+    <p:extLst>
+      <p:ext uri="{BB962C8B-B14F-4D97-AF65-F5344CB8AC3E}">
+        <p14:creationId xmlns:p14="http://schemas.microsoft.com/office/powerpoint/2010/main" val="1245892544"/>
+      </p:ext>
+    </p:extLst>
+  </p:cSld>
+  <p:clrMapOvr>
+    <a:masterClrMapping/>
+  </p:clrMapOvr>
+</p:sld>
+</file>
+
+<file path=ppt/slides/slide41.xml><?xml version="1.0" encoding="utf-8"?>
+<p:sld xmlns:a="http://schemas.openxmlformats.org/drawingml/2006/main" xmlns:r="http://schemas.openxmlformats.org/officeDocument/2006/relationships" xmlns:p="http://schemas.openxmlformats.org/presentationml/2006/main">
+  <p:cSld>
+    <p:spTree>
+      <p:nvGrpSpPr>
+        <p:cNvPr id="1" name=""/>
+        <p:cNvGrpSpPr/>
+        <p:nvPr/>
+      </p:nvGrpSpPr>
+      <p:grpSpPr>
+        <a:xfrm>
+          <a:off x="0" y="0"/>
+          <a:ext cx="0" cy="0"/>
+          <a:chOff x="0" y="0"/>
+          <a:chExt cx="0" cy="0"/>
+        </a:xfrm>
+      </p:grpSpPr>
+      <p:sp>
+        <p:nvSpPr>
+          <p:cNvPr id="3" name="Content Placeholder 2"/>
+          <p:cNvSpPr>
+            <a:spLocks noGrp="1"/>
+          </p:cNvSpPr>
+          <p:nvPr>
+            <p:ph idx="1"/>
+          </p:nvPr>
+        </p:nvSpPr>
+        <p:spPr>
+          <a:xfrm>
+            <a:off x="838200" y="161365"/>
+            <a:ext cx="10515600" cy="6015598"/>
+          </a:xfrm>
+        </p:spPr>
+        <p:txBody>
+          <a:bodyPr numCol="1">
+            <a:normAutofit/>
+          </a:bodyPr>
+          <a:lstStyle/>
+          <a:p>
+            <a:r>
+              <a:rPr lang="en-US" sz="3200" dirty="0" smtClean="0"/>
+              <a:t>P  17(pdf)</a:t>
+            </a:r>
+          </a:p>
+          <a:p>
+            <a:r>
+              <a:rPr/>
+              <a:t>The essence of cinema is to create meaning</a:t>
+            </a:r>
+          </a:p>
+          <a:p>
+            <a:r>
+              <a:rPr/>
+              <a:t>I think this is talking about how ppl can switch between shots in their work and take advantage of that and do different things with it</a:t>
+            </a:r>
+          </a:p>
+          <a:p>
+            <a:r>
+              <a:rPr/>
+              <a:t>Different viewpoints in conflict are also represented as dynamic</a:t>
+            </a:r>
+          </a:p>
+          <a:p>
+            <a:r>
+              <a:rPr/>
+              <a:t>Eisen calls the use of several aspects (codes) of cinema vertical montage</a:t>
+            </a:r>
+          </a:p>
+          <a:p>
+            <a:r>
+              <a:rPr/>
+              <a:t>The movie has to give credit to all the details that make it up</a:t>
+            </a:r>
+          </a:p>
+          <a:p>
+            <a:endParaRPr/>
+          </a:p>
+          <a:p>
+            <a:endParaRPr/>
+          </a:p>
+          <a:p>
+            <a:endParaRPr/>
+          </a:p>
+          <a:p>
+            <a:endParaRPr/>
+          </a:p>
+          <a:p>
+            <a:endParaRPr/>
+          </a:p>
+          <a:p>
+            <a:endParaRPr/>
+          </a:p>
+          <a:p>
+            <a:endParaRPr/>
+          </a:p>
+          <a:p>
+            <a:endParaRPr lang="en-US" sz="3200" dirty="0" smtClean="0"/>
+          </a:p>
+          <a:p>
+            <a:endParaRPr lang="en-US" sz="3200" dirty="0" smtClean="0"/>
+          </a:p>
+          <a:p>
+            <a:endParaRPr lang="en-US" sz="3200" dirty="0" smtClean="0"/>
+          </a:p>
+          <a:p>
+            <a:endParaRPr lang="en-US" sz="3200" dirty="0" smtClean="0"/>
+          </a:p>
+        </p:txBody>
+      </p:sp>
+    </p:spTree>
+    <p:extLst>
+      <p:ext uri="{BB962C8B-B14F-4D97-AF65-F5344CB8AC3E}">
+        <p14:creationId xmlns:p14="http://schemas.microsoft.com/office/powerpoint/2010/main" val="1245892544"/>
+      </p:ext>
+    </p:extLst>
+  </p:cSld>
+  <p:clrMapOvr>
+    <a:masterClrMapping/>
+  </p:clrMapOvr>
+</p:sld>
+</file>
+
+<file path=ppt/slides/slide42.xml><?xml version="1.0" encoding="utf-8"?>
+<p:sld xmlns:a="http://schemas.openxmlformats.org/drawingml/2006/main" xmlns:r="http://schemas.openxmlformats.org/officeDocument/2006/relationships" xmlns:p="http://schemas.openxmlformats.org/presentationml/2006/main">
+  <p:cSld>
+    <p:spTree>
+      <p:nvGrpSpPr>
+        <p:cNvPr id="1" name=""/>
+        <p:cNvGrpSpPr/>
+        <p:nvPr/>
+      </p:nvGrpSpPr>
+      <p:grpSpPr>
+        <a:xfrm>
+          <a:off x="0" y="0"/>
+          <a:ext cx="0" cy="0"/>
+          <a:chOff x="0" y="0"/>
+          <a:chExt cx="0" cy="0"/>
+        </a:xfrm>
+      </p:grpSpPr>
+      <p:sp>
+        <p:nvSpPr>
+          <p:cNvPr id="3" name="Content Placeholder 2"/>
+          <p:cNvSpPr>
+            <a:spLocks noGrp="1"/>
+          </p:cNvSpPr>
+          <p:nvPr>
+            <p:ph idx="1"/>
+          </p:nvPr>
+        </p:nvSpPr>
+        <p:spPr>
+          <a:xfrm>
+            <a:off x="838200" y="161365"/>
+            <a:ext cx="10515600" cy="6015598"/>
+          </a:xfrm>
+        </p:spPr>
+        <p:txBody>
+          <a:bodyPr numCol="1">
+            <a:normAutofit/>
+          </a:bodyPr>
+          <a:lstStyle/>
+          <a:p>
+            <a:r>
+              <a:rPr lang="en-US" sz="3200" dirty="0" smtClean="0"/>
+              <a:t>P  18(pdf)</a:t>
+            </a:r>
+          </a:p>
+          <a:p>
+            <a:r>
+              <a:rPr/>
+              <a:t>The vertical montage is made when you take apart details you see in real life and re-create them in your movies</a:t>
+            </a:r>
+          </a:p>
+          <a:p>
+            <a:r>
+              <a:rPr/>
+              <a:t>Thought comes after a media of communication</a:t>
+            </a:r>
+          </a:p>
+          <a:p>
+            <a:r>
+              <a:rPr/>
+              <a:t>"         "  in words</a:t>
+            </a:r>
+          </a:p>
+          <a:p>
+            <a:r>
+              <a:rPr/>
+              <a:t>"          " in a cinema</a:t>
+            </a:r>
+          </a:p>
+          <a:p>
+            <a:r>
+              <a:rPr/>
+              <a:t>"          " same w/ complex sound and pictures and combined</a:t>
+            </a:r>
+          </a:p>
+          <a:p>
+            <a:r>
+              <a:rPr/>
+              <a:t>"           " then </a:t>
+            </a:r>
+          </a:p>
+          <a:p>
+            <a:r>
+              <a:rPr/>
+              <a:t>Souds futurisitc, but its not</a:t>
+            </a:r>
+          </a:p>
+          <a:p>
+            <a:r>
+              <a:rPr/>
+              <a:t>Sassure called it syntagmatism, where complexity of elements in time</a:t>
+            </a:r>
+          </a:p>
+          <a:p>
+            <a:endParaRPr/>
+          </a:p>
+          <a:p>
+            <a:endParaRPr lang="en-US" sz="3200" dirty="0" smtClean="0"/>
+          </a:p>
+          <a:p>
+            <a:endParaRPr lang="en-US" sz="3200" dirty="0" smtClean="0"/>
+          </a:p>
+          <a:p>
+            <a:endParaRPr lang="en-US" sz="3200" dirty="0" smtClean="0"/>
+          </a:p>
+          <a:p>
+            <a:endParaRPr lang="en-US" sz="3200" dirty="0" smtClean="0"/>
+          </a:p>
+        </p:txBody>
+      </p:sp>
+    </p:spTree>
+    <p:extLst>
+      <p:ext uri="{BB962C8B-B14F-4D97-AF65-F5344CB8AC3E}">
+        <p14:creationId xmlns:p14="http://schemas.microsoft.com/office/powerpoint/2010/main" val="1245892544"/>
+      </p:ext>
+    </p:extLst>
+  </p:cSld>
+  <p:clrMapOvr>
+    <a:masterClrMapping/>
+  </p:clrMapOvr>
+</p:sld>
+</file>
+
+<file path=ppt/slides/slide43.xml><?xml version="1.0" encoding="utf-8"?>
+<p:sld xmlns:a="http://schemas.openxmlformats.org/drawingml/2006/main" xmlns:r="http://schemas.openxmlformats.org/officeDocument/2006/relationships" xmlns:p="http://schemas.openxmlformats.org/presentationml/2006/main">
+  <p:cSld>
+    <p:spTree>
+      <p:nvGrpSpPr>
+        <p:cNvPr id="1" name=""/>
+        <p:cNvGrpSpPr/>
+        <p:nvPr/>
+      </p:nvGrpSpPr>
+      <p:grpSpPr>
+        <a:xfrm>
+          <a:off x="0" y="0"/>
+          <a:ext cx="0" cy="0"/>
+          <a:chOff x="0" y="0"/>
+          <a:chExt cx="0" cy="0"/>
+        </a:xfrm>
+      </p:grpSpPr>
+      <p:sp>
+        <p:nvSpPr>
+          <p:cNvPr id="3" name="Content Placeholder 2"/>
+          <p:cNvSpPr>
+            <a:spLocks noGrp="1"/>
+          </p:cNvSpPr>
+          <p:nvPr>
+            <p:ph idx="1"/>
+          </p:nvPr>
+        </p:nvSpPr>
+        <p:spPr>
+          <a:xfrm>
+            <a:off x="838200" y="161365"/>
+            <a:ext cx="10515600" cy="6015598"/>
+          </a:xfrm>
+        </p:spPr>
+        <p:txBody>
+          <a:bodyPr numCol="1">
+            <a:normAutofit/>
+          </a:bodyPr>
+          <a:lstStyle/>
+          <a:p>
+            <a:r>
+              <a:rPr lang="en-US" sz="3200" dirty="0" smtClean="0"/>
+              <a:t>P  19(pdf)</a:t>
+            </a:r>
+          </a:p>
+          <a:p>
+            <a:r>
+              <a:rPr/>
+              <a:t>All the details depend on each other</a:t>
+            </a:r>
+          </a:p>
+          <a:p>
+            <a:r>
+              <a:rPr/>
+              <a:t>This happens at a complex level</a:t>
+            </a:r>
+          </a:p>
+          <a:p>
+            <a:r>
+              <a:rPr/>
+              <a:t>Also called Tyjanov idea of dual poetry</a:t>
+            </a:r>
+          </a:p>
+          <a:p>
+            <a:r>
+              <a:rPr/>
+              <a:t>Eisens shots are dynamic internally</a:t>
+            </a:r>
+          </a:p>
+          <a:p>
+            <a:endParaRPr lang="en-US" sz="3200" dirty="0" smtClean="0"/>
+          </a:p>
+          <a:p>
+            <a:endParaRPr lang="en-US" sz="3200" dirty="0" smtClean="0"/>
+          </a:p>
+          <a:p>
+            <a:endParaRPr lang="en-US" sz="3200" dirty="0" smtClean="0"/>
+          </a:p>
+          <a:p>
+            <a:endParaRPr lang="en-US" sz="3200" dirty="0" smtClean="0"/>
+          </a:p>
+        </p:txBody>
+      </p:sp>
+    </p:spTree>
+    <p:extLst>
+      <p:ext uri="{BB962C8B-B14F-4D97-AF65-F5344CB8AC3E}">
+        <p14:creationId xmlns:p14="http://schemas.microsoft.com/office/powerpoint/2010/main" val="1245892544"/>
+      </p:ext>
+    </p:extLst>
+  </p:cSld>
+  <p:clrMapOvr>
+    <a:masterClrMapping/>
+  </p:clrMapOvr>
+</p:sld>
+</file>
+
+<file path=ppt/slides/slide44.xml><?xml version="1.0" encoding="utf-8"?>
+<p:sld xmlns:a="http://schemas.openxmlformats.org/drawingml/2006/main" xmlns:r="http://schemas.openxmlformats.org/officeDocument/2006/relationships" xmlns:p="http://schemas.openxmlformats.org/presentationml/2006/main">
+  <p:cSld>
+    <p:spTree>
+      <p:nvGrpSpPr>
+        <p:cNvPr id="1" name=""/>
+        <p:cNvGrpSpPr/>
+        <p:nvPr/>
+      </p:nvGrpSpPr>
+      <p:grpSpPr>
+        <a:xfrm>
+          <a:off x="0" y="0"/>
+          <a:ext cx="0" cy="0"/>
+          <a:chOff x="0" y="0"/>
+          <a:chExt cx="0" cy="0"/>
+        </a:xfrm>
+      </p:grpSpPr>
+      <p:sp>
+        <p:nvSpPr>
+          <p:cNvPr id="3" name="Content Placeholder 2"/>
+          <p:cNvSpPr>
+            <a:spLocks noGrp="1"/>
+          </p:cNvSpPr>
+          <p:nvPr>
+            <p:ph idx="1"/>
+          </p:nvPr>
+        </p:nvSpPr>
+        <p:spPr>
+          <a:xfrm>
+            <a:off x="838200" y="161365"/>
+            <a:ext cx="10515600" cy="6015598"/>
+          </a:xfrm>
+        </p:spPr>
+        <p:txBody>
+          <a:bodyPr numCol="1">
+            <a:normAutofit/>
+          </a:bodyPr>
+          <a:lstStyle/>
+          <a:p>
+            <a:r>
+              <a:rPr lang="en-US" sz="3200" dirty="0" smtClean="0"/>
+              <a:t>P  20(pdf)</a:t>
+            </a:r>
+          </a:p>
+          <a:p>
+            <a:r>
+              <a:rPr sz="3200">
+                <a:solidFill>
+                  <a:schemeClr val="tx1"/>
+                </a:solidFill>
+                <a:latin typeface="+mn-lt"/>
+              </a:rPr>
+              <a:t>Eisen. uses music to start a new shot</a:t>
+            </a:r>
+          </a:p>
+          <a:p>
+            <a:r>
+              <a:rPr sz="3200">
+                <a:solidFill>
+                  <a:schemeClr val="tx1"/>
+                </a:solidFill>
+                <a:latin typeface="+mn-lt"/>
+              </a:rPr>
+              <a:t>It helps the music appear better also. </a:t>
+            </a:r>
+          </a:p>
+          <a:p>
+            <a:r>
+              <a:rPr sz="3200">
+                <a:solidFill>
+                  <a:schemeClr val="tx1"/>
+                </a:solidFill>
+                <a:latin typeface="+mn-lt"/>
+              </a:rPr>
+              <a:t>What is happening is that for visuals, a new key staff is made, making movies is like writing orchestra music.</a:t>
+            </a:r>
+          </a:p>
+          <a:p>
+            <a:r>
+              <a:rPr sz="3200">
+                <a:solidFill>
+                  <a:schemeClr val="tx1"/>
+                </a:solidFill>
+                <a:latin typeface="+mn-lt"/>
+              </a:rPr>
+              <a:t>As he continued w/ it he figured out all the complexities.</a:t>
+            </a:r>
+          </a:p>
+          <a:p>
+            <a:r>
+              <a:rPr sz="3200">
+                <a:solidFill>
+                  <a:schemeClr val="tx1"/>
+                </a:solidFill>
+                <a:latin typeface="+mn-lt"/>
+              </a:rPr>
+              <a:t>As you see the entire movie you figure out what it means. </a:t>
+            </a:r>
+          </a:p>
+          <a:p>
+            <a:r>
+              <a:rPr sz="3200">
+                <a:solidFill>
+                  <a:schemeClr val="tx1"/>
+                </a:solidFill>
+                <a:latin typeface="+mn-lt"/>
+              </a:rPr>
+              <a:t>Ex.  simple stuff is not enough to see the plot</a:t>
+            </a:r>
+          </a:p>
+          <a:p>
+            <a:r>
+              <a:rPr sz="3200">
+                <a:solidFill>
+                  <a:schemeClr val="tx1"/>
+                </a:solidFill>
+                <a:latin typeface="+mn-lt"/>
+              </a:rPr>
+              <a:t>Detials in movies work like a main character, (foggy), then secondary</a:t>
+            </a:r>
+          </a:p>
+          <a:p>
+            <a:endParaRPr sz="3200">
+              <a:solidFill>
+                <a:schemeClr val="tx1"/>
+              </a:solidFill>
+              <a:latin typeface="+mn-lt"/>
+            </a:endParaRPr>
+          </a:p>
+          <a:p>
+            <a:endParaRPr lang="en-US" sz="3200" dirty="0" smtClean="0"/>
+          </a:p>
+          <a:p>
+            <a:endParaRPr lang="en-US" sz="3200" dirty="0" smtClean="0"/>
+          </a:p>
+          <a:p>
+            <a:endParaRPr lang="en-US" sz="3200" dirty="0" smtClean="0"/>
+          </a:p>
+          <a:p>
+            <a:endParaRPr lang="en-US" sz="3200" dirty="0" smtClean="0"/>
+          </a:p>
+        </p:txBody>
+      </p:sp>
+    </p:spTree>
+    <p:extLst>
+      <p:ext uri="{BB962C8B-B14F-4D97-AF65-F5344CB8AC3E}">
+        <p14:creationId xmlns:p14="http://schemas.microsoft.com/office/powerpoint/2010/main" val="1245892544"/>
+      </p:ext>
+    </p:extLst>
+  </p:cSld>
+  <p:clrMapOvr>
+    <a:masterClrMapping/>
+  </p:clrMapOvr>
+</p:sld>
+</file>
+
+<file path=ppt/slides/slide45.xml><?xml version="1.0" encoding="utf-8"?>
+<p:sld xmlns:a="http://schemas.openxmlformats.org/drawingml/2006/main" xmlns:r="http://schemas.openxmlformats.org/officeDocument/2006/relationships" xmlns:p="http://schemas.openxmlformats.org/presentationml/2006/main">
+  <p:cSld>
+    <p:spTree>
+      <p:nvGrpSpPr>
+        <p:cNvPr id="1" name=""/>
+        <p:cNvGrpSpPr/>
+        <p:nvPr/>
+      </p:nvGrpSpPr>
+      <p:grpSpPr>
+        <a:xfrm>
+          <a:off x="0" y="0"/>
+          <a:ext cx="0" cy="0"/>
+          <a:chOff x="0" y="0"/>
+          <a:chExt cx="0" cy="0"/>
+        </a:xfrm>
+      </p:grpSpPr>
+      <p:sp>
+        <p:nvSpPr>
+          <p:cNvPr id="3" name="Content Placeholder 2"/>
+          <p:cNvSpPr>
+            <a:spLocks noGrp="1"/>
+          </p:cNvSpPr>
+          <p:nvPr>
+            <p:ph idx="1"/>
+          </p:nvPr>
+        </p:nvSpPr>
+        <p:spPr>
+          <a:xfrm>
+            <a:off x="838200" y="161365"/>
+            <a:ext cx="10515600" cy="6015598"/>
+          </a:xfrm>
+        </p:spPr>
+        <p:txBody>
+          <a:bodyPr numCol="1">
+            <a:normAutofit/>
+          </a:bodyPr>
+          <a:lstStyle/>
+          <a:p>
+            <a:r>
+              <a:rPr lang="en-US" sz="3200" dirty="0" smtClean="0"/>
+              <a:t>P  21(pdf)</a:t>
+            </a:r>
+          </a:p>
+          <a:p>
+            <a:r>
+              <a:rPr sz="3200">
+                <a:solidFill>
+                  <a:schemeClr val="tx1"/>
+                </a:solidFill>
+                <a:latin typeface="+mn-lt"/>
+              </a:rPr>
+              <a:t>Details in movies work like a main character, (foggy), then secondary characters (rippling waves) to adjust it. </a:t>
+            </a:r>
+          </a:p>
+          <a:p>
+            <a:r>
+              <a:rPr sz="3200">
+                <a:solidFill>
+                  <a:schemeClr val="tx1"/>
+                </a:solidFill>
+                <a:latin typeface="+mn-lt"/>
+              </a:rPr>
+              <a:t>Instead of having ppl killed, we should see why ppl are getting killed, revolt, call to war etc.</a:t>
+            </a:r>
+          </a:p>
+          <a:p>
+            <a:r>
+              <a:rPr sz="3200">
+                <a:solidFill>
+                  <a:schemeClr val="tx1"/>
+                </a:solidFill>
+                <a:latin typeface="+mn-lt"/>
+              </a:rPr>
+              <a:t>Vertical montage works with paradigms, and semiotics to create  not only living, but beautiful movies</a:t>
+            </a:r>
+          </a:p>
+          <a:p>
+            <a:endParaRPr sz="3200">
+              <a:solidFill>
+                <a:schemeClr val="tx1"/>
+              </a:solidFill>
+              <a:latin typeface="+mn-lt"/>
+            </a:endParaRPr>
+          </a:p>
+          <a:p>
+            <a:endParaRPr lang="en-US" sz="3200" dirty="0" smtClean="0"/>
+          </a:p>
+          <a:p>
+            <a:endParaRPr lang="en-US" sz="3200" dirty="0" smtClean="0"/>
+          </a:p>
+          <a:p>
+            <a:endParaRPr lang="en-US" sz="3200" dirty="0" smtClean="0"/>
+          </a:p>
+          <a:p>
+            <a:endParaRPr lang="en-US" sz="3200" dirty="0" smtClean="0"/>
+          </a:p>
+        </p:txBody>
+      </p:sp>
+    </p:spTree>
+    <p:extLst>
+      <p:ext uri="{BB962C8B-B14F-4D97-AF65-F5344CB8AC3E}">
+        <p14:creationId xmlns:p14="http://schemas.microsoft.com/office/powerpoint/2010/main" val="1245892544"/>
+      </p:ext>
+    </p:extLst>
+  </p:cSld>
+  <p:clrMapOvr>
+    <a:masterClrMapping/>
+  </p:clrMapOvr>
+</p:sld>
+</file>
+
+<file path=ppt/slides/slide46.xml><?xml version="1.0" encoding="utf-8"?>
+<p:sld xmlns:a="http://schemas.openxmlformats.org/drawingml/2006/main" xmlns:r="http://schemas.openxmlformats.org/officeDocument/2006/relationships" xmlns:p="http://schemas.openxmlformats.org/presentationml/2006/main">
+  <p:cSld>
+    <p:spTree>
+      <p:nvGrpSpPr>
+        <p:cNvPr id="1" name=""/>
+        <p:cNvGrpSpPr/>
+        <p:nvPr/>
+      </p:nvGrpSpPr>
+      <p:grpSpPr>
+        <a:xfrm>
+          <a:off x="0" y="0"/>
+          <a:ext cx="0" cy="0"/>
+          <a:chOff x="0" y="0"/>
+          <a:chExt cx="0" cy="0"/>
+        </a:xfrm>
+      </p:grpSpPr>
+      <p:sp>
+        <p:nvSpPr>
+          <p:cNvPr id="3" name="Content Placeholder 2"/>
+          <p:cNvSpPr>
+            <a:spLocks noGrp="1"/>
+          </p:cNvSpPr>
+          <p:nvPr>
+            <p:ph idx="1"/>
+          </p:nvPr>
+        </p:nvSpPr>
+        <p:spPr>
+          <a:xfrm>
+            <a:off x="838200" y="161365"/>
+            <a:ext cx="10515600" cy="6015598"/>
+          </a:xfrm>
+        </p:spPr>
+        <p:txBody>
+          <a:bodyPr numCol="1">
+            <a:normAutofit/>
+          </a:bodyPr>
+          <a:lstStyle/>
+          <a:p>
+            <a:r>
+              <a:rPr lang="en-US" sz="3200" dirty="0" smtClean="0"/>
+              <a:t>P  22(pdf)</a:t>
+            </a:r>
+          </a:p>
+          <a:p>
+            <a:r>
+              <a:rPr sz="3200">
+                <a:solidFill>
+                  <a:schemeClr val="tx1"/>
+                </a:solidFill>
+                <a:latin typeface="+mn-lt"/>
+              </a:rPr>
+              <a:t>Because of Eisen we can better study semiotics</a:t>
+            </a:r>
+          </a:p>
+          <a:p>
+            <a:endParaRPr sz="3200">
+              <a:solidFill>
+                <a:schemeClr val="tx1"/>
+              </a:solidFill>
+              <a:latin typeface="+mn-lt"/>
+            </a:endParaRPr>
+          </a:p>
+          <a:p>
+            <a:endParaRPr lang="en-US" sz="3200" dirty="0" smtClean="0"/>
+          </a:p>
+          <a:p>
+            <a:endParaRPr lang="en-US" sz="3200" dirty="0" smtClean="0"/>
+          </a:p>
+          <a:p>
+            <a:endParaRPr lang="en-US" sz="3200" dirty="0" smtClean="0"/>
+          </a:p>
+          <a:p>
+            <a:endParaRPr lang="en-US" sz="3200" dirty="0" smtClean="0"/>
+          </a:p>
+        </p:txBody>
+      </p:sp>
+    </p:spTree>
+    <p:extLst>
+      <p:ext uri="{BB962C8B-B14F-4D97-AF65-F5344CB8AC3E}">
+        <p14:creationId xmlns:p14="http://schemas.microsoft.com/office/powerpoint/2010/main" val="1245892544"/>
+      </p:ext>
+    </p:extLst>
+  </p:cSld>
+  <p:clrMapOvr>
+    <a:masterClrMapping/>
+  </p:clrMapOvr>
+</p:sld>
+</file>
+
+<file path=ppt/slides/slide47.xml><?xml version="1.0" encoding="utf-8"?>
+<p:sld xmlns:a="http://schemas.openxmlformats.org/drawingml/2006/main" xmlns:r="http://schemas.openxmlformats.org/officeDocument/2006/relationships" xmlns:p="http://schemas.openxmlformats.org/presentationml/2006/main">
+  <p:cSld>
+    <p:spTree>
+      <p:nvGrpSpPr>
+        <p:cNvPr id="1" name=""/>
+        <p:cNvGrpSpPr/>
+        <p:nvPr/>
+      </p:nvGrpSpPr>
+      <p:grpSpPr>
+        <a:xfrm>
+          <a:off x="0" y="0"/>
+          <a:ext cx="0" cy="0"/>
+          <a:chOff x="0" y="0"/>
+          <a:chExt cx="0" cy="0"/>
+        </a:xfrm>
+      </p:grpSpPr>
+      <p:sp>
+        <p:nvSpPr>
+          <p:cNvPr id="2" name="Title 1"/>
+          <p:cNvSpPr>
+            <a:spLocks noGrp="1"/>
+          </p:cNvSpPr>
+          <p:nvPr>
+            <p:ph type="title"/>
+          </p:nvPr>
+        </p:nvSpPr>
+        <p:spPr/>
+        <p:txBody>
+          <a:bodyPr numCol="1"/>
+          <a:lstStyle/>
+          <a:p>
+            <a:r>
+              <a:rPr/>
+              <a:t>Beumers’s Cinema the chapter by Richard Taylor, </a:t>
+            </a:r>
+            <a:endParaRPr lang="en-US" dirty="0"/>
+          </a:p>
+          <a:p>
+            <a:endParaRPr lang="en-US" dirty="0"/>
+          </a:p>
+        </p:txBody>
+      </p:sp>
+      <p:sp>
+        <p:nvSpPr>
+          <p:cNvPr id="3" name="Text Placeholder 2"/>
+          <p:cNvSpPr>
+            <a:spLocks noGrp="1"/>
+          </p:cNvSpPr>
+          <p:nvPr>
+            <p:ph type="body" idx="1"/>
+          </p:nvPr>
+        </p:nvSpPr>
+        <p:spPr/>
+        <p:txBody>
+          <a:bodyPr numCol="1"/>
+          <a:lstStyle/>
+          <a:p>
+            <a:r>
+              <a:rPr/>
+              <a:t>“THE STRIKE” (47–56).  EVERY PARAGRAPH</a:t>
+            </a:r>
+            <a:endParaRPr lang="en-US" dirty="0"/>
+          </a:p>
+          <a:p>
+            <a:endParaRPr lang="en-US" dirty="0"/>
+          </a:p>
+        </p:txBody>
+      </p:sp>
+    </p:spTree>
+    <p:extLst>
+      <p:ext uri="{BB962C8B-B14F-4D97-AF65-F5344CB8AC3E}">
+        <p14:creationId xmlns:p14="http://schemas.microsoft.com/office/powerpoint/2010/main" val="221988584"/>
+      </p:ext>
+    </p:extLst>
+  </p:cSld>
+  <p:clrMapOvr>
+    <a:masterClrMapping/>
+  </p:clrMapOvr>
+</p:sld>
+</file>
+
+<file path=ppt/slides/slide48.xml><?xml version="1.0" encoding="utf-8"?>
+<p:sld xmlns:a="http://schemas.openxmlformats.org/drawingml/2006/main" xmlns:r="http://schemas.openxmlformats.org/officeDocument/2006/relationships" xmlns:p="http://schemas.openxmlformats.org/presentationml/2006/main">
+  <p:cSld>
+    <p:spTree>
+      <p:nvGrpSpPr>
+        <p:cNvPr id="1" name=""/>
+        <p:cNvGrpSpPr/>
+        <p:nvPr/>
+      </p:nvGrpSpPr>
+      <p:grpSpPr>
+        <a:xfrm>
+          <a:off x="0" y="0"/>
+          <a:ext cx="0" cy="0"/>
+          <a:chOff x="0" y="0"/>
+          <a:chExt cx="0" cy="0"/>
+        </a:xfrm>
+      </p:grpSpPr>
+      <p:sp>
+        <p:nvSpPr>
+          <p:cNvPr id="3" name="Content Placeholder 2"/>
+          <p:cNvSpPr>
+            <a:spLocks noGrp="1"/>
+          </p:cNvSpPr>
+          <p:nvPr>
+            <p:ph idx="1"/>
+          </p:nvPr>
+        </p:nvSpPr>
+        <p:spPr>
+          <a:xfrm>
+            <a:off x="838200" y="161365"/>
+            <a:ext cx="10515600" cy="6015598"/>
+          </a:xfrm>
+        </p:spPr>
+        <p:txBody>
+          <a:bodyPr numCol="1">
+            <a:normAutofit/>
+          </a:bodyPr>
+          <a:lstStyle/>
+          <a:p>
+            <a:r>
+              <a:rPr lang="en-US" sz="3200" dirty="0" smtClean="0"/>
+              <a:t>P  47(pdf)</a:t>
+            </a:r>
+          </a:p>
+          <a:p>
+            <a:r>
+              <a:rPr sz="3200">
+                <a:solidFill>
+                  <a:schemeClr val="tx1"/>
+                </a:solidFill>
+                <a:latin typeface="+mn-lt"/>
+              </a:rPr>
+              <a:t>Eisen made the strike in 1925. </a:t>
+            </a:r>
+          </a:p>
+          <a:p>
+            <a:r>
+              <a:rPr sz="3200">
+                <a:solidFill>
+                  <a:schemeClr val="tx1"/>
+                </a:solidFill>
+                <a:latin typeface="+mn-lt"/>
+              </a:rPr>
+              <a:t>He tried to do things before but it failed, he got it tho</a:t>
+            </a:r>
+          </a:p>
+          <a:p>
+            <a:r>
+              <a:rPr sz="3200">
+                <a:solidFill>
+                  <a:schemeClr val="tx1"/>
+                </a:solidFill>
+                <a:latin typeface="+mn-lt"/>
+              </a:rPr>
+              <a:t>Made  Mabuse the Gambler in 1922 w/ Fritz Lang. His first film was The Wise Man. </a:t>
+            </a:r>
+          </a:p>
+          <a:p>
+            <a:r>
+              <a:rPr sz="3200">
+                <a:solidFill>
+                  <a:schemeClr val="tx1"/>
+                </a:solidFill>
+                <a:latin typeface="+mn-lt"/>
+              </a:rPr>
+              <a:t>He broke with Prolekut and became sole owner, the strike changed his life</a:t>
+            </a:r>
+          </a:p>
+          <a:p>
+            <a:endParaRPr sz="3200">
+              <a:solidFill>
+                <a:schemeClr val="tx1"/>
+              </a:solidFill>
+              <a:latin typeface="+mn-lt"/>
+            </a:endParaRPr>
+          </a:p>
+          <a:p>
+            <a:endParaRPr sz="3200">
+              <a:solidFill>
+                <a:schemeClr val="tx1"/>
+              </a:solidFill>
+              <a:latin typeface="+mn-lt"/>
+            </a:endParaRPr>
+          </a:p>
+          <a:p>
+            <a:endParaRPr lang="en-US" sz="3200" dirty="0" smtClean="0"/>
+          </a:p>
+          <a:p>
+            <a:endParaRPr lang="en-US" sz="3200" dirty="0" smtClean="0"/>
+          </a:p>
+          <a:p>
+            <a:endParaRPr lang="en-US" sz="3200" dirty="0" smtClean="0"/>
+          </a:p>
+          <a:p>
+            <a:endParaRPr lang="en-US" sz="3200" dirty="0" smtClean="0"/>
+          </a:p>
+        </p:txBody>
+      </p:sp>
+    </p:spTree>
+    <p:extLst>
+      <p:ext uri="{BB962C8B-B14F-4D97-AF65-F5344CB8AC3E}">
+        <p14:creationId xmlns:p14="http://schemas.microsoft.com/office/powerpoint/2010/main" val="1245892544"/>
+      </p:ext>
+    </p:extLst>
+  </p:cSld>
+  <p:clrMapOvr>
+    <a:masterClrMapping/>
+  </p:clrMapOvr>
+</p:sld>
+</file>
+
+<file path=ppt/slides/slide49.xml><?xml version="1.0" encoding="utf-8"?>
+<p:sld xmlns:a="http://schemas.openxmlformats.org/drawingml/2006/main" xmlns:r="http://schemas.openxmlformats.org/officeDocument/2006/relationships" xmlns:p="http://schemas.openxmlformats.org/presentationml/2006/main">
+  <p:cSld>
+    <p:spTree>
+      <p:nvGrpSpPr>
+        <p:cNvPr id="1" name=""/>
+        <p:cNvGrpSpPr/>
+        <p:nvPr/>
+      </p:nvGrpSpPr>
+      <p:grpSpPr>
+        <a:xfrm>
+          <a:off x="0" y="0"/>
+          <a:ext cx="0" cy="0"/>
+          <a:chOff x="0" y="0"/>
+          <a:chExt cx="0" cy="0"/>
+        </a:xfrm>
+      </p:grpSpPr>
+      <p:sp>
+        <p:nvSpPr>
+          <p:cNvPr id="3" name="Content Placeholder 2"/>
+          <p:cNvSpPr>
+            <a:spLocks noGrp="1"/>
+          </p:cNvSpPr>
+          <p:nvPr>
+            <p:ph idx="1"/>
+          </p:nvPr>
+        </p:nvSpPr>
+        <p:spPr>
+          <a:xfrm>
+            <a:off x="838200" y="161365"/>
+            <a:ext cx="10515600" cy="6015598"/>
+          </a:xfrm>
+        </p:spPr>
+        <p:txBody>
+          <a:bodyPr numCol="1">
+            <a:normAutofit/>
+          </a:bodyPr>
+          <a:lstStyle/>
+          <a:p>
+            <a:r>
+              <a:rPr lang="en-US" sz="3200" dirty="0" smtClean="0"/>
+              <a:t>P  48(pdf)</a:t>
+            </a:r>
+          </a:p>
+          <a:p>
+            <a:r>
+              <a:rPr sz="3200">
+                <a:solidFill>
+                  <a:schemeClr val="tx1"/>
+                </a:solidFill>
+                <a:latin typeface="+mn-lt"/>
+              </a:rPr>
+              <a:t>Eisen second file The Battleship Potemkin, was like the stike because it was revolutionary, all the extra- stuff was nt needed. </a:t>
+            </a:r>
+          </a:p>
+          <a:p>
+            <a:r>
+              <a:rPr sz="3200">
+                <a:solidFill>
+                  <a:schemeClr val="tx1"/>
+                </a:solidFill>
+                <a:latin typeface="+mn-lt"/>
+              </a:rPr>
+              <a:t>The strike was based off Lenin saying 'organization is everything' for the proletariat.  </a:t>
+            </a:r>
+          </a:p>
+          <a:p>
+            <a:r>
+              <a:rPr sz="3200">
+                <a:solidFill>
+                  <a:schemeClr val="tx1"/>
+                </a:solidFill>
+                <a:latin typeface="+mn-lt"/>
+              </a:rPr>
+              <a:t>Movie starts off as 1. 'All is calm in the factory' but then trouble slowly brews, othr guy was spy working in the factory</a:t>
+            </a:r>
+          </a:p>
+          <a:p>
+            <a:endParaRPr sz="3200">
+              <a:solidFill>
+                <a:schemeClr val="tx1"/>
+              </a:solidFill>
+              <a:latin typeface="+mn-lt"/>
+            </a:endParaRPr>
+          </a:p>
+          <a:p>
+            <a:endParaRPr sz="3200">
+              <a:solidFill>
+                <a:schemeClr val="tx1"/>
+              </a:solidFill>
+              <a:latin typeface="+mn-lt"/>
+            </a:endParaRPr>
+          </a:p>
+          <a:p>
+            <a:endParaRPr lang="en-US" sz="3200" dirty="0" smtClean="0"/>
+          </a:p>
+          <a:p>
+            <a:endParaRPr lang="en-US" sz="3200" dirty="0" smtClean="0"/>
+          </a:p>
+          <a:p>
+            <a:endParaRPr lang="en-US" sz="3200" dirty="0" smtClean="0"/>
+          </a:p>
+          <a:p>
+            <a:endParaRPr lang="en-US" sz="3200" dirty="0" smtClean="0"/>
+          </a:p>
+        </p:txBody>
+      </p:sp>
+    </p:spTree>
+    <p:extLst>
+      <p:ext uri="{BB962C8B-B14F-4D97-AF65-F5344CB8AC3E}">
+        <p14:creationId xmlns:p14="http://schemas.microsoft.com/office/powerpoint/2010/main" val="1245892544"/>
       </p:ext>
     </p:extLst>
   </p:cSld>
@@ -6321,7 +7753,7 @@
           </a:xfrm>
         </p:spPr>
         <p:txBody>
-          <a:bodyPr>
+          <a:bodyPr numCol="1">
             <a:normAutofit/>
           </a:bodyPr>
           <a:lstStyle/>
@@ -6413,6 +7845,700 @@
     <p:extLst>
       <p:ext uri="{BB962C8B-B14F-4D97-AF65-F5344CB8AC3E}">
         <p14:creationId xmlns:p14="http://schemas.microsoft.com/office/powerpoint/2010/main" val="3585861728"/>
+      </p:ext>
+    </p:extLst>
+  </p:cSld>
+  <p:clrMapOvr>
+    <a:masterClrMapping/>
+  </p:clrMapOvr>
+</p:sld>
+</file>
+
+<file path=ppt/slides/slide50.xml><?xml version="1.0" encoding="utf-8"?>
+<p:sld xmlns:a="http://schemas.openxmlformats.org/drawingml/2006/main" xmlns:r="http://schemas.openxmlformats.org/officeDocument/2006/relationships" xmlns:p="http://schemas.openxmlformats.org/presentationml/2006/main">
+  <p:cSld>
+    <p:spTree>
+      <p:nvGrpSpPr>
+        <p:cNvPr id="1" name=""/>
+        <p:cNvGrpSpPr/>
+        <p:nvPr/>
+      </p:nvGrpSpPr>
+      <p:grpSpPr>
+        <a:xfrm>
+          <a:off x="0" y="0"/>
+          <a:ext cx="0" cy="0"/>
+          <a:chOff x="0" y="0"/>
+          <a:chExt cx="0" cy="0"/>
+        </a:xfrm>
+      </p:grpSpPr>
+      <p:sp>
+        <p:nvSpPr>
+          <p:cNvPr id="3" name="Content Placeholder 2"/>
+          <p:cNvSpPr>
+            <a:spLocks noGrp="1"/>
+          </p:cNvSpPr>
+          <p:nvPr>
+            <p:ph idx="1"/>
+          </p:nvPr>
+        </p:nvSpPr>
+        <p:spPr>
+          <a:xfrm>
+            <a:off x="838200" y="161365"/>
+            <a:ext cx="10515600" cy="6015598"/>
+          </a:xfrm>
+        </p:spPr>
+        <p:txBody>
+          <a:bodyPr numCol="1">
+            <a:normAutofit/>
+          </a:bodyPr>
+          <a:lstStyle/>
+          <a:p>
+            <a:r>
+              <a:rPr lang="en-US" sz="3200" dirty="0" smtClean="0"/>
+              <a:t>P  49(pdf)</a:t>
+            </a:r>
+          </a:p>
+          <a:p>
+            <a:r>
+              <a:rPr sz="3200">
+                <a:solidFill>
+                  <a:schemeClr val="tx1"/>
+                </a:solidFill>
+                <a:latin typeface="+mn-lt"/>
+              </a:rPr>
+              <a:t>Two sides are established, the lone capitalists, and the organised workers.  The workers have meetings in the water, bathroom, </a:t>
+            </a:r>
+            <a:r>
+              <a:rPr sz="3000"/>
+              <a:t>but they find whoever is spying on them always. </a:t>
+            </a:r>
+          </a:p>
+          <a:p>
+            <a:r>
+              <a:rPr sz="3000"/>
+              <a:t>They go to a pinic, in the factory yard, they knock down a spy with the wheel. </a:t>
+            </a:r>
+          </a:p>
+          <a:p>
+            <a:r>
+              <a:rPr sz="3000"/>
+              <a:t>Second part is called a reason to strike, guy loses his micometer, when he goes to the office they say he stole it, he kills himself as a result</a:t>
+            </a:r>
+          </a:p>
+          <a:p>
+            <a:endParaRPr sz="3000"/>
+          </a:p>
+          <a:p>
+            <a:endParaRPr sz="3000"/>
+          </a:p>
+          <a:p>
+            <a:endParaRPr lang="en-US" sz="3200" dirty="0" smtClean="0"/>
+          </a:p>
+          <a:p>
+            <a:endParaRPr lang="en-US" sz="3200" dirty="0" smtClean="0"/>
+          </a:p>
+          <a:p>
+            <a:endParaRPr lang="en-US" sz="3200" dirty="0" smtClean="0"/>
+          </a:p>
+          <a:p>
+            <a:endParaRPr lang="en-US" sz="3200" dirty="0" smtClean="0"/>
+          </a:p>
+        </p:txBody>
+      </p:sp>
+    </p:spTree>
+    <p:extLst>
+      <p:ext uri="{BB962C8B-B14F-4D97-AF65-F5344CB8AC3E}">
+        <p14:creationId xmlns:p14="http://schemas.microsoft.com/office/powerpoint/2010/main" val="1245892544"/>
+      </p:ext>
+    </p:extLst>
+  </p:cSld>
+  <p:clrMapOvr>
+    <a:masterClrMapping/>
+  </p:clrMapOvr>
+</p:sld>
+</file>
+
+<file path=ppt/slides/slide51.xml><?xml version="1.0" encoding="utf-8"?>
+<p:sld xmlns:a="http://schemas.openxmlformats.org/drawingml/2006/main" xmlns:r="http://schemas.openxmlformats.org/officeDocument/2006/relationships" xmlns:p="http://schemas.openxmlformats.org/presentationml/2006/main">
+  <p:cSld>
+    <p:spTree>
+      <p:nvGrpSpPr>
+        <p:cNvPr id="1" name=""/>
+        <p:cNvGrpSpPr/>
+        <p:nvPr/>
+      </p:nvGrpSpPr>
+      <p:grpSpPr>
+        <a:xfrm>
+          <a:off x="0" y="0"/>
+          <a:ext cx="0" cy="0"/>
+          <a:chOff x="0" y="0"/>
+          <a:chExt cx="0" cy="0"/>
+        </a:xfrm>
+      </p:grpSpPr>
+      <p:sp>
+        <p:nvSpPr>
+          <p:cNvPr id="3" name="Content Placeholder 2"/>
+          <p:cNvSpPr>
+            <a:spLocks noGrp="1"/>
+          </p:cNvSpPr>
+          <p:nvPr>
+            <p:ph idx="1"/>
+          </p:nvPr>
+        </p:nvSpPr>
+        <p:spPr>
+          <a:xfrm>
+            <a:off x="838200" y="161365"/>
+            <a:ext cx="10515600" cy="6015598"/>
+          </a:xfrm>
+        </p:spPr>
+        <p:txBody>
+          <a:bodyPr numCol="1">
+            <a:normAutofit/>
+          </a:bodyPr>
+          <a:lstStyle/>
+          <a:p>
+            <a:r>
+              <a:rPr lang="en-US" sz="3200" dirty="0" smtClean="0"/>
+              <a:t>P </a:t>
+            </a:r>
+            <a:r>
+              <a:rPr sz="3200">
+                <a:solidFill>
+                  <a:schemeClr val="tx1"/>
+                </a:solidFill>
+                <a:latin typeface="+mn-lt"/>
+              </a:rPr>
+              <a:t> 50(pdf)</a:t>
+            </a:r>
+          </a:p>
+          <a:p>
+            <a:r>
+              <a:rPr sz="3200">
+                <a:solidFill>
+                  <a:schemeClr val="tx1"/>
+                </a:solidFill>
+                <a:latin typeface="+mn-lt"/>
+              </a:rPr>
+              <a:t>The locomotive was a sign of the peoples power. the hat in the water was a sign of rich ppl impotence. </a:t>
+            </a:r>
+          </a:p>
+          <a:p>
+            <a:r>
+              <a:rPr sz="3200">
+                <a:solidFill>
+                  <a:schemeClr val="tx1"/>
+                </a:solidFill>
+                <a:latin typeface="+mn-lt"/>
+              </a:rPr>
+              <a:t>Third section 'the plant stood still' children', cats,pigs, n ducklings represent nature &amp; life. The lemon represents rejection of the workers requests. </a:t>
+            </a:r>
+          </a:p>
+          <a:p>
+            <a:r>
+              <a:rPr lang="en-US" sz="3200" dirty="0" smtClean="0"/>
+              <a:t>the fourth section 'The strike drags on' food store closes, ppl starve, spy takes pic of man taking off image, gets him beaten then becomes a tratior identify the enemies</a:t>
+            </a:r>
+          </a:p>
+          <a:p>
+            <a:endParaRPr lang="en-US" sz="3200" dirty="0" smtClean="0"/>
+          </a:p>
+          <a:p>
+            <a:endParaRPr lang="en-US" sz="3200" dirty="0" smtClean="0"/>
+          </a:p>
+          <a:p>
+            <a:endParaRPr lang="en-US" sz="3200" dirty="0" smtClean="0"/>
+          </a:p>
+          <a:p>
+            <a:endParaRPr lang="en-US" sz="3200" dirty="0" smtClean="0"/>
+          </a:p>
+          <a:p>
+            <a:endParaRPr lang="en-US" sz="3200" dirty="0" smtClean="0"/>
+          </a:p>
+          <a:p>
+            <a:endParaRPr lang="en-US" sz="3200" dirty="0" smtClean="0"/>
+          </a:p>
+          <a:p>
+            <a:endParaRPr lang="en-US" sz="3200" dirty="0" smtClean="0"/>
+          </a:p>
+        </p:txBody>
+      </p:sp>
+    </p:spTree>
+    <p:extLst>
+      <p:ext uri="{BB962C8B-B14F-4D97-AF65-F5344CB8AC3E}">
+        <p14:creationId xmlns:p14="http://schemas.microsoft.com/office/powerpoint/2010/main" val="1245892544"/>
+      </p:ext>
+    </p:extLst>
+  </p:cSld>
+  <p:clrMapOvr>
+    <a:masterClrMapping/>
+  </p:clrMapOvr>
+</p:sld>
+</file>
+
+<file path=ppt/slides/slide52.xml><?xml version="1.0" encoding="utf-8"?>
+<p:sld xmlns:a="http://schemas.openxmlformats.org/drawingml/2006/main" xmlns:r="http://schemas.openxmlformats.org/officeDocument/2006/relationships" xmlns:p="http://schemas.openxmlformats.org/presentationml/2006/main">
+  <p:cSld>
+    <p:spTree>
+      <p:nvGrpSpPr>
+        <p:cNvPr id="1" name=""/>
+        <p:cNvGrpSpPr/>
+        <p:nvPr/>
+      </p:nvGrpSpPr>
+      <p:grpSpPr>
+        <a:xfrm>
+          <a:off x="0" y="0"/>
+          <a:ext cx="0" cy="0"/>
+          <a:chOff x="0" y="0"/>
+          <a:chExt cx="0" cy="0"/>
+        </a:xfrm>
+      </p:grpSpPr>
+      <p:sp>
+        <p:nvSpPr>
+          <p:cNvPr id="3" name="Content Placeholder 2"/>
+          <p:cNvSpPr>
+            <a:spLocks noGrp="1"/>
+          </p:cNvSpPr>
+          <p:nvPr>
+            <p:ph idx="1"/>
+          </p:nvPr>
+        </p:nvSpPr>
+        <p:spPr>
+          <a:xfrm>
+            <a:off x="838200" y="161365"/>
+            <a:ext cx="10515600" cy="6015598"/>
+          </a:xfrm>
+        </p:spPr>
+        <p:txBody>
+          <a:bodyPr numCol="1">
+            <a:normAutofit/>
+          </a:bodyPr>
+          <a:lstStyle/>
+          <a:p>
+            <a:r>
+              <a:rPr lang="en-US" sz="3200" dirty="0" smtClean="0"/>
+              <a:t>P </a:t>
+            </a:r>
+            <a:r>
+              <a:rPr sz="3200">
+                <a:solidFill>
+                  <a:schemeClr val="tx1"/>
+                </a:solidFill>
+                <a:latin typeface="+mn-lt"/>
+              </a:rPr>
+              <a:t> 51(pdf)</a:t>
+            </a:r>
+          </a:p>
+          <a:p>
+            <a:r>
+              <a:rPr sz="3200">
+                <a:solidFill>
+                  <a:schemeClr val="tx1"/>
+                </a:solidFill>
+                <a:latin typeface="+mn-lt"/>
+              </a:rPr>
+              <a:t>The fifth part 'provocation to disaster' some agent goes to the underworld, and their leaders chooses a group of ppl from barrels to cause trouble. The owl follows a group of ppl through the steets. </a:t>
+            </a:r>
+          </a:p>
+          <a:p>
+            <a:r>
+              <a:rPr sz="3200">
+                <a:solidFill>
+                  <a:schemeClr val="tx1"/>
+                </a:solidFill>
+                <a:latin typeface="+mn-lt"/>
+              </a:rPr>
+              <a:t>The criminals burn down  a building a firefighters are called, but they turn the hoses on the workers and flush out the ringleaders. </a:t>
+            </a:r>
+          </a:p>
+          <a:p>
+            <a:endParaRPr sz="3200">
+              <a:solidFill>
+                <a:schemeClr val="tx1"/>
+              </a:solidFill>
+              <a:latin typeface="+mn-lt"/>
+            </a:endParaRPr>
+          </a:p>
+          <a:p>
+            <a:endParaRPr sz="3200">
+              <a:solidFill>
+                <a:schemeClr val="tx1"/>
+              </a:solidFill>
+              <a:latin typeface="+mn-lt"/>
+            </a:endParaRPr>
+          </a:p>
+          <a:p>
+            <a:endParaRPr sz="3200">
+              <a:solidFill>
+                <a:schemeClr val="tx1"/>
+              </a:solidFill>
+              <a:latin typeface="+mn-lt"/>
+            </a:endParaRPr>
+          </a:p>
+          <a:p>
+            <a:endParaRPr lang="en-US" sz="3200" dirty="0" smtClean="0"/>
+          </a:p>
+          <a:p>
+            <a:endParaRPr lang="en-US" sz="3200" dirty="0" smtClean="0"/>
+          </a:p>
+          <a:p>
+            <a:endParaRPr lang="en-US" sz="3200" dirty="0" smtClean="0"/>
+          </a:p>
+          <a:p>
+            <a:endParaRPr lang="en-US" sz="3200" dirty="0" smtClean="0"/>
+          </a:p>
+        </p:txBody>
+      </p:sp>
+    </p:spTree>
+    <p:extLst>
+      <p:ext uri="{BB962C8B-B14F-4D97-AF65-F5344CB8AC3E}">
+        <p14:creationId xmlns:p14="http://schemas.microsoft.com/office/powerpoint/2010/main" val="1245892544"/>
+      </p:ext>
+    </p:extLst>
+  </p:cSld>
+  <p:clrMapOvr>
+    <a:masterClrMapping/>
+  </p:clrMapOvr>
+</p:sld>
+</file>
+
+<file path=ppt/slides/slide53.xml><?xml version="1.0" encoding="utf-8"?>
+<p:sld xmlns:a="http://schemas.openxmlformats.org/drawingml/2006/main" xmlns:r="http://schemas.openxmlformats.org/officeDocument/2006/relationships" xmlns:p="http://schemas.openxmlformats.org/presentationml/2006/main">
+  <p:cSld>
+    <p:spTree>
+      <p:nvGrpSpPr>
+        <p:cNvPr id="1" name=""/>
+        <p:cNvGrpSpPr/>
+        <p:nvPr/>
+      </p:nvGrpSpPr>
+      <p:grpSpPr>
+        <a:xfrm>
+          <a:off x="0" y="0"/>
+          <a:ext cx="0" cy="0"/>
+          <a:chOff x="0" y="0"/>
+          <a:chExt cx="0" cy="0"/>
+        </a:xfrm>
+      </p:grpSpPr>
+      <p:sp>
+        <p:nvSpPr>
+          <p:cNvPr id="3" name="Content Placeholder 2"/>
+          <p:cNvSpPr>
+            <a:spLocks noGrp="1"/>
+          </p:cNvSpPr>
+          <p:nvPr>
+            <p:ph idx="1"/>
+          </p:nvPr>
+        </p:nvSpPr>
+        <p:spPr>
+          <a:xfrm>
+            <a:off x="838200" y="161365"/>
+            <a:ext cx="10515600" cy="6015598"/>
+          </a:xfrm>
+        </p:spPr>
+        <p:txBody>
+          <a:bodyPr numCol="1">
+            <a:normAutofit/>
+          </a:bodyPr>
+          <a:lstStyle/>
+          <a:p>
+            <a:r>
+              <a:rPr lang="en-US" sz="3200" dirty="0" smtClean="0"/>
+              <a:t>P </a:t>
+            </a:r>
+            <a:r>
+              <a:rPr sz="3200">
+                <a:solidFill>
+                  <a:schemeClr val="tx1"/>
+                </a:solidFill>
+                <a:latin typeface="+mn-lt"/>
+              </a:rPr>
+              <a:t> 52(pdf)</a:t>
+            </a:r>
+          </a:p>
+          <a:p>
+            <a:r>
+              <a:rPr sz="3200">
+                <a:solidFill>
+                  <a:schemeClr val="tx1"/>
+                </a:solidFill>
+                <a:latin typeface="+mn-lt"/>
+              </a:rPr>
+              <a:t>The sixth part 'Liquidation' the calvary comes in and gets reckless. The worker denies to help and is sent back to his cell. </a:t>
+            </a:r>
+          </a:p>
+          <a:p>
+            <a:r>
+              <a:rPr sz="3200">
+                <a:solidFill>
+                  <a:schemeClr val="tx1"/>
+                </a:solidFill>
+                <a:latin typeface="+mn-lt"/>
+              </a:rPr>
+              <a:t>Eisen uses a cattle  killed to describe whats going on.He did the montage the way he did to achieve the most brilliant death scene</a:t>
+            </a:r>
+          </a:p>
+          <a:p>
+            <a:endParaRPr sz="3200">
+              <a:solidFill>
+                <a:schemeClr val="tx1"/>
+              </a:solidFill>
+              <a:latin typeface="+mn-lt"/>
+            </a:endParaRPr>
+          </a:p>
+          <a:p>
+            <a:endParaRPr sz="3200">
+              <a:solidFill>
+                <a:schemeClr val="tx1"/>
+              </a:solidFill>
+              <a:latin typeface="+mn-lt"/>
+            </a:endParaRPr>
+          </a:p>
+          <a:p>
+            <a:endParaRPr sz="3200">
+              <a:solidFill>
+                <a:schemeClr val="tx1"/>
+              </a:solidFill>
+              <a:latin typeface="+mn-lt"/>
+            </a:endParaRPr>
+          </a:p>
+          <a:p>
+            <a:endParaRPr lang="en-US" sz="3200" dirty="0" smtClean="0"/>
+          </a:p>
+          <a:p>
+            <a:endParaRPr lang="en-US" sz="3200" dirty="0" smtClean="0"/>
+          </a:p>
+          <a:p>
+            <a:endParaRPr lang="en-US" sz="3200" dirty="0" smtClean="0"/>
+          </a:p>
+          <a:p>
+            <a:endParaRPr lang="en-US" sz="3200" dirty="0" smtClean="0"/>
+          </a:p>
+        </p:txBody>
+      </p:sp>
+    </p:spTree>
+    <p:extLst>
+      <p:ext uri="{BB962C8B-B14F-4D97-AF65-F5344CB8AC3E}">
+        <p14:creationId xmlns:p14="http://schemas.microsoft.com/office/powerpoint/2010/main" val="1245892544"/>
+      </p:ext>
+    </p:extLst>
+  </p:cSld>
+  <p:clrMapOvr>
+    <a:masterClrMapping/>
+  </p:clrMapOvr>
+</p:sld>
+</file>
+
+<file path=ppt/slides/slide54.xml><?xml version="1.0" encoding="utf-8"?>
+<p:sld xmlns:a="http://schemas.openxmlformats.org/drawingml/2006/main" xmlns:r="http://schemas.openxmlformats.org/officeDocument/2006/relationships" xmlns:p="http://schemas.openxmlformats.org/presentationml/2006/main">
+  <p:cSld>
+    <p:spTree>
+      <p:nvGrpSpPr>
+        <p:cNvPr id="1" name=""/>
+        <p:cNvGrpSpPr/>
+        <p:nvPr/>
+      </p:nvGrpSpPr>
+      <p:grpSpPr>
+        <a:xfrm>
+          <a:off x="0" y="0"/>
+          <a:ext cx="0" cy="0"/>
+          <a:chOff x="0" y="0"/>
+          <a:chExt cx="0" cy="0"/>
+        </a:xfrm>
+      </p:grpSpPr>
+      <p:sp>
+        <p:nvSpPr>
+          <p:cNvPr id="3" name="Content Placeholder 2"/>
+          <p:cNvSpPr>
+            <a:spLocks noGrp="1"/>
+          </p:cNvSpPr>
+          <p:nvPr>
+            <p:ph idx="1"/>
+          </p:nvPr>
+        </p:nvSpPr>
+        <p:spPr>
+          <a:xfrm>
+            <a:off x="838200" y="161365"/>
+            <a:ext cx="10515600" cy="6015598"/>
+          </a:xfrm>
+        </p:spPr>
+        <p:txBody>
+          <a:bodyPr numCol="1">
+            <a:normAutofit/>
+          </a:bodyPr>
+          <a:lstStyle/>
+          <a:p>
+            <a:r>
+              <a:rPr lang="en-US" sz="3200" dirty="0" smtClean="0"/>
+              <a:t>P </a:t>
+            </a:r>
+            <a:r>
+              <a:rPr sz="3200">
+                <a:solidFill>
+                  <a:schemeClr val="tx1"/>
+                </a:solidFill>
+                <a:latin typeface="+mn-lt"/>
+              </a:rPr>
+              <a:t> 54(pdf).</a:t>
+            </a:r>
+          </a:p>
+          <a:p>
+            <a:r>
+              <a:rPr sz="3200">
+                <a:solidFill>
+                  <a:schemeClr val="tx1"/>
+                </a:solidFill>
+                <a:latin typeface="+mn-lt"/>
+              </a:rPr>
+              <a:t>( pg 53 was just scenes from part six).I do not understand the first paragraph. </a:t>
+            </a:r>
+          </a:p>
+          <a:p>
+            <a:r>
+              <a:rPr sz="3200">
+                <a:solidFill>
+                  <a:schemeClr val="tx1"/>
+                </a:solidFill>
+                <a:latin typeface="+mn-lt"/>
+              </a:rPr>
+              <a:t>Although it received  a gold medal, ppl didn;'t like the film, they said it was hard to know what was going on</a:t>
+            </a:r>
+          </a:p>
+          <a:p>
+            <a:endParaRPr sz="3200">
+              <a:solidFill>
+                <a:schemeClr val="tx1"/>
+              </a:solidFill>
+              <a:latin typeface="+mn-lt"/>
+            </a:endParaRPr>
+          </a:p>
+          <a:p>
+            <a:endParaRPr sz="3200">
+              <a:solidFill>
+                <a:schemeClr val="tx1"/>
+              </a:solidFill>
+              <a:latin typeface="+mn-lt"/>
+            </a:endParaRPr>
+          </a:p>
+          <a:p>
+            <a:endParaRPr sz="3200">
+              <a:solidFill>
+                <a:schemeClr val="tx1"/>
+              </a:solidFill>
+              <a:latin typeface="+mn-lt"/>
+            </a:endParaRPr>
+          </a:p>
+          <a:p>
+            <a:endParaRPr lang="en-US" sz="3200" dirty="0" smtClean="0"/>
+          </a:p>
+          <a:p>
+            <a:endParaRPr lang="en-US" sz="3200" dirty="0" smtClean="0"/>
+          </a:p>
+          <a:p>
+            <a:endParaRPr lang="en-US" sz="3200" dirty="0" smtClean="0"/>
+          </a:p>
+          <a:p>
+            <a:endParaRPr lang="en-US" sz="3200" dirty="0" smtClean="0"/>
+          </a:p>
+        </p:txBody>
+      </p:sp>
+    </p:spTree>
+    <p:extLst>
+      <p:ext uri="{BB962C8B-B14F-4D97-AF65-F5344CB8AC3E}">
+        <p14:creationId xmlns:p14="http://schemas.microsoft.com/office/powerpoint/2010/main" val="1245892544"/>
+      </p:ext>
+    </p:extLst>
+  </p:cSld>
+  <p:clrMapOvr>
+    <a:masterClrMapping/>
+  </p:clrMapOvr>
+</p:sld>
+</file>
+
+<file path=ppt/slides/slide55.xml><?xml version="1.0" encoding="utf-8"?>
+<p:sld xmlns:a="http://schemas.openxmlformats.org/drawingml/2006/main" xmlns:r="http://schemas.openxmlformats.org/officeDocument/2006/relationships" xmlns:p="http://schemas.openxmlformats.org/presentationml/2006/main">
+  <p:cSld>
+    <p:spTree>
+      <p:nvGrpSpPr>
+        <p:cNvPr id="1" name=""/>
+        <p:cNvGrpSpPr/>
+        <p:nvPr/>
+      </p:nvGrpSpPr>
+      <p:grpSpPr>
+        <a:xfrm>
+          <a:off x="0" y="0"/>
+          <a:ext cx="0" cy="0"/>
+          <a:chOff x="0" y="0"/>
+          <a:chExt cx="0" cy="0"/>
+        </a:xfrm>
+      </p:grpSpPr>
+      <p:sp>
+        <p:nvSpPr>
+          <p:cNvPr id="3" name="Content Placeholder 2"/>
+          <p:cNvSpPr>
+            <a:spLocks noGrp="1"/>
+          </p:cNvSpPr>
+          <p:nvPr>
+            <p:ph idx="1"/>
+          </p:nvPr>
+        </p:nvSpPr>
+        <p:spPr>
+          <a:xfrm>
+            <a:off x="838200" y="161365"/>
+            <a:ext cx="10515600" cy="6015598"/>
+          </a:xfrm>
+        </p:spPr>
+        <p:txBody>
+          <a:bodyPr numCol="1">
+            <a:normAutofit/>
+          </a:bodyPr>
+          <a:lstStyle/>
+          <a:p>
+            <a:r>
+              <a:rPr lang="en-US" sz="3200" dirty="0" smtClean="0"/>
+              <a:t>P </a:t>
+            </a:r>
+            <a:r>
+              <a:rPr sz="3200">
+                <a:solidFill>
+                  <a:schemeClr val="tx1"/>
+                </a:solidFill>
+                <a:latin typeface="+mn-lt"/>
+              </a:rPr>
+              <a:t> 55(pdf).</a:t>
+            </a:r>
+          </a:p>
+          <a:p>
+            <a:r>
+              <a:rPr/>
+              <a:t>However it would serve as the basis of his films, thats where Russian culture, artistic innovations and syntagmatic (complex use of poetry</a:t>
+            </a:r>
+          </a:p>
+          <a:p>
+            <a:endParaRPr/>
+          </a:p>
+          <a:p>
+            <a:endParaRPr/>
+          </a:p>
+          <a:p>
+            <a:endParaRPr/>
+          </a:p>
+          <a:p>
+            <a:endParaRPr lang="en-US" sz="3200" dirty="0" smtClean="0"/>
+          </a:p>
+          <a:p>
+            <a:endParaRPr lang="en-US" sz="3200" dirty="0" smtClean="0"/>
+          </a:p>
+          <a:p>
+            <a:endParaRPr lang="en-US" sz="3200" dirty="0" smtClean="0"/>
+          </a:p>
+          <a:p>
+            <a:endParaRPr lang="en-US" sz="3200" dirty="0" smtClean="0"/>
+          </a:p>
+        </p:txBody>
+      </p:sp>
+    </p:spTree>
+    <p:extLst>
+      <p:ext uri="{BB962C8B-B14F-4D97-AF65-F5344CB8AC3E}">
+        <p14:creationId xmlns:p14="http://schemas.microsoft.com/office/powerpoint/2010/main" val="1245892544"/>
       </p:ext>
     </p:extLst>
   </p:cSld>
@@ -6456,7 +8582,7 @@
           </a:xfrm>
         </p:spPr>
         <p:txBody>
-          <a:bodyPr>
+          <a:bodyPr numCol="1">
             <a:normAutofit/>
           </a:bodyPr>
           <a:lstStyle/>
@@ -6550,7 +8676,7 @@
           </a:xfrm>
         </p:spPr>
         <p:txBody>
-          <a:bodyPr>
+          <a:bodyPr numCol="1">
             <a:normAutofit/>
           </a:bodyPr>
           <a:lstStyle/>
@@ -6633,7 +8759,7 @@
           </a:xfrm>
         </p:spPr>
         <p:txBody>
-          <a:bodyPr>
+          <a:bodyPr numCol="1">
             <a:normAutofit/>
           </a:bodyPr>
           <a:lstStyle/>
@@ -6738,7 +8864,7 @@
           </a:xfrm>
         </p:spPr>
         <p:txBody>
-          <a:bodyPr>
+          <a:bodyPr numCol="1">
             <a:normAutofit/>
           </a:bodyPr>
           <a:lstStyle/>

--- a/Spring 2017 Semester/Music or Arts/ARUS HW/6 ARUS HW/ARUS HW#6 notes.pptx
+++ b/Spring 2017 Semester/Music or Arts/ARUS HW/6 ARUS HW/ARUS HW#6 notes.pptx
@@ -297,7 +297,7 @@
           <a:p>
             <a:fld id="{565AE5A7-D644-464D-B982-26090501DA72}" type="datetimeFigureOut">
               <a:rPr lang="en-US" smtClean="0"/>
-              <a:t>2/20/2017</a:t>
+              <a:t>2/21/2017</a:t>
             </a:fld>
             <a:endParaRPr lang="en-US"/>
           </a:p>
@@ -467,7 +467,7 @@
           <a:p>
             <a:fld id="{565AE5A7-D644-464D-B982-26090501DA72}" type="datetimeFigureOut">
               <a:rPr lang="en-US" smtClean="0"/>
-              <a:t>2/20/2017</a:t>
+              <a:t>2/21/2017</a:t>
             </a:fld>
             <a:endParaRPr lang="en-US"/>
           </a:p>
@@ -647,7 +647,7 @@
           <a:p>
             <a:fld id="{565AE5A7-D644-464D-B982-26090501DA72}" type="datetimeFigureOut">
               <a:rPr lang="en-US" smtClean="0"/>
-              <a:t>2/20/2017</a:t>
+              <a:t>2/21/2017</a:t>
             </a:fld>
             <a:endParaRPr lang="en-US"/>
           </a:p>
@@ -817,7 +817,7 @@
           <a:p>
             <a:fld id="{565AE5A7-D644-464D-B982-26090501DA72}" type="datetimeFigureOut">
               <a:rPr lang="en-US" smtClean="0"/>
-              <a:t>2/20/2017</a:t>
+              <a:t>2/21/2017</a:t>
             </a:fld>
             <a:endParaRPr lang="en-US"/>
           </a:p>
@@ -1063,7 +1063,7 @@
           <a:p>
             <a:fld id="{565AE5A7-D644-464D-B982-26090501DA72}" type="datetimeFigureOut">
               <a:rPr lang="en-US" smtClean="0"/>
-              <a:t>2/20/2017</a:t>
+              <a:t>2/21/2017</a:t>
             </a:fld>
             <a:endParaRPr lang="en-US"/>
           </a:p>
@@ -1295,7 +1295,7 @@
           <a:p>
             <a:fld id="{565AE5A7-D644-464D-B982-26090501DA72}" type="datetimeFigureOut">
               <a:rPr lang="en-US" smtClean="0"/>
-              <a:t>2/20/2017</a:t>
+              <a:t>2/21/2017</a:t>
             </a:fld>
             <a:endParaRPr lang="en-US"/>
           </a:p>
@@ -1662,7 +1662,7 @@
           <a:p>
             <a:fld id="{565AE5A7-D644-464D-B982-26090501DA72}" type="datetimeFigureOut">
               <a:rPr lang="en-US" smtClean="0"/>
-              <a:t>2/20/2017</a:t>
+              <a:t>2/21/2017</a:t>
             </a:fld>
             <a:endParaRPr lang="en-US"/>
           </a:p>
@@ -1780,7 +1780,7 @@
           <a:p>
             <a:fld id="{565AE5A7-D644-464D-B982-26090501DA72}" type="datetimeFigureOut">
               <a:rPr lang="en-US" smtClean="0"/>
-              <a:t>2/20/2017</a:t>
+              <a:t>2/21/2017</a:t>
             </a:fld>
             <a:endParaRPr lang="en-US"/>
           </a:p>
@@ -1875,7 +1875,7 @@
           <a:p>
             <a:fld id="{565AE5A7-D644-464D-B982-26090501DA72}" type="datetimeFigureOut">
               <a:rPr lang="en-US" smtClean="0"/>
-              <a:t>2/20/2017</a:t>
+              <a:t>2/21/2017</a:t>
             </a:fld>
             <a:endParaRPr lang="en-US"/>
           </a:p>
@@ -2152,7 +2152,7 @@
           <a:p>
             <a:fld id="{565AE5A7-D644-464D-B982-26090501DA72}" type="datetimeFigureOut">
               <a:rPr lang="en-US" smtClean="0"/>
-              <a:t>2/20/2017</a:t>
+              <a:t>2/21/2017</a:t>
             </a:fld>
             <a:endParaRPr lang="en-US"/>
           </a:p>
@@ -2405,7 +2405,7 @@
           <a:p>
             <a:fld id="{565AE5A7-D644-464D-B982-26090501DA72}" type="datetimeFigureOut">
               <a:rPr lang="en-US" smtClean="0"/>
-              <a:t>2/20/2017</a:t>
+              <a:t>2/21/2017</a:t>
             </a:fld>
             <a:endParaRPr lang="en-US"/>
           </a:p>
@@ -2618,7 +2618,7 @@
           <a:p>
             <a:fld id="{565AE5A7-D644-464D-B982-26090501DA72}" type="datetimeFigureOut">
               <a:rPr lang="en-US" smtClean="0"/>
-              <a:t>2/20/2017</a:t>
+              <a:t>2/21/2017</a:t>
             </a:fld>
             <a:endParaRPr lang="en-US"/>
           </a:p>
@@ -6497,15 +6497,19 @@
           <a:p>
             <a:r>
               <a:rPr lang="en-US" sz="2000" dirty="0" smtClean="0"/>
-              <a:t>Basically a prelude (like a </a:t>
+              <a:t>Basically a prelude (like </a:t>
+            </a:r>
+            <a:r>
+              <a:rPr lang="en-US" sz="2000" dirty="0" smtClean="0"/>
+              <a:t>a cartoon </a:t>
             </a:r>
             <a:r>
               <a:rPr lang="en-US" sz="2000" dirty="0" err="1" smtClean="0"/>
-              <a:t>tmnt</a:t>
+              <a:t>showprelude</a:t>
             </a:r>
             <a:r>
               <a:rPr lang="en-US" sz="2000" dirty="0" smtClean="0"/>
-              <a:t> prelude) to the four characters</a:t>
+              <a:t>) to the four characters</a:t>
             </a:r>
           </a:p>
           <a:p>

--- a/Spring 2017 Semester/Music or Arts/ARUS HW/6 ARUS HW/ARUS HW#6 notes.pptx
+++ b/Spring 2017 Semester/Music or Arts/ARUS HW/6 ARUS HW/ARUS HW#6 notes.pptx
@@ -2,64 +2,64 @@
 <file path=ppt/presentation.xml><?xml version="1.0" encoding="utf-8"?>
 <p:presentation xmlns:a="http://schemas.openxmlformats.org/drawingml/2006/main" xmlns:r="http://schemas.openxmlformats.org/officeDocument/2006/relationships" xmlns:p="http://schemas.openxmlformats.org/presentationml/2006/main" saveSubsetFonts="1">
   <p:sldMasterIdLst>
-    <p:sldMasterId id="2147483659" r:id="rId1"/>
+    <p:sldMasterId id="2147483659" r:id="rId5"/>
   </p:sldMasterIdLst>
   <p:sldIdLst>
-    <p:sldId id="256" r:id="rId2"/>
-    <p:sldId id="257" r:id="rId3"/>
-    <p:sldId id="258" r:id="rId4"/>
-    <p:sldId id="259" r:id="rId5"/>
-    <p:sldId id="260" r:id="rId6"/>
-    <p:sldId id="261" r:id="rId7"/>
-    <p:sldId id="262" r:id="rId8"/>
-    <p:sldId id="263" r:id="rId9"/>
-    <p:sldId id="264" r:id="rId10"/>
-    <p:sldId id="265" r:id="rId11"/>
-    <p:sldId id="266" r:id="rId12"/>
-    <p:sldId id="267" r:id="rId13"/>
-    <p:sldId id="268" r:id="rId14"/>
-    <p:sldId id="269" r:id="rId15"/>
-    <p:sldId id="270" r:id="rId16"/>
-    <p:sldId id="271" r:id="rId17"/>
-    <p:sldId id="272" r:id="rId18"/>
-    <p:sldId id="273" r:id="rId19"/>
-    <p:sldId id="274" r:id="rId20"/>
-    <p:sldId id="275" r:id="rId21"/>
-    <p:sldId id="276" r:id="rId22"/>
-    <p:sldId id="277" r:id="rId23"/>
-    <p:sldId id="278" r:id="rId24"/>
-    <p:sldId id="279" r:id="rId25"/>
-    <p:sldId id="280" r:id="rId26"/>
-    <p:sldId id="281" r:id="rId27"/>
-    <p:sldId id="282" r:id="rId28"/>
-    <p:sldId id="283" r:id="rId29"/>
-    <p:sldId id="284" r:id="rId30"/>
-    <p:sldId id="285" r:id="rId31"/>
-    <p:sldId id="286" r:id="rId32"/>
-    <p:sldId id="287" r:id="rId33"/>
-    <p:sldId id="288" r:id="rId34"/>
-    <p:sldId id="289" r:id="rId35"/>
-    <p:sldId id="290" r:id="rId36"/>
-    <p:sldId id="291" r:id="rId37"/>
-    <p:sldId id="292" r:id="rId38"/>
-    <p:sldId id="293" r:id="rId39"/>
-    <p:sldId id="294" r:id="rId40"/>
-    <p:sldId id="295" r:id="rId41"/>
-    <p:sldId id="296" r:id="rId42"/>
-    <p:sldId id="297" r:id="rId43"/>
-    <p:sldId id="298" r:id="rId44"/>
-    <p:sldId id="299" r:id="rId45"/>
-    <p:sldId id="300" r:id="rId46"/>
-    <p:sldId id="301" r:id="rId47"/>
-    <p:sldId id="302" r:id="rId48"/>
-    <p:sldId id="303" r:id="rId49"/>
-    <p:sldId id="304" r:id="rId50"/>
-    <p:sldId id="305" r:id="rId51"/>
-    <p:sldId id="306" r:id="rId52"/>
-    <p:sldId id="307" r:id="rId53"/>
-    <p:sldId id="308" r:id="rId54"/>
-    <p:sldId id="309" r:id="rId55"/>
-    <p:sldId id="310" r:id="rId56"/>
+    <p:sldId id="256" r:id="rId6"/>
+    <p:sldId id="257" r:id="rId7"/>
+    <p:sldId id="258" r:id="rId8"/>
+    <p:sldId id="259" r:id="rId9"/>
+    <p:sldId id="260" r:id="rId10"/>
+    <p:sldId id="261" r:id="rId11"/>
+    <p:sldId id="262" r:id="rId12"/>
+    <p:sldId id="263" r:id="rId13"/>
+    <p:sldId id="264" r:id="rId14"/>
+    <p:sldId id="265" r:id="rId15"/>
+    <p:sldId id="266" r:id="rId16"/>
+    <p:sldId id="267" r:id="rId17"/>
+    <p:sldId id="268" r:id="rId18"/>
+    <p:sldId id="269" r:id="rId19"/>
+    <p:sldId id="270" r:id="rId20"/>
+    <p:sldId id="271" r:id="rId21"/>
+    <p:sldId id="272" r:id="rId22"/>
+    <p:sldId id="273" r:id="rId23"/>
+    <p:sldId id="274" r:id="rId24"/>
+    <p:sldId id="275" r:id="rId25"/>
+    <p:sldId id="276" r:id="rId26"/>
+    <p:sldId id="277" r:id="rId27"/>
+    <p:sldId id="278" r:id="rId28"/>
+    <p:sldId id="279" r:id="rId29"/>
+    <p:sldId id="280" r:id="rId30"/>
+    <p:sldId id="281" r:id="rId31"/>
+    <p:sldId id="282" r:id="rId32"/>
+    <p:sldId id="283" r:id="rId33"/>
+    <p:sldId id="284" r:id="rId34"/>
+    <p:sldId id="285" r:id="rId35"/>
+    <p:sldId id="286" r:id="rId36"/>
+    <p:sldId id="287" r:id="rId37"/>
+    <p:sldId id="288" r:id="rId38"/>
+    <p:sldId id="289" r:id="rId39"/>
+    <p:sldId id="290" r:id="rId40"/>
+    <p:sldId id="291" r:id="rId41"/>
+    <p:sldId id="292" r:id="rId42"/>
+    <p:sldId id="293" r:id="rId43"/>
+    <p:sldId id="294" r:id="rId44"/>
+    <p:sldId id="295" r:id="rId45"/>
+    <p:sldId id="296" r:id="rId46"/>
+    <p:sldId id="297" r:id="rId47"/>
+    <p:sldId id="298" r:id="rId48"/>
+    <p:sldId id="299" r:id="rId49"/>
+    <p:sldId id="300" r:id="rId50"/>
+    <p:sldId id="301" r:id="rId51"/>
+    <p:sldId id="302" r:id="rId52"/>
+    <p:sldId id="303" r:id="rId53"/>
+    <p:sldId id="304" r:id="rId54"/>
+    <p:sldId id="305" r:id="rId55"/>
+    <p:sldId id="306" r:id="rId56"/>
+    <p:sldId id="307" r:id="rId57"/>
+    <p:sldId id="308" r:id="rId58"/>
+    <p:sldId id="309" r:id="rId59"/>
+    <p:sldId id="310" r:id="rId60"/>
   </p:sldIdLst>
   <p:sldSz cx="12192000" cy="6858000"/>
   <p:notesSz cx="6858000" cy="9144000"/>
@@ -67,8 +67,8 @@
     <a:defPPr>
       <a:defRPr lang="en-US"/>
     </a:defPPr>
-    <a:lvl1pPr marL="0" algn="l" defTabSz="914400" rtl="0" eaLnBrk="1" latinLnBrk="0" hangingPunct="1">
-      <a:defRPr sz="1800" kern="1200">
+    <a:lvl1pPr algn="l" defTabSz="914400" eaLnBrk="1" hangingPunct="1" latinLnBrk="0" marL="0" rtl="0">
+      <a:defRPr kern="1200" sz="1800">
         <a:solidFill>
           <a:schemeClr val="tx1"/>
         </a:solidFill>
@@ -77,8 +77,8 @@
         <a:cs typeface="+mn-cs"/>
       </a:defRPr>
     </a:lvl1pPr>
-    <a:lvl2pPr marL="457200" algn="l" defTabSz="914400" rtl="0" eaLnBrk="1" latinLnBrk="0" hangingPunct="1">
-      <a:defRPr sz="1800" kern="1200">
+    <a:lvl2pPr algn="l" defTabSz="914400" eaLnBrk="1" hangingPunct="1" latinLnBrk="0" marL="457200" rtl="0">
+      <a:defRPr kern="1200" sz="1800">
         <a:solidFill>
           <a:schemeClr val="tx1"/>
         </a:solidFill>
@@ -87,8 +87,8 @@
         <a:cs typeface="+mn-cs"/>
       </a:defRPr>
     </a:lvl2pPr>
-    <a:lvl3pPr marL="914400" algn="l" defTabSz="914400" rtl="0" eaLnBrk="1" latinLnBrk="0" hangingPunct="1">
-      <a:defRPr sz="1800" kern="1200">
+    <a:lvl3pPr algn="l" defTabSz="914400" eaLnBrk="1" hangingPunct="1" latinLnBrk="0" marL="914400" rtl="0">
+      <a:defRPr kern="1200" sz="1800">
         <a:solidFill>
           <a:schemeClr val="tx1"/>
         </a:solidFill>
@@ -97,8 +97,8 @@
         <a:cs typeface="+mn-cs"/>
       </a:defRPr>
     </a:lvl3pPr>
-    <a:lvl4pPr marL="1371600" algn="l" defTabSz="914400" rtl="0" eaLnBrk="1" latinLnBrk="0" hangingPunct="1">
-      <a:defRPr sz="1800" kern="1200">
+    <a:lvl4pPr algn="l" defTabSz="914400" eaLnBrk="1" hangingPunct="1" latinLnBrk="0" marL="1371600" rtl="0">
+      <a:defRPr kern="1200" sz="1800">
         <a:solidFill>
           <a:schemeClr val="tx1"/>
         </a:solidFill>
@@ -107,8 +107,8 @@
         <a:cs typeface="+mn-cs"/>
       </a:defRPr>
     </a:lvl4pPr>
-    <a:lvl5pPr marL="1828800" algn="l" defTabSz="914400" rtl="0" eaLnBrk="1" latinLnBrk="0" hangingPunct="1">
-      <a:defRPr sz="1800" kern="1200">
+    <a:lvl5pPr algn="l" defTabSz="914400" eaLnBrk="1" hangingPunct="1" latinLnBrk="0" marL="1828800" rtl="0">
+      <a:defRPr kern="1200" sz="1800">
         <a:solidFill>
           <a:schemeClr val="tx1"/>
         </a:solidFill>
@@ -117,8 +117,8 @@
         <a:cs typeface="+mn-cs"/>
       </a:defRPr>
     </a:lvl5pPr>
-    <a:lvl6pPr marL="2286000" algn="l" defTabSz="914400" rtl="0" eaLnBrk="1" latinLnBrk="0" hangingPunct="1">
-      <a:defRPr sz="1800" kern="1200">
+    <a:lvl6pPr algn="l" defTabSz="914400" eaLnBrk="1" hangingPunct="1" latinLnBrk="0" marL="2286000" rtl="0">
+      <a:defRPr kern="1200" sz="1800">
         <a:solidFill>
           <a:schemeClr val="tx1"/>
         </a:solidFill>
@@ -127,8 +127,8 @@
         <a:cs typeface="+mn-cs"/>
       </a:defRPr>
     </a:lvl6pPr>
-    <a:lvl7pPr marL="2743200" algn="l" defTabSz="914400" rtl="0" eaLnBrk="1" latinLnBrk="0" hangingPunct="1">
-      <a:defRPr sz="1800" kern="1200">
+    <a:lvl7pPr algn="l" defTabSz="914400" eaLnBrk="1" hangingPunct="1" latinLnBrk="0" marL="2743200" rtl="0">
+      <a:defRPr kern="1200" sz="1800">
         <a:solidFill>
           <a:schemeClr val="tx1"/>
         </a:solidFill>
@@ -137,8 +137,8 @@
         <a:cs typeface="+mn-cs"/>
       </a:defRPr>
     </a:lvl7pPr>
-    <a:lvl8pPr marL="3200400" algn="l" defTabSz="914400" rtl="0" eaLnBrk="1" latinLnBrk="0" hangingPunct="1">
-      <a:defRPr sz="1800" kern="1200">
+    <a:lvl8pPr algn="l" defTabSz="914400" eaLnBrk="1" hangingPunct="1" latinLnBrk="0" marL="3200400" rtl="0">
+      <a:defRPr kern="1200" sz="1800">
         <a:solidFill>
           <a:schemeClr val="tx1"/>
         </a:solidFill>
@@ -147,8 +147,8 @@
         <a:cs typeface="+mn-cs"/>
       </a:defRPr>
     </a:lvl8pPr>
-    <a:lvl9pPr marL="3657600" algn="l" defTabSz="914400" rtl="0" eaLnBrk="1" latinLnBrk="0" hangingPunct="1">
-      <a:defRPr sz="1800" kern="1200">
+    <a:lvl9pPr algn="l" defTabSz="914400" eaLnBrk="1" hangingPunct="1" latinLnBrk="0" marL="3657600" rtl="0">
+      <a:defRPr kern="1200" sz="1800">
         <a:solidFill>
           <a:schemeClr val="tx1"/>
         </a:solidFill>
@@ -167,7 +167,7 @@
 </file>
 
 <file path=ppt/slideLayouts/slideLayout1.xml><?xml version="1.0" encoding="utf-8"?>
-<p:sldLayout xmlns:a="http://schemas.openxmlformats.org/drawingml/2006/main" xmlns:r="http://schemas.openxmlformats.org/officeDocument/2006/relationships" xmlns:p="http://schemas.openxmlformats.org/presentationml/2006/main" type="title" preserve="1">
+<p:sldLayout xmlns:a="http://schemas.openxmlformats.org/drawingml/2006/main" xmlns:r="http://schemas.openxmlformats.org/officeDocument/2006/relationships" xmlns:p="http://schemas.openxmlformats.org/presentationml/2006/main" preserve="1" type="title">
   <p:cSld name="Title Slide">
     <p:spTree>
       <p:nvGrpSpPr>
@@ -200,7 +200,7 @@
           </a:xfrm>
         </p:spPr>
         <p:txBody>
-          <a:bodyPr numCol="1" anchor="b"/>
+          <a:bodyPr anchor="b" numCol="1"/>
           <a:lstStyle>
             <a:lvl1pPr algn="ctr">
               <a:defRPr sz="6000"/>
@@ -222,7 +222,7 @@
             <a:spLocks noGrp="1"/>
           </p:cNvSpPr>
           <p:nvPr>
-            <p:ph type="subTitle" idx="1"/>
+            <p:ph idx="1" type="subTitle"/>
           </p:nvPr>
         </p:nvSpPr>
         <p:spPr>
@@ -234,39 +234,39 @@
         <p:txBody>
           <a:bodyPr numCol="1"/>
           <a:lstStyle>
-            <a:lvl1pPr marL="0" indent="0" algn="ctr">
+            <a:lvl1pPr algn="ctr" indent="0" marL="0">
               <a:buNone/>
               <a:defRPr sz="2400"/>
             </a:lvl1pPr>
-            <a:lvl2pPr marL="457200" indent="0" algn="ctr">
+            <a:lvl2pPr algn="ctr" indent="0" marL="457200">
               <a:buNone/>
               <a:defRPr sz="2000"/>
             </a:lvl2pPr>
-            <a:lvl3pPr marL="914400" indent="0" algn="ctr">
+            <a:lvl3pPr algn="ctr" indent="0" marL="914400">
               <a:buNone/>
               <a:defRPr sz="1800"/>
             </a:lvl3pPr>
-            <a:lvl4pPr marL="1371600" indent="0" algn="ctr">
+            <a:lvl4pPr algn="ctr" indent="0" marL="1371600">
               <a:buNone/>
               <a:defRPr sz="1600"/>
             </a:lvl4pPr>
-            <a:lvl5pPr marL="1828800" indent="0" algn="ctr">
+            <a:lvl5pPr algn="ctr" indent="0" marL="1828800">
               <a:buNone/>
               <a:defRPr sz="1600"/>
             </a:lvl5pPr>
-            <a:lvl6pPr marL="2286000" indent="0" algn="ctr">
+            <a:lvl6pPr algn="ctr" indent="0" marL="2286000">
               <a:buNone/>
               <a:defRPr sz="1600"/>
             </a:lvl6pPr>
-            <a:lvl7pPr marL="2743200" indent="0" algn="ctr">
+            <a:lvl7pPr algn="ctr" indent="0" marL="2743200">
               <a:buNone/>
               <a:defRPr sz="1600"/>
             </a:lvl7pPr>
-            <a:lvl8pPr marL="3200400" indent="0" algn="ctr">
+            <a:lvl8pPr algn="ctr" indent="0" marL="3200400">
               <a:buNone/>
               <a:defRPr sz="1600"/>
             </a:lvl8pPr>
-            <a:lvl9pPr marL="3657600" indent="0" algn="ctr">
+            <a:lvl9pPr algn="ctr" indent="0" marL="3657600">
               <a:buNone/>
               <a:defRPr sz="1600"/>
             </a:lvl9pPr>
@@ -287,7 +287,7 @@
             <a:spLocks noGrp="1"/>
           </p:cNvSpPr>
           <p:nvPr>
-            <p:ph type="dt" sz="half" idx="10"/>
+            <p:ph idx="10" sz="half" type="dt"/>
           </p:nvPr>
         </p:nvSpPr>
         <p:spPr/>
@@ -310,7 +310,7 @@
             <a:spLocks noGrp="1"/>
           </p:cNvSpPr>
           <p:nvPr>
-            <p:ph type="ftr" sz="quarter" idx="11"/>
+            <p:ph idx="11" sz="quarter" type="ftr"/>
           </p:nvPr>
         </p:nvSpPr>
         <p:spPr/>
@@ -329,7 +329,7 @@
             <a:spLocks noGrp="1"/>
           </p:cNvSpPr>
           <p:nvPr>
-            <p:ph type="sldNum" sz="quarter" idx="12"/>
+            <p:ph idx="12" sz="quarter" type="sldNum"/>
           </p:nvPr>
         </p:nvSpPr>
         <p:spPr/>
@@ -359,7 +359,7 @@
 </file>
 
 <file path=ppt/slideLayouts/slideLayout10.xml><?xml version="1.0" encoding="utf-8"?>
-<p:sldLayout xmlns:a="http://schemas.openxmlformats.org/drawingml/2006/main" xmlns:r="http://schemas.openxmlformats.org/officeDocument/2006/relationships" xmlns:p="http://schemas.openxmlformats.org/presentationml/2006/main" type="vertTx" preserve="1">
+<p:sldLayout xmlns:a="http://schemas.openxmlformats.org/drawingml/2006/main" xmlns:r="http://schemas.openxmlformats.org/officeDocument/2006/relationships" xmlns:p="http://schemas.openxmlformats.org/presentationml/2006/main" preserve="1" type="vertTx">
   <p:cSld name="Title and Vertical Text">
     <p:spTree>
       <p:nvGrpSpPr>
@@ -405,12 +405,12 @@
             <a:spLocks noGrp="1"/>
           </p:cNvSpPr>
           <p:nvPr>
-            <p:ph type="body" orient="vert" idx="1"/>
+            <p:ph idx="1" orient="vert" type="body"/>
           </p:nvPr>
         </p:nvSpPr>
         <p:spPr/>
         <p:txBody>
-          <a:bodyPr vert="eaVert" numCol="1"/>
+          <a:bodyPr numCol="1" vert="eaVert"/>
           <a:lstStyle/>
           <a:p>
             <a:pPr lvl="0"/>
@@ -457,7 +457,7 @@
             <a:spLocks noGrp="1"/>
           </p:cNvSpPr>
           <p:nvPr>
-            <p:ph type="dt" sz="half" idx="10"/>
+            <p:ph idx="10" sz="half" type="dt"/>
           </p:nvPr>
         </p:nvSpPr>
         <p:spPr/>
@@ -480,7 +480,7 @@
             <a:spLocks noGrp="1"/>
           </p:cNvSpPr>
           <p:nvPr>
-            <p:ph type="ftr" sz="quarter" idx="11"/>
+            <p:ph idx="11" sz="quarter" type="ftr"/>
           </p:nvPr>
         </p:nvSpPr>
         <p:spPr/>
@@ -499,7 +499,7 @@
             <a:spLocks noGrp="1"/>
           </p:cNvSpPr>
           <p:nvPr>
-            <p:ph type="sldNum" sz="quarter" idx="12"/>
+            <p:ph idx="12" sz="quarter" type="sldNum"/>
           </p:nvPr>
         </p:nvSpPr>
         <p:spPr/>
@@ -529,7 +529,7 @@
 </file>
 
 <file path=ppt/slideLayouts/slideLayout11.xml><?xml version="1.0" encoding="utf-8"?>
-<p:sldLayout xmlns:a="http://schemas.openxmlformats.org/drawingml/2006/main" xmlns:r="http://schemas.openxmlformats.org/officeDocument/2006/relationships" xmlns:p="http://schemas.openxmlformats.org/presentationml/2006/main" type="vertTitleAndTx" preserve="1">
+<p:sldLayout xmlns:a="http://schemas.openxmlformats.org/drawingml/2006/main" xmlns:r="http://schemas.openxmlformats.org/officeDocument/2006/relationships" xmlns:p="http://schemas.openxmlformats.org/presentationml/2006/main" preserve="1" type="vertTitleAndTx">
   <p:cSld name="Vertical Title and Text">
     <p:spTree>
       <p:nvGrpSpPr>
@@ -552,7 +552,7 @@
             <a:spLocks noGrp="1"/>
           </p:cNvSpPr>
           <p:nvPr>
-            <p:ph type="title" orient="vert"/>
+            <p:ph orient="vert" type="title"/>
           </p:nvPr>
         </p:nvSpPr>
         <p:spPr>
@@ -562,7 +562,7 @@
           </a:xfrm>
         </p:spPr>
         <p:txBody>
-          <a:bodyPr vert="eaVert" numCol="1"/>
+          <a:bodyPr numCol="1" vert="eaVert"/>
           <a:lstStyle/>
           <a:p>
             <a:r>
@@ -580,7 +580,7 @@
             <a:spLocks noGrp="1"/>
           </p:cNvSpPr>
           <p:nvPr>
-            <p:ph type="body" orient="vert" idx="1"/>
+            <p:ph idx="1" orient="vert" type="body"/>
           </p:nvPr>
         </p:nvSpPr>
         <p:spPr>
@@ -590,7 +590,7 @@
           </a:xfrm>
         </p:spPr>
         <p:txBody>
-          <a:bodyPr vert="eaVert" numCol="1"/>
+          <a:bodyPr numCol="1" vert="eaVert"/>
           <a:lstStyle/>
           <a:p>
             <a:pPr lvl="0"/>
@@ -637,7 +637,7 @@
             <a:spLocks noGrp="1"/>
           </p:cNvSpPr>
           <p:nvPr>
-            <p:ph type="dt" sz="half" idx="10"/>
+            <p:ph idx="10" sz="half" type="dt"/>
           </p:nvPr>
         </p:nvSpPr>
         <p:spPr/>
@@ -660,7 +660,7 @@
             <a:spLocks noGrp="1"/>
           </p:cNvSpPr>
           <p:nvPr>
-            <p:ph type="ftr" sz="quarter" idx="11"/>
+            <p:ph idx="11" sz="quarter" type="ftr"/>
           </p:nvPr>
         </p:nvSpPr>
         <p:spPr/>
@@ -679,7 +679,7 @@
             <a:spLocks noGrp="1"/>
           </p:cNvSpPr>
           <p:nvPr>
-            <p:ph type="sldNum" sz="quarter" idx="12"/>
+            <p:ph idx="12" sz="quarter" type="sldNum"/>
           </p:nvPr>
         </p:nvSpPr>
         <p:spPr/>
@@ -709,7 +709,7 @@
 </file>
 
 <file path=ppt/slideLayouts/slideLayout2.xml><?xml version="1.0" encoding="utf-8"?>
-<p:sldLayout xmlns:a="http://schemas.openxmlformats.org/drawingml/2006/main" xmlns:r="http://schemas.openxmlformats.org/officeDocument/2006/relationships" xmlns:p="http://schemas.openxmlformats.org/presentationml/2006/main" type="obj" preserve="1">
+<p:sldLayout xmlns:a="http://schemas.openxmlformats.org/drawingml/2006/main" xmlns:r="http://schemas.openxmlformats.org/officeDocument/2006/relationships" xmlns:p="http://schemas.openxmlformats.org/presentationml/2006/main" preserve="1" type="obj">
   <p:cSld name="Title and Content">
     <p:spTree>
       <p:nvGrpSpPr>
@@ -807,7 +807,7 @@
             <a:spLocks noGrp="1"/>
           </p:cNvSpPr>
           <p:nvPr>
-            <p:ph type="dt" sz="half" idx="10"/>
+            <p:ph idx="10" sz="half" type="dt"/>
           </p:nvPr>
         </p:nvSpPr>
         <p:spPr/>
@@ -830,7 +830,7 @@
             <a:spLocks noGrp="1"/>
           </p:cNvSpPr>
           <p:nvPr>
-            <p:ph type="ftr" sz="quarter" idx="11"/>
+            <p:ph idx="11" sz="quarter" type="ftr"/>
           </p:nvPr>
         </p:nvSpPr>
         <p:spPr/>
@@ -849,7 +849,7 @@
             <a:spLocks noGrp="1"/>
           </p:cNvSpPr>
           <p:nvPr>
-            <p:ph type="sldNum" sz="quarter" idx="12"/>
+            <p:ph idx="12" sz="quarter" type="sldNum"/>
           </p:nvPr>
         </p:nvSpPr>
         <p:spPr/>
@@ -879,7 +879,7 @@
 </file>
 
 <file path=ppt/slideLayouts/slideLayout3.xml><?xml version="1.0" encoding="utf-8"?>
-<p:sldLayout xmlns:a="http://schemas.openxmlformats.org/drawingml/2006/main" xmlns:r="http://schemas.openxmlformats.org/officeDocument/2006/relationships" xmlns:p="http://schemas.openxmlformats.org/presentationml/2006/main" type="secHead" preserve="1">
+<p:sldLayout xmlns:a="http://schemas.openxmlformats.org/drawingml/2006/main" xmlns:r="http://schemas.openxmlformats.org/officeDocument/2006/relationships" xmlns:p="http://schemas.openxmlformats.org/presentationml/2006/main" preserve="1" type="secHead">
   <p:cSld name="Section Header">
     <p:spTree>
       <p:nvGrpSpPr>
@@ -912,7 +912,7 @@
           </a:xfrm>
         </p:spPr>
         <p:txBody>
-          <a:bodyPr numCol="1" anchor="b"/>
+          <a:bodyPr anchor="b" numCol="1"/>
           <a:lstStyle>
             <a:lvl1pPr>
               <a:defRPr sz="6000"/>
@@ -934,7 +934,7 @@
             <a:spLocks noGrp="1"/>
           </p:cNvSpPr>
           <p:nvPr>
-            <p:ph type="body" idx="1"/>
+            <p:ph idx="1" type="body"/>
           </p:nvPr>
         </p:nvSpPr>
         <p:spPr>
@@ -946,7 +946,7 @@
         <p:txBody>
           <a:bodyPr numCol="1"/>
           <a:lstStyle>
-            <a:lvl1pPr marL="0" indent="0">
+            <a:lvl1pPr indent="0" marL="0">
               <a:buNone/>
               <a:defRPr sz="2400">
                 <a:solidFill>
@@ -956,7 +956,7 @@
                 </a:solidFill>
               </a:defRPr>
             </a:lvl1pPr>
-            <a:lvl2pPr marL="457200" indent="0">
+            <a:lvl2pPr indent="0" marL="457200">
               <a:buNone/>
               <a:defRPr sz="2000">
                 <a:solidFill>
@@ -966,7 +966,7 @@
                 </a:solidFill>
               </a:defRPr>
             </a:lvl2pPr>
-            <a:lvl3pPr marL="914400" indent="0">
+            <a:lvl3pPr indent="0" marL="914400">
               <a:buNone/>
               <a:defRPr sz="1800">
                 <a:solidFill>
@@ -976,7 +976,7 @@
                 </a:solidFill>
               </a:defRPr>
             </a:lvl3pPr>
-            <a:lvl4pPr marL="1371600" indent="0">
+            <a:lvl4pPr indent="0" marL="1371600">
               <a:buNone/>
               <a:defRPr sz="1600">
                 <a:solidFill>
@@ -986,7 +986,7 @@
                 </a:solidFill>
               </a:defRPr>
             </a:lvl4pPr>
-            <a:lvl5pPr marL="1828800" indent="0">
+            <a:lvl5pPr indent="0" marL="1828800">
               <a:buNone/>
               <a:defRPr sz="1600">
                 <a:solidFill>
@@ -996,7 +996,7 @@
                 </a:solidFill>
               </a:defRPr>
             </a:lvl5pPr>
-            <a:lvl6pPr marL="2286000" indent="0">
+            <a:lvl6pPr indent="0" marL="2286000">
               <a:buNone/>
               <a:defRPr sz="1600">
                 <a:solidFill>
@@ -1006,7 +1006,7 @@
                 </a:solidFill>
               </a:defRPr>
             </a:lvl6pPr>
-            <a:lvl7pPr marL="2743200" indent="0">
+            <a:lvl7pPr indent="0" marL="2743200">
               <a:buNone/>
               <a:defRPr sz="1600">
                 <a:solidFill>
@@ -1016,7 +1016,7 @@
                 </a:solidFill>
               </a:defRPr>
             </a:lvl7pPr>
-            <a:lvl8pPr marL="3200400" indent="0">
+            <a:lvl8pPr indent="0" marL="3200400">
               <a:buNone/>
               <a:defRPr sz="1600">
                 <a:solidFill>
@@ -1026,7 +1026,7 @@
                 </a:solidFill>
               </a:defRPr>
             </a:lvl8pPr>
-            <a:lvl9pPr marL="3657600" indent="0">
+            <a:lvl9pPr indent="0" marL="3657600">
               <a:buNone/>
               <a:defRPr sz="1600">
                 <a:solidFill>
@@ -1053,7 +1053,7 @@
             <a:spLocks noGrp="1"/>
           </p:cNvSpPr>
           <p:nvPr>
-            <p:ph type="dt" sz="half" idx="10"/>
+            <p:ph idx="10" sz="half" type="dt"/>
           </p:nvPr>
         </p:nvSpPr>
         <p:spPr/>
@@ -1076,7 +1076,7 @@
             <a:spLocks noGrp="1"/>
           </p:cNvSpPr>
           <p:nvPr>
-            <p:ph type="ftr" sz="quarter" idx="11"/>
+            <p:ph idx="11" sz="quarter" type="ftr"/>
           </p:nvPr>
         </p:nvSpPr>
         <p:spPr/>
@@ -1095,7 +1095,7 @@
             <a:spLocks noGrp="1"/>
           </p:cNvSpPr>
           <p:nvPr>
-            <p:ph type="sldNum" sz="quarter" idx="12"/>
+            <p:ph idx="12" sz="quarter" type="sldNum"/>
           </p:nvPr>
         </p:nvSpPr>
         <p:spPr/>
@@ -1125,7 +1125,7 @@
 </file>
 
 <file path=ppt/slideLayouts/slideLayout4.xml><?xml version="1.0" encoding="utf-8"?>
-<p:sldLayout xmlns:a="http://schemas.openxmlformats.org/drawingml/2006/main" xmlns:r="http://schemas.openxmlformats.org/officeDocument/2006/relationships" xmlns:p="http://schemas.openxmlformats.org/presentationml/2006/main" type="twoObj" preserve="1">
+<p:sldLayout xmlns:a="http://schemas.openxmlformats.org/drawingml/2006/main" xmlns:r="http://schemas.openxmlformats.org/officeDocument/2006/relationships" xmlns:p="http://schemas.openxmlformats.org/presentationml/2006/main" preserve="1" type="twoObj">
   <p:cSld name="Two Content">
     <p:spTree>
       <p:nvGrpSpPr>
@@ -1171,7 +1171,7 @@
             <a:spLocks noGrp="1"/>
           </p:cNvSpPr>
           <p:nvPr>
-            <p:ph sz="half" idx="1"/>
+            <p:ph idx="1" sz="half"/>
           </p:nvPr>
         </p:nvSpPr>
         <p:spPr>
@@ -1228,7 +1228,7 @@
             <a:spLocks noGrp="1"/>
           </p:cNvSpPr>
           <p:nvPr>
-            <p:ph sz="half" idx="2"/>
+            <p:ph idx="2" sz="half"/>
           </p:nvPr>
         </p:nvSpPr>
         <p:spPr>
@@ -1285,7 +1285,7 @@
             <a:spLocks noGrp="1"/>
           </p:cNvSpPr>
           <p:nvPr>
-            <p:ph type="dt" sz="half" idx="10"/>
+            <p:ph idx="10" sz="half" type="dt"/>
           </p:nvPr>
         </p:nvSpPr>
         <p:spPr/>
@@ -1308,7 +1308,7 @@
             <a:spLocks noGrp="1"/>
           </p:cNvSpPr>
           <p:nvPr>
-            <p:ph type="ftr" sz="quarter" idx="11"/>
+            <p:ph idx="11" sz="quarter" type="ftr"/>
           </p:nvPr>
         </p:nvSpPr>
         <p:spPr/>
@@ -1327,7 +1327,7 @@
             <a:spLocks noGrp="1"/>
           </p:cNvSpPr>
           <p:nvPr>
-            <p:ph type="sldNum" sz="quarter" idx="12"/>
+            <p:ph idx="12" sz="quarter" type="sldNum"/>
           </p:nvPr>
         </p:nvSpPr>
         <p:spPr/>
@@ -1357,7 +1357,7 @@
 </file>
 
 <file path=ppt/slideLayouts/slideLayout5.xml><?xml version="1.0" encoding="utf-8"?>
-<p:sldLayout xmlns:a="http://schemas.openxmlformats.org/drawingml/2006/main" xmlns:r="http://schemas.openxmlformats.org/officeDocument/2006/relationships" xmlns:p="http://schemas.openxmlformats.org/presentationml/2006/main" type="twoTxTwoObj" preserve="1">
+<p:sldLayout xmlns:a="http://schemas.openxmlformats.org/drawingml/2006/main" xmlns:r="http://schemas.openxmlformats.org/officeDocument/2006/relationships" xmlns:p="http://schemas.openxmlformats.org/presentationml/2006/main" preserve="1" type="twoTxTwoObj">
   <p:cSld name="Comparison">
     <p:spTree>
       <p:nvGrpSpPr>
@@ -1408,7 +1408,7 @@
             <a:spLocks noGrp="1"/>
           </p:cNvSpPr>
           <p:nvPr>
-            <p:ph type="body" idx="1"/>
+            <p:ph idx="1" type="body"/>
           </p:nvPr>
         </p:nvSpPr>
         <p:spPr>
@@ -1418,43 +1418,43 @@
           </a:xfrm>
         </p:spPr>
         <p:txBody>
-          <a:bodyPr numCol="1" anchor="b"/>
+          <a:bodyPr anchor="b" numCol="1"/>
           <a:lstStyle>
-            <a:lvl1pPr marL="0" indent="0">
+            <a:lvl1pPr indent="0" marL="0">
               <a:buNone/>
-              <a:defRPr sz="2400" b="1"/>
+              <a:defRPr b="1" sz="2400"/>
             </a:lvl1pPr>
-            <a:lvl2pPr marL="457200" indent="0">
+            <a:lvl2pPr indent="0" marL="457200">
               <a:buNone/>
-              <a:defRPr sz="2000" b="1"/>
+              <a:defRPr b="1" sz="2000"/>
             </a:lvl2pPr>
-            <a:lvl3pPr marL="914400" indent="0">
+            <a:lvl3pPr indent="0" marL="914400">
               <a:buNone/>
-              <a:defRPr sz="1800" b="1"/>
+              <a:defRPr b="1" sz="1800"/>
             </a:lvl3pPr>
-            <a:lvl4pPr marL="1371600" indent="0">
+            <a:lvl4pPr indent="0" marL="1371600">
               <a:buNone/>
-              <a:defRPr sz="1600" b="1"/>
+              <a:defRPr b="1" sz="1600"/>
             </a:lvl4pPr>
-            <a:lvl5pPr marL="1828800" indent="0">
+            <a:lvl5pPr indent="0" marL="1828800">
               <a:buNone/>
-              <a:defRPr sz="1600" b="1"/>
+              <a:defRPr b="1" sz="1600"/>
             </a:lvl5pPr>
-            <a:lvl6pPr marL="2286000" indent="0">
+            <a:lvl6pPr indent="0" marL="2286000">
               <a:buNone/>
-              <a:defRPr sz="1600" b="1"/>
+              <a:defRPr b="1" sz="1600"/>
             </a:lvl6pPr>
-            <a:lvl7pPr marL="2743200" indent="0">
+            <a:lvl7pPr indent="0" marL="2743200">
               <a:buNone/>
-              <a:defRPr sz="1600" b="1"/>
+              <a:defRPr b="1" sz="1600"/>
             </a:lvl7pPr>
-            <a:lvl8pPr marL="3200400" indent="0">
+            <a:lvl8pPr indent="0" marL="3200400">
               <a:buNone/>
-              <a:defRPr sz="1600" b="1"/>
+              <a:defRPr b="1" sz="1600"/>
             </a:lvl8pPr>
-            <a:lvl9pPr marL="3657600" indent="0">
+            <a:lvl9pPr indent="0" marL="3657600">
               <a:buNone/>
-              <a:defRPr sz="1600" b="1"/>
+              <a:defRPr b="1" sz="1600"/>
             </a:lvl9pPr>
           </a:lstStyle>
           <a:p>
@@ -1473,7 +1473,7 @@
             <a:spLocks noGrp="1"/>
           </p:cNvSpPr>
           <p:nvPr>
-            <p:ph sz="half" idx="2"/>
+            <p:ph idx="2" sz="half"/>
           </p:nvPr>
         </p:nvSpPr>
         <p:spPr>
@@ -1530,7 +1530,7 @@
             <a:spLocks noGrp="1"/>
           </p:cNvSpPr>
           <p:nvPr>
-            <p:ph type="body" sz="quarter" idx="3"/>
+            <p:ph idx="3" sz="quarter" type="body"/>
           </p:nvPr>
         </p:nvSpPr>
         <p:spPr>
@@ -1540,43 +1540,43 @@
           </a:xfrm>
         </p:spPr>
         <p:txBody>
-          <a:bodyPr numCol="1" anchor="b"/>
+          <a:bodyPr anchor="b" numCol="1"/>
           <a:lstStyle>
-            <a:lvl1pPr marL="0" indent="0">
+            <a:lvl1pPr indent="0" marL="0">
               <a:buNone/>
-              <a:defRPr sz="2400" b="1"/>
+              <a:defRPr b="1" sz="2400"/>
             </a:lvl1pPr>
-            <a:lvl2pPr marL="457200" indent="0">
+            <a:lvl2pPr indent="0" marL="457200">
               <a:buNone/>
-              <a:defRPr sz="2000" b="1"/>
+              <a:defRPr b="1" sz="2000"/>
             </a:lvl2pPr>
-            <a:lvl3pPr marL="914400" indent="0">
+            <a:lvl3pPr indent="0" marL="914400">
               <a:buNone/>
-              <a:defRPr sz="1800" b="1"/>
+              <a:defRPr b="1" sz="1800"/>
             </a:lvl3pPr>
-            <a:lvl4pPr marL="1371600" indent="0">
+            <a:lvl4pPr indent="0" marL="1371600">
               <a:buNone/>
-              <a:defRPr sz="1600" b="1"/>
+              <a:defRPr b="1" sz="1600"/>
             </a:lvl4pPr>
-            <a:lvl5pPr marL="1828800" indent="0">
+            <a:lvl5pPr indent="0" marL="1828800">
               <a:buNone/>
-              <a:defRPr sz="1600" b="1"/>
+              <a:defRPr b="1" sz="1600"/>
             </a:lvl5pPr>
-            <a:lvl6pPr marL="2286000" indent="0">
+            <a:lvl6pPr indent="0" marL="2286000">
               <a:buNone/>
-              <a:defRPr sz="1600" b="1"/>
+              <a:defRPr b="1" sz="1600"/>
             </a:lvl6pPr>
-            <a:lvl7pPr marL="2743200" indent="0">
+            <a:lvl7pPr indent="0" marL="2743200">
               <a:buNone/>
-              <a:defRPr sz="1600" b="1"/>
+              <a:defRPr b="1" sz="1600"/>
             </a:lvl7pPr>
-            <a:lvl8pPr marL="3200400" indent="0">
+            <a:lvl8pPr indent="0" marL="3200400">
               <a:buNone/>
-              <a:defRPr sz="1600" b="1"/>
+              <a:defRPr b="1" sz="1600"/>
             </a:lvl8pPr>
-            <a:lvl9pPr marL="3657600" indent="0">
+            <a:lvl9pPr indent="0" marL="3657600">
               <a:buNone/>
-              <a:defRPr sz="1600" b="1"/>
+              <a:defRPr b="1" sz="1600"/>
             </a:lvl9pPr>
           </a:lstStyle>
           <a:p>
@@ -1595,7 +1595,7 @@
             <a:spLocks noGrp="1"/>
           </p:cNvSpPr>
           <p:nvPr>
-            <p:ph sz="quarter" idx="4"/>
+            <p:ph idx="4" sz="quarter"/>
           </p:nvPr>
         </p:nvSpPr>
         <p:spPr>
@@ -1652,7 +1652,7 @@
             <a:spLocks noGrp="1"/>
           </p:cNvSpPr>
           <p:nvPr>
-            <p:ph type="dt" sz="half" idx="10"/>
+            <p:ph idx="10" sz="half" type="dt"/>
           </p:nvPr>
         </p:nvSpPr>
         <p:spPr/>
@@ -1675,7 +1675,7 @@
             <a:spLocks noGrp="1"/>
           </p:cNvSpPr>
           <p:nvPr>
-            <p:ph type="ftr" sz="quarter" idx="11"/>
+            <p:ph idx="11" sz="quarter" type="ftr"/>
           </p:nvPr>
         </p:nvSpPr>
         <p:spPr/>
@@ -1694,7 +1694,7 @@
             <a:spLocks noGrp="1"/>
           </p:cNvSpPr>
           <p:nvPr>
-            <p:ph type="sldNum" sz="quarter" idx="12"/>
+            <p:ph idx="12" sz="quarter" type="sldNum"/>
           </p:nvPr>
         </p:nvSpPr>
         <p:spPr/>
@@ -1724,7 +1724,7 @@
 </file>
 
 <file path=ppt/slideLayouts/slideLayout6.xml><?xml version="1.0" encoding="utf-8"?>
-<p:sldLayout xmlns:a="http://schemas.openxmlformats.org/drawingml/2006/main" xmlns:r="http://schemas.openxmlformats.org/officeDocument/2006/relationships" xmlns:p="http://schemas.openxmlformats.org/presentationml/2006/main" type="titleOnly" preserve="1">
+<p:sldLayout xmlns:a="http://schemas.openxmlformats.org/drawingml/2006/main" xmlns:r="http://schemas.openxmlformats.org/officeDocument/2006/relationships" xmlns:p="http://schemas.openxmlformats.org/presentationml/2006/main" preserve="1" type="titleOnly">
   <p:cSld name="Title Only">
     <p:spTree>
       <p:nvGrpSpPr>
@@ -1770,7 +1770,7 @@
             <a:spLocks noGrp="1"/>
           </p:cNvSpPr>
           <p:nvPr>
-            <p:ph type="dt" sz="half" idx="10"/>
+            <p:ph idx="10" sz="half" type="dt"/>
           </p:nvPr>
         </p:nvSpPr>
         <p:spPr/>
@@ -1793,7 +1793,7 @@
             <a:spLocks noGrp="1"/>
           </p:cNvSpPr>
           <p:nvPr>
-            <p:ph type="ftr" sz="quarter" idx="11"/>
+            <p:ph idx="11" sz="quarter" type="ftr"/>
           </p:nvPr>
         </p:nvSpPr>
         <p:spPr/>
@@ -1812,7 +1812,7 @@
             <a:spLocks noGrp="1"/>
           </p:cNvSpPr>
           <p:nvPr>
-            <p:ph type="sldNum" sz="quarter" idx="12"/>
+            <p:ph idx="12" sz="quarter" type="sldNum"/>
           </p:nvPr>
         </p:nvSpPr>
         <p:spPr/>
@@ -1842,7 +1842,7 @@
 </file>
 
 <file path=ppt/slideLayouts/slideLayout7.xml><?xml version="1.0" encoding="utf-8"?>
-<p:sldLayout xmlns:a="http://schemas.openxmlformats.org/drawingml/2006/main" xmlns:r="http://schemas.openxmlformats.org/officeDocument/2006/relationships" xmlns:p="http://schemas.openxmlformats.org/presentationml/2006/main" type="blank" preserve="1">
+<p:sldLayout xmlns:a="http://schemas.openxmlformats.org/drawingml/2006/main" xmlns:r="http://schemas.openxmlformats.org/officeDocument/2006/relationships" xmlns:p="http://schemas.openxmlformats.org/presentationml/2006/main" preserve="1" type="blank">
   <p:cSld name="Blank">
     <p:spTree>
       <p:nvGrpSpPr>
@@ -1865,7 +1865,7 @@
             <a:spLocks noGrp="1"/>
           </p:cNvSpPr>
           <p:nvPr>
-            <p:ph type="dt" sz="half" idx="10"/>
+            <p:ph idx="10" sz="half" type="dt"/>
           </p:nvPr>
         </p:nvSpPr>
         <p:spPr/>
@@ -1888,7 +1888,7 @@
             <a:spLocks noGrp="1"/>
           </p:cNvSpPr>
           <p:nvPr>
-            <p:ph type="ftr" sz="quarter" idx="11"/>
+            <p:ph idx="11" sz="quarter" type="ftr"/>
           </p:nvPr>
         </p:nvSpPr>
         <p:spPr/>
@@ -1907,7 +1907,7 @@
             <a:spLocks noGrp="1"/>
           </p:cNvSpPr>
           <p:nvPr>
-            <p:ph type="sldNum" sz="quarter" idx="12"/>
+            <p:ph idx="12" sz="quarter" type="sldNum"/>
           </p:nvPr>
         </p:nvSpPr>
         <p:spPr/>
@@ -1937,7 +1937,7 @@
 </file>
 
 <file path=ppt/slideLayouts/slideLayout8.xml><?xml version="1.0" encoding="utf-8"?>
-<p:sldLayout xmlns:a="http://schemas.openxmlformats.org/drawingml/2006/main" xmlns:r="http://schemas.openxmlformats.org/officeDocument/2006/relationships" xmlns:p="http://schemas.openxmlformats.org/presentationml/2006/main" type="objTx" preserve="1">
+<p:sldLayout xmlns:a="http://schemas.openxmlformats.org/drawingml/2006/main" xmlns:r="http://schemas.openxmlformats.org/officeDocument/2006/relationships" xmlns:p="http://schemas.openxmlformats.org/presentationml/2006/main" preserve="1" type="objTx">
   <p:cSld name="Content with Caption">
     <p:spTree>
       <p:nvGrpSpPr>
@@ -1970,7 +1970,7 @@
           </a:xfrm>
         </p:spPr>
         <p:txBody>
-          <a:bodyPr numCol="1" anchor="b"/>
+          <a:bodyPr anchor="b" numCol="1"/>
           <a:lstStyle>
             <a:lvl1pPr>
               <a:defRPr sz="3200"/>
@@ -2077,7 +2077,7 @@
             <a:spLocks noGrp="1"/>
           </p:cNvSpPr>
           <p:nvPr>
-            <p:ph type="body" sz="half" idx="2"/>
+            <p:ph idx="2" sz="half" type="body"/>
           </p:nvPr>
         </p:nvSpPr>
         <p:spPr>
@@ -2089,39 +2089,39 @@
         <p:txBody>
           <a:bodyPr numCol="1"/>
           <a:lstStyle>
-            <a:lvl1pPr marL="0" indent="0">
+            <a:lvl1pPr indent="0" marL="0">
               <a:buNone/>
               <a:defRPr sz="1600"/>
             </a:lvl1pPr>
-            <a:lvl2pPr marL="457200" indent="0">
+            <a:lvl2pPr indent="0" marL="457200">
               <a:buNone/>
               <a:defRPr sz="1400"/>
             </a:lvl2pPr>
-            <a:lvl3pPr marL="914400" indent="0">
+            <a:lvl3pPr indent="0" marL="914400">
               <a:buNone/>
               <a:defRPr sz="1200"/>
             </a:lvl3pPr>
-            <a:lvl4pPr marL="1371600" indent="0">
+            <a:lvl4pPr indent="0" marL="1371600">
               <a:buNone/>
               <a:defRPr sz="1000"/>
             </a:lvl4pPr>
-            <a:lvl5pPr marL="1828800" indent="0">
+            <a:lvl5pPr indent="0" marL="1828800">
               <a:buNone/>
               <a:defRPr sz="1000"/>
             </a:lvl5pPr>
-            <a:lvl6pPr marL="2286000" indent="0">
+            <a:lvl6pPr indent="0" marL="2286000">
               <a:buNone/>
               <a:defRPr sz="1000"/>
             </a:lvl6pPr>
-            <a:lvl7pPr marL="2743200" indent="0">
+            <a:lvl7pPr indent="0" marL="2743200">
               <a:buNone/>
               <a:defRPr sz="1000"/>
             </a:lvl7pPr>
-            <a:lvl8pPr marL="3200400" indent="0">
+            <a:lvl8pPr indent="0" marL="3200400">
               <a:buNone/>
               <a:defRPr sz="1000"/>
             </a:lvl8pPr>
-            <a:lvl9pPr marL="3657600" indent="0">
+            <a:lvl9pPr indent="0" marL="3657600">
               <a:buNone/>
               <a:defRPr sz="1000"/>
             </a:lvl9pPr>
@@ -2142,7 +2142,7 @@
             <a:spLocks noGrp="1"/>
           </p:cNvSpPr>
           <p:nvPr>
-            <p:ph type="dt" sz="half" idx="10"/>
+            <p:ph idx="10" sz="half" type="dt"/>
           </p:nvPr>
         </p:nvSpPr>
         <p:spPr/>
@@ -2165,7 +2165,7 @@
             <a:spLocks noGrp="1"/>
           </p:cNvSpPr>
           <p:nvPr>
-            <p:ph type="ftr" sz="quarter" idx="11"/>
+            <p:ph idx="11" sz="quarter" type="ftr"/>
           </p:nvPr>
         </p:nvSpPr>
         <p:spPr/>
@@ -2184,7 +2184,7 @@
             <a:spLocks noGrp="1"/>
           </p:cNvSpPr>
           <p:nvPr>
-            <p:ph type="sldNum" sz="quarter" idx="12"/>
+            <p:ph idx="12" sz="quarter" type="sldNum"/>
           </p:nvPr>
         </p:nvSpPr>
         <p:spPr/>
@@ -2214,7 +2214,7 @@
 </file>
 
 <file path=ppt/slideLayouts/slideLayout9.xml><?xml version="1.0" encoding="utf-8"?>
-<p:sldLayout xmlns:a="http://schemas.openxmlformats.org/drawingml/2006/main" xmlns:r="http://schemas.openxmlformats.org/officeDocument/2006/relationships" xmlns:p="http://schemas.openxmlformats.org/presentationml/2006/main" type="picTx" preserve="1">
+<p:sldLayout xmlns:a="http://schemas.openxmlformats.org/drawingml/2006/main" xmlns:r="http://schemas.openxmlformats.org/officeDocument/2006/relationships" xmlns:p="http://schemas.openxmlformats.org/presentationml/2006/main" preserve="1" type="picTx">
   <p:cSld name="Picture with Caption">
     <p:spTree>
       <p:nvGrpSpPr>
@@ -2247,7 +2247,7 @@
           </a:xfrm>
         </p:spPr>
         <p:txBody>
-          <a:bodyPr numCol="1" anchor="b"/>
+          <a:bodyPr anchor="b" numCol="1"/>
           <a:lstStyle>
             <a:lvl1pPr>
               <a:defRPr sz="3200"/>
@@ -2269,7 +2269,7 @@
             <a:spLocks noGrp="1"/>
           </p:cNvSpPr>
           <p:nvPr>
-            <p:ph type="pic" idx="1"/>
+            <p:ph idx="1" type="pic"/>
           </p:nvPr>
         </p:nvSpPr>
         <p:spPr>
@@ -2281,39 +2281,39 @@
         <p:txBody>
           <a:bodyPr numCol="1"/>
           <a:lstStyle>
-            <a:lvl1pPr marL="0" indent="0">
+            <a:lvl1pPr indent="0" marL="0">
               <a:buNone/>
               <a:defRPr sz="3200"/>
             </a:lvl1pPr>
-            <a:lvl2pPr marL="457200" indent="0">
+            <a:lvl2pPr indent="0" marL="457200">
               <a:buNone/>
               <a:defRPr sz="2800"/>
             </a:lvl2pPr>
-            <a:lvl3pPr marL="914400" indent="0">
+            <a:lvl3pPr indent="0" marL="914400">
               <a:buNone/>
               <a:defRPr sz="2400"/>
             </a:lvl3pPr>
-            <a:lvl4pPr marL="1371600" indent="0">
+            <a:lvl4pPr indent="0" marL="1371600">
               <a:buNone/>
               <a:defRPr sz="2000"/>
             </a:lvl4pPr>
-            <a:lvl5pPr marL="1828800" indent="0">
+            <a:lvl5pPr indent="0" marL="1828800">
               <a:buNone/>
               <a:defRPr sz="2000"/>
             </a:lvl5pPr>
-            <a:lvl6pPr marL="2286000" indent="0">
+            <a:lvl6pPr indent="0" marL="2286000">
               <a:buNone/>
               <a:defRPr sz="2000"/>
             </a:lvl6pPr>
-            <a:lvl7pPr marL="2743200" indent="0">
+            <a:lvl7pPr indent="0" marL="2743200">
               <a:buNone/>
               <a:defRPr sz="2000"/>
             </a:lvl7pPr>
-            <a:lvl8pPr marL="3200400" indent="0">
+            <a:lvl8pPr indent="0" marL="3200400">
               <a:buNone/>
               <a:defRPr sz="2000"/>
             </a:lvl8pPr>
-            <a:lvl9pPr marL="3657600" indent="0">
+            <a:lvl9pPr indent="0" marL="3657600">
               <a:buNone/>
               <a:defRPr sz="2000"/>
             </a:lvl9pPr>
@@ -2330,7 +2330,7 @@
             <a:spLocks noGrp="1"/>
           </p:cNvSpPr>
           <p:nvPr>
-            <p:ph type="body" sz="half" idx="2"/>
+            <p:ph idx="2" sz="half" type="body"/>
           </p:nvPr>
         </p:nvSpPr>
         <p:spPr>
@@ -2342,39 +2342,39 @@
         <p:txBody>
           <a:bodyPr numCol="1"/>
           <a:lstStyle>
-            <a:lvl1pPr marL="0" indent="0">
+            <a:lvl1pPr indent="0" marL="0">
               <a:buNone/>
               <a:defRPr sz="1600"/>
             </a:lvl1pPr>
-            <a:lvl2pPr marL="457200" indent="0">
+            <a:lvl2pPr indent="0" marL="457200">
               <a:buNone/>
               <a:defRPr sz="1400"/>
             </a:lvl2pPr>
-            <a:lvl3pPr marL="914400" indent="0">
+            <a:lvl3pPr indent="0" marL="914400">
               <a:buNone/>
               <a:defRPr sz="1200"/>
             </a:lvl3pPr>
-            <a:lvl4pPr marL="1371600" indent="0">
+            <a:lvl4pPr indent="0" marL="1371600">
               <a:buNone/>
               <a:defRPr sz="1000"/>
             </a:lvl4pPr>
-            <a:lvl5pPr marL="1828800" indent="0">
+            <a:lvl5pPr indent="0" marL="1828800">
               <a:buNone/>
               <a:defRPr sz="1000"/>
             </a:lvl5pPr>
-            <a:lvl6pPr marL="2286000" indent="0">
+            <a:lvl6pPr indent="0" marL="2286000">
               <a:buNone/>
               <a:defRPr sz="1000"/>
             </a:lvl6pPr>
-            <a:lvl7pPr marL="2743200" indent="0">
+            <a:lvl7pPr indent="0" marL="2743200">
               <a:buNone/>
               <a:defRPr sz="1000"/>
             </a:lvl7pPr>
-            <a:lvl8pPr marL="3200400" indent="0">
+            <a:lvl8pPr indent="0" marL="3200400">
               <a:buNone/>
               <a:defRPr sz="1000"/>
             </a:lvl8pPr>
-            <a:lvl9pPr marL="3657600" indent="0">
+            <a:lvl9pPr indent="0" marL="3657600">
               <a:buNone/>
               <a:defRPr sz="1000"/>
             </a:lvl9pPr>
@@ -2395,7 +2395,7 @@
             <a:spLocks noGrp="1"/>
           </p:cNvSpPr>
           <p:nvPr>
-            <p:ph type="dt" sz="half" idx="10"/>
+            <p:ph idx="10" sz="half" type="dt"/>
           </p:nvPr>
         </p:nvSpPr>
         <p:spPr/>
@@ -2418,7 +2418,7 @@
             <a:spLocks noGrp="1"/>
           </p:cNvSpPr>
           <p:nvPr>
-            <p:ph type="ftr" sz="quarter" idx="11"/>
+            <p:ph idx="11" sz="quarter" type="ftr"/>
           </p:nvPr>
         </p:nvSpPr>
         <p:spPr/>
@@ -2437,7 +2437,7 @@
             <a:spLocks noGrp="1"/>
           </p:cNvSpPr>
           <p:nvPr>
-            <p:ph type="sldNum" sz="quarter" idx="12"/>
+            <p:ph idx="12" sz="quarter" type="sldNum"/>
           </p:nvPr>
         </p:nvSpPr>
         <p:spPr/>
@@ -2508,7 +2508,7 @@
           </a:prstGeom>
         </p:spPr>
         <p:txBody>
-          <a:bodyPr vert="horz" lIns="91440" tIns="45720" rIns="91440" bIns="45720" numCol="1" rtlCol="0" anchor="ctr">
+          <a:bodyPr anchor="ctr" bIns="45720" lIns="91440" numCol="1" rIns="91440" rtlCol="0" tIns="45720" vert="horz">
             <a:normAutofit/>
           </a:bodyPr>
           <a:lstStyle/>
@@ -2528,7 +2528,7 @@
             <a:spLocks noGrp="1"/>
           </p:cNvSpPr>
           <p:nvPr>
-            <p:ph type="body" idx="1"/>
+            <p:ph idx="1" type="body"/>
           </p:nvPr>
         </p:nvSpPr>
         <p:spPr>
@@ -2541,7 +2541,7 @@
           </a:prstGeom>
         </p:spPr>
         <p:txBody>
-          <a:bodyPr vert="horz" lIns="91440" tIns="45720" rIns="91440" bIns="45720" numCol="1" rtlCol="0">
+          <a:bodyPr bIns="45720" lIns="91440" numCol="1" rIns="91440" rtlCol="0" tIns="45720" vert="horz">
             <a:normAutofit/>
           </a:bodyPr>
           <a:lstStyle/>
@@ -2590,7 +2590,7 @@
             <a:spLocks noGrp="1"/>
           </p:cNvSpPr>
           <p:nvPr>
-            <p:ph type="dt" sz="half" idx="2"/>
+            <p:ph idx="2" sz="half" type="dt"/>
           </p:nvPr>
         </p:nvSpPr>
         <p:spPr>
@@ -2603,7 +2603,7 @@
           </a:prstGeom>
         </p:spPr>
         <p:txBody>
-          <a:bodyPr vert="horz" lIns="91440" tIns="45720" rIns="91440" bIns="45720" numCol="1" rtlCol="0" anchor="ctr"/>
+          <a:bodyPr anchor="ctr" bIns="45720" lIns="91440" numCol="1" rIns="91440" rtlCol="0" tIns="45720" vert="horz"/>
           <a:lstStyle>
             <a:lvl1pPr algn="l">
               <a:defRPr sz="1200">
@@ -2631,7 +2631,7 @@
             <a:spLocks noGrp="1"/>
           </p:cNvSpPr>
           <p:nvPr>
-            <p:ph type="ftr" sz="quarter" idx="3"/>
+            <p:ph idx="3" sz="quarter" type="ftr"/>
           </p:nvPr>
         </p:nvSpPr>
         <p:spPr>
@@ -2644,7 +2644,7 @@
           </a:prstGeom>
         </p:spPr>
         <p:txBody>
-          <a:bodyPr vert="horz" lIns="91440" tIns="45720" rIns="91440" bIns="45720" numCol="1" rtlCol="0" anchor="ctr"/>
+          <a:bodyPr anchor="ctr" bIns="45720" lIns="91440" numCol="1" rIns="91440" rtlCol="0" tIns="45720" vert="horz"/>
           <a:lstStyle>
             <a:lvl1pPr algn="ctr">
               <a:defRPr sz="1200">
@@ -2668,7 +2668,7 @@
             <a:spLocks noGrp="1"/>
           </p:cNvSpPr>
           <p:nvPr>
-            <p:ph type="sldNum" sz="quarter" idx="4"/>
+            <p:ph idx="4" sz="quarter" type="sldNum"/>
           </p:nvPr>
         </p:nvSpPr>
         <p:spPr>
@@ -2681,7 +2681,7 @@
           </a:prstGeom>
         </p:spPr>
         <p:txBody>
-          <a:bodyPr vert="horz" lIns="91440" tIns="45720" rIns="91440" bIns="45720" numCol="1" rtlCol="0" anchor="ctr"/>
+          <a:bodyPr anchor="ctr" bIns="45720" lIns="91440" numCol="1" rIns="91440" rtlCol="0" tIns="45720" vert="horz"/>
           <a:lstStyle>
             <a:lvl1pPr algn="r">
               <a:defRPr sz="1200">
@@ -2709,23 +2709,23 @@
       </p:ext>
     </p:extLst>
   </p:cSld>
-  <p:clrMap bg1="lt1" tx1="dk1" bg2="lt2" tx2="dk2" accent1="accent1" accent2="accent2" accent3="accent3" accent4="accent4" accent5="accent5" accent6="accent6" hlink="hlink" folHlink="folHlink"/>
+  <p:clrMap accent1="accent1" accent2="accent2" accent3="accent3" accent4="accent4" accent5="accent5" accent6="accent6" bg1="lt1" bg2="lt2" folHlink="folHlink" hlink="hlink" tx1="dk1" tx2="dk2"/>
   <p:sldLayoutIdLst>
-    <p:sldLayoutId id="2147483648" r:id="rId1"/>
-    <p:sldLayoutId id="2147483649" r:id="rId2"/>
-    <p:sldLayoutId id="2147483650" r:id="rId3"/>
-    <p:sldLayoutId id="2147483651" r:id="rId4"/>
-    <p:sldLayoutId id="2147483652" r:id="rId5"/>
-    <p:sldLayoutId id="2147483653" r:id="rId6"/>
-    <p:sldLayoutId id="2147483654" r:id="rId7"/>
-    <p:sldLayoutId id="2147483655" r:id="rId8"/>
-    <p:sldLayoutId id="2147483656" r:id="rId9"/>
-    <p:sldLayoutId id="2147483657" r:id="rId10"/>
-    <p:sldLayoutId id="2147483658" r:id="rId11"/>
+    <p:sldLayoutId id="2147483648" r:id="rId2"/>
+    <p:sldLayoutId id="2147483649" r:id="rId3"/>
+    <p:sldLayoutId id="2147483650" r:id="rId4"/>
+    <p:sldLayoutId id="2147483651" r:id="rId5"/>
+    <p:sldLayoutId id="2147483652" r:id="rId6"/>
+    <p:sldLayoutId id="2147483653" r:id="rId7"/>
+    <p:sldLayoutId id="2147483654" r:id="rId8"/>
+    <p:sldLayoutId id="2147483655" r:id="rId9"/>
+    <p:sldLayoutId id="2147483656" r:id="rId10"/>
+    <p:sldLayoutId id="2147483657" r:id="rId11"/>
+    <p:sldLayoutId id="2147483658" r:id="rId12"/>
   </p:sldLayoutIdLst>
   <p:txStyles>
     <p:titleStyle>
-      <a:lvl1pPr algn="l" defTabSz="914400" rtl="0" eaLnBrk="1" latinLnBrk="0" hangingPunct="1">
+      <a:lvl1pPr algn="l" defTabSz="914400" eaLnBrk="1" hangingPunct="1" latinLnBrk="0" rtl="0">
         <a:lnSpc>
           <a:spcPct val="90000"/>
         </a:lnSpc>
@@ -2733,7 +2733,7 @@
           <a:spcPct val="0"/>
         </a:spcBef>
         <a:buNone/>
-        <a:defRPr sz="4400" kern="1200">
+        <a:defRPr kern="1200" sz="4400">
           <a:solidFill>
             <a:schemeClr val="tx1"/>
           </a:solidFill>
@@ -2744,16 +2744,16 @@
       </a:lvl1pPr>
     </p:titleStyle>
     <p:bodyStyle>
-      <a:lvl1pPr marL="228600" indent="-228600" algn="l" defTabSz="914400" rtl="0" eaLnBrk="1" latinLnBrk="0" hangingPunct="1">
+      <a:lvl1pPr algn="l" defTabSz="914400" eaLnBrk="1" hangingPunct="1" indent="-228600" latinLnBrk="0" marL="228600" rtl="0">
         <a:lnSpc>
           <a:spcPct val="90000"/>
         </a:lnSpc>
         <a:spcBef>
           <a:spcPts val="1000"/>
         </a:spcBef>
-        <a:buFont typeface="Arial" panose="020B0604020202020204" pitchFamily="34" charset="0"/>
+        <a:buFont charset="0" panose="020B0604020202020204" pitchFamily="34" typeface="Arial"/>
         <a:buChar char="•"/>
-        <a:defRPr sz="2800" kern="1200">
+        <a:defRPr kern="1200" sz="2800">
           <a:solidFill>
             <a:schemeClr val="tx1"/>
           </a:solidFill>
@@ -2762,16 +2762,16 @@
           <a:cs typeface="+mn-cs"/>
         </a:defRPr>
       </a:lvl1pPr>
-      <a:lvl2pPr marL="685800" indent="-228600" algn="l" defTabSz="914400" rtl="0" eaLnBrk="1" latinLnBrk="0" hangingPunct="1">
+      <a:lvl2pPr algn="l" defTabSz="914400" eaLnBrk="1" hangingPunct="1" indent="-228600" latinLnBrk="0" marL="685800" rtl="0">
         <a:lnSpc>
           <a:spcPct val="90000"/>
         </a:lnSpc>
         <a:spcBef>
           <a:spcPts val="500"/>
         </a:spcBef>
-        <a:buFont typeface="Arial" panose="020B0604020202020204" pitchFamily="34" charset="0"/>
+        <a:buFont charset="0" panose="020B0604020202020204" pitchFamily="34" typeface="Arial"/>
         <a:buChar char="•"/>
-        <a:defRPr sz="2400" kern="1200">
+        <a:defRPr kern="1200" sz="2400">
           <a:solidFill>
             <a:schemeClr val="tx1"/>
           </a:solidFill>
@@ -2780,16 +2780,16 @@
           <a:cs typeface="+mn-cs"/>
         </a:defRPr>
       </a:lvl2pPr>
-      <a:lvl3pPr marL="1143000" indent="-228600" algn="l" defTabSz="914400" rtl="0" eaLnBrk="1" latinLnBrk="0" hangingPunct="1">
+      <a:lvl3pPr algn="l" defTabSz="914400" eaLnBrk="1" hangingPunct="1" indent="-228600" latinLnBrk="0" marL="1143000" rtl="0">
         <a:lnSpc>
           <a:spcPct val="90000"/>
         </a:lnSpc>
         <a:spcBef>
           <a:spcPts val="500"/>
         </a:spcBef>
-        <a:buFont typeface="Arial" panose="020B0604020202020204" pitchFamily="34" charset="0"/>
+        <a:buFont charset="0" panose="020B0604020202020204" pitchFamily="34" typeface="Arial"/>
         <a:buChar char="•"/>
-        <a:defRPr sz="2000" kern="1200">
+        <a:defRPr kern="1200" sz="2000">
           <a:solidFill>
             <a:schemeClr val="tx1"/>
           </a:solidFill>
@@ -2798,16 +2798,16 @@
           <a:cs typeface="+mn-cs"/>
         </a:defRPr>
       </a:lvl3pPr>
-      <a:lvl4pPr marL="1600200" indent="-228600" algn="l" defTabSz="914400" rtl="0" eaLnBrk="1" latinLnBrk="0" hangingPunct="1">
+      <a:lvl4pPr algn="l" defTabSz="914400" eaLnBrk="1" hangingPunct="1" indent="-228600" latinLnBrk="0" marL="1600200" rtl="0">
         <a:lnSpc>
           <a:spcPct val="90000"/>
         </a:lnSpc>
         <a:spcBef>
           <a:spcPts val="500"/>
         </a:spcBef>
-        <a:buFont typeface="Arial" panose="020B0604020202020204" pitchFamily="34" charset="0"/>
+        <a:buFont charset="0" panose="020B0604020202020204" pitchFamily="34" typeface="Arial"/>
         <a:buChar char="•"/>
-        <a:defRPr sz="1800" kern="1200">
+        <a:defRPr kern="1200" sz="1800">
           <a:solidFill>
             <a:schemeClr val="tx1"/>
           </a:solidFill>
@@ -2816,16 +2816,16 @@
           <a:cs typeface="+mn-cs"/>
         </a:defRPr>
       </a:lvl4pPr>
-      <a:lvl5pPr marL="2057400" indent="-228600" algn="l" defTabSz="914400" rtl="0" eaLnBrk="1" latinLnBrk="0" hangingPunct="1">
+      <a:lvl5pPr algn="l" defTabSz="914400" eaLnBrk="1" hangingPunct="1" indent="-228600" latinLnBrk="0" marL="2057400" rtl="0">
         <a:lnSpc>
           <a:spcPct val="90000"/>
         </a:lnSpc>
         <a:spcBef>
           <a:spcPts val="500"/>
         </a:spcBef>
-        <a:buFont typeface="Arial" panose="020B0604020202020204" pitchFamily="34" charset="0"/>
+        <a:buFont charset="0" panose="020B0604020202020204" pitchFamily="34" typeface="Arial"/>
         <a:buChar char="•"/>
-        <a:defRPr sz="1800" kern="1200">
+        <a:defRPr kern="1200" sz="1800">
           <a:solidFill>
             <a:schemeClr val="tx1"/>
           </a:solidFill>
@@ -2834,16 +2834,16 @@
           <a:cs typeface="+mn-cs"/>
         </a:defRPr>
       </a:lvl5pPr>
-      <a:lvl6pPr marL="2514600" indent="-228600" algn="l" defTabSz="914400" rtl="0" eaLnBrk="1" latinLnBrk="0" hangingPunct="1">
+      <a:lvl6pPr algn="l" defTabSz="914400" eaLnBrk="1" hangingPunct="1" indent="-228600" latinLnBrk="0" marL="2514600" rtl="0">
         <a:lnSpc>
           <a:spcPct val="90000"/>
         </a:lnSpc>
         <a:spcBef>
           <a:spcPts val="500"/>
         </a:spcBef>
-        <a:buFont typeface="Arial" panose="020B0604020202020204" pitchFamily="34" charset="0"/>
+        <a:buFont charset="0" panose="020B0604020202020204" pitchFamily="34" typeface="Arial"/>
         <a:buChar char="•"/>
-        <a:defRPr sz="1800" kern="1200">
+        <a:defRPr kern="1200" sz="1800">
           <a:solidFill>
             <a:schemeClr val="tx1"/>
           </a:solidFill>
@@ -2852,16 +2852,16 @@
           <a:cs typeface="+mn-cs"/>
         </a:defRPr>
       </a:lvl6pPr>
-      <a:lvl7pPr marL="2971800" indent="-228600" algn="l" defTabSz="914400" rtl="0" eaLnBrk="1" latinLnBrk="0" hangingPunct="1">
+      <a:lvl7pPr algn="l" defTabSz="914400" eaLnBrk="1" hangingPunct="1" indent="-228600" latinLnBrk="0" marL="2971800" rtl="0">
         <a:lnSpc>
           <a:spcPct val="90000"/>
         </a:lnSpc>
         <a:spcBef>
           <a:spcPts val="500"/>
         </a:spcBef>
-        <a:buFont typeface="Arial" panose="020B0604020202020204" pitchFamily="34" charset="0"/>
+        <a:buFont charset="0" panose="020B0604020202020204" pitchFamily="34" typeface="Arial"/>
         <a:buChar char="•"/>
-        <a:defRPr sz="1800" kern="1200">
+        <a:defRPr kern="1200" sz="1800">
           <a:solidFill>
             <a:schemeClr val="tx1"/>
           </a:solidFill>
@@ -2870,16 +2870,16 @@
           <a:cs typeface="+mn-cs"/>
         </a:defRPr>
       </a:lvl7pPr>
-      <a:lvl8pPr marL="3429000" indent="-228600" algn="l" defTabSz="914400" rtl="0" eaLnBrk="1" latinLnBrk="0" hangingPunct="1">
+      <a:lvl8pPr algn="l" defTabSz="914400" eaLnBrk="1" hangingPunct="1" indent="-228600" latinLnBrk="0" marL="3429000" rtl="0">
         <a:lnSpc>
           <a:spcPct val="90000"/>
         </a:lnSpc>
         <a:spcBef>
           <a:spcPts val="500"/>
         </a:spcBef>
-        <a:buFont typeface="Arial" panose="020B0604020202020204" pitchFamily="34" charset="0"/>
+        <a:buFont charset="0" panose="020B0604020202020204" pitchFamily="34" typeface="Arial"/>
         <a:buChar char="•"/>
-        <a:defRPr sz="1800" kern="1200">
+        <a:defRPr kern="1200" sz="1800">
           <a:solidFill>
             <a:schemeClr val="tx1"/>
           </a:solidFill>
@@ -2888,16 +2888,16 @@
           <a:cs typeface="+mn-cs"/>
         </a:defRPr>
       </a:lvl8pPr>
-      <a:lvl9pPr marL="3886200" indent="-228600" algn="l" defTabSz="914400" rtl="0" eaLnBrk="1" latinLnBrk="0" hangingPunct="1">
+      <a:lvl9pPr algn="l" defTabSz="914400" eaLnBrk="1" hangingPunct="1" indent="-228600" latinLnBrk="0" marL="3886200" rtl="0">
         <a:lnSpc>
           <a:spcPct val="90000"/>
         </a:lnSpc>
         <a:spcBef>
           <a:spcPts val="500"/>
         </a:spcBef>
-        <a:buFont typeface="Arial" panose="020B0604020202020204" pitchFamily="34" charset="0"/>
+        <a:buFont charset="0" panose="020B0604020202020204" pitchFamily="34" typeface="Arial"/>
         <a:buChar char="•"/>
-        <a:defRPr sz="1800" kern="1200">
+        <a:defRPr kern="1200" sz="1800">
           <a:solidFill>
             <a:schemeClr val="tx1"/>
           </a:solidFill>
@@ -2911,8 +2911,8 @@
       <a:defPPr>
         <a:defRPr lang="en-US"/>
       </a:defPPr>
-      <a:lvl1pPr marL="0" algn="l" defTabSz="914400" rtl="0" eaLnBrk="1" latinLnBrk="0" hangingPunct="1">
-        <a:defRPr sz="1800" kern="1200">
+      <a:lvl1pPr algn="l" defTabSz="914400" eaLnBrk="1" hangingPunct="1" latinLnBrk="0" marL="0" rtl="0">
+        <a:defRPr kern="1200" sz="1800">
           <a:solidFill>
             <a:schemeClr val="tx1"/>
           </a:solidFill>
@@ -2921,8 +2921,8 @@
           <a:cs typeface="+mn-cs"/>
         </a:defRPr>
       </a:lvl1pPr>
-      <a:lvl2pPr marL="457200" algn="l" defTabSz="914400" rtl="0" eaLnBrk="1" latinLnBrk="0" hangingPunct="1">
-        <a:defRPr sz="1800" kern="1200">
+      <a:lvl2pPr algn="l" defTabSz="914400" eaLnBrk="1" hangingPunct="1" latinLnBrk="0" marL="457200" rtl="0">
+        <a:defRPr kern="1200" sz="1800">
           <a:solidFill>
             <a:schemeClr val="tx1"/>
           </a:solidFill>
@@ -2931,8 +2931,8 @@
           <a:cs typeface="+mn-cs"/>
         </a:defRPr>
       </a:lvl2pPr>
-      <a:lvl3pPr marL="914400" algn="l" defTabSz="914400" rtl="0" eaLnBrk="1" latinLnBrk="0" hangingPunct="1">
-        <a:defRPr sz="1800" kern="1200">
+      <a:lvl3pPr algn="l" defTabSz="914400" eaLnBrk="1" hangingPunct="1" latinLnBrk="0" marL="914400" rtl="0">
+        <a:defRPr kern="1200" sz="1800">
           <a:solidFill>
             <a:schemeClr val="tx1"/>
           </a:solidFill>
@@ -2941,8 +2941,8 @@
           <a:cs typeface="+mn-cs"/>
         </a:defRPr>
       </a:lvl3pPr>
-      <a:lvl4pPr marL="1371600" algn="l" defTabSz="914400" rtl="0" eaLnBrk="1" latinLnBrk="0" hangingPunct="1">
-        <a:defRPr sz="1800" kern="1200">
+      <a:lvl4pPr algn="l" defTabSz="914400" eaLnBrk="1" hangingPunct="1" latinLnBrk="0" marL="1371600" rtl="0">
+        <a:defRPr kern="1200" sz="1800">
           <a:solidFill>
             <a:schemeClr val="tx1"/>
           </a:solidFill>
@@ -2951,8 +2951,8 @@
           <a:cs typeface="+mn-cs"/>
         </a:defRPr>
       </a:lvl4pPr>
-      <a:lvl5pPr marL="1828800" algn="l" defTabSz="914400" rtl="0" eaLnBrk="1" latinLnBrk="0" hangingPunct="1">
-        <a:defRPr sz="1800" kern="1200">
+      <a:lvl5pPr algn="l" defTabSz="914400" eaLnBrk="1" hangingPunct="1" latinLnBrk="0" marL="1828800" rtl="0">
+        <a:defRPr kern="1200" sz="1800">
           <a:solidFill>
             <a:schemeClr val="tx1"/>
           </a:solidFill>
@@ -2961,8 +2961,8 @@
           <a:cs typeface="+mn-cs"/>
         </a:defRPr>
       </a:lvl5pPr>
-      <a:lvl6pPr marL="2286000" algn="l" defTabSz="914400" rtl="0" eaLnBrk="1" latinLnBrk="0" hangingPunct="1">
-        <a:defRPr sz="1800" kern="1200">
+      <a:lvl6pPr algn="l" defTabSz="914400" eaLnBrk="1" hangingPunct="1" latinLnBrk="0" marL="2286000" rtl="0">
+        <a:defRPr kern="1200" sz="1800">
           <a:solidFill>
             <a:schemeClr val="tx1"/>
           </a:solidFill>
@@ -2971,8 +2971,8 @@
           <a:cs typeface="+mn-cs"/>
         </a:defRPr>
       </a:lvl6pPr>
-      <a:lvl7pPr marL="2743200" algn="l" defTabSz="914400" rtl="0" eaLnBrk="1" latinLnBrk="0" hangingPunct="1">
-        <a:defRPr sz="1800" kern="1200">
+      <a:lvl7pPr algn="l" defTabSz="914400" eaLnBrk="1" hangingPunct="1" latinLnBrk="0" marL="2743200" rtl="0">
+        <a:defRPr kern="1200" sz="1800">
           <a:solidFill>
             <a:schemeClr val="tx1"/>
           </a:solidFill>
@@ -2981,8 +2981,8 @@
           <a:cs typeface="+mn-cs"/>
         </a:defRPr>
       </a:lvl7pPr>
-      <a:lvl8pPr marL="3200400" algn="l" defTabSz="914400" rtl="0" eaLnBrk="1" latinLnBrk="0" hangingPunct="1">
-        <a:defRPr sz="1800" kern="1200">
+      <a:lvl8pPr algn="l" defTabSz="914400" eaLnBrk="1" hangingPunct="1" latinLnBrk="0" marL="3200400" rtl="0">
+        <a:defRPr kern="1200" sz="1800">
           <a:solidFill>
             <a:schemeClr val="tx1"/>
           </a:solidFill>
@@ -2991,8 +2991,8 @@
           <a:cs typeface="+mn-cs"/>
         </a:defRPr>
       </a:lvl8pPr>
-      <a:lvl9pPr marL="3657600" algn="l" defTabSz="914400" rtl="0" eaLnBrk="1" latinLnBrk="0" hangingPunct="1">
-        <a:defRPr sz="1800" kern="1200">
+      <a:lvl9pPr algn="l" defTabSz="914400" eaLnBrk="1" hangingPunct="1" latinLnBrk="0" marL="3657600" rtl="0">
+        <a:defRPr kern="1200" sz="1800">
           <a:solidFill>
             <a:schemeClr val="tx1"/>
           </a:solidFill>
@@ -3039,10 +3039,10 @@
           <a:lstStyle/>
           <a:p>
             <a:r>
-              <a:rPr lang="en-US" dirty="0" smtClean="0"/>
+              <a:rPr dirty="0" lang="en-US" smtClean="0"/>
               <a:t>ARUS 280 HW #6</a:t>
             </a:r>
-            <a:endParaRPr lang="en-US" dirty="0"/>
+            <a:endParaRPr dirty="0" lang="en-US"/>
           </a:p>
         </p:txBody>
       </p:sp>
@@ -3053,7 +3053,7 @@
             <a:spLocks noGrp="1"/>
           </p:cNvSpPr>
           <p:nvPr>
-            <p:ph type="subTitle" idx="1"/>
+            <p:ph idx="1" type="subTitle"/>
           </p:nvPr>
         </p:nvSpPr>
         <p:spPr>
@@ -3069,50 +3069,50 @@
           <a:lstStyle/>
           <a:p>
             <a:r>
-              <a:rPr lang="en-US" dirty="0" smtClean="0"/>
+              <a:rPr dirty="0" lang="en-US" smtClean="0"/>
               <a:t>Eagle Eisenstein as a Semiotician</a:t>
             </a:r>
           </a:p>
           <a:p>
             <a:r>
-              <a:rPr lang="en-US" dirty="0" smtClean="0"/>
+              <a:rPr dirty="0" lang="en-US" smtClean="0"/>
               <a:t>Taylor’s article “Cinema” from the Blackwell Encyclopedia of the Russian Revolution </a:t>
             </a:r>
           </a:p>
           <a:p>
             <a:r>
-              <a:rPr lang="en-US" i="1" u="sng" dirty="0" smtClean="0">
+              <a:rPr dirty="0" i="1" lang="en-US" smtClean="0" u="sng">
                 <a:hlinkClick r:id="rId2"/>
               </a:rPr>
               <a:t>The </a:t>
             </a:r>
             <a:r>
-              <a:rPr lang="en-US" i="1" u="sng" dirty="0">
-                <a:hlinkClick r:id="rId2"/>
+              <a:rPr dirty="0" i="1" lang="en-US" u="sng">
+                <a:hlinkClick r:id="rId3"/>
               </a:rPr>
               <a:t>Strike</a:t>
             </a:r>
             <a:r>
-              <a:rPr lang="en-US" dirty="0"/>
+              <a:rPr dirty="0" lang="en-US"/>
               <a:t> (Sergei Eisenstein, 1924, 1:35</a:t>
             </a:r>
             <a:r>
-              <a:rPr lang="en-US" dirty="0" smtClean="0"/>
+              <a:rPr dirty="0" lang="en-US" smtClean="0"/>
               <a:t>)</a:t>
             </a:r>
           </a:p>
           <a:p>
             <a:r>
-              <a:rPr lang="en-US" dirty="0" err="1" smtClean="0"/>
+              <a:rPr dirty="0" err="1" lang="en-US" smtClean="0"/>
               <a:t>Beumers’s</a:t>
             </a:r>
             <a:r>
-              <a:rPr lang="en-US" dirty="0" smtClean="0"/>
+              <a:rPr dirty="0" lang="en-US" smtClean="0"/>
               <a:t> Cinema the chapter by Richard Taylor, “THE STRIKE” (47–56). </a:t>
             </a:r>
           </a:p>
           <a:p>
-            <a:endParaRPr lang="en-US" dirty="0"/>
+            <a:endParaRPr dirty="0" lang="en-US"/>
           </a:p>
         </p:txBody>
       </p:sp>
@@ -3169,54 +3169,54 @@
           <a:lstStyle/>
           <a:p>
             <a:r>
-              <a:rPr lang="en-US" sz="3200" dirty="0" smtClean="0"/>
+              <a:rPr dirty="0" lang="en-US" smtClean="0" sz="3200"/>
               <a:t>40 min</a:t>
             </a:r>
           </a:p>
           <a:p>
             <a:r>
-              <a:rPr lang="en-US" sz="3200" dirty="0" smtClean="0"/>
+              <a:rPr dirty="0" lang="en-US" smtClean="0" sz="3200"/>
               <a:t>Kids do what their fathers did carrying goats around</a:t>
             </a:r>
           </a:p>
           <a:p>
             <a:r>
-              <a:rPr lang="en-US" sz="3200" dirty="0" smtClean="0"/>
+              <a:rPr dirty="0" lang="en-US" smtClean="0" sz="3200"/>
               <a:t>Kids cutting up a boot, getting washed n making stuff</a:t>
             </a:r>
           </a:p>
           <a:p>
             <a:r>
-              <a:rPr lang="en-US" sz="3200" dirty="0" smtClean="0"/>
+              <a:rPr dirty="0" lang="en-US" smtClean="0" sz="3200"/>
               <a:t>Guys chilling</a:t>
             </a:r>
           </a:p>
           <a:p>
             <a:r>
-              <a:rPr lang="en-US" sz="3200" dirty="0" smtClean="0"/>
+              <a:rPr dirty="0" lang="en-US" smtClean="0" sz="3200"/>
               <a:t>Boss gets orders, no workers gets mad</a:t>
             </a:r>
           </a:p>
           <a:p>
             <a:r>
-              <a:rPr lang="en-US" sz="3200" dirty="0" smtClean="0"/>
+              <a:rPr dirty="0" lang="en-US" smtClean="0" sz="3200"/>
               <a:t>Animals take residence in factories</a:t>
             </a:r>
           </a:p>
           <a:p>
             <a:r>
-              <a:rPr lang="en-US" sz="3200" dirty="0" smtClean="0"/>
+              <a:rPr dirty="0" lang="en-US" smtClean="0" sz="3200"/>
               <a:t>His typewriter is broken, he sees he needs the workers</a:t>
             </a:r>
           </a:p>
           <a:p>
             <a:r>
-              <a:rPr lang="en-US" sz="3200" dirty="0" smtClean="0"/>
+              <a:rPr dirty="0" lang="en-US" smtClean="0" sz="3200"/>
               <a:t>Workers want 8 hours, fair treatment 30% increase in wages</a:t>
             </a:r>
           </a:p>
           <a:p>
-            <a:endParaRPr lang="en-US" sz="3200" dirty="0" smtClean="0"/>
+            <a:endParaRPr dirty="0" lang="en-US" smtClean="0" sz="3200"/>
           </a:p>
         </p:txBody>
       </p:sp>
@@ -3273,55 +3273,55 @@
           <a:lstStyle/>
           <a:p>
             <a:r>
-              <a:rPr lang="en-US" sz="3200" dirty="0"/>
+              <a:rPr dirty="0" lang="en-US" sz="3200"/>
               <a:t>4</a:t>
             </a:r>
             <a:r>
-              <a:rPr lang="en-US" sz="3200" dirty="0" smtClean="0"/>
+              <a:rPr dirty="0" lang="en-US" smtClean="0" sz="3200"/>
               <a:t>5 min</a:t>
             </a:r>
           </a:p>
           <a:p>
             <a:r>
-              <a:rPr lang="en-US" sz="3200" dirty="0" smtClean="0"/>
+              <a:rPr dirty="0" lang="en-US" smtClean="0" sz="3200"/>
               <a:t>They will fight to get what they want</a:t>
             </a:r>
           </a:p>
           <a:p>
             <a:r>
-              <a:rPr lang="en-US" sz="3200" dirty="0" smtClean="0"/>
+              <a:rPr dirty="0" lang="en-US" smtClean="0" sz="3200"/>
               <a:t>Bosses read demands, all big guys puffing cigars</a:t>
             </a:r>
           </a:p>
           <a:p>
             <a:r>
-              <a:rPr lang="en-US" sz="3200" dirty="0" smtClean="0"/>
+              <a:rPr dirty="0" lang="en-US" smtClean="0" sz="3200"/>
               <a:t>They say this is politics and they don’t like it</a:t>
             </a:r>
           </a:p>
           <a:p>
             <a:r>
-              <a:rPr lang="en-US" sz="3200" dirty="0" smtClean="0"/>
+              <a:rPr dirty="0" lang="en-US" smtClean="0" sz="3200"/>
               <a:t>Police show up on horses</a:t>
             </a:r>
           </a:p>
           <a:p>
             <a:r>
-              <a:rPr lang="en-US" sz="3200" dirty="0" smtClean="0"/>
+              <a:rPr dirty="0" lang="en-US" smtClean="0" sz="3200"/>
               <a:t>They chase the </a:t>
             </a:r>
             <a:r>
-              <a:rPr lang="en-US" sz="3200" dirty="0" err="1" smtClean="0"/>
+              <a:rPr dirty="0" err="1" lang="en-US" smtClean="0" sz="3200"/>
               <a:t>ppl</a:t>
             </a:r>
             <a:r>
-              <a:rPr lang="en-US" sz="3200" dirty="0" smtClean="0"/>
+              <a:rPr dirty="0" lang="en-US" smtClean="0" sz="3200"/>
               <a:t> on the hillside</a:t>
             </a:r>
           </a:p>
           <a:p>
             <a:r>
-              <a:rPr lang="en-US" sz="3200" dirty="0" smtClean="0"/>
+              <a:rPr dirty="0" lang="en-US" smtClean="0" sz="3200"/>
               <a:t>Bosses then mix drinks, guy drops something on his shoes</a:t>
             </a:r>
           </a:p>
@@ -3380,58 +3380,58 @@
           <a:lstStyle/>
           <a:p>
             <a:r>
-              <a:rPr lang="en-US" sz="3200" dirty="0" smtClean="0"/>
+              <a:rPr dirty="0" lang="en-US" smtClean="0" sz="3200"/>
               <a:t>50 min</a:t>
             </a:r>
           </a:p>
           <a:p>
             <a:r>
-              <a:rPr lang="en-US" sz="3200" dirty="0" err="1" smtClean="0"/>
+              <a:rPr dirty="0" err="1" lang="en-US" smtClean="0" sz="3200"/>
               <a:t>Adminsistration</a:t>
             </a:r>
             <a:r>
-              <a:rPr lang="en-US" sz="3200" dirty="0" smtClean="0"/>
+              <a:rPr dirty="0" lang="en-US" smtClean="0" sz="3200"/>
               <a:t> considered demands</a:t>
             </a:r>
           </a:p>
           <a:p>
             <a:r>
-              <a:rPr lang="en-US" sz="3200" dirty="0" smtClean="0"/>
+              <a:rPr dirty="0" lang="en-US" smtClean="0" sz="3200"/>
               <a:t>Boss has spill, someone cleans it up</a:t>
             </a:r>
           </a:p>
           <a:p>
             <a:r>
-              <a:rPr lang="en-US" sz="3200" dirty="0" smtClean="0"/>
+              <a:rPr dirty="0" lang="en-US" smtClean="0" sz="3200"/>
               <a:t>People gambled, there were thieves</a:t>
             </a:r>
           </a:p>
           <a:p>
             <a:r>
-              <a:rPr lang="en-US" sz="3200" dirty="0" smtClean="0"/>
+              <a:rPr dirty="0" lang="en-US" smtClean="0" sz="3200"/>
               <a:t>The admin studied the welfare</a:t>
             </a:r>
           </a:p>
           <a:p>
             <a:r>
-              <a:rPr lang="en-US" sz="3200" dirty="0" smtClean="0"/>
+              <a:rPr dirty="0" lang="en-US" smtClean="0" sz="3200"/>
               <a:t>The strike is still going</a:t>
             </a:r>
           </a:p>
           <a:p>
             <a:r>
-              <a:rPr lang="en-US" sz="3200" dirty="0" smtClean="0"/>
+              <a:rPr dirty="0" lang="en-US" smtClean="0" sz="3200"/>
               <a:t>Food store closes</a:t>
             </a:r>
           </a:p>
           <a:p>
             <a:r>
-              <a:rPr lang="en-US" sz="3200" dirty="0" smtClean="0"/>
+              <a:rPr dirty="0" lang="en-US" smtClean="0" sz="3200"/>
               <a:t>People going nuts, scavenging for food children eat anything, fathers sleep to ignore hunger</a:t>
             </a:r>
           </a:p>
           <a:p>
-            <a:endParaRPr lang="en-US" sz="3200" dirty="0" smtClean="0"/>
+            <a:endParaRPr dirty="0" lang="en-US" smtClean="0" sz="3200"/>
           </a:p>
         </p:txBody>
       </p:sp>
@@ -3488,52 +3488,52 @@
           <a:lstStyle/>
           <a:p>
             <a:r>
-              <a:rPr lang="en-US" sz="3200" dirty="0"/>
+              <a:rPr dirty="0" lang="en-US" sz="3200"/>
               <a:t>5</a:t>
             </a:r>
             <a:r>
-              <a:rPr lang="en-US" sz="3200" dirty="0" smtClean="0"/>
+              <a:rPr dirty="0" lang="en-US" smtClean="0" sz="3200"/>
               <a:t>5 min</a:t>
             </a:r>
           </a:p>
           <a:p>
             <a:r>
-              <a:rPr lang="en-US" sz="3200" dirty="0" smtClean="0"/>
+              <a:rPr dirty="0" lang="en-US" smtClean="0" sz="3200"/>
               <a:t>People going nuts, scavenging for food children eat anything, fathers sleep to ignore hunger</a:t>
             </a:r>
           </a:p>
           <a:p>
             <a:r>
-              <a:rPr lang="en-US" sz="3200" dirty="0" err="1" smtClean="0"/>
+              <a:rPr dirty="0" err="1" lang="en-US" smtClean="0" sz="3200"/>
               <a:t>Ppl</a:t>
             </a:r>
             <a:r>
-              <a:rPr lang="en-US" sz="3200" dirty="0" smtClean="0"/>
+              <a:rPr dirty="0" lang="en-US" smtClean="0" sz="3200"/>
               <a:t> </a:t>
             </a:r>
             <a:r>
-              <a:rPr lang="en-US" sz="3200" dirty="0" err="1" smtClean="0"/>
+              <a:rPr dirty="0" err="1" lang="en-US" smtClean="0" sz="3200"/>
               <a:t>inna</a:t>
             </a:r>
             <a:r>
-              <a:rPr lang="en-US" sz="3200" dirty="0" smtClean="0"/>
+              <a:rPr dirty="0" lang="en-US" smtClean="0" sz="3200"/>
               <a:t> city</a:t>
             </a:r>
           </a:p>
           <a:p>
             <a:r>
-              <a:rPr lang="en-US" sz="3200" dirty="0" smtClean="0"/>
+              <a:rPr dirty="0" lang="en-US" smtClean="0" sz="3200"/>
               <a:t>They run after a goat</a:t>
             </a:r>
           </a:p>
           <a:p>
             <a:r>
-              <a:rPr lang="en-US" sz="3200" dirty="0" smtClean="0"/>
+              <a:rPr dirty="0" lang="en-US" smtClean="0" sz="3200"/>
               <a:t>2 guys throw someone somewhere</a:t>
             </a:r>
           </a:p>
           <a:p>
-            <a:endParaRPr lang="en-US" sz="3200" dirty="0" smtClean="0"/>
+            <a:endParaRPr dirty="0" lang="en-US" smtClean="0" sz="3200"/>
           </a:p>
         </p:txBody>
       </p:sp>
@@ -3590,60 +3590,60 @@
           <a:lstStyle/>
           <a:p>
             <a:r>
-              <a:rPr lang="en-US" sz="3200" dirty="0"/>
+              <a:rPr dirty="0" lang="en-US" sz="3200"/>
               <a:t>1</a:t>
             </a:r>
             <a:r>
-              <a:rPr lang="en-US" sz="3200" dirty="0" smtClean="0"/>
+              <a:rPr dirty="0" lang="en-US" smtClean="0" sz="3200"/>
               <a:t> hour</a:t>
             </a:r>
           </a:p>
           <a:p>
             <a:r>
-              <a:rPr lang="en-US" sz="3200" dirty="0" smtClean="0"/>
+              <a:rPr dirty="0" lang="en-US" smtClean="0" sz="3200"/>
               <a:t>Workforce says no because its illegal, </a:t>
             </a:r>
             <a:r>
-              <a:rPr lang="en-US" sz="3200" dirty="0" err="1" smtClean="0"/>
+              <a:rPr dirty="0" err="1" lang="en-US" smtClean="0" sz="3200"/>
               <a:t>etc</a:t>
             </a:r>
-            <a:endParaRPr lang="en-US" sz="3200" dirty="0" smtClean="0"/>
-          </a:p>
-          <a:p>
-            <a:r>
-              <a:rPr lang="en-US" sz="3200" dirty="0" smtClean="0"/>
+            <a:endParaRPr dirty="0" lang="en-US" smtClean="0" sz="3200"/>
+          </a:p>
+          <a:p>
+            <a:r>
+              <a:rPr dirty="0" lang="en-US" smtClean="0" sz="3200"/>
               <a:t>Watcher gets him when guy take paper</a:t>
             </a:r>
           </a:p>
           <a:p>
             <a:r>
-              <a:rPr lang="en-US" sz="3200" dirty="0" smtClean="0"/>
+              <a:rPr dirty="0" lang="en-US" smtClean="0" sz="3200"/>
               <a:t>Thief uses water paints to get picture of guy(????)</a:t>
             </a:r>
           </a:p>
           <a:p>
             <a:r>
-              <a:rPr lang="en-US" sz="3200" dirty="0" smtClean="0"/>
+              <a:rPr dirty="0" lang="en-US" smtClean="0" sz="3200"/>
               <a:t>They would do a civil manner if they submit(????)</a:t>
             </a:r>
           </a:p>
           <a:p>
             <a:r>
-              <a:rPr lang="en-US" sz="3200" dirty="0" smtClean="0"/>
+              <a:rPr dirty="0" lang="en-US" smtClean="0" sz="3200"/>
               <a:t>Watcher sends pic to CEO who gives to </a:t>
             </a:r>
             <a:r>
-              <a:rPr lang="en-US" sz="3200" dirty="0" err="1" smtClean="0"/>
+              <a:rPr dirty="0" err="1" lang="en-US" smtClean="0" sz="3200"/>
               <a:t>dectective</a:t>
             </a:r>
             <a:r>
-              <a:rPr lang="en-US" sz="3200" dirty="0" smtClean="0"/>
+              <a:rPr dirty="0" lang="en-US" smtClean="0" sz="3200"/>
               <a:t> to find the man</a:t>
             </a:r>
           </a:p>
           <a:p>
             <a:r>
-              <a:rPr lang="en-US" sz="3200" dirty="0" smtClean="0"/>
+              <a:rPr dirty="0" lang="en-US" smtClean="0" sz="3200"/>
               <a:t>They find the man  and he fights not to get arrested, he even tries to rob a car</a:t>
             </a:r>
           </a:p>
@@ -3702,67 +3702,67 @@
           <a:lstStyle/>
           <a:p>
             <a:r>
-              <a:rPr lang="en-US" sz="3200" dirty="0" smtClean="0"/>
+              <a:rPr dirty="0" lang="en-US" smtClean="0" sz="3200"/>
               <a:t>1 hour 5 min</a:t>
             </a:r>
           </a:p>
           <a:p>
             <a:r>
-              <a:rPr lang="en-US" sz="3200" dirty="0" smtClean="0"/>
+              <a:rPr dirty="0" lang="en-US" smtClean="0" sz="3200"/>
               <a:t>Police just beat him up</a:t>
             </a:r>
           </a:p>
           <a:p>
             <a:r>
-              <a:rPr lang="en-US" sz="3200" dirty="0" smtClean="0"/>
+              <a:rPr dirty="0" lang="en-US" smtClean="0" sz="3200"/>
               <a:t>Two kids dance on a table, CEO talks to someone</a:t>
             </a:r>
           </a:p>
           <a:p>
             <a:r>
-              <a:rPr lang="en-US" sz="3200" dirty="0" smtClean="0"/>
+              <a:rPr dirty="0" lang="en-US" smtClean="0" sz="3200"/>
               <a:t>Kids eat food</a:t>
             </a:r>
           </a:p>
           <a:p>
             <a:r>
-              <a:rPr lang="en-US" sz="3200" dirty="0" smtClean="0"/>
+              <a:rPr dirty="0" lang="en-US" smtClean="0" sz="3200"/>
               <a:t>CEO shows guy the picture</a:t>
             </a:r>
           </a:p>
           <a:p>
             <a:r>
-              <a:rPr lang="en-US" sz="3200" dirty="0" smtClean="0"/>
+              <a:rPr dirty="0" lang="en-US" smtClean="0" sz="3200"/>
               <a:t>He asks him to identify more </a:t>
             </a:r>
             <a:r>
-              <a:rPr lang="en-US" sz="3200" dirty="0" err="1" smtClean="0"/>
+              <a:rPr dirty="0" err="1" lang="en-US" smtClean="0" sz="3200"/>
               <a:t>ppl</a:t>
             </a:r>
-            <a:endParaRPr lang="en-US" sz="3200" dirty="0" smtClean="0"/>
-          </a:p>
-          <a:p>
-            <a:r>
-              <a:rPr lang="en-US" sz="3200" dirty="0" smtClean="0"/>
+            <a:endParaRPr dirty="0" lang="en-US" smtClean="0" sz="3200"/>
+          </a:p>
+          <a:p>
+            <a:r>
+              <a:rPr dirty="0" lang="en-US" smtClean="0" sz="3200"/>
               <a:t>The workers discuss the refusal</a:t>
             </a:r>
           </a:p>
           <a:p>
             <a:r>
-              <a:rPr lang="en-US" sz="3200" dirty="0" smtClean="0"/>
+              <a:rPr dirty="0" lang="en-US" smtClean="0" sz="3200"/>
               <a:t>A few  </a:t>
             </a:r>
             <a:r>
-              <a:rPr lang="en-US" sz="3200" dirty="0" err="1" smtClean="0"/>
+              <a:rPr dirty="0" err="1" lang="en-US" smtClean="0" sz="3200"/>
               <a:t>wanna</a:t>
             </a:r>
             <a:r>
-              <a:rPr lang="en-US" sz="3200" dirty="0" smtClean="0"/>
+              <a:rPr dirty="0" lang="en-US" smtClean="0" sz="3200"/>
               <a:t> go back to work</a:t>
             </a:r>
           </a:p>
           <a:p>
-            <a:endParaRPr lang="en-US" sz="3200" dirty="0" smtClean="0"/>
+            <a:endParaRPr dirty="0" lang="en-US" smtClean="0" sz="3200"/>
           </a:p>
         </p:txBody>
       </p:sp>
@@ -3819,52 +3819,52 @@
           <a:lstStyle/>
           <a:p>
             <a:r>
-              <a:rPr lang="en-US" sz="3200" dirty="0" smtClean="0"/>
+              <a:rPr dirty="0" lang="en-US" smtClean="0" sz="3200"/>
               <a:t>1 hour 10 min</a:t>
             </a:r>
           </a:p>
           <a:p>
             <a:r>
-              <a:rPr lang="en-US" sz="3200" dirty="0" smtClean="0"/>
+              <a:rPr dirty="0" lang="en-US" smtClean="0" sz="3200"/>
               <a:t>Someone sends an arrest warrant</a:t>
             </a:r>
           </a:p>
           <a:p>
             <a:r>
-              <a:rPr lang="en-US" sz="3200" dirty="0" smtClean="0"/>
+              <a:rPr dirty="0" lang="en-US" smtClean="0" sz="3200"/>
               <a:t>Some guy gets ready to go </a:t>
             </a:r>
           </a:p>
           <a:p>
             <a:r>
-              <a:rPr lang="en-US" sz="3200" dirty="0" smtClean="0"/>
+              <a:rPr dirty="0" lang="en-US" smtClean="0" sz="3200"/>
               <a:t>They play a game as if they are rulers</a:t>
             </a:r>
           </a:p>
           <a:p>
             <a:r>
-              <a:rPr lang="en-US" sz="3200" dirty="0" smtClean="0"/>
+              <a:rPr dirty="0" lang="en-US" smtClean="0" sz="3200"/>
               <a:t>They </a:t>
             </a:r>
             <a:r>
-              <a:rPr lang="en-US" sz="3200" dirty="0" err="1" smtClean="0"/>
+              <a:rPr dirty="0" err="1" lang="en-US" smtClean="0" sz="3200"/>
               <a:t>countinue</a:t>
             </a:r>
             <a:r>
-              <a:rPr lang="en-US" sz="3200" dirty="0" smtClean="0"/>
+              <a:rPr dirty="0" lang="en-US" smtClean="0" sz="3200"/>
               <a:t> to play in </a:t>
             </a:r>
             <a:r>
-              <a:rPr lang="en-US" sz="3200" dirty="0" err="1" smtClean="0"/>
+              <a:rPr dirty="0" err="1" lang="en-US" smtClean="0" sz="3200"/>
               <a:t>barrells</a:t>
             </a:r>
-            <a:endParaRPr lang="en-US" sz="3200" dirty="0" smtClean="0"/>
-          </a:p>
-          <a:p>
-            <a:endParaRPr lang="en-US" sz="3200" dirty="0" smtClean="0"/>
-          </a:p>
-          <a:p>
-            <a:endParaRPr lang="en-US" sz="3200" dirty="0" smtClean="0"/>
+            <a:endParaRPr dirty="0" lang="en-US" smtClean="0" sz="3200"/>
+          </a:p>
+          <a:p>
+            <a:endParaRPr dirty="0" lang="en-US" smtClean="0" sz="3200"/>
+          </a:p>
+          <a:p>
+            <a:endParaRPr dirty="0" lang="en-US" smtClean="0" sz="3200"/>
           </a:p>
         </p:txBody>
       </p:sp>
@@ -3921,44 +3921,44 @@
           <a:lstStyle/>
           <a:p>
             <a:r>
-              <a:rPr lang="en-US" sz="3200" dirty="0" smtClean="0"/>
+              <a:rPr dirty="0" lang="en-US" smtClean="0" sz="3200"/>
               <a:t>1 hour 15 min</a:t>
             </a:r>
           </a:p>
           <a:p>
             <a:r>
-              <a:rPr lang="en-US" sz="3200" dirty="0" smtClean="0"/>
+              <a:rPr dirty="0" lang="en-US" smtClean="0" sz="3200"/>
               <a:t>People </a:t>
             </a:r>
             <a:r>
-              <a:rPr lang="en-US" sz="3200" dirty="0" err="1" smtClean="0"/>
+              <a:rPr dirty="0" err="1" lang="en-US" smtClean="0" sz="3200"/>
               <a:t>gotta</a:t>
             </a:r>
             <a:r>
-              <a:rPr lang="en-US" sz="3200" dirty="0" smtClean="0"/>
+              <a:rPr dirty="0" lang="en-US" smtClean="0" sz="3200"/>
               <a:t> go somewhere and they get followed</a:t>
             </a:r>
           </a:p>
           <a:p>
             <a:r>
-              <a:rPr lang="en-US" sz="3200" dirty="0" smtClean="0"/>
+              <a:rPr dirty="0" lang="en-US" smtClean="0" sz="3200"/>
               <a:t>People walk into some place</a:t>
             </a:r>
           </a:p>
           <a:p>
             <a:r>
-              <a:rPr lang="en-US" sz="3200" dirty="0" smtClean="0"/>
+              <a:rPr dirty="0" lang="en-US" smtClean="0" sz="3200"/>
               <a:t>Small guy gets a bottle mostly likely, and burns a building down</a:t>
             </a:r>
           </a:p>
           <a:p>
             <a:r>
-              <a:rPr lang="en-US" sz="3200" dirty="0" smtClean="0"/>
+              <a:rPr dirty="0" lang="en-US" smtClean="0" sz="3200"/>
               <a:t>People take all the goods from the mansion</a:t>
             </a:r>
           </a:p>
           <a:p>
-            <a:endParaRPr lang="en-US" sz="3200" dirty="0" smtClean="0"/>
+            <a:endParaRPr dirty="0" lang="en-US" smtClean="0" sz="3200"/>
           </a:p>
         </p:txBody>
       </p:sp>
@@ -4015,54 +4015,54 @@
           <a:lstStyle/>
           <a:p>
             <a:r>
-              <a:rPr lang="en-US" sz="3200" dirty="0" smtClean="0"/>
+              <a:rPr dirty="0" lang="en-US" smtClean="0" sz="3200"/>
               <a:t>1 hour 20 min</a:t>
             </a:r>
           </a:p>
           <a:p>
             <a:r>
-              <a:rPr lang="en-US" sz="3200" dirty="0" smtClean="0"/>
+              <a:rPr dirty="0" lang="en-US" smtClean="0" sz="3200"/>
               <a:t>Officers guard a fire alarm tell no one to ring it, a woman comes along and rings it</a:t>
             </a:r>
           </a:p>
           <a:p>
             <a:r>
-              <a:rPr lang="en-US" sz="3200" dirty="0" err="1" smtClean="0"/>
+              <a:rPr dirty="0" err="1" lang="en-US" smtClean="0" sz="3200"/>
               <a:t>Ppl</a:t>
             </a:r>
             <a:r>
-              <a:rPr lang="en-US" sz="3200" dirty="0" smtClean="0"/>
+              <a:rPr dirty="0" lang="en-US" smtClean="0" sz="3200"/>
               <a:t> are drinking</a:t>
             </a:r>
           </a:p>
           <a:p>
             <a:r>
-              <a:rPr lang="en-US" sz="3200" dirty="0" smtClean="0"/>
+              <a:rPr dirty="0" lang="en-US" smtClean="0" sz="3200"/>
               <a:t>Firemen w/ primitive water engine come</a:t>
             </a:r>
           </a:p>
           <a:p>
             <a:r>
-              <a:rPr lang="en-US" sz="3200" dirty="0" smtClean="0"/>
+              <a:rPr dirty="0" lang="en-US" smtClean="0" sz="3200"/>
               <a:t>They spray water at the </a:t>
             </a:r>
             <a:r>
-              <a:rPr lang="en-US" sz="3200" dirty="0" err="1" smtClean="0"/>
+              <a:rPr dirty="0" err="1" lang="en-US" smtClean="0" sz="3200"/>
               <a:t>ppl</a:t>
             </a:r>
             <a:r>
-              <a:rPr lang="en-US" sz="3200" dirty="0" smtClean="0"/>
+              <a:rPr dirty="0" lang="en-US" smtClean="0" sz="3200"/>
               <a:t> to a dead end</a:t>
             </a:r>
           </a:p>
           <a:p>
             <a:r>
-              <a:rPr lang="en-US" sz="3200" dirty="0" smtClean="0"/>
+              <a:rPr dirty="0" lang="en-US" smtClean="0" sz="3200"/>
               <a:t>People attack someone but they get out</a:t>
             </a:r>
           </a:p>
           <a:p>
-            <a:endParaRPr lang="en-US" sz="3200" dirty="0" smtClean="0"/>
+            <a:endParaRPr dirty="0" lang="en-US" smtClean="0" sz="3200"/>
           </a:p>
         </p:txBody>
       </p:sp>
@@ -4119,42 +4119,42 @@
           <a:lstStyle/>
           <a:p>
             <a:r>
-              <a:rPr lang="en-US" sz="3200" dirty="0" smtClean="0"/>
+              <a:rPr dirty="0" lang="en-US" smtClean="0" sz="3200"/>
               <a:t>1 hour 25 min</a:t>
             </a:r>
           </a:p>
           <a:p>
             <a:r>
-              <a:rPr lang="en-US" sz="3200" dirty="0" smtClean="0"/>
+              <a:rPr dirty="0" lang="en-US" smtClean="0" sz="3200"/>
               <a:t>They flushed someone into  a hole</a:t>
             </a:r>
           </a:p>
           <a:p>
             <a:r>
-              <a:rPr lang="en-US" sz="3200" dirty="0" smtClean="0"/>
+              <a:rPr dirty="0" lang="en-US" smtClean="0" sz="3200"/>
               <a:t>They were flush-happy</a:t>
             </a:r>
           </a:p>
           <a:p>
             <a:r>
-              <a:rPr lang="en-US" sz="3200" dirty="0" smtClean="0"/>
+              <a:rPr dirty="0" lang="en-US" smtClean="0" sz="3200"/>
               <a:t>So they burned down a state liquor store. And got flushed</a:t>
             </a:r>
           </a:p>
           <a:p>
             <a:r>
-              <a:rPr lang="en-US" sz="3200" dirty="0" smtClean="0"/>
+              <a:rPr dirty="0" lang="en-US" smtClean="0" sz="3200"/>
               <a:t>Police tell people to disperse, a child goes among them and a mother saves him and everyone saves the mother</a:t>
             </a:r>
           </a:p>
           <a:p>
             <a:r>
-              <a:rPr lang="en-US" sz="3200" dirty="0" smtClean="0"/>
+              <a:rPr dirty="0" lang="en-US" smtClean="0" sz="3200"/>
               <a:t>They are prevailing</a:t>
             </a:r>
           </a:p>
           <a:p>
-            <a:endParaRPr lang="en-US" sz="3200" dirty="0" smtClean="0"/>
+            <a:endParaRPr dirty="0" lang="en-US" smtClean="0" sz="3200"/>
           </a:p>
         </p:txBody>
       </p:sp>
@@ -4204,10 +4204,10 @@
           <a:lstStyle/>
           <a:p>
             <a:r>
-              <a:rPr lang="en-US" dirty="0" smtClean="0"/>
+              <a:rPr dirty="0" lang="en-US" smtClean="0"/>
               <a:t>The Strike</a:t>
             </a:r>
-            <a:endParaRPr lang="en-US" dirty="0"/>
+            <a:endParaRPr dirty="0" lang="en-US"/>
           </a:p>
         </p:txBody>
       </p:sp>
@@ -4218,7 +4218,7 @@
             <a:spLocks noGrp="1"/>
           </p:cNvSpPr>
           <p:nvPr>
-            <p:ph type="body" idx="1"/>
+            <p:ph idx="1" type="body"/>
           </p:nvPr>
         </p:nvSpPr>
         <p:spPr/>
@@ -4227,10 +4227,10 @@
           <a:lstStyle/>
           <a:p>
             <a:r>
-              <a:rPr lang="en-US" dirty="0" smtClean="0"/>
+              <a:rPr dirty="0" lang="en-US" smtClean="0"/>
               <a:t>Sergei Eisenstein, 1924, 1:35 every five minutes</a:t>
             </a:r>
-            <a:endParaRPr lang="en-US" dirty="0"/>
+            <a:endParaRPr dirty="0" lang="en-US"/>
           </a:p>
         </p:txBody>
       </p:sp>
@@ -4277,7 +4277,7 @@
         <p:spPr>
           <a:xfrm>
             <a:off x="838200" y="161365"/>
-            <a:ext cx="10515600" cy="6207162"/>
+            <a:ext cx="10515600" cy="6015598"/>
           </a:xfrm>
         </p:spPr>
         <p:txBody>
@@ -4287,67 +4287,83 @@
           <a:lstStyle/>
           <a:p>
             <a:r>
-              <a:rPr lang="en-US" sz="3200" dirty="0" smtClean="0"/>
-              <a:t>1 hour 30 min</a:t>
-            </a:r>
-          </a:p>
-          <a:p>
-            <a:r>
-              <a:rPr lang="en-US" sz="3200" dirty="0" smtClean="0"/>
-              <a:t>All of a sudden they are chased back</a:t>
-            </a:r>
-          </a:p>
-          <a:p>
-            <a:r>
-              <a:rPr lang="en-US" sz="3200" dirty="0" smtClean="0"/>
-              <a:t>They flee and barricade a gate</a:t>
-            </a:r>
-          </a:p>
-          <a:p>
-            <a:r>
-              <a:rPr lang="en-US" sz="3200" dirty="0" smtClean="0"/>
-              <a:t>The gate falls. They continue to flee</a:t>
-            </a:r>
-          </a:p>
-          <a:p>
-            <a:r>
-              <a:rPr lang="en-US" sz="3200" dirty="0" smtClean="0"/>
-              <a:t>They chase everyone to their apartments</a:t>
-            </a:r>
-          </a:p>
-          <a:p>
-            <a:r>
-              <a:rPr lang="en-US" sz="3200" dirty="0" smtClean="0"/>
-              <a:t>Everyone going crazy, a woman tries to escape</a:t>
-            </a:r>
-          </a:p>
-          <a:p>
-            <a:r>
-              <a:rPr lang="en-US" sz="3200" dirty="0" smtClean="0"/>
-              <a:t>They are rushing everyone into apartments making people climb walls</a:t>
-            </a:r>
-          </a:p>
-          <a:p>
-            <a:r>
-              <a:rPr lang="en-US" sz="3200" dirty="0" smtClean="0"/>
-              <a:t>Kids are hanging out playing w/ toys</a:t>
-            </a:r>
-          </a:p>
-          <a:p>
-            <a:r>
-              <a:rPr lang="en-US" sz="3200" dirty="0" smtClean="0"/>
-              <a:t>Demons enter officers as they throw a kid off the roof </a:t>
-            </a:r>
-          </a:p>
-          <a:p>
-            <a:endParaRPr lang="en-US" sz="3200" dirty="0" smtClean="0"/>
+              <a:rPr dirty="0" lang="en-US" smtClean="0" sz="3200"/>
+              <a:t>P </a:t>
+            </a:r>
+            <a:r>
+              <a:rPr sz="3200">
+                <a:solidFill>
+                  <a:schemeClr val="tx1"/>
+                </a:solidFill>
+                <a:latin typeface="+mn-lt"/>
+              </a:rPr>
+              <a:t> 54(pdf).</a:t>
+            </a:r>
+          </a:p>
+          <a:p>
+            <a:r>
+              <a:rPr sz="3200">
+                <a:solidFill>
+                  <a:schemeClr val="tx1"/>
+                </a:solidFill>
+                <a:latin typeface="+mn-lt"/>
+              </a:rPr>
+              <a:t>( pg 53 was just scenes from part six).I do not understand the first paragraph. </a:t>
+            </a:r>
+          </a:p>
+          <a:p>
+            <a:r>
+              <a:rPr sz="3200">
+                <a:solidFill>
+                  <a:schemeClr val="tx1"/>
+                </a:solidFill>
+                <a:latin typeface="+mn-lt"/>
+              </a:rPr>
+              <a:t>Although it received  a gold medal, ppl didn;'t like the film, they said it was hard to know what was going on</a:t>
+            </a:r>
+          </a:p>
+          <a:p>
+            <a:endParaRPr sz="3200">
+              <a:solidFill>
+                <a:schemeClr val="tx1"/>
+              </a:solidFill>
+              <a:latin typeface="+mn-lt"/>
+            </a:endParaRPr>
+          </a:p>
+          <a:p>
+            <a:endParaRPr sz="3200">
+              <a:solidFill>
+                <a:schemeClr val="tx1"/>
+              </a:solidFill>
+              <a:latin typeface="+mn-lt"/>
+            </a:endParaRPr>
+          </a:p>
+          <a:p>
+            <a:endParaRPr sz="3200">
+              <a:solidFill>
+                <a:schemeClr val="tx1"/>
+              </a:solidFill>
+              <a:latin typeface="+mn-lt"/>
+            </a:endParaRPr>
+          </a:p>
+          <a:p>
+            <a:endParaRPr dirty="0" lang="en-US" smtClean="0" sz="3200"/>
+          </a:p>
+          <a:p>
+            <a:endParaRPr dirty="0" lang="en-US" smtClean="0" sz="3200"/>
+          </a:p>
+          <a:p>
+            <a:endParaRPr dirty="0" lang="en-US" smtClean="0" sz="3200"/>
+          </a:p>
+          <a:p>
+            <a:endParaRPr dirty="0" lang="en-US" smtClean="0" sz="3200"/>
           </a:p>
         </p:txBody>
       </p:sp>
     </p:spTree>
     <p:extLst>
       <p:ext uri="{BB962C8B-B14F-4D97-AF65-F5344CB8AC3E}">
-        <p14:creationId xmlns:p14="http://schemas.microsoft.com/office/powerpoint/2010/main" val="2413203120"/>
+        <p14:creationId xmlns:p14="http://schemas.microsoft.com/office/powerpoint/2010/main" val="1245892544"/>
       </p:ext>
     </p:extLst>
   </p:cSld>
@@ -4387,7 +4403,7 @@
         <p:spPr>
           <a:xfrm>
             <a:off x="838200" y="161365"/>
-            <a:ext cx="10515600" cy="6015598"/>
+            <a:ext cx="10515600" cy="6207162"/>
           </a:xfrm>
         </p:spPr>
         <p:txBody>
@@ -4397,60 +4413,67 @@
           <a:lstStyle/>
           <a:p>
             <a:r>
-              <a:rPr lang="en-US" sz="3200" dirty="0" smtClean="0"/>
-              <a:t>1 hour  35 min</a:t>
-            </a:r>
-          </a:p>
-          <a:p>
-            <a:r>
-              <a:rPr lang="en-US" sz="3200" dirty="0" smtClean="0"/>
-              <a:t>guy says you cant put </a:t>
-            </a:r>
-            <a:r>
-              <a:rPr lang="en-US" sz="3200" dirty="0" err="1" smtClean="0"/>
-              <a:t>em</a:t>
-            </a:r>
-            <a:r>
-              <a:rPr lang="en-US" sz="3200" dirty="0" smtClean="0"/>
-              <a:t> in prison too many</a:t>
-            </a:r>
-          </a:p>
-          <a:p>
-            <a:r>
-              <a:rPr lang="en-US" sz="3200" dirty="0" smtClean="0"/>
-              <a:t>General asks him to join, but he refuses</a:t>
-            </a:r>
-          </a:p>
-          <a:p>
-            <a:r>
-              <a:rPr lang="en-US" sz="3200" dirty="0" smtClean="0"/>
-              <a:t>They showed goats getting killed and officers getting killed too</a:t>
-            </a:r>
-          </a:p>
-          <a:p>
-            <a:r>
-              <a:rPr lang="en-US" sz="3200" dirty="0" smtClean="0"/>
-              <a:t>So they killed everyone</a:t>
-            </a:r>
-          </a:p>
-          <a:p>
-            <a:pPr marL="0" indent="0">
-              <a:buNone/>
-            </a:pPr>
-            <a:endParaRPr lang="en-US" sz="3200" dirty="0" smtClean="0"/>
-          </a:p>
-          <a:p>
-            <a:endParaRPr lang="en-US" sz="3200" dirty="0" smtClean="0"/>
-          </a:p>
-          <a:p>
-            <a:endParaRPr lang="en-US" sz="3200" dirty="0" smtClean="0"/>
+              <a:rPr dirty="0" lang="en-US" smtClean="0" sz="3200"/>
+              <a:t>1 hour 30 min</a:t>
+            </a:r>
+          </a:p>
+          <a:p>
+            <a:r>
+              <a:rPr dirty="0" lang="en-US" smtClean="0" sz="3200"/>
+              <a:t>All of a sudden they are chased back</a:t>
+            </a:r>
+          </a:p>
+          <a:p>
+            <a:r>
+              <a:rPr dirty="0" lang="en-US" smtClean="0" sz="3200"/>
+              <a:t>They flee and barricade a gate</a:t>
+            </a:r>
+          </a:p>
+          <a:p>
+            <a:r>
+              <a:rPr dirty="0" lang="en-US" smtClean="0" sz="3200"/>
+              <a:t>The gate falls. They continue to flee</a:t>
+            </a:r>
+          </a:p>
+          <a:p>
+            <a:r>
+              <a:rPr dirty="0" lang="en-US" smtClean="0" sz="3200"/>
+              <a:t>They chase everyone to their apartments</a:t>
+            </a:r>
+          </a:p>
+          <a:p>
+            <a:r>
+              <a:rPr dirty="0" lang="en-US" smtClean="0" sz="3200"/>
+              <a:t>Everyone going crazy, a woman tries to escape</a:t>
+            </a:r>
+          </a:p>
+          <a:p>
+            <a:r>
+              <a:rPr dirty="0" lang="en-US" smtClean="0" sz="3200"/>
+              <a:t>They are rushing everyone into apartments making people climb walls</a:t>
+            </a:r>
+          </a:p>
+          <a:p>
+            <a:r>
+              <a:rPr dirty="0" lang="en-US" smtClean="0" sz="3200"/>
+              <a:t>Kids are hanging out playing w/ toys</a:t>
+            </a:r>
+          </a:p>
+          <a:p>
+            <a:r>
+              <a:rPr dirty="0" lang="en-US" smtClean="0" sz="3200"/>
+              <a:t>Demons enter officers as they throw a kid off the roof </a:t>
+            </a:r>
+          </a:p>
+          <a:p>
+            <a:endParaRPr dirty="0" lang="en-US" smtClean="0" sz="3200"/>
           </a:p>
         </p:txBody>
       </p:sp>
     </p:spTree>
     <p:extLst>
       <p:ext uri="{BB962C8B-B14F-4D97-AF65-F5344CB8AC3E}">
-        <p14:creationId xmlns:p14="http://schemas.microsoft.com/office/powerpoint/2010/main" val="2006355284"/>
+        <p14:creationId xmlns:p14="http://schemas.microsoft.com/office/powerpoint/2010/main" val="2413203120"/>
       </p:ext>
     </p:extLst>
   </p:cSld>
@@ -4479,53 +4502,81 @@
       </p:grpSpPr>
       <p:sp>
         <p:nvSpPr>
-          <p:cNvPr id="2" name="Title 1"/>
-          <p:cNvSpPr>
-            <a:spLocks noGrp="1"/>
-          </p:cNvSpPr>
-          <p:nvPr>
-            <p:ph type="title"/>
-          </p:nvPr>
-        </p:nvSpPr>
-        <p:spPr/>
-        <p:txBody>
-          <a:bodyPr numCol="1"/>
-          <a:lstStyle/>
-          <a:p>
-            <a:r>
-              <a:rPr lang="en-US" dirty="0" smtClean="0"/>
-              <a:t>Taylor’s article “Cinema” from the Blackwell Encyclopedia of the Russian Revolution </a:t>
-            </a:r>
-          </a:p>
-        </p:txBody>
-      </p:sp>
-      <p:sp>
-        <p:nvSpPr>
-          <p:cNvPr id="3" name="Text Placeholder 2"/>
-          <p:cNvSpPr>
-            <a:spLocks noGrp="1"/>
-          </p:cNvSpPr>
-          <p:nvPr>
-            <p:ph type="body" idx="1"/>
-          </p:nvPr>
-        </p:nvSpPr>
-        <p:spPr/>
-        <p:txBody>
-          <a:bodyPr numCol="1"/>
-          <a:lstStyle/>
-          <a:p>
-            <a:r>
-              <a:rPr lang="en-US" dirty="0" smtClean="0"/>
-              <a:t>Every page (civil war was going on the whole time)</a:t>
-            </a:r>
-            <a:endParaRPr lang="en-US" dirty="0"/>
+          <p:cNvPr id="3" name="Content Placeholder 2"/>
+          <p:cNvSpPr>
+            <a:spLocks noGrp="1"/>
+          </p:cNvSpPr>
+          <p:nvPr>
+            <p:ph idx="1"/>
+          </p:nvPr>
+        </p:nvSpPr>
+        <p:spPr>
+          <a:xfrm>
+            <a:off x="838200" y="161365"/>
+            <a:ext cx="10515600" cy="6015598"/>
+          </a:xfrm>
+        </p:spPr>
+        <p:txBody>
+          <a:bodyPr numCol="1">
+            <a:normAutofit/>
+          </a:bodyPr>
+          <a:lstStyle/>
+          <a:p>
+            <a:r>
+              <a:rPr dirty="0" lang="en-US" smtClean="0" sz="3200"/>
+              <a:t>1 hour  35 min</a:t>
+            </a:r>
+          </a:p>
+          <a:p>
+            <a:r>
+              <a:rPr dirty="0" lang="en-US" smtClean="0" sz="3200"/>
+              <a:t>guy says you cant put </a:t>
+            </a:r>
+            <a:r>
+              <a:rPr dirty="0" err="1" lang="en-US" smtClean="0" sz="3200"/>
+              <a:t>em</a:t>
+            </a:r>
+            <a:r>
+              <a:rPr dirty="0" lang="en-US" smtClean="0" sz="3200"/>
+              <a:t> in prison too many</a:t>
+            </a:r>
+          </a:p>
+          <a:p>
+            <a:r>
+              <a:rPr dirty="0" lang="en-US" smtClean="0" sz="3200"/>
+              <a:t>General asks him to join, but he refuses</a:t>
+            </a:r>
+          </a:p>
+          <a:p>
+            <a:r>
+              <a:rPr dirty="0" lang="en-US" smtClean="0" sz="3200"/>
+              <a:t>They showed goats getting killed and officers getting killed too</a:t>
+            </a:r>
+          </a:p>
+          <a:p>
+            <a:r>
+              <a:rPr dirty="0" lang="en-US" smtClean="0" sz="3200"/>
+              <a:t>So they killed everyone</a:t>
+            </a:r>
+          </a:p>
+          <a:p>
+            <a:pPr indent="0" marL="0">
+              <a:buNone/>
+            </a:pPr>
+            <a:endParaRPr dirty="0" lang="en-US" smtClean="0" sz="3200"/>
+          </a:p>
+          <a:p>
+            <a:endParaRPr dirty="0" lang="en-US" smtClean="0" sz="3200"/>
+          </a:p>
+          <a:p>
+            <a:endParaRPr dirty="0" lang="en-US" smtClean="0" sz="3200"/>
           </a:p>
         </p:txBody>
       </p:sp>
     </p:spTree>
     <p:extLst>
       <p:ext uri="{BB962C8B-B14F-4D97-AF65-F5344CB8AC3E}">
-        <p14:creationId xmlns:p14="http://schemas.microsoft.com/office/powerpoint/2010/main" val="1409341632"/>
+        <p14:creationId xmlns:p14="http://schemas.microsoft.com/office/powerpoint/2010/main" val="2006355284"/>
       </p:ext>
     </p:extLst>
   </p:cSld>
@@ -4554,64 +4605,53 @@
       </p:grpSpPr>
       <p:sp>
         <p:nvSpPr>
-          <p:cNvPr id="3" name="Content Placeholder 2"/>
-          <p:cNvSpPr>
-            <a:spLocks noGrp="1"/>
-          </p:cNvSpPr>
-          <p:nvPr>
-            <p:ph idx="1"/>
-          </p:nvPr>
-        </p:nvSpPr>
-        <p:spPr>
-          <a:xfrm>
-            <a:off x="838200" y="161365"/>
-            <a:ext cx="10515600" cy="6015598"/>
-          </a:xfrm>
-        </p:spPr>
-        <p:txBody>
-          <a:bodyPr numCol="1">
-            <a:normAutofit/>
-          </a:bodyPr>
-          <a:lstStyle/>
-          <a:p>
-            <a:r>
-              <a:rPr lang="en-US" sz="3200" dirty="0" smtClean="0"/>
-              <a:t>P 276</a:t>
-            </a:r>
-          </a:p>
-          <a:p>
-            <a:r>
-              <a:rPr lang="en-US" sz="3200" dirty="0" smtClean="0"/>
-              <a:t>People used movies to promote political agendas</a:t>
-            </a:r>
-          </a:p>
-          <a:p>
-            <a:r>
-              <a:rPr lang="en-US" sz="3200" dirty="0" smtClean="0"/>
-              <a:t>That’s how the Bolsheviks came up</a:t>
-            </a:r>
-          </a:p>
-          <a:p>
-            <a:r>
-              <a:rPr lang="en-US" sz="3200" dirty="0" smtClean="0"/>
-              <a:t>Bolshevik needed silent film because country was diverse and illiterate </a:t>
-            </a:r>
-          </a:p>
-          <a:p>
-            <a:endParaRPr lang="en-US" sz="3200" dirty="0" smtClean="0"/>
-          </a:p>
-          <a:p>
-            <a:endParaRPr lang="en-US" sz="3200" dirty="0" smtClean="0"/>
-          </a:p>
-          <a:p>
-            <a:endParaRPr lang="en-US" sz="3200" dirty="0" smtClean="0"/>
+          <p:cNvPr id="2" name="Title 1"/>
+          <p:cNvSpPr>
+            <a:spLocks noGrp="1"/>
+          </p:cNvSpPr>
+          <p:nvPr>
+            <p:ph type="title"/>
+          </p:nvPr>
+        </p:nvSpPr>
+        <p:spPr/>
+        <p:txBody>
+          <a:bodyPr numCol="1"/>
+          <a:lstStyle/>
+          <a:p>
+            <a:r>
+              <a:rPr dirty="0" lang="en-US" smtClean="0"/>
+              <a:t>Taylor’s article “Cinema” from the Blackwell Encyclopedia of the Russian Revolution </a:t>
+            </a:r>
+          </a:p>
+        </p:txBody>
+      </p:sp>
+      <p:sp>
+        <p:nvSpPr>
+          <p:cNvPr id="3" name="Text Placeholder 2"/>
+          <p:cNvSpPr>
+            <a:spLocks noGrp="1"/>
+          </p:cNvSpPr>
+          <p:nvPr>
+            <p:ph idx="1" type="body"/>
+          </p:nvPr>
+        </p:nvSpPr>
+        <p:spPr/>
+        <p:txBody>
+          <a:bodyPr numCol="1"/>
+          <a:lstStyle/>
+          <a:p>
+            <a:r>
+              <a:rPr dirty="0" lang="en-US" smtClean="0"/>
+              <a:t>Every page (civil war was going on the whole time)</a:t>
+            </a:r>
+            <a:endParaRPr dirty="0" lang="en-US"/>
           </a:p>
         </p:txBody>
       </p:sp>
     </p:spTree>
     <p:extLst>
       <p:ext uri="{BB962C8B-B14F-4D97-AF65-F5344CB8AC3E}">
-        <p14:creationId xmlns:p14="http://schemas.microsoft.com/office/powerpoint/2010/main" val="2583092736"/>
+        <p14:creationId xmlns:p14="http://schemas.microsoft.com/office/powerpoint/2010/main" val="1409341632"/>
       </p:ext>
     </p:extLst>
   </p:cSld>
@@ -4661,79 +4701,43 @@
           <a:lstStyle/>
           <a:p>
             <a:r>
-              <a:rPr lang="en-US" sz="3200" dirty="0" smtClean="0"/>
-              <a:t>P 277</a:t>
-            </a:r>
-          </a:p>
-          <a:p>
-            <a:r>
-              <a:rPr lang="en-US" sz="3200" dirty="0" smtClean="0"/>
-              <a:t>People then accepted everything they saw in the movies as real, no prep needed</a:t>
-            </a:r>
-          </a:p>
-          <a:p>
-            <a:r>
-              <a:rPr lang="en-US" sz="3200" dirty="0" smtClean="0"/>
-              <a:t>Russian film depended on </a:t>
-            </a:r>
-            <a:r>
-              <a:rPr lang="en-US" sz="3200" dirty="0" err="1" smtClean="0"/>
-              <a:t>france</a:t>
-            </a:r>
-            <a:r>
-              <a:rPr lang="en-US" sz="3200" dirty="0" smtClean="0"/>
-              <a:t> but when the Bolsheviks came, they threated normal cinema business</a:t>
-            </a:r>
-          </a:p>
-          <a:p>
-            <a:r>
-              <a:rPr lang="en-US" sz="3200" dirty="0" smtClean="0"/>
-              <a:t>In order to use cinema to help the gov’t </a:t>
-            </a:r>
-            <a:r>
-              <a:rPr lang="en-US" sz="3200" dirty="0" err="1" smtClean="0"/>
-              <a:t>lunacharky</a:t>
-            </a:r>
-            <a:r>
-              <a:rPr lang="en-US" sz="3200" dirty="0" smtClean="0"/>
-              <a:t> (a commissariat) said you </a:t>
-            </a:r>
-            <a:r>
-              <a:rPr lang="en-US" sz="3200" dirty="0" err="1" smtClean="0"/>
-              <a:t>gotta</a:t>
-            </a:r>
-            <a:r>
-              <a:rPr lang="en-US" sz="3200" dirty="0" smtClean="0"/>
-              <a:t> develop it slowly. The made agitation movies</a:t>
-            </a:r>
-          </a:p>
-          <a:p>
-            <a:r>
-              <a:rPr lang="en-US" sz="3200" dirty="0" smtClean="0"/>
-              <a:t>Bolshevik said, “well make our own Hollywood but all foreigners can work w/ us” in Moscow and Petrograd</a:t>
-            </a:r>
-          </a:p>
-          <a:p>
-            <a:r>
-              <a:rPr lang="en-US" sz="3200" dirty="0" smtClean="0"/>
-              <a:t>The movies sucked, it was supposed to be for communist propaganda. Act quick or they can’t do anything</a:t>
-            </a:r>
-          </a:p>
-          <a:p>
-            <a:endParaRPr lang="en-US" sz="3200" dirty="0" smtClean="0"/>
-          </a:p>
-          <a:p>
-            <a:endParaRPr lang="en-US" sz="3200" dirty="0" smtClean="0"/>
-          </a:p>
-          <a:p>
-            <a:endParaRPr lang="en-US" sz="3200" dirty="0" smtClean="0"/>
+              <a:rPr dirty="0" lang="en-US" smtClean="0" sz="3200"/>
+              <a:t>P 276</a:t>
+            </a:r>
+          </a:p>
+          <a:p>
+            <a:r>
+              <a:rPr dirty="0" lang="en-US" smtClean="0" sz="3200"/>
+              <a:t>People used movies to promote political agendas</a:t>
+            </a:r>
+          </a:p>
+          <a:p>
+            <a:r>
+              <a:rPr dirty="0" lang="en-US" smtClean="0" sz="3200"/>
+              <a:t>That’s how the Bolsheviks came up</a:t>
+            </a:r>
+          </a:p>
+          <a:p>
+            <a:r>
+              <a:rPr dirty="0" lang="en-US" smtClean="0" sz="3200"/>
+              <a:t>Bolshevik needed silent film because country was diverse and illiterate </a:t>
+            </a:r>
+          </a:p>
+          <a:p>
+            <a:endParaRPr dirty="0" lang="en-US" smtClean="0" sz="3200"/>
+          </a:p>
+          <a:p>
+            <a:endParaRPr dirty="0" lang="en-US" smtClean="0" sz="3200"/>
+          </a:p>
+          <a:p>
+            <a:endParaRPr dirty="0" lang="en-US" smtClean="0" sz="3200"/>
           </a:p>
         </p:txBody>
       </p:sp>
     </p:spTree>
     <p:extLst>
       <p:ext uri="{BB962C8B-B14F-4D97-AF65-F5344CB8AC3E}">
-        <p14:creationId xmlns:p14="http://schemas.microsoft.com/office/powerpoint/2010/main" val="323699877"/>
+        <p14:creationId xmlns:p14="http://schemas.microsoft.com/office/powerpoint/2010/main" val="2583092736"/>
       </p:ext>
     </p:extLst>
   </p:cSld>
@@ -4783,57 +4787,79 @@
           <a:lstStyle/>
           <a:p>
             <a:r>
-              <a:rPr lang="en-US" sz="3200" dirty="0" smtClean="0"/>
-              <a:t>P 278</a:t>
-            </a:r>
-          </a:p>
-          <a:p>
-            <a:r>
-              <a:rPr lang="en-US" sz="3200" dirty="0" smtClean="0"/>
-              <a:t>Problems were basically, they couldn’t get movies to countryside and the movies couldn’t convert </a:t>
-            </a:r>
-            <a:r>
-              <a:rPr lang="en-US" sz="3200" dirty="0" err="1" smtClean="0"/>
-              <a:t>ppl</a:t>
-            </a:r>
-            <a:r>
-              <a:rPr lang="en-US" sz="3200" dirty="0" smtClean="0"/>
-              <a:t> to bolshevism</a:t>
-            </a:r>
-          </a:p>
-          <a:p>
-            <a:r>
-              <a:rPr lang="en-US" sz="3200" dirty="0" err="1" smtClean="0"/>
-              <a:t>Govt</a:t>
-            </a:r>
-            <a:r>
-              <a:rPr lang="en-US" sz="3200" dirty="0" smtClean="0"/>
-              <a:t> made </a:t>
-            </a:r>
-            <a:r>
-              <a:rPr lang="en-US" sz="3200" dirty="0" err="1" smtClean="0"/>
-              <a:t>agit</a:t>
-            </a:r>
-            <a:r>
-              <a:rPr lang="en-US" sz="3200" dirty="0" smtClean="0"/>
-              <a:t> trains</a:t>
-            </a:r>
-          </a:p>
-          <a:p>
-            <a:endParaRPr lang="en-US" sz="3200" dirty="0" smtClean="0"/>
-          </a:p>
-          <a:p>
-            <a:endParaRPr lang="en-US" sz="3200" dirty="0" smtClean="0"/>
-          </a:p>
-          <a:p>
-            <a:endParaRPr lang="en-US" sz="3200" dirty="0" smtClean="0"/>
+              <a:rPr dirty="0" lang="en-US" smtClean="0" sz="3200"/>
+              <a:t>P 277</a:t>
+            </a:r>
+          </a:p>
+          <a:p>
+            <a:r>
+              <a:rPr dirty="0" lang="en-US" smtClean="0" sz="3200"/>
+              <a:t>People then accepted everything they saw in the movies as real, no prep needed</a:t>
+            </a:r>
+          </a:p>
+          <a:p>
+            <a:r>
+              <a:rPr dirty="0" lang="en-US" smtClean="0" sz="3200"/>
+              <a:t>Russian film depended on </a:t>
+            </a:r>
+            <a:r>
+              <a:rPr dirty="0" err="1" lang="en-US" smtClean="0" sz="3200"/>
+              <a:t>france</a:t>
+            </a:r>
+            <a:r>
+              <a:rPr dirty="0" lang="en-US" smtClean="0" sz="3200"/>
+              <a:t> but when the Bolsheviks came, they threated normal cinema business</a:t>
+            </a:r>
+          </a:p>
+          <a:p>
+            <a:r>
+              <a:rPr dirty="0" lang="en-US" smtClean="0" sz="3200"/>
+              <a:t>In order to use cinema to help the gov’t </a:t>
+            </a:r>
+            <a:r>
+              <a:rPr dirty="0" err="1" lang="en-US" smtClean="0" sz="3200"/>
+              <a:t>lunacharky</a:t>
+            </a:r>
+            <a:r>
+              <a:rPr dirty="0" lang="en-US" smtClean="0" sz="3200"/>
+              <a:t> (a commissariat) said you </a:t>
+            </a:r>
+            <a:r>
+              <a:rPr dirty="0" err="1" lang="en-US" smtClean="0" sz="3200"/>
+              <a:t>gotta</a:t>
+            </a:r>
+            <a:r>
+              <a:rPr dirty="0" lang="en-US" smtClean="0" sz="3200"/>
+              <a:t> develop it slowly. The made agitation movies</a:t>
+            </a:r>
+          </a:p>
+          <a:p>
+            <a:r>
+              <a:rPr dirty="0" lang="en-US" smtClean="0" sz="3200"/>
+              <a:t>Bolshevik said, “well make our own Hollywood but all foreigners can work w/ us” in Moscow and Petrograd</a:t>
+            </a:r>
+          </a:p>
+          <a:p>
+            <a:r>
+              <a:rPr dirty="0" lang="en-US" smtClean="0" sz="3200"/>
+              <a:t>The movies sucked, it was supposed to be for communist propaganda. Act quick or they can’t do anything</a:t>
+            </a:r>
+          </a:p>
+          <a:p>
+            <a:endParaRPr dirty="0" lang="en-US" smtClean="0" sz="3200"/>
+          </a:p>
+          <a:p>
+            <a:endParaRPr dirty="0" lang="en-US" smtClean="0" sz="3200"/>
+          </a:p>
+          <a:p>
+            <a:endParaRPr dirty="0" lang="en-US" smtClean="0" sz="3200"/>
           </a:p>
         </p:txBody>
       </p:sp>
     </p:spTree>
     <p:extLst>
       <p:ext uri="{BB962C8B-B14F-4D97-AF65-F5344CB8AC3E}">
-        <p14:creationId xmlns:p14="http://schemas.microsoft.com/office/powerpoint/2010/main" val="238041423"/>
+        <p14:creationId xmlns:p14="http://schemas.microsoft.com/office/powerpoint/2010/main" val="323699877"/>
       </p:ext>
     </p:extLst>
   </p:cSld>
@@ -4883,119 +4909,57 @@
           <a:lstStyle/>
           <a:p>
             <a:r>
-              <a:rPr lang="en-US" sz="3200" dirty="0" smtClean="0"/>
-              <a:t>P 279</a:t>
-            </a:r>
-          </a:p>
-          <a:p>
-            <a:r>
-              <a:rPr lang="en-US" sz="3200" dirty="0" err="1" smtClean="0"/>
-              <a:t>Agit</a:t>
-            </a:r>
-            <a:r>
-              <a:rPr lang="en-US" sz="3200" dirty="0" smtClean="0"/>
-              <a:t> trains started for the red army </a:t>
-            </a:r>
-            <a:r>
-              <a:rPr lang="en-US" sz="3200" dirty="0" err="1" smtClean="0"/>
-              <a:t>dist</a:t>
-            </a:r>
-            <a:r>
-              <a:rPr lang="en-US" sz="3200" dirty="0" smtClean="0"/>
-              <a:t> </a:t>
-            </a:r>
-            <a:r>
-              <a:rPr lang="en-US" sz="3200" dirty="0" err="1" smtClean="0"/>
-              <a:t>pamplets</a:t>
-            </a:r>
-            <a:r>
-              <a:rPr lang="en-US" sz="3200" dirty="0" smtClean="0"/>
-              <a:t> to red army units and made a living-space interior a success	</a:t>
-            </a:r>
-          </a:p>
-          <a:p>
-            <a:r>
-              <a:rPr lang="en-US" sz="3200" dirty="0" smtClean="0"/>
-              <a:t>They started to make good use of </a:t>
-            </a:r>
-            <a:r>
-              <a:rPr lang="en-US" sz="3200" dirty="0" err="1" smtClean="0"/>
+              <a:rPr dirty="0" lang="en-US" smtClean="0" sz="3200"/>
+              <a:t>P 278</a:t>
+            </a:r>
+          </a:p>
+          <a:p>
+            <a:r>
+              <a:rPr dirty="0" lang="en-US" smtClean="0" sz="3200"/>
+              <a:t>Problems were basically, they couldn’t get movies to countryside and the movies couldn’t convert </a:t>
+            </a:r>
+            <a:r>
+              <a:rPr dirty="0" err="1" lang="en-US" smtClean="0" sz="3200"/>
+              <a:t>ppl</a:t>
+            </a:r>
+            <a:r>
+              <a:rPr dirty="0" lang="en-US" smtClean="0" sz="3200"/>
+              <a:t> to bolshevism</a:t>
+            </a:r>
+          </a:p>
+          <a:p>
+            <a:r>
+              <a:rPr dirty="0" err="1" lang="en-US" smtClean="0" sz="3200"/>
+              <a:t>Govt</a:t>
+            </a:r>
+            <a:r>
+              <a:rPr dirty="0" lang="en-US" smtClean="0" sz="3200"/>
+              <a:t> made </a:t>
+            </a:r>
+            <a:r>
+              <a:rPr dirty="0" err="1" lang="en-US" smtClean="0" sz="3200"/>
               <a:t>agit</a:t>
             </a:r>
             <a:r>
-              <a:rPr lang="en-US" sz="3200" dirty="0" smtClean="0"/>
-              <a:t>-trains and it was supervised by the top </a:t>
-            </a:r>
-            <a:r>
-              <a:rPr lang="en-US" sz="3200" dirty="0" err="1" smtClean="0"/>
-              <a:t>ppl</a:t>
-            </a:r>
-            <a:r>
-              <a:rPr lang="en-US" sz="3200" dirty="0" smtClean="0"/>
-              <a:t> in Bolsheviks, including Lenin</a:t>
-            </a:r>
-          </a:p>
-          <a:p>
-            <a:r>
-              <a:rPr lang="en-US" sz="3200" dirty="0" smtClean="0"/>
-              <a:t>The trains showed how to keep healthy but made the leaders look superhuman, even when </a:t>
-            </a:r>
-            <a:r>
-              <a:rPr lang="en-US" sz="3200" dirty="0" err="1" smtClean="0"/>
-              <a:t>ppl</a:t>
-            </a:r>
-            <a:r>
-              <a:rPr lang="en-US" sz="3200" dirty="0" smtClean="0"/>
-              <a:t> tried to kill him</a:t>
-            </a:r>
-          </a:p>
-          <a:p>
-            <a:r>
-              <a:rPr lang="en-US" sz="3200" dirty="0" smtClean="0"/>
-              <a:t>Also used to show the Soviet </a:t>
-            </a:r>
-            <a:r>
-              <a:rPr lang="en-US" sz="3200" dirty="0" err="1" smtClean="0"/>
-              <a:t>ppl</a:t>
-            </a:r>
-            <a:r>
-              <a:rPr lang="en-US" sz="3200" dirty="0" smtClean="0"/>
-              <a:t> the rest of their country</a:t>
-            </a:r>
-          </a:p>
-          <a:p>
-            <a:r>
-              <a:rPr lang="en-US" sz="3200" dirty="0" err="1" smtClean="0"/>
-              <a:t>Lunacharsky</a:t>
-            </a:r>
-            <a:r>
-              <a:rPr lang="en-US" sz="3200" dirty="0" smtClean="0"/>
-              <a:t> was also thinking about future , wrote a book for future of Soviet </a:t>
-            </a:r>
-            <a:r>
-              <a:rPr lang="en-US" sz="3200" dirty="0" err="1" smtClean="0"/>
-              <a:t>cinmna</a:t>
-            </a:r>
-            <a:r>
-              <a:rPr lang="en-US" sz="3200" dirty="0" smtClean="0"/>
-              <a:t> guidelines</a:t>
-            </a:r>
-          </a:p>
-          <a:p>
-            <a:endParaRPr lang="en-US" sz="3200" dirty="0" smtClean="0"/>
-          </a:p>
-          <a:p>
-            <a:endParaRPr lang="en-US" sz="3200" dirty="0" smtClean="0"/>
-          </a:p>
-          <a:p>
-            <a:endParaRPr lang="en-US" sz="3200" dirty="0" smtClean="0"/>
+              <a:rPr dirty="0" lang="en-US" smtClean="0" sz="3200"/>
+              <a:t> trains</a:t>
+            </a:r>
+          </a:p>
+          <a:p>
+            <a:endParaRPr dirty="0" lang="en-US" smtClean="0" sz="3200"/>
+          </a:p>
+          <a:p>
+            <a:endParaRPr dirty="0" lang="en-US" smtClean="0" sz="3200"/>
+          </a:p>
+          <a:p>
+            <a:endParaRPr dirty="0" lang="en-US" smtClean="0" sz="3200"/>
           </a:p>
         </p:txBody>
       </p:sp>
     </p:spTree>
     <p:extLst>
       <p:ext uri="{BB962C8B-B14F-4D97-AF65-F5344CB8AC3E}">
-        <p14:creationId xmlns:p14="http://schemas.microsoft.com/office/powerpoint/2010/main" val="2146321728"/>
+        <p14:creationId xmlns:p14="http://schemas.microsoft.com/office/powerpoint/2010/main" val="238041423"/>
       </p:ext>
     </p:extLst>
   </p:cSld>
@@ -5045,48 +5009,119 @@
           <a:lstStyle/>
           <a:p>
             <a:r>
-              <a:rPr lang="en-US" sz="3200" dirty="0" smtClean="0"/>
-              <a:t>P 280</a:t>
-            </a:r>
-          </a:p>
-          <a:p>
-            <a:r>
-              <a:rPr lang="en-US" sz="3200" dirty="0" smtClean="0"/>
-              <a:t>He basically said, we must do something novel</a:t>
-            </a:r>
-          </a:p>
-          <a:p>
-            <a:r>
-              <a:rPr lang="en-US" sz="3200" dirty="0" smtClean="0"/>
-              <a:t>So they started a school based on film</a:t>
-            </a:r>
-          </a:p>
-          <a:p>
-            <a:r>
-              <a:rPr lang="en-US" sz="3200" dirty="0" smtClean="0"/>
-              <a:t>By 1921 Soviet </a:t>
-            </a:r>
-            <a:r>
-              <a:rPr lang="en-US" sz="3200" dirty="0" err="1" smtClean="0"/>
-              <a:t>cinemna</a:t>
-            </a:r>
-            <a:r>
-              <a:rPr lang="en-US" sz="3200" dirty="0" smtClean="0"/>
-              <a:t> was figuring things out but it was already the most important of the arts</a:t>
-            </a:r>
-          </a:p>
-          <a:p>
-            <a:endParaRPr lang="en-US" sz="3200" dirty="0" smtClean="0"/>
-          </a:p>
-          <a:p>
-            <a:endParaRPr lang="en-US" sz="3200" dirty="0" smtClean="0"/>
+              <a:rPr dirty="0" lang="en-US" smtClean="0" sz="3200"/>
+              <a:t>P 279</a:t>
+            </a:r>
+          </a:p>
+          <a:p>
+            <a:r>
+              <a:rPr dirty="0" err="1" lang="en-US" smtClean="0" sz="3200"/>
+              <a:t>Agit</a:t>
+            </a:r>
+            <a:r>
+              <a:rPr dirty="0" lang="en-US" smtClean="0" sz="3200"/>
+              <a:t> trains started for the red army </a:t>
+            </a:r>
+            <a:r>
+              <a:rPr dirty="0" err="1" lang="en-US" smtClean="0" sz="3200"/>
+              <a:t>dist</a:t>
+            </a:r>
+            <a:r>
+              <a:rPr dirty="0" lang="en-US" smtClean="0" sz="3200"/>
+              <a:t> </a:t>
+            </a:r>
+            <a:r>
+              <a:rPr dirty="0" err="1" lang="en-US" smtClean="0" sz="3200"/>
+              <a:t>pamplets</a:t>
+            </a:r>
+            <a:r>
+              <a:rPr dirty="0" lang="en-US" smtClean="0" sz="3200"/>
+              <a:t> to red army units and made a living-space interior a success	</a:t>
+            </a:r>
+          </a:p>
+          <a:p>
+            <a:r>
+              <a:rPr dirty="0" lang="en-US" smtClean="0" sz="3200"/>
+              <a:t>They started to make good use of </a:t>
+            </a:r>
+            <a:r>
+              <a:rPr dirty="0" err="1" lang="en-US" smtClean="0" sz="3200"/>
+              <a:t>agit</a:t>
+            </a:r>
+            <a:r>
+              <a:rPr dirty="0" lang="en-US" smtClean="0" sz="3200"/>
+              <a:t>-trains and it was supervised by the top </a:t>
+            </a:r>
+            <a:r>
+              <a:rPr dirty="0" err="1" lang="en-US" smtClean="0" sz="3200"/>
+              <a:t>ppl</a:t>
+            </a:r>
+            <a:r>
+              <a:rPr dirty="0" lang="en-US" smtClean="0" sz="3200"/>
+              <a:t> in Bolsheviks, including Lenin</a:t>
+            </a:r>
+          </a:p>
+          <a:p>
+            <a:r>
+              <a:rPr dirty="0" lang="en-US" smtClean="0" sz="3200"/>
+              <a:t>The trains showed how to keep healthy but made the leaders look superhuman, even when </a:t>
+            </a:r>
+            <a:r>
+              <a:rPr dirty="0" err="1" lang="en-US" smtClean="0" sz="3200"/>
+              <a:t>ppl</a:t>
+            </a:r>
+            <a:r>
+              <a:rPr dirty="0" lang="en-US" smtClean="0" sz="3200"/>
+              <a:t> tried to kill him</a:t>
+            </a:r>
+          </a:p>
+          <a:p>
+            <a:r>
+              <a:rPr dirty="0" lang="en-US" smtClean="0" sz="3200"/>
+              <a:t>Also used to show the Soviet </a:t>
+            </a:r>
+            <a:r>
+              <a:rPr dirty="0" err="1" lang="en-US" smtClean="0" sz="3200"/>
+              <a:t>ppl</a:t>
+            </a:r>
+            <a:r>
+              <a:rPr dirty="0" lang="en-US" smtClean="0" sz="3200"/>
+              <a:t> the rest of their country</a:t>
+            </a:r>
+          </a:p>
+          <a:p>
+            <a:r>
+              <a:rPr dirty="0" err="1" lang="en-US" smtClean="0" sz="3200"/>
+              <a:t>Lunacharsky</a:t>
+            </a:r>
+            <a:r>
+              <a:rPr dirty="0" lang="en-US" smtClean="0" sz="3200"/>
+              <a:t> was also thinking about future , wrote a book for future of Soviet </a:t>
+            </a:r>
+            <a:r>
+              <a:rPr dirty="0" err="1" lang="en-US" smtClean="0" sz="3200"/>
+              <a:t>cinmna</a:t>
+            </a:r>
+            <a:r>
+              <a:rPr dirty="0" lang="en-US" smtClean="0" sz="3200"/>
+              <a:t> guidelines</a:t>
+            </a:r>
+          </a:p>
+          <a:p>
+            <a:endParaRPr dirty="0" lang="en-US" smtClean="0" sz="3200"/>
+          </a:p>
+          <a:p>
+            <a:endParaRPr dirty="0" lang="en-US" smtClean="0" sz="3200"/>
+          </a:p>
+          <a:p>
+            <a:endParaRPr dirty="0" lang="en-US" smtClean="0" sz="3200"/>
           </a:p>
         </p:txBody>
       </p:sp>
     </p:spTree>
     <p:extLst>
       <p:ext uri="{BB962C8B-B14F-4D97-AF65-F5344CB8AC3E}">
-        <p14:creationId xmlns:p14="http://schemas.microsoft.com/office/powerpoint/2010/main" val="854748334"/>
+        <p14:creationId xmlns:p14="http://schemas.microsoft.com/office/powerpoint/2010/main" val="2146321728"/>
       </p:ext>
     </p:extLst>
   </p:cSld>
@@ -5115,58 +5150,69 @@
       </p:grpSpPr>
       <p:sp>
         <p:nvSpPr>
-          <p:cNvPr id="2" name="Title 1"/>
-          <p:cNvSpPr>
-            <a:spLocks noGrp="1"/>
-          </p:cNvSpPr>
-          <p:nvPr>
-            <p:ph type="title"/>
+          <p:cNvPr id="3" name="Content Placeholder 2"/>
+          <p:cNvSpPr>
+            <a:spLocks noGrp="1"/>
+          </p:cNvSpPr>
+          <p:nvPr>
+            <p:ph idx="1"/>
           </p:nvPr>
         </p:nvSpPr>
         <p:spPr>
           <a:xfrm>
-            <a:off x="557530" y="1736726"/>
-            <a:ext cx="10515600" cy="2852737"/>
+            <a:off x="838200" y="161365"/>
+            <a:ext cx="10515600" cy="6015598"/>
           </a:xfrm>
         </p:spPr>
         <p:txBody>
-          <a:bodyPr numCol="1"/>
-          <a:lstStyle/>
-          <a:p>
-            <a:r>
-              <a:rPr lang="en-US" dirty="0" smtClean="0"/>
-              <a:t>Eagle Eisenstein as a Semiotician</a:t>
-            </a:r>
-          </a:p>
-        </p:txBody>
-      </p:sp>
-      <p:sp>
-        <p:nvSpPr>
-          <p:cNvPr id="3" name="Text Placeholder 2"/>
-          <p:cNvSpPr>
-            <a:spLocks noGrp="1"/>
-          </p:cNvSpPr>
-          <p:nvPr>
-            <p:ph type="body" idx="1"/>
-          </p:nvPr>
-        </p:nvSpPr>
-        <p:spPr/>
-        <p:txBody>
-          <a:bodyPr numCol="1"/>
-          <a:lstStyle/>
-          <a:p>
-            <a:r>
-              <a:rPr lang="en-US" dirty="0" smtClean="0"/>
-              <a:t>Every page</a:t>
-            </a:r>
-            <a:endParaRPr lang="en-US" dirty="0"/>
+          <a:bodyPr numCol="1">
+            <a:normAutofit/>
+          </a:bodyPr>
+          <a:lstStyle/>
+          <a:p>
+            <a:r>
+              <a:rPr dirty="0" lang="en-US" smtClean="0" sz="3200"/>
+              <a:t>P 280</a:t>
+            </a:r>
+          </a:p>
+          <a:p>
+            <a:r>
+              <a:rPr dirty="0" lang="en-US" smtClean="0" sz="3200"/>
+              <a:t>He basically said, we must do something novel</a:t>
+            </a:r>
+          </a:p>
+          <a:p>
+            <a:r>
+              <a:rPr dirty="0" lang="en-US" smtClean="0" sz="3200"/>
+              <a:t>So they started a school based on film</a:t>
+            </a:r>
+          </a:p>
+          <a:p>
+            <a:r>
+              <a:rPr dirty="0" lang="en-US" smtClean="0" sz="3200"/>
+              <a:t>By 1921 Soviet </a:t>
+            </a:r>
+            <a:r>
+              <a:rPr dirty="0" err="1" lang="en-US" smtClean="0" sz="3200"/>
+              <a:t>cinemna</a:t>
+            </a:r>
+            <a:r>
+              <a:rPr dirty="0" lang="en-US" smtClean="0" sz="3200"/>
+              <a:t> was figuring things out but it was already the most important of the arts</a:t>
+            </a:r>
+          </a:p>
+          <a:p>
+            <a:endParaRPr dirty="0" lang="en-US" smtClean="0" sz="3200"/>
+          </a:p>
+          <a:p>
+            <a:endParaRPr dirty="0" lang="en-US" smtClean="0" sz="3200"/>
           </a:p>
         </p:txBody>
       </p:sp>
     </p:spTree>
     <p:extLst>
       <p:ext uri="{BB962C8B-B14F-4D97-AF65-F5344CB8AC3E}">
-        <p14:creationId xmlns:p14="http://schemas.microsoft.com/office/powerpoint/2010/main" val="2091349862"/>
+        <p14:creationId xmlns:p14="http://schemas.microsoft.com/office/powerpoint/2010/main" val="854748334"/>
       </p:ext>
     </p:extLst>
   </p:cSld>
@@ -5195,63 +5241,58 @@
       </p:grpSpPr>
       <p:sp>
         <p:nvSpPr>
-          <p:cNvPr id="3" name="Content Placeholder 2"/>
-          <p:cNvSpPr>
-            <a:spLocks noGrp="1"/>
-          </p:cNvSpPr>
-          <p:nvPr>
-            <p:ph idx="1"/>
+          <p:cNvPr id="2" name="Title 1"/>
+          <p:cNvSpPr>
+            <a:spLocks noGrp="1"/>
+          </p:cNvSpPr>
+          <p:nvPr>
+            <p:ph type="title"/>
           </p:nvPr>
         </p:nvSpPr>
         <p:spPr>
           <a:xfrm>
-            <a:off x="838200" y="161365"/>
-            <a:ext cx="10515600" cy="6015598"/>
+            <a:off x="557530" y="1736726"/>
+            <a:ext cx="10515600" cy="2852737"/>
           </a:xfrm>
         </p:spPr>
         <p:txBody>
-          <a:bodyPr numCol="1">
-            <a:normAutofit/>
-          </a:bodyPr>
-          <a:lstStyle/>
-          <a:p>
-            <a:r>
-              <a:rPr lang="en-US" sz="3200" dirty="0" smtClean="0"/>
-              <a:t>P 5 (pdf)</a:t>
-            </a:r>
-          </a:p>
-          <a:p>
-            <a:r>
-              <a:rPr lang="en-US" sz="3200" dirty="0" smtClean="0"/>
-              <a:t>Sergei M. Eisenstein important to Soviet cinema use of symbols</a:t>
-            </a:r>
-          </a:p>
-          <a:p>
-            <a:r>
-              <a:rPr lang="en-US" sz="3200" dirty="0" smtClean="0"/>
-              <a:t>Basically cinema is a complex form of communication based off language of emotions, he’ right</a:t>
-            </a:r>
-          </a:p>
-          <a:p>
-            <a:r>
-              <a:rPr lang="en-US" sz="3200" dirty="0" smtClean="0"/>
-              <a:t>Left of </a:t>
-            </a:r>
-            <a:r>
-              <a:rPr lang="en-US" sz="3200" smtClean="0"/>
-              <a:t>at page 6</a:t>
-            </a:r>
-            <a:endParaRPr lang="en-US" sz="3200" dirty="0" smtClean="0"/>
-          </a:p>
-          <a:p>
-            <a:endParaRPr lang="en-US" sz="3200" dirty="0" smtClean="0"/>
+          <a:bodyPr numCol="1"/>
+          <a:lstStyle/>
+          <a:p>
+            <a:r>
+              <a:rPr dirty="0" lang="en-US" smtClean="0"/>
+              <a:t>Eagle Eisenstein as a Semiotician</a:t>
+            </a:r>
+          </a:p>
+        </p:txBody>
+      </p:sp>
+      <p:sp>
+        <p:nvSpPr>
+          <p:cNvPr id="3" name="Text Placeholder 2"/>
+          <p:cNvSpPr>
+            <a:spLocks noGrp="1"/>
+          </p:cNvSpPr>
+          <p:nvPr>
+            <p:ph idx="1" type="body"/>
+          </p:nvPr>
+        </p:nvSpPr>
+        <p:spPr/>
+        <p:txBody>
+          <a:bodyPr numCol="1"/>
+          <a:lstStyle/>
+          <a:p>
+            <a:r>
+              <a:rPr dirty="0" lang="en-US" smtClean="0"/>
+              <a:t>Every page</a:t>
+            </a:r>
+            <a:endParaRPr dirty="0" lang="en-US"/>
           </a:p>
         </p:txBody>
       </p:sp>
     </p:spTree>
     <p:extLst>
       <p:ext uri="{BB962C8B-B14F-4D97-AF65-F5344CB8AC3E}">
-        <p14:creationId xmlns:p14="http://schemas.microsoft.com/office/powerpoint/2010/main" val="418469225"/>
+        <p14:creationId xmlns:p14="http://schemas.microsoft.com/office/powerpoint/2010/main" val="2091349862"/>
       </p:ext>
     </p:extLst>
   </p:cSld>
@@ -5299,59 +5340,59 @@
           <a:lstStyle/>
           <a:p>
             <a:r>
-              <a:rPr lang="en-US" dirty="0" smtClean="0"/>
+              <a:rPr dirty="0" lang="en-US" smtClean="0"/>
               <a:t>5 min</a:t>
             </a:r>
           </a:p>
           <a:p>
             <a:r>
-              <a:rPr lang="en-US" dirty="0" smtClean="0"/>
+              <a:rPr dirty="0" lang="en-US" smtClean="0"/>
               <a:t>Talks about how </a:t>
             </a:r>
             <a:r>
-              <a:rPr lang="en-US" dirty="0" err="1" smtClean="0"/>
+              <a:rPr dirty="0" err="1" lang="en-US" smtClean="0"/>
               <a:t>orginzation</a:t>
             </a:r>
             <a:r>
-              <a:rPr lang="en-US" dirty="0" smtClean="0"/>
+              <a:rPr dirty="0" lang="en-US" smtClean="0"/>
               <a:t> benefits the people, </a:t>
             </a:r>
             <a:r>
-              <a:rPr lang="en-US" dirty="0" err="1" smtClean="0"/>
+              <a:rPr dirty="0" err="1" lang="en-US" smtClean="0"/>
               <a:t>lenin</a:t>
             </a:r>
-            <a:endParaRPr lang="en-US" dirty="0"/>
-          </a:p>
-          <a:p>
-            <a:r>
-              <a:rPr lang="en-US" dirty="0" smtClean="0"/>
+            <a:endParaRPr dirty="0" lang="en-US"/>
+          </a:p>
+          <a:p>
+            <a:r>
+              <a:rPr dirty="0" lang="en-US" smtClean="0"/>
               <a:t>people working at a factory and some guy looking along</a:t>
             </a:r>
           </a:p>
           <a:p>
             <a:r>
-              <a:rPr lang="en-US" dirty="0" smtClean="0"/>
+              <a:rPr dirty="0" lang="en-US" smtClean="0"/>
               <a:t>All is calm, then trouble stirs</a:t>
             </a:r>
           </a:p>
           <a:p>
             <a:r>
-              <a:rPr lang="en-US" dirty="0" smtClean="0"/>
+              <a:rPr dirty="0" lang="en-US" smtClean="0"/>
               <a:t>Young guys hanging on building frame while mangers looking to see if there is trouble, </a:t>
             </a:r>
           </a:p>
           <a:p>
             <a:r>
-              <a:rPr lang="en-US" dirty="0" smtClean="0"/>
+              <a:rPr dirty="0" lang="en-US" smtClean="0"/>
               <a:t>They cannot get to the bottom of things</a:t>
             </a:r>
           </a:p>
           <a:p>
             <a:r>
-              <a:rPr lang="en-US" dirty="0" smtClean="0"/>
+              <a:rPr dirty="0" lang="en-US" smtClean="0"/>
               <a:t>Report to a big boss </a:t>
             </a:r>
-            <a:endParaRPr lang="en-US" dirty="0"/>
+            <a:endParaRPr dirty="0" lang="en-US"/>
           </a:p>
         </p:txBody>
       </p:sp>
@@ -5408,71 +5449,42 @@
           <a:lstStyle/>
           <a:p>
             <a:r>
-              <a:rPr lang="en-US" sz="3200" dirty="0" smtClean="0"/>
-              <a:t>P 6 (pdf)</a:t>
-            </a:r>
-          </a:p>
-          <a:p>
-            <a:r>
-              <a:rPr lang="en-US" sz="3200" dirty="0" smtClean="0"/>
-              <a:t>Got inner speech from Ley </a:t>
-            </a:r>
-            <a:r>
-              <a:rPr lang="en-US" sz="3200" dirty="0" err="1" smtClean="0"/>
-              <a:t>Vygotski</a:t>
-            </a:r>
-            <a:endParaRPr lang="en-US" sz="3200" dirty="0" smtClean="0"/>
-          </a:p>
-          <a:p>
-            <a:r>
-              <a:rPr lang="en-US" sz="3200" dirty="0" smtClean="0"/>
-              <a:t>He said inner speech brings forth thought</a:t>
-            </a:r>
-          </a:p>
-          <a:p>
-            <a:r>
-              <a:rPr lang="en-US" sz="3200" dirty="0" smtClean="0"/>
-              <a:t>He said thought is a whole thing not separate</a:t>
-            </a:r>
-          </a:p>
-          <a:p>
-            <a:r>
-              <a:rPr lang="en-US" sz="3200" dirty="0" err="1" smtClean="0"/>
-              <a:t>Eisen</a:t>
-            </a:r>
-            <a:r>
-              <a:rPr lang="en-US" sz="3200" dirty="0" smtClean="0"/>
-              <a:t>. Agrees wants to make a model use image to speak this inner language</a:t>
-            </a:r>
-          </a:p>
-          <a:p>
-            <a:r>
-              <a:rPr lang="en-US" sz="3200" dirty="0" smtClean="0"/>
-              <a:t>Found image-sensual in </a:t>
-            </a:r>
-            <a:r>
-              <a:rPr lang="en-US" sz="3200" dirty="0" err="1" smtClean="0"/>
-              <a:t>metynomic</a:t>
-            </a:r>
-            <a:r>
-              <a:rPr lang="en-US" sz="3200" dirty="0" smtClean="0"/>
-              <a:t> or metaphor things. Model based off typology, icon and index says you </a:t>
-            </a:r>
-            <a:r>
-              <a:rPr lang="en-US" sz="3200" dirty="0" err="1" smtClean="0"/>
-              <a:t>gotta</a:t>
-            </a:r>
-            <a:r>
-              <a:rPr lang="en-US" sz="3200" dirty="0" smtClean="0"/>
-              <a:t> do it right</a:t>
-            </a:r>
+              <a:rPr dirty="0" lang="en-US" smtClean="0" sz="3200"/>
+              <a:t>P 5 (pdf)</a:t>
+            </a:r>
+          </a:p>
+          <a:p>
+            <a:r>
+              <a:rPr dirty="0" lang="en-US" smtClean="0" sz="3200"/>
+              <a:t>Sergei M. Eisenstein important to Soviet cinema use of symbols</a:t>
+            </a:r>
+          </a:p>
+          <a:p>
+            <a:r>
+              <a:rPr dirty="0" lang="en-US" smtClean="0" sz="3200"/>
+              <a:t>Basically cinema is a complex form of communication based off language of emotions, he’ right</a:t>
+            </a:r>
+          </a:p>
+          <a:p>
+            <a:r>
+              <a:rPr dirty="0" lang="en-US" smtClean="0" sz="3200"/>
+              <a:t>Left of </a:t>
+            </a:r>
+            <a:r>
+              <a:rPr lang="en-US" smtClean="0" sz="3200"/>
+              <a:t>at page 6</a:t>
+            </a:r>
+            <a:endParaRPr dirty="0" lang="en-US" smtClean="0" sz="3200"/>
+          </a:p>
+          <a:p>
+            <a:endParaRPr dirty="0" lang="en-US" smtClean="0" sz="3200"/>
           </a:p>
         </p:txBody>
       </p:sp>
     </p:spTree>
     <p:extLst>
       <p:ext uri="{BB962C8B-B14F-4D97-AF65-F5344CB8AC3E}">
-        <p14:creationId xmlns:p14="http://schemas.microsoft.com/office/powerpoint/2010/main" val="3121246351"/>
+        <p14:creationId xmlns:p14="http://schemas.microsoft.com/office/powerpoint/2010/main" val="418469225"/>
       </p:ext>
     </p:extLst>
   </p:cSld>
@@ -5522,84 +5534,63 @@
           <a:lstStyle/>
           <a:p>
             <a:r>
-              <a:rPr lang="en-US" sz="3200" dirty="0" smtClean="0"/>
-              <a:t>P 7 (pdf)</a:t>
-            </a:r>
-          </a:p>
-          <a:p>
-            <a:r>
-              <a:rPr lang="en-US" sz="3200" dirty="0" err="1" smtClean="0"/>
-              <a:t>Cimena</a:t>
-            </a:r>
-            <a:r>
-              <a:rPr lang="en-US" sz="3200" dirty="0" smtClean="0"/>
-              <a:t> is man made, and </a:t>
-            </a:r>
-            <a:r>
-              <a:rPr lang="en-US" sz="3200" dirty="0" err="1" smtClean="0"/>
-              <a:t>unfies</a:t>
-            </a:r>
-            <a:r>
-              <a:rPr lang="en-US" sz="3200" dirty="0" smtClean="0"/>
-              <a:t> all potentials of the arts</a:t>
-            </a:r>
-            <a:endParaRPr lang="en-US" dirty="0"/>
-          </a:p>
-          <a:p>
-            <a:r>
-              <a:rPr lang="en-US" sz="3200" dirty="0" err="1" smtClean="0"/>
-              <a:t>Scuplture</a:t>
-            </a:r>
-            <a:r>
-              <a:rPr lang="en-US" sz="3200" dirty="0" smtClean="0"/>
-              <a:t>- changing plastic</a:t>
-            </a:r>
-          </a:p>
-          <a:p>
-            <a:r>
-              <a:rPr lang="en-US" sz="3200" dirty="0" smtClean="0"/>
-              <a:t>Painting- movement</a:t>
-            </a:r>
-          </a:p>
-          <a:p>
-            <a:r>
-              <a:rPr lang="en-US" sz="3200" dirty="0" smtClean="0"/>
-              <a:t>Music- </a:t>
-            </a:r>
-            <a:r>
-              <a:rPr lang="en-US" sz="3200" dirty="0" err="1" smtClean="0"/>
-              <a:t>visuality</a:t>
-            </a:r>
-            <a:endParaRPr lang="en-US" sz="3200" dirty="0" smtClean="0"/>
-          </a:p>
-          <a:p>
-            <a:r>
-              <a:rPr lang="en-US" sz="3200" dirty="0" smtClean="0"/>
-              <a:t>Literature- can see it</a:t>
-            </a:r>
-          </a:p>
-          <a:p>
-            <a:r>
-              <a:rPr lang="en-US" sz="3200" dirty="0" smtClean="0"/>
-              <a:t>Cinema put it into one</a:t>
-            </a:r>
-          </a:p>
-          <a:p>
-            <a:r>
-              <a:rPr lang="en-US" sz="3200" dirty="0" err="1" smtClean="0"/>
+              <a:rPr dirty="0" lang="en-US" smtClean="0" sz="3200"/>
+              <a:t>P 6 (pdf)</a:t>
+            </a:r>
+          </a:p>
+          <a:p>
+            <a:r>
+              <a:rPr dirty="0" lang="en-US" smtClean="0" sz="3200"/>
+              <a:t>Got inner speech from Ley </a:t>
+            </a:r>
+            <a:r>
+              <a:rPr dirty="0" err="1" lang="en-US" smtClean="0" sz="3200"/>
+              <a:t>Vygotski</a:t>
+            </a:r>
+            <a:endParaRPr dirty="0" lang="en-US" smtClean="0" sz="3200"/>
+          </a:p>
+          <a:p>
+            <a:r>
+              <a:rPr dirty="0" lang="en-US" smtClean="0" sz="3200"/>
+              <a:t>He said inner speech brings forth thought</a:t>
+            </a:r>
+          </a:p>
+          <a:p>
+            <a:r>
+              <a:rPr dirty="0" lang="en-US" smtClean="0" sz="3200"/>
+              <a:t>He said thought is a whole thing not separate</a:t>
+            </a:r>
+          </a:p>
+          <a:p>
+            <a:r>
+              <a:rPr dirty="0" err="1" lang="en-US" smtClean="0" sz="3200"/>
               <a:t>Eisen</a:t>
             </a:r>
             <a:r>
-              <a:rPr lang="en-US" sz="3200" dirty="0" smtClean="0"/>
-              <a:t>. Had to blow up wall that stood </a:t>
-            </a:r>
-            <a:r>
-              <a:rPr lang="en-US" sz="3200" dirty="0" err="1" smtClean="0"/>
-              <a:t>btwn</a:t>
-            </a:r>
-            <a:r>
-              <a:rPr lang="en-US" sz="3200" dirty="0" smtClean="0"/>
-              <a:t> language of logic and language of images, movies had to make sense</a:t>
+              <a:rPr dirty="0" lang="en-US" smtClean="0" sz="3200"/>
+              <a:t>. Agrees wants to make a model use image to speak this inner language</a:t>
+            </a:r>
+          </a:p>
+          <a:p>
+            <a:r>
+              <a:rPr dirty="0" lang="en-US" smtClean="0" sz="3200"/>
+              <a:t>Found image-sensual in </a:t>
+            </a:r>
+            <a:r>
+              <a:rPr dirty="0" err="1" lang="en-US" smtClean="0" sz="3200"/>
+              <a:t>metynomic</a:t>
+            </a:r>
+            <a:r>
+              <a:rPr dirty="0" lang="en-US" smtClean="0" sz="3200"/>
+              <a:t> or metaphor things. Model based off typology, icon and index says you </a:t>
+            </a:r>
+            <a:r>
+              <a:rPr dirty="0" err="1" lang="en-US" smtClean="0" sz="3200"/>
+              <a:t>gotta</a:t>
+            </a:r>
+            <a:r>
+              <a:rPr dirty="0" lang="en-US" smtClean="0" sz="3200"/>
+              <a:t> do it right</a:t>
             </a:r>
           </a:p>
         </p:txBody>
@@ -5607,7 +5598,7 @@
     </p:spTree>
     <p:extLst>
       <p:ext uri="{BB962C8B-B14F-4D97-AF65-F5344CB8AC3E}">
-        <p14:creationId xmlns:p14="http://schemas.microsoft.com/office/powerpoint/2010/main" val="3104095314"/>
+        <p14:creationId xmlns:p14="http://schemas.microsoft.com/office/powerpoint/2010/main" val="3121246351"/>
       </p:ext>
     </p:extLst>
   </p:cSld>
@@ -5657,74 +5648,84 @@
           <a:lstStyle/>
           <a:p>
             <a:r>
-              <a:rPr lang="en-US" sz="3200" dirty="0" smtClean="0"/>
-              <a:t>P  8 (pdf)</a:t>
-            </a:r>
-          </a:p>
-          <a:p>
-            <a:r>
-              <a:rPr lang="en-US" sz="3200" dirty="0" err="1" smtClean="0"/>
+              <a:rPr dirty="0" lang="en-US" smtClean="0" sz="3200"/>
+              <a:t>P 7 (pdf)</a:t>
+            </a:r>
+          </a:p>
+          <a:p>
+            <a:r>
+              <a:rPr dirty="0" err="1" lang="en-US" smtClean="0" sz="3200"/>
+              <a:t>Cimena</a:t>
+            </a:r>
+            <a:r>
+              <a:rPr dirty="0" lang="en-US" smtClean="0" sz="3200"/>
+              <a:t> is man made, and </a:t>
+            </a:r>
+            <a:r>
+              <a:rPr dirty="0" err="1" lang="en-US" smtClean="0" sz="3200"/>
+              <a:t>unfies</a:t>
+            </a:r>
+            <a:r>
+              <a:rPr dirty="0" lang="en-US" smtClean="0" sz="3200"/>
+              <a:t> all potentials of the arts</a:t>
+            </a:r>
+            <a:endParaRPr dirty="0" lang="en-US"/>
+          </a:p>
+          <a:p>
+            <a:r>
+              <a:rPr dirty="0" err="1" lang="en-US" smtClean="0" sz="3200"/>
+              <a:t>Scuplture</a:t>
+            </a:r>
+            <a:r>
+              <a:rPr dirty="0" lang="en-US" smtClean="0" sz="3200"/>
+              <a:t>- changing plastic</a:t>
+            </a:r>
+          </a:p>
+          <a:p>
+            <a:r>
+              <a:rPr dirty="0" lang="en-US" smtClean="0" sz="3200"/>
+              <a:t>Painting- movement</a:t>
+            </a:r>
+          </a:p>
+          <a:p>
+            <a:r>
+              <a:rPr dirty="0" lang="en-US" smtClean="0" sz="3200"/>
+              <a:t>Music- </a:t>
+            </a:r>
+            <a:r>
+              <a:rPr dirty="0" err="1" lang="en-US" smtClean="0" sz="3200"/>
+              <a:t>visuality</a:t>
+            </a:r>
+            <a:endParaRPr dirty="0" lang="en-US" smtClean="0" sz="3200"/>
+          </a:p>
+          <a:p>
+            <a:r>
+              <a:rPr dirty="0" lang="en-US" smtClean="0" sz="3200"/>
+              <a:t>Literature- can see it</a:t>
+            </a:r>
+          </a:p>
+          <a:p>
+            <a:r>
+              <a:rPr dirty="0" lang="en-US" smtClean="0" sz="3200"/>
+              <a:t>Cinema put it into one</a:t>
+            </a:r>
+          </a:p>
+          <a:p>
+            <a:r>
+              <a:rPr dirty="0" err="1" lang="en-US" smtClean="0" sz="3200"/>
               <a:t>Eisen</a:t>
             </a:r>
             <a:r>
-              <a:rPr lang="en-US" sz="3200" dirty="0" smtClean="0"/>
-              <a:t>. Tries to use </a:t>
-            </a:r>
-            <a:r>
-              <a:rPr lang="en-US" sz="3200" dirty="0" err="1" smtClean="0"/>
-              <a:t>cimena</a:t>
-            </a:r>
-            <a:r>
-              <a:rPr lang="en-US" sz="3200" dirty="0" smtClean="0"/>
-              <a:t> to get to </a:t>
-            </a:r>
-            <a:r>
-              <a:rPr lang="en-US" sz="3200" dirty="0" err="1" smtClean="0"/>
-              <a:t>psycology</a:t>
-            </a:r>
-            <a:r>
-              <a:rPr lang="en-US" sz="3200" dirty="0" smtClean="0"/>
-              <a:t> of man in order to advance mankind</a:t>
-            </a:r>
-          </a:p>
-          <a:p>
-            <a:r>
-              <a:rPr lang="en-US" sz="3200" dirty="0" smtClean="0"/>
-              <a:t>What does 2</a:t>
-            </a:r>
-            <a:r>
-              <a:rPr lang="en-US" sz="3200" baseline="30000" dirty="0" smtClean="0"/>
-              <a:t>nd</a:t>
-            </a:r>
-            <a:r>
-              <a:rPr lang="en-US" sz="3200" dirty="0" smtClean="0"/>
-              <a:t> </a:t>
-            </a:r>
-            <a:r>
-              <a:rPr lang="en-US" sz="3200" dirty="0" err="1" smtClean="0"/>
-              <a:t>parargraph</a:t>
-            </a:r>
-            <a:r>
-              <a:rPr lang="en-US" sz="3200" dirty="0" smtClean="0"/>
-              <a:t> mean</a:t>
-            </a:r>
-          </a:p>
-          <a:p>
-            <a:r>
-              <a:rPr lang="en-US" sz="3200" dirty="0" err="1" smtClean="0"/>
-              <a:t>Eisen</a:t>
-            </a:r>
-            <a:r>
-              <a:rPr lang="en-US" sz="3200" dirty="0" smtClean="0"/>
-              <a:t>. Copies Japanese ideograms. Pictures are turned into alphabets in Japanese and emotions are merges of those alphabets. </a:t>
-            </a:r>
-            <a:r>
-              <a:rPr lang="en-US" sz="3200" dirty="0" err="1" smtClean="0"/>
-              <a:t>Eisen</a:t>
-            </a:r>
-            <a:r>
-              <a:rPr lang="en-US" sz="3200" dirty="0" smtClean="0"/>
-              <a:t>. has an off screen narrator speak while someone acts out the scene</a:t>
+              <a:rPr dirty="0" lang="en-US" smtClean="0" sz="3200"/>
+              <a:t>. Had to blow up wall that stood </a:t>
+            </a:r>
+            <a:r>
+              <a:rPr dirty="0" err="1" lang="en-US" smtClean="0" sz="3200"/>
+              <a:t>btwn</a:t>
+            </a:r>
+            <a:r>
+              <a:rPr dirty="0" lang="en-US" smtClean="0" sz="3200"/>
+              <a:t> language of logic and language of images, movies had to make sense</a:t>
             </a:r>
           </a:p>
         </p:txBody>
@@ -5732,7 +5733,7 @@
     </p:spTree>
     <p:extLst>
       <p:ext uri="{BB962C8B-B14F-4D97-AF65-F5344CB8AC3E}">
-        <p14:creationId xmlns:p14="http://schemas.microsoft.com/office/powerpoint/2010/main" val="462892155"/>
+        <p14:creationId xmlns:p14="http://schemas.microsoft.com/office/powerpoint/2010/main" val="3104095314"/>
       </p:ext>
     </p:extLst>
   </p:cSld>
@@ -5782,54 +5783,74 @@
           <a:lstStyle/>
           <a:p>
             <a:r>
-              <a:rPr lang="en-US" sz="3200" dirty="0" smtClean="0"/>
-              <a:t>P  9 (pdf)</a:t>
-            </a:r>
-          </a:p>
-          <a:p>
-            <a:r>
-              <a:rPr lang="en-US" sz="3200" dirty="0" err="1" smtClean="0"/>
+              <a:rPr dirty="0" lang="en-US" smtClean="0" sz="3200"/>
+              <a:t>P  8 (pdf)</a:t>
+            </a:r>
+          </a:p>
+          <a:p>
+            <a:r>
+              <a:rPr dirty="0" err="1" lang="en-US" smtClean="0" sz="3200"/>
               <a:t>Eisen</a:t>
             </a:r>
             <a:r>
-              <a:rPr lang="en-US" sz="3200" dirty="0" smtClean="0"/>
-              <a:t>. Did it more than images he used brightness all visual aspects to talk his inner voice language</a:t>
-            </a:r>
-          </a:p>
-          <a:p>
-            <a:r>
-              <a:rPr lang="en-US" sz="3200" dirty="0" smtClean="0"/>
-              <a:t>D.W. Griffith does things like a </a:t>
-            </a:r>
-            <a:r>
-              <a:rPr lang="en-US" sz="3200" dirty="0" err="1" smtClean="0"/>
-              <a:t>metyoymn</a:t>
-            </a:r>
-            <a:r>
-              <a:rPr lang="en-US" sz="3200" dirty="0" smtClean="0"/>
-              <a:t> while </a:t>
-            </a:r>
-            <a:r>
-              <a:rPr lang="en-US" sz="3200" dirty="0" err="1" smtClean="0"/>
+              <a:rPr dirty="0" lang="en-US" smtClean="0" sz="3200"/>
+              <a:t>. Tries to use </a:t>
+            </a:r>
+            <a:r>
+              <a:rPr dirty="0" err="1" lang="en-US" smtClean="0" sz="3200"/>
+              <a:t>cimena</a:t>
+            </a:r>
+            <a:r>
+              <a:rPr dirty="0" lang="en-US" smtClean="0" sz="3200"/>
+              <a:t> to get to </a:t>
+            </a:r>
+            <a:r>
+              <a:rPr dirty="0" err="1" lang="en-US" smtClean="0" sz="3200"/>
+              <a:t>psycology</a:t>
+            </a:r>
+            <a:r>
+              <a:rPr dirty="0" lang="en-US" smtClean="0" sz="3200"/>
+              <a:t> of man in order to advance mankind</a:t>
+            </a:r>
+          </a:p>
+          <a:p>
+            <a:r>
+              <a:rPr dirty="0" lang="en-US" smtClean="0" sz="3200"/>
+              <a:t>What does 2</a:t>
+            </a:r>
+            <a:r>
+              <a:rPr baseline="30000" dirty="0" lang="en-US" smtClean="0" sz="3200"/>
+              <a:t>nd</a:t>
+            </a:r>
+            <a:r>
+              <a:rPr dirty="0" lang="en-US" smtClean="0" sz="3200"/>
+              <a:t> </a:t>
+            </a:r>
+            <a:r>
+              <a:rPr dirty="0" err="1" lang="en-US" smtClean="0" sz="3200"/>
+              <a:t>parargraph</a:t>
+            </a:r>
+            <a:r>
+              <a:rPr dirty="0" lang="en-US" smtClean="0" sz="3200"/>
+              <a:t> mean</a:t>
+            </a:r>
+          </a:p>
+          <a:p>
+            <a:r>
+              <a:rPr dirty="0" err="1" lang="en-US" smtClean="0" sz="3200"/>
               <a:t>Eisen</a:t>
             </a:r>
             <a:r>
-              <a:rPr lang="en-US" sz="3200" dirty="0" smtClean="0"/>
-              <a:t>. Uses metaphor he cares about using quality to create quality</a:t>
-            </a:r>
-          </a:p>
-          <a:p>
-            <a:r>
-              <a:rPr lang="en-US" sz="3200" dirty="0" smtClean="0"/>
-              <a:t>So </a:t>
-            </a:r>
-            <a:r>
-              <a:rPr lang="en-US" sz="3200" dirty="0" err="1" smtClean="0"/>
+              <a:rPr dirty="0" lang="en-US" smtClean="0" sz="3200"/>
+              <a:t>. Copies Japanese ideograms. Pictures are turned into alphabets in Japanese and emotions are merges of those alphabets. </a:t>
+            </a:r>
+            <a:r>
+              <a:rPr dirty="0" err="1" lang="en-US" smtClean="0" sz="3200"/>
               <a:t>Eisen</a:t>
             </a:r>
             <a:r>
-              <a:rPr lang="en-US" sz="3200" dirty="0" smtClean="0"/>
-              <a:t>. Puts all objects of the same object together to create paradigms</a:t>
+              <a:rPr dirty="0" lang="en-US" smtClean="0" sz="3200"/>
+              <a:t>. has an off screen narrator speak while someone acts out the scene</a:t>
             </a:r>
           </a:p>
         </p:txBody>
@@ -5837,7 +5858,7 @@
     </p:spTree>
     <p:extLst>
       <p:ext uri="{BB962C8B-B14F-4D97-AF65-F5344CB8AC3E}">
-        <p14:creationId xmlns:p14="http://schemas.microsoft.com/office/powerpoint/2010/main" val="346287130"/>
+        <p14:creationId xmlns:p14="http://schemas.microsoft.com/office/powerpoint/2010/main" val="462892155"/>
       </p:ext>
     </p:extLst>
   </p:cSld>
@@ -5887,49 +5908,54 @@
           <a:lstStyle/>
           <a:p>
             <a:r>
-              <a:rPr lang="en-US" sz="3200" dirty="0" smtClean="0"/>
-              <a:t>P  10 (pdf)</a:t>
-            </a:r>
-          </a:p>
-          <a:p>
-            <a:r>
-              <a:rPr lang="en-US" sz="3200" dirty="0" smtClean="0"/>
-              <a:t>What is the 1</a:t>
-            </a:r>
-            <a:r>
-              <a:rPr lang="en-US" sz="3200" baseline="30000" dirty="0" smtClean="0"/>
-              <a:t>st</a:t>
-            </a:r>
-            <a:r>
-              <a:rPr lang="en-US" sz="3200" dirty="0" smtClean="0"/>
-              <a:t> paragraph </a:t>
-            </a:r>
-            <a:r>
-              <a:rPr lang="en-US" sz="3200" dirty="0" err="1" smtClean="0"/>
-              <a:t>abt</a:t>
-            </a:r>
-            <a:endParaRPr lang="en-US" sz="3200" dirty="0" smtClean="0"/>
-          </a:p>
-          <a:p>
-            <a:r>
-              <a:rPr lang="en-US" sz="3200" dirty="0" smtClean="0"/>
-              <a:t>The persons physical characteristics were </a:t>
-            </a:r>
-            <a:r>
-              <a:rPr lang="en-US" sz="3200" dirty="0" err="1" smtClean="0"/>
-              <a:t>impt</a:t>
-            </a:r>
-            <a:r>
-              <a:rPr lang="en-US" sz="3200" dirty="0" smtClean="0"/>
-              <a:t>, just like kabuki his characters reminded </a:t>
-            </a:r>
-            <a:r>
-              <a:rPr lang="en-US" sz="3200" dirty="0" err="1" smtClean="0"/>
-              <a:t>ppl</a:t>
-            </a:r>
-            <a:r>
-              <a:rPr lang="en-US" sz="3200" dirty="0" smtClean="0"/>
-              <a:t> and acted like their respective animals</a:t>
+              <a:rPr dirty="0" lang="en-US" smtClean="0" sz="3200"/>
+              <a:t>P  9 (pdf)</a:t>
+            </a:r>
+          </a:p>
+          <a:p>
+            <a:r>
+              <a:rPr dirty="0" err="1" lang="en-US" smtClean="0" sz="3200"/>
+              <a:t>Eisen</a:t>
+            </a:r>
+            <a:r>
+              <a:rPr dirty="0" lang="en-US" smtClean="0" sz="3200"/>
+              <a:t>. Did it more than images he used brightness all visual aspects to talk his inner voice language</a:t>
+            </a:r>
+          </a:p>
+          <a:p>
+            <a:r>
+              <a:rPr dirty="0" lang="en-US" smtClean="0" sz="3200"/>
+              <a:t>D.W. Griffith does things like a </a:t>
+            </a:r>
+            <a:r>
+              <a:rPr dirty="0" err="1" lang="en-US" smtClean="0" sz="3200"/>
+              <a:t>metyoymn</a:t>
+            </a:r>
+            <a:r>
+              <a:rPr dirty="0" lang="en-US" smtClean="0" sz="3200"/>
+              <a:t> while </a:t>
+            </a:r>
+            <a:r>
+              <a:rPr dirty="0" err="1" lang="en-US" smtClean="0" sz="3200"/>
+              <a:t>Eisen</a:t>
+            </a:r>
+            <a:r>
+              <a:rPr dirty="0" lang="en-US" smtClean="0" sz="3200"/>
+              <a:t>. Uses metaphor he cares about using quality to create quality</a:t>
+            </a:r>
+          </a:p>
+          <a:p>
+            <a:r>
+              <a:rPr dirty="0" lang="en-US" smtClean="0" sz="3200"/>
+              <a:t>So </a:t>
+            </a:r>
+            <a:r>
+              <a:rPr dirty="0" err="1" lang="en-US" smtClean="0" sz="3200"/>
+              <a:t>Eisen</a:t>
+            </a:r>
+            <a:r>
+              <a:rPr dirty="0" lang="en-US" smtClean="0" sz="3200"/>
+              <a:t>. Puts all objects of the same object together to create paradigms</a:t>
             </a:r>
           </a:p>
         </p:txBody>
@@ -5937,7 +5963,7 @@
     </p:spTree>
     <p:extLst>
       <p:ext uri="{BB962C8B-B14F-4D97-AF65-F5344CB8AC3E}">
-        <p14:creationId xmlns:p14="http://schemas.microsoft.com/office/powerpoint/2010/main" val="3009201768"/>
+        <p14:creationId xmlns:p14="http://schemas.microsoft.com/office/powerpoint/2010/main" val="346287130"/>
       </p:ext>
     </p:extLst>
   </p:cSld>
@@ -5987,46 +6013,49 @@
           <a:lstStyle/>
           <a:p>
             <a:r>
-              <a:rPr lang="en-US" sz="3200" dirty="0" smtClean="0"/>
-              <a:t>P  11 (pdf)</a:t>
-            </a:r>
-          </a:p>
-          <a:p>
-            <a:r>
-              <a:rPr lang="en-US" sz="3200" dirty="0" err="1" smtClean="0"/>
-              <a:t>Eisen</a:t>
-            </a:r>
-            <a:r>
-              <a:rPr lang="en-US" sz="3200" dirty="0" smtClean="0"/>
-              <a:t>. Talks about </a:t>
-            </a:r>
-            <a:r>
-              <a:rPr lang="en-US" sz="3200" dirty="0" err="1" smtClean="0"/>
-              <a:t>fragementation</a:t>
-            </a:r>
-            <a:r>
-              <a:rPr lang="en-US" sz="3200" dirty="0" smtClean="0"/>
-              <a:t> of signs, says actors task is to match his </a:t>
-            </a:r>
-            <a:r>
-              <a:rPr lang="en-US" sz="3200" dirty="0" err="1" smtClean="0"/>
-              <a:t>charcter</a:t>
-            </a:r>
-            <a:r>
-              <a:rPr lang="en-US" sz="3200" dirty="0" smtClean="0"/>
-              <a:t> in a few features</a:t>
-            </a:r>
-          </a:p>
-          <a:p>
-            <a:r>
-              <a:rPr lang="en-US" sz="3200" dirty="0" smtClean="0"/>
-              <a:t>He has to live out his character</a:t>
-            </a:r>
-          </a:p>
-          <a:p>
-            <a:r>
-              <a:rPr lang="en-US" sz="3200" dirty="0" smtClean="0"/>
-              <a:t>Also the change in quality of a scene as you see it can also cause a change in emotion</a:t>
+              <a:rPr dirty="0" lang="en-US" smtClean="0" sz="3200"/>
+              <a:t>P  10 (pdf)</a:t>
+            </a:r>
+          </a:p>
+          <a:p>
+            <a:r>
+              <a:rPr dirty="0" lang="en-US" smtClean="0" sz="3200"/>
+              <a:t>What is the 1</a:t>
+            </a:r>
+            <a:r>
+              <a:rPr baseline="30000" dirty="0" lang="en-US" smtClean="0" sz="3200"/>
+              <a:t>st</a:t>
+            </a:r>
+            <a:r>
+              <a:rPr dirty="0" lang="en-US" smtClean="0" sz="3200"/>
+              <a:t> paragraph </a:t>
+            </a:r>
+            <a:r>
+              <a:rPr dirty="0" err="1" lang="en-US" smtClean="0" sz="3200"/>
+              <a:t>abt</a:t>
+            </a:r>
+            <a:endParaRPr dirty="0" lang="en-US" smtClean="0" sz="3200"/>
+          </a:p>
+          <a:p>
+            <a:r>
+              <a:rPr dirty="0" lang="en-US" smtClean="0" sz="3200"/>
+              <a:t>The persons physical characteristics were </a:t>
+            </a:r>
+            <a:r>
+              <a:rPr dirty="0" err="1" lang="en-US" smtClean="0" sz="3200"/>
+              <a:t>impt</a:t>
+            </a:r>
+            <a:r>
+              <a:rPr dirty="0" lang="en-US" smtClean="0" sz="3200"/>
+              <a:t>, just like kabuki his characters reminded </a:t>
+            </a:r>
+            <a:r>
+              <a:rPr dirty="0" err="1" lang="en-US" smtClean="0" sz="3200"/>
+              <a:t>ppl</a:t>
+            </a:r>
+            <a:r>
+              <a:rPr dirty="0" lang="en-US" smtClean="0" sz="3200"/>
+              <a:t> and acted like their respective animals</a:t>
             </a:r>
           </a:p>
         </p:txBody>
@@ -6034,7 +6063,7 @@
     </p:spTree>
     <p:extLst>
       <p:ext uri="{BB962C8B-B14F-4D97-AF65-F5344CB8AC3E}">
-        <p14:creationId xmlns:p14="http://schemas.microsoft.com/office/powerpoint/2010/main" val="3389904435"/>
+        <p14:creationId xmlns:p14="http://schemas.microsoft.com/office/powerpoint/2010/main" val="3009201768"/>
       </p:ext>
     </p:extLst>
   </p:cSld>
@@ -6084,43 +6113,54 @@
           <a:lstStyle/>
           <a:p>
             <a:r>
-              <a:rPr lang="en-US" sz="3200" dirty="0" smtClean="0"/>
-              <a:t>P  12 (pdf)</a:t>
-            </a:r>
-          </a:p>
-          <a:p>
-            <a:r>
-              <a:rPr sz="3200">
-                <a:solidFill>
-                  <a:schemeClr val="tx1"/>
-                </a:solidFill>
-                <a:latin typeface="+mn-lt"/>
-              </a:rPr>
-              <a:t>Gestures are important</a:t>
-            </a:r>
-            <a:endParaRPr lang="en-US" sz="3200" dirty="0" smtClean="0"/>
-          </a:p>
-          <a:p>
-            <a:r>
-              <a:rPr lang="en-US" sz="3200" dirty="0" smtClean="0"/>
-              <a:t>Colors have no meaning, just conceptuality and they help make movies look good</a:t>
-            </a:r>
-          </a:p>
-          <a:p>
-            <a:endParaRPr lang="en-US" sz="3200" dirty="0" smtClean="0"/>
-          </a:p>
-          <a:p>
-            <a:endParaRPr lang="en-US" sz="3200" dirty="0" smtClean="0"/>
-          </a:p>
-          <a:p>
-            <a:endParaRPr lang="en-US" sz="3200" dirty="0" smtClean="0"/>
+              <a:rPr dirty="0" lang="en-US" smtClean="0" sz="3200"/>
+              <a:t>P  11 (pdf)</a:t>
+            </a:r>
+          </a:p>
+          <a:p>
+            <a:r>
+              <a:rPr dirty="0" err="1" lang="en-US" smtClean="0" sz="3200"/>
+              <a:t>Eisen</a:t>
+            </a:r>
+            <a:r>
+              <a:rPr dirty="0" lang="en-US" smtClean="0" sz="3200"/>
+              <a:t>. Talks about </a:t>
+            </a:r>
+            <a:r>
+              <a:rPr dirty="0" err="1" lang="en-US" smtClean="0" sz="3200"/>
+              <a:t>fragementation</a:t>
+            </a:r>
+            <a:r>
+              <a:rPr dirty="0" lang="en-US" smtClean="0" sz="3200"/>
+              <a:t> of signs, says actors task is to match his </a:t>
+            </a:r>
+            <a:r>
+              <a:rPr dirty="0" err="1" lang="en-US" smtClean="0" sz="3200"/>
+              <a:t>charcter</a:t>
+            </a:r>
+            <a:r>
+              <a:rPr dirty="0" lang="en-US" smtClean="0" sz="3200"/>
+              <a:t> in a few features</a:t>
+            </a:r>
+          </a:p>
+          <a:p>
+            <a:r>
+              <a:rPr dirty="0" lang="en-US" smtClean="0" sz="3200"/>
+              <a:t>He has to live out his character</a:t>
+            </a:r>
+          </a:p>
+          <a:p>
+            <a:r>
+              <a:rPr dirty="0" lang="en-US" smtClean="0" sz="3200"/>
+              <a:t>Also the change in quality of a scene as you see it can also cause a change in emotion</a:t>
+            </a:r>
           </a:p>
         </p:txBody>
       </p:sp>
     </p:spTree>
     <p:extLst>
       <p:ext uri="{BB962C8B-B14F-4D97-AF65-F5344CB8AC3E}">
-        <p14:creationId xmlns:p14="http://schemas.microsoft.com/office/powerpoint/2010/main" val="1245892544"/>
+        <p14:creationId xmlns:p14="http://schemas.microsoft.com/office/powerpoint/2010/main" val="3389904435"/>
       </p:ext>
     </p:extLst>
   </p:cSld>
@@ -6170,42 +6210,36 @@
           <a:lstStyle/>
           <a:p>
             <a:r>
-              <a:rPr lang="en-US" sz="3200" dirty="0" smtClean="0"/>
-              <a:t>P  13(pdf)</a:t>
-            </a:r>
-          </a:p>
-          <a:p>
-            <a:r>
-              <a:rPr/>
-              <a:t>Colors depend on the movie to work</a:t>
-            </a:r>
-          </a:p>
-          <a:p>
-            <a:r>
-              <a:rPr/>
-              <a:t>Music used to push out gestures</a:t>
-            </a:r>
-          </a:p>
-          <a:p>
-            <a:r>
-              <a:rPr/>
-              <a:t>Uses music to express emotion</a:t>
-            </a:r>
-          </a:p>
-          <a:p>
-            <a:endParaRPr/>
-          </a:p>
-          <a:p>
-            <a:endParaRPr lang="en-US" sz="3200" dirty="0" smtClean="0"/>
-          </a:p>
-          <a:p>
-            <a:endParaRPr lang="en-US" sz="3200" dirty="0" smtClean="0"/>
-          </a:p>
-          <a:p>
-            <a:endParaRPr lang="en-US" sz="3200" dirty="0" smtClean="0"/>
-          </a:p>
-          <a:p>
-            <a:endParaRPr lang="en-US" sz="3200" dirty="0" smtClean="0"/>
+              <a:rPr dirty="0" lang="en-US" smtClean="0" sz="3200"/>
+              <a:t>P  12 (pdf)</a:t>
+            </a:r>
+          </a:p>
+          <a:p>
+            <a:r>
+              <a:rPr sz="3200">
+                <a:solidFill>
+                  <a:schemeClr val="tx1"/>
+                </a:solidFill>
+                <a:latin typeface="+mn-lt"/>
+              </a:rPr>
+              <a:t>Gestures are important</a:t>
+            </a:r>
+            <a:endParaRPr dirty="0" lang="en-US" smtClean="0" sz="3200"/>
+          </a:p>
+          <a:p>
+            <a:r>
+              <a:rPr dirty="0" lang="en-US" smtClean="0" sz="3200"/>
+              <a:t>Colors have no meaning, just conceptuality and they help make movies look good</a:t>
+            </a:r>
+          </a:p>
+          <a:p>
+            <a:endParaRPr dirty="0" lang="en-US" smtClean="0" sz="3200"/>
+          </a:p>
+          <a:p>
+            <a:endParaRPr dirty="0" lang="en-US" smtClean="0" sz="3200"/>
+          </a:p>
+          <a:p>
+            <a:endParaRPr dirty="0" lang="en-US" smtClean="0" sz="3200"/>
           </a:p>
         </p:txBody>
       </p:sp>
@@ -6262,67 +6296,42 @@
           <a:lstStyle/>
           <a:p>
             <a:r>
-              <a:rPr lang="en-US" sz="3200" dirty="0" smtClean="0"/>
-              <a:t>P  14(pdf)</a:t>
-            </a:r>
-          </a:p>
-          <a:p>
-            <a:r>
-              <a:rPr sz="3200">
-                <a:solidFill>
-                  <a:schemeClr val="tx1"/>
-                </a:solidFill>
-                <a:latin typeface="+mn-lt"/>
-              </a:rPr>
-              <a:t>Eisen makes his music clash, like like yin and yang</a:t>
-            </a:r>
-          </a:p>
-          <a:p>
-            <a:r>
-              <a:rPr sz="3200">
-                <a:solidFill>
-                  <a:schemeClr val="tx1"/>
-                </a:solidFill>
-                <a:latin typeface="+mn-lt"/>
-              </a:rPr>
-              <a:t>Music should signify something to the audience</a:t>
-            </a:r>
-          </a:p>
-          <a:p>
-            <a:r>
-              <a:rPr sz="3000"/>
-              <a:t>I dont get this paragrahph at all (p 3)</a:t>
-            </a:r>
-          </a:p>
-          <a:p>
-            <a:r>
-              <a:rPr sz="3000"/>
-              <a:t>Cinematic art works by telling u its real and fake at the same time</a:t>
+              <a:rPr dirty="0" lang="en-US" smtClean="0" sz="3200"/>
+              <a:t>P  13(pdf)</a:t>
             </a:r>
           </a:p>
           <a:p>
             <a:r>
               <a:rPr/>
-              <a:t>Everything in Eisen. work is overlapping</a:t>
+              <a:t>Colors depend on the movie to work</a:t>
+            </a:r>
+          </a:p>
+          <a:p>
+            <a:r>
+              <a:rPr/>
+              <a:t>Music used to push out gestures</a:t>
+            </a:r>
+          </a:p>
+          <a:p>
+            <a:r>
+              <a:rPr/>
+              <a:t>Uses music to express emotion</a:t>
             </a:r>
           </a:p>
           <a:p>
             <a:endParaRPr/>
           </a:p>
           <a:p>
-            <a:endParaRPr/>
-          </a:p>
-          <a:p>
-            <a:endParaRPr lang="en-US" sz="3200" dirty="0" smtClean="0"/>
-          </a:p>
-          <a:p>
-            <a:endParaRPr lang="en-US" sz="3200" dirty="0" smtClean="0"/>
-          </a:p>
-          <a:p>
-            <a:endParaRPr lang="en-US" sz="3200" dirty="0" smtClean="0"/>
-          </a:p>
-          <a:p>
-            <a:endParaRPr lang="en-US" sz="3200" dirty="0" smtClean="0"/>
+            <a:endParaRPr dirty="0" lang="en-US" smtClean="0" sz="3200"/>
+          </a:p>
+          <a:p>
+            <a:endParaRPr dirty="0" lang="en-US" smtClean="0" sz="3200"/>
+          </a:p>
+          <a:p>
+            <a:endParaRPr dirty="0" lang="en-US" smtClean="0" sz="3200"/>
+          </a:p>
+          <a:p>
+            <a:endParaRPr dirty="0" lang="en-US" smtClean="0" sz="3200"/>
           </a:p>
         </p:txBody>
       </p:sp>
@@ -6379,32 +6388,48 @@
           <a:lstStyle/>
           <a:p>
             <a:r>
-              <a:rPr lang="en-US" sz="3200" dirty="0" smtClean="0"/>
-              <a:t>P  15(pdf)</a:t>
+              <a:rPr dirty="0" lang="en-US" smtClean="0" sz="3200"/>
+              <a:t>P  14(pdf)</a:t>
+            </a:r>
+          </a:p>
+          <a:p>
+            <a:r>
+              <a:rPr sz="3200">
+                <a:solidFill>
+                  <a:schemeClr val="tx1"/>
+                </a:solidFill>
+                <a:latin typeface="+mn-lt"/>
+              </a:rPr>
+              <a:t>Eisen makes his music clash, like like yin and yang</a:t>
+            </a:r>
+          </a:p>
+          <a:p>
+            <a:r>
+              <a:rPr sz="3200">
+                <a:solidFill>
+                  <a:schemeClr val="tx1"/>
+                </a:solidFill>
+                <a:latin typeface="+mn-lt"/>
+              </a:rPr>
+              <a:t>Music should signify something to the audience</a:t>
+            </a:r>
+          </a:p>
+          <a:p>
+            <a:r>
+              <a:rPr sz="3000"/>
+              <a:t>I dont get this paragrahph at all (p 3)</a:t>
+            </a:r>
+          </a:p>
+          <a:p>
+            <a:r>
+              <a:rPr sz="3000"/>
+              <a:t>Cinematic art works by telling u its real and fake at the same time</a:t>
             </a:r>
           </a:p>
           <a:p>
             <a:r>
               <a:rPr/>
-              <a:t>His work is ultimately dynamic</a:t>
-            </a:r>
-          </a:p>
-          <a:p>
-            <a:r>
-              <a:rPr/>
-              <a:t>Cinema is living</a:t>
-            </a:r>
-          </a:p>
-          <a:p>
-            <a:r>
-              <a:rPr/>
-              <a:t>People gotta enjoy the movie</a:t>
-            </a:r>
-          </a:p>
-          <a:p>
-            <a:r>
-              <a:rPr/>
-              <a:t>As people watch, they also make the image for theirselves, their own personal way of how they see things</a:t>
+              <a:t>Everything in Eisen. work is overlapping</a:t>
             </a:r>
           </a:p>
           <a:p>
@@ -6414,22 +6439,16 @@
             <a:endParaRPr/>
           </a:p>
           <a:p>
-            <a:endParaRPr/>
-          </a:p>
-          <a:p>
-            <a:endParaRPr/>
-          </a:p>
-          <a:p>
-            <a:endParaRPr lang="en-US" sz="3200" dirty="0" smtClean="0"/>
-          </a:p>
-          <a:p>
-            <a:endParaRPr lang="en-US" sz="3200" dirty="0" smtClean="0"/>
-          </a:p>
-          <a:p>
-            <a:endParaRPr lang="en-US" sz="3200" dirty="0" smtClean="0"/>
-          </a:p>
-          <a:p>
-            <a:endParaRPr lang="en-US" sz="3200" dirty="0" smtClean="0"/>
+            <a:endParaRPr dirty="0" lang="en-US" smtClean="0" sz="3200"/>
+          </a:p>
+          <a:p>
+            <a:endParaRPr dirty="0" lang="en-US" smtClean="0" sz="3200"/>
+          </a:p>
+          <a:p>
+            <a:endParaRPr dirty="0" lang="en-US" smtClean="0" sz="3200"/>
+          </a:p>
+          <a:p>
+            <a:endParaRPr dirty="0" lang="en-US" smtClean="0" sz="3200"/>
           </a:p>
         </p:txBody>
       </p:sp>
@@ -6484,101 +6503,101 @@
           <a:lstStyle/>
           <a:p>
             <a:r>
-              <a:rPr lang="en-US" sz="2000" dirty="0" smtClean="0"/>
+              <a:rPr dirty="0" lang="en-US" smtClean="0" sz="2000"/>
               <a:t>10 min</a:t>
             </a:r>
           </a:p>
           <a:p>
             <a:r>
-              <a:rPr lang="en-US" sz="2000" dirty="0" smtClean="0"/>
+              <a:rPr dirty="0" lang="en-US" smtClean="0" sz="2000"/>
               <a:t>We see all the bosses report to their superiors on what the managers found to be four guys</a:t>
             </a:r>
           </a:p>
           <a:p>
             <a:r>
-              <a:rPr lang="en-US" sz="2000" dirty="0" smtClean="0"/>
+              <a:rPr dirty="0" lang="en-US" smtClean="0" sz="2000"/>
               <a:t>Basically a prelude (like </a:t>
             </a:r>
             <a:r>
-              <a:rPr lang="en-US" sz="2000" dirty="0" smtClean="0"/>
+              <a:rPr dirty="0" lang="en-US" smtClean="0" sz="2000"/>
               <a:t>a cartoon </a:t>
             </a:r>
             <a:r>
-              <a:rPr lang="en-US" sz="2000" dirty="0" err="1" smtClean="0"/>
+              <a:rPr dirty="0" err="1" lang="en-US" smtClean="0" sz="2000"/>
               <a:t>showprelude</a:t>
             </a:r>
             <a:r>
-              <a:rPr lang="en-US" sz="2000" dirty="0" smtClean="0"/>
+              <a:rPr dirty="0" lang="en-US" smtClean="0" sz="2000"/>
               <a:t>) to the four characters</a:t>
             </a:r>
           </a:p>
           <a:p>
             <a:r>
-              <a:rPr lang="en-US" sz="2000" dirty="0" smtClean="0"/>
+              <a:rPr dirty="0" lang="en-US" smtClean="0" sz="2000"/>
               <a:t>The monkey, </a:t>
             </a:r>
           </a:p>
           <a:p>
             <a:r>
-              <a:rPr lang="en-US" sz="2000" dirty="0" smtClean="0"/>
+              <a:rPr dirty="0" lang="en-US" smtClean="0" sz="2000"/>
               <a:t>The quiet one</a:t>
             </a:r>
           </a:p>
           <a:p>
             <a:r>
-              <a:rPr lang="en-US" sz="2000" dirty="0" smtClean="0"/>
+              <a:rPr dirty="0" lang="en-US" smtClean="0" sz="2000"/>
               <a:t>The patriarch</a:t>
             </a:r>
           </a:p>
           <a:p>
             <a:r>
-              <a:rPr lang="en-US" sz="2000" dirty="0" smtClean="0"/>
+              <a:rPr dirty="0" lang="en-US" smtClean="0" sz="2000"/>
               <a:t>The fellow-countryman</a:t>
             </a:r>
           </a:p>
           <a:p>
             <a:r>
-              <a:rPr lang="en-US" sz="2000" dirty="0" err="1" smtClean="0"/>
+              <a:rPr dirty="0" err="1" lang="en-US" smtClean="0" sz="2000"/>
               <a:t>Zoya</a:t>
             </a:r>
-            <a:endParaRPr lang="en-US" sz="2000" dirty="0" smtClean="0"/>
-          </a:p>
-          <a:p>
-            <a:r>
-              <a:rPr lang="en-US" sz="2000" dirty="0" smtClean="0"/>
+            <a:endParaRPr dirty="0" lang="en-US" smtClean="0" sz="2000"/>
+          </a:p>
+          <a:p>
+            <a:r>
+              <a:rPr dirty="0" lang="en-US" smtClean="0" sz="2000"/>
               <a:t>Bulldog</a:t>
             </a:r>
           </a:p>
           <a:p>
             <a:r>
-              <a:rPr lang="en-US" sz="2000" dirty="0" smtClean="0"/>
+              <a:rPr dirty="0" lang="en-US" smtClean="0" sz="2000"/>
               <a:t>The fox</a:t>
             </a:r>
           </a:p>
           <a:p>
             <a:r>
-              <a:rPr lang="en-US" sz="2000" dirty="0" smtClean="0"/>
+              <a:rPr dirty="0" lang="en-US" smtClean="0" sz="2000"/>
               <a:t>The tailor</a:t>
             </a:r>
           </a:p>
           <a:p>
             <a:r>
-              <a:rPr lang="en-US" sz="2000" dirty="0" smtClean="0"/>
+              <a:rPr dirty="0" lang="en-US" smtClean="0" sz="2000"/>
               <a:t>The shepherd</a:t>
             </a:r>
           </a:p>
           <a:p>
             <a:r>
-              <a:rPr lang="en-US" sz="2000" dirty="0" smtClean="0"/>
+              <a:rPr dirty="0" lang="en-US" smtClean="0" sz="2000"/>
               <a:t>The owl </a:t>
             </a:r>
           </a:p>
           <a:p>
             <a:r>
-              <a:rPr lang="en-US" sz="2000" dirty="0" smtClean="0"/>
+              <a:rPr dirty="0" lang="en-US" smtClean="0" sz="2000"/>
               <a:t>The fly by night</a:t>
             </a:r>
-            <a:endParaRPr lang="en-US" dirty="0" smtClean="0"/>
+            <a:endParaRPr dirty="0" lang="en-US" smtClean="0"/>
           </a:p>
         </p:txBody>
       </p:sp>
@@ -6635,20 +6654,32 @@
           <a:lstStyle/>
           <a:p>
             <a:r>
-              <a:rPr lang="en-US" sz="3200" dirty="0" smtClean="0"/>
-              <a:t>P  16(pdf)</a:t>
+              <a:rPr dirty="0" lang="en-US" smtClean="0" sz="3200"/>
+              <a:t>P  15(pdf)</a:t>
             </a:r>
           </a:p>
           <a:p>
             <a:r>
               <a:rPr/>
-              <a:t>There is norms and deviation in movies</a:t>
+              <a:t>His work is ultimately dynamic</a:t>
             </a:r>
           </a:p>
           <a:p>
             <a:r>
               <a:rPr/>
-              <a:t>Idk I think it talks abt montage</a:t>
+              <a:t>Cinema is living</a:t>
+            </a:r>
+          </a:p>
+          <a:p>
+            <a:r>
+              <a:rPr/>
+              <a:t>People gotta enjoy the movie</a:t>
+            </a:r>
+          </a:p>
+          <a:p>
+            <a:r>
+              <a:rPr/>
+              <a:t>As people watch, they also make the image for theirselves, their own personal way of how they see things</a:t>
             </a:r>
           </a:p>
           <a:p>
@@ -6664,19 +6695,16 @@
             <a:endParaRPr/>
           </a:p>
           <a:p>
-            <a:endParaRPr/>
-          </a:p>
-          <a:p>
-            <a:endParaRPr lang="en-US" sz="3200" dirty="0" smtClean="0"/>
-          </a:p>
-          <a:p>
-            <a:endParaRPr lang="en-US" sz="3200" dirty="0" smtClean="0"/>
-          </a:p>
-          <a:p>
-            <a:endParaRPr lang="en-US" sz="3200" dirty="0" smtClean="0"/>
-          </a:p>
-          <a:p>
-            <a:endParaRPr lang="en-US" sz="3200" dirty="0" smtClean="0"/>
+            <a:endParaRPr dirty="0" lang="en-US" smtClean="0" sz="3200"/>
+          </a:p>
+          <a:p>
+            <a:endParaRPr dirty="0" lang="en-US" smtClean="0" sz="3200"/>
+          </a:p>
+          <a:p>
+            <a:endParaRPr dirty="0" lang="en-US" smtClean="0" sz="3200"/>
+          </a:p>
+          <a:p>
+            <a:endParaRPr dirty="0" lang="en-US" smtClean="0" sz="3200"/>
           </a:p>
         </p:txBody>
       </p:sp>
@@ -6733,38 +6761,20 @@
           <a:lstStyle/>
           <a:p>
             <a:r>
-              <a:rPr lang="en-US" sz="3200" dirty="0" smtClean="0"/>
-              <a:t>P  17(pdf)</a:t>
+              <a:rPr dirty="0" lang="en-US" smtClean="0" sz="3200"/>
+              <a:t>P  16(pdf)</a:t>
             </a:r>
           </a:p>
           <a:p>
             <a:r>
               <a:rPr/>
-              <a:t>The essence of cinema is to create meaning</a:t>
+              <a:t>There is norms and deviation in movies</a:t>
             </a:r>
           </a:p>
           <a:p>
             <a:r>
               <a:rPr/>
-              <a:t>I think this is talking about how ppl can switch between shots in their work and take advantage of that and do different things with it</a:t>
-            </a:r>
-          </a:p>
-          <a:p>
-            <a:r>
-              <a:rPr/>
-              <a:t>Different viewpoints in conflict are also represented as dynamic</a:t>
-            </a:r>
-          </a:p>
-          <a:p>
-            <a:r>
-              <a:rPr/>
-              <a:t>Eisen calls the use of several aspects (codes) of cinema vertical montage</a:t>
-            </a:r>
-          </a:p>
-          <a:p>
-            <a:r>
-              <a:rPr/>
-              <a:t>The movie has to give credit to all the details that make it up</a:t>
+              <a:t>Idk I think it talks abt montage</a:t>
             </a:r>
           </a:p>
           <a:p>
@@ -6783,22 +6793,16 @@
             <a:endParaRPr/>
           </a:p>
           <a:p>
-            <a:endParaRPr/>
-          </a:p>
-          <a:p>
-            <a:endParaRPr/>
-          </a:p>
-          <a:p>
-            <a:endParaRPr lang="en-US" sz="3200" dirty="0" smtClean="0"/>
-          </a:p>
-          <a:p>
-            <a:endParaRPr lang="en-US" sz="3200" dirty="0" smtClean="0"/>
-          </a:p>
-          <a:p>
-            <a:endParaRPr lang="en-US" sz="3200" dirty="0" smtClean="0"/>
-          </a:p>
-          <a:p>
-            <a:endParaRPr lang="en-US" sz="3200" dirty="0" smtClean="0"/>
+            <a:endParaRPr dirty="0" lang="en-US" smtClean="0" sz="3200"/>
+          </a:p>
+          <a:p>
+            <a:endParaRPr dirty="0" lang="en-US" smtClean="0" sz="3200"/>
+          </a:p>
+          <a:p>
+            <a:endParaRPr dirty="0" lang="en-US" smtClean="0" sz="3200"/>
+          </a:p>
+          <a:p>
+            <a:endParaRPr dirty="0" lang="en-US" smtClean="0" sz="3200"/>
           </a:p>
         </p:txBody>
       </p:sp>
@@ -6855,72 +6859,72 @@
           <a:lstStyle/>
           <a:p>
             <a:r>
-              <a:rPr lang="en-US" sz="3200" dirty="0" smtClean="0"/>
-              <a:t>P  18(pdf)</a:t>
+              <a:rPr dirty="0" lang="en-US" smtClean="0" sz="3200"/>
+              <a:t>P  17(pdf)</a:t>
             </a:r>
           </a:p>
           <a:p>
             <a:r>
               <a:rPr/>
-              <a:t>The vertical montage is made when you take apart details you see in real life and re-create them in your movies</a:t>
+              <a:t>The essence of cinema is to create meaning</a:t>
             </a:r>
           </a:p>
           <a:p>
             <a:r>
               <a:rPr/>
-              <a:t>Thought comes after a media of communication</a:t>
+              <a:t>I think this is talking about how ppl can switch between shots in their work and take advantage of that and do different things with it</a:t>
             </a:r>
           </a:p>
           <a:p>
             <a:r>
               <a:rPr/>
-              <a:t>"         "  in words</a:t>
+              <a:t>Different viewpoints in conflict are also represented as dynamic</a:t>
             </a:r>
           </a:p>
           <a:p>
             <a:r>
               <a:rPr/>
-              <a:t>"          " in a cinema</a:t>
+              <a:t>Eisen calls the use of several aspects (codes) of cinema vertical montage</a:t>
             </a:r>
           </a:p>
           <a:p>
             <a:r>
               <a:rPr/>
-              <a:t>"          " same w/ complex sound and pictures and combined</a:t>
-            </a:r>
-          </a:p>
-          <a:p>
-            <a:r>
-              <a:rPr/>
-              <a:t>"           " then </a:t>
-            </a:r>
-          </a:p>
-          <a:p>
-            <a:r>
-              <a:rPr/>
-              <a:t>Souds futurisitc, but its not</a:t>
-            </a:r>
-          </a:p>
-          <a:p>
-            <a:r>
-              <a:rPr/>
-              <a:t>Sassure called it syntagmatism, where complexity of elements in time</a:t>
+              <a:t>The movie has to give credit to all the details that make it up</a:t>
             </a:r>
           </a:p>
           <a:p>
             <a:endParaRPr/>
           </a:p>
           <a:p>
-            <a:endParaRPr lang="en-US" sz="3200" dirty="0" smtClean="0"/>
-          </a:p>
-          <a:p>
-            <a:endParaRPr lang="en-US" sz="3200" dirty="0" smtClean="0"/>
-          </a:p>
-          <a:p>
-            <a:endParaRPr lang="en-US" sz="3200" dirty="0" smtClean="0"/>
-          </a:p>
-          <a:p>
-            <a:endParaRPr lang="en-US" sz="3200" dirty="0" smtClean="0"/>
+            <a:endParaRPr/>
+          </a:p>
+          <a:p>
+            <a:endParaRPr/>
+          </a:p>
+          <a:p>
+            <a:endParaRPr/>
+          </a:p>
+          <a:p>
+            <a:endParaRPr/>
+          </a:p>
+          <a:p>
+            <a:endParaRPr/>
+          </a:p>
+          <a:p>
+            <a:endParaRPr/>
+          </a:p>
+          <a:p>
+            <a:endParaRPr dirty="0" lang="en-US" smtClean="0" sz="3200"/>
+          </a:p>
+          <a:p>
+            <a:endParaRPr dirty="0" lang="en-US" smtClean="0" sz="3200"/>
+          </a:p>
+          <a:p>
+            <a:endParaRPr dirty="0" lang="en-US" smtClean="0" sz="3200"/>
+          </a:p>
+          <a:p>
+            <a:endParaRPr dirty="0" lang="en-US" smtClean="0" sz="3200"/>
           </a:p>
         </p:txBody>
       </p:sp>
@@ -6977,45 +6981,72 @@
           <a:lstStyle/>
           <a:p>
             <a:r>
-              <a:rPr lang="en-US" sz="3200" dirty="0" smtClean="0"/>
-              <a:t>P  19(pdf)</a:t>
+              <a:rPr dirty="0" lang="en-US" smtClean="0" sz="3200"/>
+              <a:t>P  18(pdf)</a:t>
             </a:r>
           </a:p>
           <a:p>
             <a:r>
               <a:rPr/>
-              <a:t>All the details depend on each other</a:t>
+              <a:t>The vertical montage is made when you take apart details you see in real life and re-create them in your movies</a:t>
             </a:r>
           </a:p>
           <a:p>
             <a:r>
               <a:rPr/>
-              <a:t>This happens at a complex level</a:t>
+              <a:t>Thought comes after a media of communication</a:t>
             </a:r>
           </a:p>
           <a:p>
             <a:r>
               <a:rPr/>
-              <a:t>Also called Tyjanov idea of dual poetry</a:t>
+              <a:t>"         "  in words</a:t>
             </a:r>
           </a:p>
           <a:p>
             <a:r>
               <a:rPr/>
-              <a:t>Eisens shots are dynamic internally</a:t>
-            </a:r>
-          </a:p>
-          <a:p>
-            <a:endParaRPr lang="en-US" sz="3200" dirty="0" smtClean="0"/>
-          </a:p>
-          <a:p>
-            <a:endParaRPr lang="en-US" sz="3200" dirty="0" smtClean="0"/>
-          </a:p>
-          <a:p>
-            <a:endParaRPr lang="en-US" sz="3200" dirty="0" smtClean="0"/>
-          </a:p>
-          <a:p>
-            <a:endParaRPr lang="en-US" sz="3200" dirty="0" smtClean="0"/>
+              <a:t>"          " in a cinema</a:t>
+            </a:r>
+          </a:p>
+          <a:p>
+            <a:r>
+              <a:rPr/>
+              <a:t>"          " same w/ complex sound and pictures and combined</a:t>
+            </a:r>
+          </a:p>
+          <a:p>
+            <a:r>
+              <a:rPr/>
+              <a:t>"           " then </a:t>
+            </a:r>
+          </a:p>
+          <a:p>
+            <a:r>
+              <a:rPr/>
+              <a:t>Souds futurisitc, but its not</a:t>
+            </a:r>
+          </a:p>
+          <a:p>
+            <a:r>
+              <a:rPr/>
+              <a:t>Sassure called it syntagmatism, where complexity of elements in time</a:t>
+            </a:r>
+          </a:p>
+          <a:p>
+            <a:endParaRPr/>
+          </a:p>
+          <a:p>
+            <a:endParaRPr dirty="0" lang="en-US" smtClean="0" sz="3200"/>
+          </a:p>
+          <a:p>
+            <a:endParaRPr dirty="0" lang="en-US" smtClean="0" sz="3200"/>
+          </a:p>
+          <a:p>
+            <a:endParaRPr dirty="0" lang="en-US" smtClean="0" sz="3200"/>
+          </a:p>
+          <a:p>
+            <a:endParaRPr dirty="0" lang="en-US" smtClean="0" sz="3200"/>
           </a:p>
         </p:txBody>
       </p:sp>
@@ -7072,106 +7103,45 @@
           <a:lstStyle/>
           <a:p>
             <a:r>
-              <a:rPr lang="en-US" sz="3200" dirty="0" smtClean="0"/>
-              <a:t>P  20(pdf)</a:t>
-            </a:r>
-          </a:p>
-          <a:p>
-            <a:r>
-              <a:rPr sz="3200">
-                <a:solidFill>
-                  <a:schemeClr val="tx1"/>
-                </a:solidFill>
-                <a:latin typeface="+mn-lt"/>
-              </a:rPr>
-              <a:t>Eisen. uses music to start a new shot</a:t>
-            </a:r>
-          </a:p>
-          <a:p>
-            <a:r>
-              <a:rPr sz="3200">
-                <a:solidFill>
-                  <a:schemeClr val="tx1"/>
-                </a:solidFill>
-                <a:latin typeface="+mn-lt"/>
-              </a:rPr>
-              <a:t>It helps the music appear better also. </a:t>
-            </a:r>
-          </a:p>
-          <a:p>
-            <a:r>
-              <a:rPr sz="3200">
-                <a:solidFill>
-                  <a:schemeClr val="tx1"/>
-                </a:solidFill>
-                <a:latin typeface="+mn-lt"/>
-              </a:rPr>
-              <a:t>What is happening is that for visuals, a new key staff is made, making movies is like writing orchestra music.</a:t>
-            </a:r>
-          </a:p>
-          <a:p>
-            <a:r>
-              <a:rPr sz="3200">
-                <a:solidFill>
-                  <a:schemeClr val="tx1"/>
-                </a:solidFill>
-                <a:latin typeface="+mn-lt"/>
-              </a:rPr>
-              <a:t>As he continued w/ it he figured out all the complexities.</a:t>
-            </a:r>
-          </a:p>
-          <a:p>
-            <a:r>
-              <a:rPr sz="3200">
-                <a:solidFill>
-                  <a:schemeClr val="tx1"/>
-                </a:solidFill>
-                <a:latin typeface="+mn-lt"/>
-              </a:rPr>
-              <a:t>As you see the entire movie you figure out what it means. </a:t>
-            </a:r>
-          </a:p>
-          <a:p>
-            <a:r>
-              <a:rPr sz="3200">
-                <a:solidFill>
-                  <a:schemeClr val="tx1"/>
-                </a:solidFill>
-                <a:latin typeface="+mn-lt"/>
-              </a:rPr>
-              <a:t>Ex.  simple stuff is not enough to see the plot</a:t>
-            </a:r>
-          </a:p>
-          <a:p>
-            <a:r>
-              <a:rPr sz="3200">
-                <a:solidFill>
-                  <a:schemeClr val="tx1"/>
-                </a:solidFill>
-                <a:latin typeface="+mn-lt"/>
-              </a:rPr>
-              <a:t>Detials in movies work like a main character, (foggy), then secondary</a:t>
-            </a:r>
-          </a:p>
-          <a:p>
-            <a:endParaRPr sz="3200">
-              <a:solidFill>
-                <a:schemeClr val="tx1"/>
-              </a:solidFill>
-              <a:latin typeface="+mn-lt"/>
-            </a:endParaRPr>
-          </a:p>
-          <a:p>
-            <a:endParaRPr lang="en-US" sz="3200" dirty="0" smtClean="0"/>
-          </a:p>
-          <a:p>
-            <a:endParaRPr lang="en-US" sz="3200" dirty="0" smtClean="0"/>
-          </a:p>
-          <a:p>
-            <a:endParaRPr lang="en-US" sz="3200" dirty="0" smtClean="0"/>
-          </a:p>
-          <a:p>
-            <a:endParaRPr lang="en-US" sz="3200" dirty="0" smtClean="0"/>
+              <a:rPr dirty="0" lang="en-US" smtClean="0" sz="3200"/>
+              <a:t>P  19(pdf)</a:t>
+            </a:r>
+          </a:p>
+          <a:p>
+            <a:r>
+              <a:rPr/>
+              <a:t>All the details depend on each other</a:t>
+            </a:r>
+          </a:p>
+          <a:p>
+            <a:r>
+              <a:rPr/>
+              <a:t>This happens at a complex level</a:t>
+            </a:r>
+          </a:p>
+          <a:p>
+            <a:r>
+              <a:rPr/>
+              <a:t>Also called Tyjanov idea of dual poetry</a:t>
+            </a:r>
+          </a:p>
+          <a:p>
+            <a:r>
+              <a:rPr/>
+              <a:t>Eisens shots are dynamic internally</a:t>
+            </a:r>
+          </a:p>
+          <a:p>
+            <a:endParaRPr dirty="0" lang="en-US" smtClean="0" sz="3200"/>
+          </a:p>
+          <a:p>
+            <a:endParaRPr dirty="0" lang="en-US" smtClean="0" sz="3200"/>
+          </a:p>
+          <a:p>
+            <a:endParaRPr dirty="0" lang="en-US" smtClean="0" sz="3200"/>
+          </a:p>
+          <a:p>
+            <a:endParaRPr dirty="0" lang="en-US" smtClean="0" sz="3200"/>
           </a:p>
         </p:txBody>
       </p:sp>
@@ -7228,8 +7198,8 @@
           <a:lstStyle/>
           <a:p>
             <a:r>
-              <a:rPr lang="en-US" sz="3200" dirty="0" smtClean="0"/>
-              <a:t>P  21(pdf)</a:t>
+              <a:rPr dirty="0" lang="en-US" smtClean="0" sz="3200"/>
+              <a:t>P  20(pdf)</a:t>
             </a:r>
           </a:p>
           <a:p>
@@ -7240,7 +7210,7 @@
                 </a:solidFill>
                 <a:latin typeface="+mn-lt"/>
               </a:rPr>
-              <a:t>Details in movies work like a main character, (foggy), then secondary characters (rippling waves) to adjust it. </a:t>
+              <a:t>Eisen. uses music to start a new shot</a:t>
             </a:r>
           </a:p>
           <a:p>
@@ -7251,7 +7221,7 @@
                 </a:solidFill>
                 <a:latin typeface="+mn-lt"/>
               </a:rPr>
-              <a:t>Instead of having ppl killed, we should see why ppl are getting killed, revolt, call to war etc.</a:t>
+              <a:t>It helps the music appear better also. </a:t>
             </a:r>
           </a:p>
           <a:p>
@@ -7262,7 +7232,51 @@
                 </a:solidFill>
                 <a:latin typeface="+mn-lt"/>
               </a:rPr>
-              <a:t>Vertical montage works with paradigms, and semiotics to create  not only living, but beautiful movies</a:t>
+              <a:t>What is happening is that for visuals, a new key staff is made, making movies is like writing orchestra music.</a:t>
+            </a:r>
+          </a:p>
+          <a:p>
+            <a:r>
+              <a:rPr sz="3200">
+                <a:solidFill>
+                  <a:schemeClr val="tx1"/>
+                </a:solidFill>
+                <a:latin typeface="+mn-lt"/>
+              </a:rPr>
+              <a:t>As he continued w/ it he figured out all the complexities.</a:t>
+            </a:r>
+          </a:p>
+          <a:p>
+            <a:r>
+              <a:rPr sz="3200">
+                <a:solidFill>
+                  <a:schemeClr val="tx1"/>
+                </a:solidFill>
+                <a:latin typeface="+mn-lt"/>
+              </a:rPr>
+              <a:t>As you see the entire movie you figure out what it means. </a:t>
+            </a:r>
+          </a:p>
+          <a:p>
+            <a:r>
+              <a:rPr sz="3200">
+                <a:solidFill>
+                  <a:schemeClr val="tx1"/>
+                </a:solidFill>
+                <a:latin typeface="+mn-lt"/>
+              </a:rPr>
+              <a:t>Ex.  simple stuff is not enough to see the plot</a:t>
+            </a:r>
+          </a:p>
+          <a:p>
+            <a:r>
+              <a:rPr sz="3200">
+                <a:solidFill>
+                  <a:schemeClr val="tx1"/>
+                </a:solidFill>
+                <a:latin typeface="+mn-lt"/>
+              </a:rPr>
+              <a:t>Detials in movies work like a main character, (foggy), then secondary</a:t>
             </a:r>
           </a:p>
           <a:p>
@@ -7274,16 +7288,16 @@
             </a:endParaRPr>
           </a:p>
           <a:p>
-            <a:endParaRPr lang="en-US" sz="3200" dirty="0" smtClean="0"/>
-          </a:p>
-          <a:p>
-            <a:endParaRPr lang="en-US" sz="3200" dirty="0" smtClean="0"/>
-          </a:p>
-          <a:p>
-            <a:endParaRPr lang="en-US" sz="3200" dirty="0" smtClean="0"/>
-          </a:p>
-          <a:p>
-            <a:endParaRPr lang="en-US" sz="3200" dirty="0" smtClean="0"/>
+            <a:endParaRPr dirty="0" lang="en-US" smtClean="0" sz="3200"/>
+          </a:p>
+          <a:p>
+            <a:endParaRPr dirty="0" lang="en-US" smtClean="0" sz="3200"/>
+          </a:p>
+          <a:p>
+            <a:endParaRPr dirty="0" lang="en-US" smtClean="0" sz="3200"/>
+          </a:p>
+          <a:p>
+            <a:endParaRPr dirty="0" lang="en-US" smtClean="0" sz="3200"/>
           </a:p>
         </p:txBody>
       </p:sp>
@@ -7340,8 +7354,8 @@
           <a:lstStyle/>
           <a:p>
             <a:r>
-              <a:rPr lang="en-US" sz="3200" dirty="0" smtClean="0"/>
-              <a:t>P  22(pdf)</a:t>
+              <a:rPr dirty="0" lang="en-US" smtClean="0" sz="3200"/>
+              <a:t>P  21(pdf)</a:t>
             </a:r>
           </a:p>
           <a:p>
@@ -7352,7 +7366,29 @@
                 </a:solidFill>
                 <a:latin typeface="+mn-lt"/>
               </a:rPr>
-              <a:t>Because of Eisen we can better study semiotics</a:t>
+              <a:t>Details in movies work like a main character, (foggy), then secondary characters (rippling waves) to adjust it. </a:t>
+            </a:r>
+          </a:p>
+          <a:p>
+            <a:r>
+              <a:rPr sz="3200">
+                <a:solidFill>
+                  <a:schemeClr val="tx1"/>
+                </a:solidFill>
+                <a:latin typeface="+mn-lt"/>
+              </a:rPr>
+              <a:t>Instead of having ppl killed, we should see why ppl are getting killed, revolt, call to war etc.</a:t>
+            </a:r>
+          </a:p>
+          <a:p>
+            <a:r>
+              <a:rPr sz="3200">
+                <a:solidFill>
+                  <a:schemeClr val="tx1"/>
+                </a:solidFill>
+                <a:latin typeface="+mn-lt"/>
+              </a:rPr>
+              <a:t>Vertical montage works with paradigms, and semiotics to create  not only living, but beautiful movies</a:t>
             </a:r>
           </a:p>
           <a:p>
@@ -7364,16 +7400,16 @@
             </a:endParaRPr>
           </a:p>
           <a:p>
-            <a:endParaRPr lang="en-US" sz="3200" dirty="0" smtClean="0"/>
-          </a:p>
-          <a:p>
-            <a:endParaRPr lang="en-US" sz="3200" dirty="0" smtClean="0"/>
-          </a:p>
-          <a:p>
-            <a:endParaRPr lang="en-US" sz="3200" dirty="0" smtClean="0"/>
-          </a:p>
-          <a:p>
-            <a:endParaRPr lang="en-US" sz="3200" dirty="0" smtClean="0"/>
+            <a:endParaRPr dirty="0" lang="en-US" smtClean="0" sz="3200"/>
+          </a:p>
+          <a:p>
+            <a:endParaRPr dirty="0" lang="en-US" smtClean="0" sz="3200"/>
+          </a:p>
+          <a:p>
+            <a:endParaRPr dirty="0" lang="en-US" smtClean="0" sz="3200"/>
+          </a:p>
+          <a:p>
+            <a:endParaRPr dirty="0" lang="en-US" smtClean="0" sz="3200"/>
           </a:p>
         </p:txBody>
       </p:sp>
@@ -7409,60 +7445,68 @@
       </p:grpSpPr>
       <p:sp>
         <p:nvSpPr>
-          <p:cNvPr id="2" name="Title 1"/>
-          <p:cNvSpPr>
-            <a:spLocks noGrp="1"/>
-          </p:cNvSpPr>
-          <p:nvPr>
-            <p:ph type="title"/>
-          </p:nvPr>
-        </p:nvSpPr>
-        <p:spPr/>
-        <p:txBody>
-          <a:bodyPr numCol="1"/>
-          <a:lstStyle/>
-          <a:p>
-            <a:r>
-              <a:rPr/>
-              <a:t>Beumers’s Cinema the chapter by Richard Taylor, </a:t>
-            </a:r>
-            <a:endParaRPr lang="en-US" dirty="0"/>
-          </a:p>
-          <a:p>
-            <a:endParaRPr lang="en-US" dirty="0"/>
-          </a:p>
-        </p:txBody>
-      </p:sp>
-      <p:sp>
-        <p:nvSpPr>
-          <p:cNvPr id="3" name="Text Placeholder 2"/>
-          <p:cNvSpPr>
-            <a:spLocks noGrp="1"/>
-          </p:cNvSpPr>
-          <p:nvPr>
-            <p:ph type="body" idx="1"/>
-          </p:nvPr>
-        </p:nvSpPr>
-        <p:spPr/>
-        <p:txBody>
-          <a:bodyPr numCol="1"/>
-          <a:lstStyle/>
-          <a:p>
-            <a:r>
-              <a:rPr/>
-              <a:t>“THE STRIKE” (47–56).  EVERY PARAGRAPH</a:t>
-            </a:r>
-            <a:endParaRPr lang="en-US" dirty="0"/>
-          </a:p>
-          <a:p>
-            <a:endParaRPr lang="en-US" dirty="0"/>
+          <p:cNvPr id="3" name="Content Placeholder 2"/>
+          <p:cNvSpPr>
+            <a:spLocks noGrp="1"/>
+          </p:cNvSpPr>
+          <p:nvPr>
+            <p:ph idx="1"/>
+          </p:nvPr>
+        </p:nvSpPr>
+        <p:spPr>
+          <a:xfrm>
+            <a:off x="838200" y="161365"/>
+            <a:ext cx="10515600" cy="6015598"/>
+          </a:xfrm>
+        </p:spPr>
+        <p:txBody>
+          <a:bodyPr numCol="1">
+            <a:normAutofit/>
+          </a:bodyPr>
+          <a:lstStyle/>
+          <a:p>
+            <a:r>
+              <a:rPr dirty="0" lang="en-US" smtClean="0" sz="3200"/>
+              <a:t>P  22(pdf)</a:t>
+            </a:r>
+          </a:p>
+          <a:p>
+            <a:r>
+              <a:rPr sz="3200">
+                <a:solidFill>
+                  <a:schemeClr val="tx1"/>
+                </a:solidFill>
+                <a:latin typeface="+mn-lt"/>
+              </a:rPr>
+              <a:t>Because of Eisen we can better study semiotics</a:t>
+            </a:r>
+          </a:p>
+          <a:p>
+            <a:endParaRPr sz="3200">
+              <a:solidFill>
+                <a:schemeClr val="tx1"/>
+              </a:solidFill>
+              <a:latin typeface="+mn-lt"/>
+            </a:endParaRPr>
+          </a:p>
+          <a:p>
+            <a:endParaRPr dirty="0" lang="en-US" smtClean="0" sz="3200"/>
+          </a:p>
+          <a:p>
+            <a:endParaRPr dirty="0" lang="en-US" smtClean="0" sz="3200"/>
+          </a:p>
+          <a:p>
+            <a:endParaRPr dirty="0" lang="en-US" smtClean="0" sz="3200"/>
+          </a:p>
+          <a:p>
+            <a:endParaRPr dirty="0" lang="en-US" smtClean="0" sz="3200"/>
           </a:p>
         </p:txBody>
       </p:sp>
     </p:spTree>
     <p:extLst>
       <p:ext uri="{BB962C8B-B14F-4D97-AF65-F5344CB8AC3E}">
-        <p14:creationId xmlns:p14="http://schemas.microsoft.com/office/powerpoint/2010/main" val="221988584"/>
+        <p14:creationId xmlns:p14="http://schemas.microsoft.com/office/powerpoint/2010/main" val="1245892544"/>
       </p:ext>
     </p:extLst>
   </p:cSld>
@@ -7491,109 +7535,60 @@
       </p:grpSpPr>
       <p:sp>
         <p:nvSpPr>
-          <p:cNvPr id="3" name="Content Placeholder 2"/>
-          <p:cNvSpPr>
-            <a:spLocks noGrp="1"/>
-          </p:cNvSpPr>
-          <p:nvPr>
-            <p:ph idx="1"/>
-          </p:nvPr>
-        </p:nvSpPr>
-        <p:spPr>
-          <a:xfrm>
-            <a:off x="838200" y="161365"/>
-            <a:ext cx="10515600" cy="6015598"/>
-          </a:xfrm>
-        </p:spPr>
-        <p:txBody>
-          <a:bodyPr numCol="1">
-            <a:normAutofit/>
-          </a:bodyPr>
-          <a:lstStyle/>
-          <a:p>
-            <a:r>
-              <a:rPr lang="en-US" sz="3200" dirty="0" smtClean="0"/>
-              <a:t>P  47(pdf)</a:t>
-            </a:r>
-          </a:p>
-          <a:p>
-            <a:r>
-              <a:rPr sz="3200">
-                <a:solidFill>
-                  <a:schemeClr val="tx1"/>
-                </a:solidFill>
-                <a:latin typeface="+mn-lt"/>
-              </a:rPr>
-              <a:t>Eisen made the strike in 1925. </a:t>
-            </a:r>
-          </a:p>
-          <a:p>
-            <a:r>
-              <a:rPr sz="3200">
-                <a:solidFill>
-                  <a:schemeClr val="tx1"/>
-                </a:solidFill>
-                <a:latin typeface="+mn-lt"/>
-              </a:rPr>
-              <a:t>He tried to do things before but it failed, he got it tho</a:t>
-            </a:r>
-          </a:p>
-          <a:p>
-            <a:r>
-              <a:rPr sz="3200">
-                <a:solidFill>
-                  <a:schemeClr val="tx1"/>
-                </a:solidFill>
-                <a:latin typeface="+mn-lt"/>
-              </a:rPr>
-              <a:t>Made  Mabuse the Gambler in 1922 w/ Fritz Lang. His first film was The Wise Man. </a:t>
-            </a:r>
-          </a:p>
-          <a:p>
-            <a:r>
-              <a:rPr sz="3200">
-                <a:solidFill>
-                  <a:schemeClr val="tx1"/>
-                </a:solidFill>
-                <a:latin typeface="+mn-lt"/>
-              </a:rPr>
-              <a:t>He broke with Prolekut and became sole owner, the strike changed his life</a:t>
-            </a:r>
-          </a:p>
-          <a:p>
-            <a:endParaRPr sz="3200">
-              <a:solidFill>
-                <a:schemeClr val="tx1"/>
-              </a:solidFill>
-              <a:latin typeface="+mn-lt"/>
-            </a:endParaRPr>
-          </a:p>
-          <a:p>
-            <a:endParaRPr sz="3200">
-              <a:solidFill>
-                <a:schemeClr val="tx1"/>
-              </a:solidFill>
-              <a:latin typeface="+mn-lt"/>
-            </a:endParaRPr>
-          </a:p>
-          <a:p>
-            <a:endParaRPr lang="en-US" sz="3200" dirty="0" smtClean="0"/>
-          </a:p>
-          <a:p>
-            <a:endParaRPr lang="en-US" sz="3200" dirty="0" smtClean="0"/>
-          </a:p>
-          <a:p>
-            <a:endParaRPr lang="en-US" sz="3200" dirty="0" smtClean="0"/>
-          </a:p>
-          <a:p>
-            <a:endParaRPr lang="en-US" sz="3200" dirty="0" smtClean="0"/>
+          <p:cNvPr id="2" name="Title 1"/>
+          <p:cNvSpPr>
+            <a:spLocks noGrp="1"/>
+          </p:cNvSpPr>
+          <p:nvPr>
+            <p:ph type="title"/>
+          </p:nvPr>
+        </p:nvSpPr>
+        <p:spPr/>
+        <p:txBody>
+          <a:bodyPr numCol="1"/>
+          <a:lstStyle/>
+          <a:p>
+            <a:r>
+              <a:rPr/>
+              <a:t>Beumers’s Cinema the chapter by Richard Taylor, </a:t>
+            </a:r>
+            <a:endParaRPr dirty="0" lang="en-US"/>
+          </a:p>
+          <a:p>
+            <a:endParaRPr dirty="0" lang="en-US"/>
+          </a:p>
+        </p:txBody>
+      </p:sp>
+      <p:sp>
+        <p:nvSpPr>
+          <p:cNvPr id="3" name="Text Placeholder 2"/>
+          <p:cNvSpPr>
+            <a:spLocks noGrp="1"/>
+          </p:cNvSpPr>
+          <p:nvPr>
+            <p:ph idx="1" type="body"/>
+          </p:nvPr>
+        </p:nvSpPr>
+        <p:spPr/>
+        <p:txBody>
+          <a:bodyPr numCol="1"/>
+          <a:lstStyle/>
+          <a:p>
+            <a:r>
+              <a:rPr/>
+              <a:t>“THE STRIKE” (47–56).  EVERY PARAGRAPH</a:t>
+            </a:r>
+            <a:endParaRPr dirty="0" lang="en-US"/>
+          </a:p>
+          <a:p>
+            <a:endParaRPr dirty="0" lang="en-US"/>
           </a:p>
         </p:txBody>
       </p:sp>
     </p:spTree>
     <p:extLst>
       <p:ext uri="{BB962C8B-B14F-4D97-AF65-F5344CB8AC3E}">
-        <p14:creationId xmlns:p14="http://schemas.microsoft.com/office/powerpoint/2010/main" val="1245892544"/>
+        <p14:creationId xmlns:p14="http://schemas.microsoft.com/office/powerpoint/2010/main" val="221988584"/>
       </p:ext>
     </p:extLst>
   </p:cSld>
@@ -7643,8 +7638,8 @@
           <a:lstStyle/>
           <a:p>
             <a:r>
-              <a:rPr lang="en-US" sz="3200" dirty="0" smtClean="0"/>
-              <a:t>P  48(pdf)</a:t>
+              <a:rPr dirty="0" lang="en-US" smtClean="0" sz="3200"/>
+              <a:t>P  47(pdf)</a:t>
             </a:r>
           </a:p>
           <a:p>
@@ -7655,7 +7650,7 @@
                 </a:solidFill>
                 <a:latin typeface="+mn-lt"/>
               </a:rPr>
-              <a:t>Eisen second file The Battleship Potemkin, was like the stike because it was revolutionary, all the extra- stuff was nt needed. </a:t>
+              <a:t>Eisen made the strike in 1925. </a:t>
             </a:r>
           </a:p>
           <a:p>
@@ -7666,7 +7661,7 @@
                 </a:solidFill>
                 <a:latin typeface="+mn-lt"/>
               </a:rPr>
-              <a:t>The strike was based off Lenin saying 'organization is everything' for the proletariat.  </a:t>
+              <a:t>He tried to do things before but it failed, he got it tho</a:t>
             </a:r>
           </a:p>
           <a:p>
@@ -7677,7 +7672,18 @@
                 </a:solidFill>
                 <a:latin typeface="+mn-lt"/>
               </a:rPr>
-              <a:t>Movie starts off as 1. 'All is calm in the factory' but then trouble slowly brews, othr guy was spy working in the factory</a:t>
+              <a:t>Made  Mabuse the Gambler in 1922 w/ Fritz Lang. His first film was The Wise Man. </a:t>
+            </a:r>
+          </a:p>
+          <a:p>
+            <a:r>
+              <a:rPr sz="3200">
+                <a:solidFill>
+                  <a:schemeClr val="tx1"/>
+                </a:solidFill>
+                <a:latin typeface="+mn-lt"/>
+              </a:rPr>
+              <a:t>He broke with Prolekut and became sole owner, the strike changed his life</a:t>
             </a:r>
           </a:p>
           <a:p>
@@ -7697,16 +7703,16 @@
             </a:endParaRPr>
           </a:p>
           <a:p>
-            <a:endParaRPr lang="en-US" sz="3200" dirty="0" smtClean="0"/>
-          </a:p>
-          <a:p>
-            <a:endParaRPr lang="en-US" sz="3200" dirty="0" smtClean="0"/>
-          </a:p>
-          <a:p>
-            <a:endParaRPr lang="en-US" sz="3200" dirty="0" smtClean="0"/>
-          </a:p>
-          <a:p>
-            <a:endParaRPr lang="en-US" sz="3200" dirty="0" smtClean="0"/>
+            <a:endParaRPr dirty="0" lang="en-US" smtClean="0" sz="3200"/>
+          </a:p>
+          <a:p>
+            <a:endParaRPr dirty="0" lang="en-US" smtClean="0" sz="3200"/>
+          </a:p>
+          <a:p>
+            <a:endParaRPr dirty="0" lang="en-US" smtClean="0" sz="3200"/>
+          </a:p>
+          <a:p>
+            <a:endParaRPr dirty="0" lang="en-US" smtClean="0" sz="3200"/>
           </a:p>
         </p:txBody>
       </p:sp>
@@ -7763,83 +7769,83 @@
           <a:lstStyle/>
           <a:p>
             <a:r>
-              <a:rPr lang="en-US" sz="3200" dirty="0" smtClean="0"/>
+              <a:rPr dirty="0" lang="en-US" smtClean="0" sz="3200"/>
               <a:t>15 min</a:t>
             </a:r>
           </a:p>
           <a:p>
             <a:r>
-              <a:rPr lang="en-US" sz="3200" dirty="0" smtClean="0"/>
+              <a:rPr dirty="0" lang="en-US" smtClean="0" sz="3200"/>
               <a:t>Got a man walking away with a barrel</a:t>
             </a:r>
           </a:p>
           <a:p>
             <a:r>
-              <a:rPr lang="en-US" sz="3200" dirty="0" smtClean="0"/>
+              <a:rPr dirty="0" lang="en-US" smtClean="0" sz="3200"/>
               <a:t>Got a man w/ a monkey then a dog</a:t>
             </a:r>
           </a:p>
           <a:p>
             <a:r>
-              <a:rPr lang="en-US" sz="3200" dirty="0" smtClean="0"/>
+              <a:rPr dirty="0" lang="en-US" smtClean="0" sz="3200"/>
               <a:t>They still introduce everyone </a:t>
             </a:r>
           </a:p>
           <a:p>
             <a:r>
-              <a:rPr lang="en-US" sz="3200" dirty="0" smtClean="0"/>
+              <a:rPr dirty="0" lang="en-US" smtClean="0" sz="3200"/>
               <a:t>Bears in chains</a:t>
             </a:r>
           </a:p>
           <a:p>
             <a:r>
-              <a:rPr lang="en-US" sz="3200" dirty="0" smtClean="0"/>
+              <a:rPr dirty="0" lang="en-US" smtClean="0" sz="3200"/>
               <a:t>They are to entertain the crowd</a:t>
             </a:r>
           </a:p>
           <a:p>
             <a:r>
-              <a:rPr lang="en-US" sz="3200" dirty="0" smtClean="0"/>
+              <a:rPr dirty="0" lang="en-US" smtClean="0" sz="3200"/>
               <a:t>Activists </a:t>
             </a:r>
             <a:r>
-              <a:rPr lang="en-US" sz="3200" dirty="0" err="1" smtClean="0"/>
+              <a:rPr dirty="0" err="1" lang="en-US" smtClean="0" sz="3200"/>
               <a:t>wanna</a:t>
             </a:r>
             <a:r>
-              <a:rPr lang="en-US" sz="3200" dirty="0" smtClean="0"/>
+              <a:rPr dirty="0" lang="en-US" smtClean="0" sz="3200"/>
               <a:t> strike</a:t>
             </a:r>
             <a:r>
-              <a:rPr lang="en-US" sz="4000" dirty="0" smtClean="0"/>
+              <a:rPr dirty="0" lang="en-US" smtClean="0" sz="4000"/>
               <a:t>,</a:t>
             </a:r>
             <a:r>
-              <a:rPr lang="en-US" sz="3200" dirty="0"/>
+              <a:rPr dirty="0" lang="en-US" sz="3200"/>
               <a:t> </a:t>
             </a:r>
             <a:r>
-              <a:rPr lang="en-US" sz="3200" dirty="0" smtClean="0"/>
+              <a:rPr dirty="0" lang="en-US" smtClean="0" sz="3200"/>
               <a:t>they argue and then say ok</a:t>
             </a:r>
           </a:p>
           <a:p>
             <a:r>
-              <a:rPr lang="en-US" sz="3200" dirty="0" smtClean="0"/>
+              <a:rPr dirty="0" lang="en-US" smtClean="0" sz="3200"/>
               <a:t>They climb around boats in the river and </a:t>
             </a:r>
             <a:r>
-              <a:rPr lang="en-US" sz="3200" dirty="0" err="1" smtClean="0"/>
+              <a:rPr dirty="0" err="1" lang="en-US" smtClean="0" sz="3200"/>
               <a:t>theres</a:t>
             </a:r>
             <a:r>
-              <a:rPr lang="en-US" sz="3200" dirty="0" smtClean="0"/>
+              <a:rPr dirty="0" lang="en-US" smtClean="0" sz="3200"/>
               <a:t> a spy</a:t>
             </a:r>
           </a:p>
           <a:p>
             <a:r>
-              <a:rPr lang="en-US" sz="3200" dirty="0" smtClean="0"/>
+              <a:rPr dirty="0" lang="en-US" smtClean="0" sz="3200"/>
               <a:t>They meet in the bathroom and a spy says they stir up the people</a:t>
             </a:r>
           </a:p>
@@ -7898,8 +7904,8 @@
           <a:lstStyle/>
           <a:p>
             <a:r>
-              <a:rPr lang="en-US" sz="3200" dirty="0" smtClean="0"/>
-              <a:t>P  49(pdf)</a:t>
+              <a:rPr dirty="0" lang="en-US" smtClean="0" sz="3200"/>
+              <a:t>P  48(pdf)</a:t>
             </a:r>
           </a:p>
           <a:p>
@@ -7910,42 +7916,58 @@
                 </a:solidFill>
                 <a:latin typeface="+mn-lt"/>
               </a:rPr>
-              <a:t>Two sides are established, the lone capitalists, and the organised workers.  The workers have meetings in the water, bathroom, </a:t>
-            </a:r>
-            <a:r>
-              <a:rPr sz="3000"/>
-              <a:t>but they find whoever is spying on them always. </a:t>
-            </a:r>
-          </a:p>
-          <a:p>
-            <a:r>
-              <a:rPr sz="3000"/>
-              <a:t>They go to a pinic, in the factory yard, they knock down a spy with the wheel. </a:t>
-            </a:r>
-          </a:p>
-          <a:p>
-            <a:r>
-              <a:rPr sz="3000"/>
-              <a:t>Second part is called a reason to strike, guy loses his micometer, when he goes to the office they say he stole it, he kills himself as a result</a:t>
-            </a:r>
-          </a:p>
-          <a:p>
-            <a:endParaRPr sz="3000"/>
-          </a:p>
-          <a:p>
-            <a:endParaRPr sz="3000"/>
-          </a:p>
-          <a:p>
-            <a:endParaRPr lang="en-US" sz="3200" dirty="0" smtClean="0"/>
-          </a:p>
-          <a:p>
-            <a:endParaRPr lang="en-US" sz="3200" dirty="0" smtClean="0"/>
-          </a:p>
-          <a:p>
-            <a:endParaRPr lang="en-US" sz="3200" dirty="0" smtClean="0"/>
-          </a:p>
-          <a:p>
-            <a:endParaRPr lang="en-US" sz="3200" dirty="0" smtClean="0"/>
+              <a:t>Eisen second file The Battleship Potemkin, was like the stike because it was revolutionary, all the extra- stuff was nt needed. </a:t>
+            </a:r>
+          </a:p>
+          <a:p>
+            <a:r>
+              <a:rPr sz="3200">
+                <a:solidFill>
+                  <a:schemeClr val="tx1"/>
+                </a:solidFill>
+                <a:latin typeface="+mn-lt"/>
+              </a:rPr>
+              <a:t>The strike was based off Lenin saying 'organization is everything' for the proletariat.  </a:t>
+            </a:r>
+          </a:p>
+          <a:p>
+            <a:r>
+              <a:rPr sz="3200">
+                <a:solidFill>
+                  <a:schemeClr val="tx1"/>
+                </a:solidFill>
+                <a:latin typeface="+mn-lt"/>
+              </a:rPr>
+              <a:t>Movie starts off as 1. 'All is calm in the factory' but then trouble slowly brews, othr guy was spy working in the factory</a:t>
+            </a:r>
+          </a:p>
+          <a:p>
+            <a:endParaRPr sz="3200">
+              <a:solidFill>
+                <a:schemeClr val="tx1"/>
+              </a:solidFill>
+              <a:latin typeface="+mn-lt"/>
+            </a:endParaRPr>
+          </a:p>
+          <a:p>
+            <a:endParaRPr sz="3200">
+              <a:solidFill>
+                <a:schemeClr val="tx1"/>
+              </a:solidFill>
+              <a:latin typeface="+mn-lt"/>
+            </a:endParaRPr>
+          </a:p>
+          <a:p>
+            <a:endParaRPr dirty="0" lang="en-US" smtClean="0" sz="3200"/>
+          </a:p>
+          <a:p>
+            <a:endParaRPr dirty="0" lang="en-US" smtClean="0" sz="3200"/>
+          </a:p>
+          <a:p>
+            <a:endParaRPr dirty="0" lang="en-US" smtClean="0" sz="3200"/>
+          </a:p>
+          <a:p>
+            <a:endParaRPr dirty="0" lang="en-US" smtClean="0" sz="3200"/>
           </a:p>
         </p:txBody>
       </p:sp>
@@ -8002,9 +8024,11 @@
           <a:lstStyle/>
           <a:p>
             <a:r>
-              <a:rPr lang="en-US" sz="3200" dirty="0" smtClean="0"/>
-              <a:t>P </a:t>
-            </a:r>
+              <a:rPr dirty="0" lang="en-US" smtClean="0" sz="3200"/>
+              <a:t>P  49(pdf)</a:t>
+            </a:r>
+          </a:p>
+          <a:p>
             <a:r>
               <a:rPr sz="3200">
                 <a:solidFill>
@@ -8012,57 +8036,42 @@
                 </a:solidFill>
                 <a:latin typeface="+mn-lt"/>
               </a:rPr>
-              <a:t> 50(pdf)</a:t>
-            </a:r>
-          </a:p>
-          <a:p>
-            <a:r>
-              <a:rPr sz="3200">
-                <a:solidFill>
-                  <a:schemeClr val="tx1"/>
-                </a:solidFill>
-                <a:latin typeface="+mn-lt"/>
-              </a:rPr>
-              <a:t>The locomotive was a sign of the peoples power. the hat in the water was a sign of rich ppl impotence. </a:t>
-            </a:r>
-          </a:p>
-          <a:p>
-            <a:r>
-              <a:rPr sz="3200">
-                <a:solidFill>
-                  <a:schemeClr val="tx1"/>
-                </a:solidFill>
-                <a:latin typeface="+mn-lt"/>
-              </a:rPr>
-              <a:t>Third section 'the plant stood still' children', cats,pigs, n ducklings represent nature &amp; life. The lemon represents rejection of the workers requests. </a:t>
-            </a:r>
-          </a:p>
-          <a:p>
-            <a:r>
-              <a:rPr lang="en-US" sz="3200" dirty="0" smtClean="0"/>
-              <a:t>the fourth section 'The strike drags on' food store closes, ppl starve, spy takes pic of man taking off image, gets him beaten then becomes a tratior identify the enemies</a:t>
-            </a:r>
-          </a:p>
-          <a:p>
-            <a:endParaRPr lang="en-US" sz="3200" dirty="0" smtClean="0"/>
-          </a:p>
-          <a:p>
-            <a:endParaRPr lang="en-US" sz="3200" dirty="0" smtClean="0"/>
-          </a:p>
-          <a:p>
-            <a:endParaRPr lang="en-US" sz="3200" dirty="0" smtClean="0"/>
-          </a:p>
-          <a:p>
-            <a:endParaRPr lang="en-US" sz="3200" dirty="0" smtClean="0"/>
-          </a:p>
-          <a:p>
-            <a:endParaRPr lang="en-US" sz="3200" dirty="0" smtClean="0"/>
-          </a:p>
-          <a:p>
-            <a:endParaRPr lang="en-US" sz="3200" dirty="0" smtClean="0"/>
-          </a:p>
-          <a:p>
-            <a:endParaRPr lang="en-US" sz="3200" dirty="0" smtClean="0"/>
+              <a:t>Two sides are established, the lone capitalists, and the organised workers.  The workers have meetings in the water, bathroom, </a:t>
+            </a:r>
+            <a:r>
+              <a:rPr sz="3000"/>
+              <a:t>but they find whoever is spying on them always. </a:t>
+            </a:r>
+          </a:p>
+          <a:p>
+            <a:r>
+              <a:rPr sz="3000"/>
+              <a:t>They go to a pinic, in the factory yard, they knock down a spy with the wheel. </a:t>
+            </a:r>
+          </a:p>
+          <a:p>
+            <a:r>
+              <a:rPr sz="3000"/>
+              <a:t>Second part is called a reason to strike, guy loses his micometer, when he goes to the office they say he stole it, he kills himself as a result</a:t>
+            </a:r>
+          </a:p>
+          <a:p>
+            <a:endParaRPr sz="3000"/>
+          </a:p>
+          <a:p>
+            <a:endParaRPr sz="3000"/>
+          </a:p>
+          <a:p>
+            <a:endParaRPr dirty="0" lang="en-US" smtClean="0" sz="3200"/>
+          </a:p>
+          <a:p>
+            <a:endParaRPr dirty="0" lang="en-US" smtClean="0" sz="3200"/>
+          </a:p>
+          <a:p>
+            <a:endParaRPr dirty="0" lang="en-US" smtClean="0" sz="3200"/>
+          </a:p>
+          <a:p>
+            <a:endParaRPr dirty="0" lang="en-US" smtClean="0" sz="3200"/>
           </a:p>
         </p:txBody>
       </p:sp>
@@ -8119,7 +8128,7 @@
           <a:lstStyle/>
           <a:p>
             <a:r>
-              <a:rPr lang="en-US" sz="3200" dirty="0" smtClean="0"/>
+              <a:rPr dirty="0" lang="en-US" smtClean="0" sz="3200"/>
               <a:t>P </a:t>
             </a:r>
             <a:r>
@@ -8129,7 +8138,7 @@
                 </a:solidFill>
                 <a:latin typeface="+mn-lt"/>
               </a:rPr>
-              <a:t> 51(pdf)</a:t>
+              <a:t> 50(pdf)</a:t>
             </a:r>
           </a:p>
           <a:p>
@@ -8140,7 +8149,7 @@
                 </a:solidFill>
                 <a:latin typeface="+mn-lt"/>
               </a:rPr>
-              <a:t>The fifth part 'provocation to disaster' some agent goes to the underworld, and their leaders chooses a group of ppl from barrels to cause trouble. The owl follows a group of ppl through the steets. </a:t>
+              <a:t>The locomotive was a sign of the peoples power. the hat in the water was a sign of rich ppl impotence. </a:t>
             </a:r>
           </a:p>
           <a:p>
@@ -8151,44 +8160,35 @@
                 </a:solidFill>
                 <a:latin typeface="+mn-lt"/>
               </a:rPr>
-              <a:t>The criminals burn down  a building a firefighters are called, but they turn the hoses on the workers and flush out the ringleaders. </a:t>
-            </a:r>
-          </a:p>
-          <a:p>
-            <a:endParaRPr sz="3200">
-              <a:solidFill>
-                <a:schemeClr val="tx1"/>
-              </a:solidFill>
-              <a:latin typeface="+mn-lt"/>
-            </a:endParaRPr>
-          </a:p>
-          <a:p>
-            <a:endParaRPr sz="3200">
-              <a:solidFill>
-                <a:schemeClr val="tx1"/>
-              </a:solidFill>
-              <a:latin typeface="+mn-lt"/>
-            </a:endParaRPr>
-          </a:p>
-          <a:p>
-            <a:endParaRPr sz="3200">
-              <a:solidFill>
-                <a:schemeClr val="tx1"/>
-              </a:solidFill>
-              <a:latin typeface="+mn-lt"/>
-            </a:endParaRPr>
-          </a:p>
-          <a:p>
-            <a:endParaRPr lang="en-US" sz="3200" dirty="0" smtClean="0"/>
-          </a:p>
-          <a:p>
-            <a:endParaRPr lang="en-US" sz="3200" dirty="0" smtClean="0"/>
-          </a:p>
-          <a:p>
-            <a:endParaRPr lang="en-US" sz="3200" dirty="0" smtClean="0"/>
-          </a:p>
-          <a:p>
-            <a:endParaRPr lang="en-US" sz="3200" dirty="0" smtClean="0"/>
+              <a:t>Third section 'the plant stood still' children', cats,pigs, n ducklings represent nature &amp; life. The lemon represents rejection of the workers requests. </a:t>
+            </a:r>
+          </a:p>
+          <a:p>
+            <a:r>
+              <a:rPr dirty="0" lang="en-US" smtClean="0" sz="3200"/>
+              <a:t>the fourth section 'The strike drags on' food store closes, ppl starve, spy takes pic of man taking off image, gets him beaten then becomes a tratior identify the enemies</a:t>
+            </a:r>
+          </a:p>
+          <a:p>
+            <a:endParaRPr dirty="0" lang="en-US" smtClean="0" sz="3200"/>
+          </a:p>
+          <a:p>
+            <a:endParaRPr dirty="0" lang="en-US" smtClean="0" sz="3200"/>
+          </a:p>
+          <a:p>
+            <a:endParaRPr dirty="0" lang="en-US" smtClean="0" sz="3200"/>
+          </a:p>
+          <a:p>
+            <a:endParaRPr dirty="0" lang="en-US" smtClean="0" sz="3200"/>
+          </a:p>
+          <a:p>
+            <a:endParaRPr dirty="0" lang="en-US" smtClean="0" sz="3200"/>
+          </a:p>
+          <a:p>
+            <a:endParaRPr dirty="0" lang="en-US" smtClean="0" sz="3200"/>
+          </a:p>
+          <a:p>
+            <a:endParaRPr dirty="0" lang="en-US" smtClean="0" sz="3200"/>
           </a:p>
         </p:txBody>
       </p:sp>
@@ -8245,7 +8245,7 @@
           <a:lstStyle/>
           <a:p>
             <a:r>
-              <a:rPr lang="en-US" sz="3200" dirty="0" smtClean="0"/>
+              <a:rPr dirty="0" lang="en-US" smtClean="0" sz="3200"/>
               <a:t>P </a:t>
             </a:r>
             <a:r>
@@ -8255,7 +8255,7 @@
                 </a:solidFill>
                 <a:latin typeface="+mn-lt"/>
               </a:rPr>
-              <a:t> 52(pdf)</a:t>
+              <a:t> 51(pdf)</a:t>
             </a:r>
           </a:p>
           <a:p>
@@ -8266,7 +8266,7 @@
                 </a:solidFill>
                 <a:latin typeface="+mn-lt"/>
               </a:rPr>
-              <a:t>The sixth part 'Liquidation' the calvary comes in and gets reckless. The worker denies to help and is sent back to his cell. </a:t>
+              <a:t>The fifth part 'provocation to disaster' some agent goes to the underworld, and their leaders chooses a group of ppl from barrels to cause trouble. The owl follows a group of ppl through the steets. </a:t>
             </a:r>
           </a:p>
           <a:p>
@@ -8277,7 +8277,7 @@
                 </a:solidFill>
                 <a:latin typeface="+mn-lt"/>
               </a:rPr>
-              <a:t>Eisen uses a cattle  killed to describe whats going on.He did the montage the way he did to achieve the most brilliant death scene</a:t>
+              <a:t>The criminals burn down  a building a firefighters are called, but they turn the hoses on the workers and flush out the ringleaders. </a:t>
             </a:r>
           </a:p>
           <a:p>
@@ -8305,16 +8305,16 @@
             </a:endParaRPr>
           </a:p>
           <a:p>
-            <a:endParaRPr lang="en-US" sz="3200" dirty="0" smtClean="0"/>
-          </a:p>
-          <a:p>
-            <a:endParaRPr lang="en-US" sz="3200" dirty="0" smtClean="0"/>
-          </a:p>
-          <a:p>
-            <a:endParaRPr lang="en-US" sz="3200" dirty="0" smtClean="0"/>
-          </a:p>
-          <a:p>
-            <a:endParaRPr lang="en-US" sz="3200" dirty="0" smtClean="0"/>
+            <a:endParaRPr dirty="0" lang="en-US" smtClean="0" sz="3200"/>
+          </a:p>
+          <a:p>
+            <a:endParaRPr dirty="0" lang="en-US" smtClean="0" sz="3200"/>
+          </a:p>
+          <a:p>
+            <a:endParaRPr dirty="0" lang="en-US" smtClean="0" sz="3200"/>
+          </a:p>
+          <a:p>
+            <a:endParaRPr dirty="0" lang="en-US" smtClean="0" sz="3200"/>
           </a:p>
         </p:txBody>
       </p:sp>
@@ -8371,7 +8371,7 @@
           <a:lstStyle/>
           <a:p>
             <a:r>
-              <a:rPr lang="en-US" sz="3200" dirty="0" smtClean="0"/>
+              <a:rPr dirty="0" lang="en-US" smtClean="0" sz="3200"/>
               <a:t>P </a:t>
             </a:r>
             <a:r>
@@ -8381,7 +8381,7 @@
                 </a:solidFill>
                 <a:latin typeface="+mn-lt"/>
               </a:rPr>
-              <a:t> 54(pdf).</a:t>
+              <a:t> 52(pdf)</a:t>
             </a:r>
           </a:p>
           <a:p>
@@ -8392,7 +8392,7 @@
                 </a:solidFill>
                 <a:latin typeface="+mn-lt"/>
               </a:rPr>
-              <a:t>( pg 53 was just scenes from part six).I do not understand the first paragraph. </a:t>
+              <a:t>The sixth part 'Liquidation' the calvary comes in and gets reckless. The worker denies to help and is sent back to his cell. </a:t>
             </a:r>
           </a:p>
           <a:p>
@@ -8403,7 +8403,7 @@
                 </a:solidFill>
                 <a:latin typeface="+mn-lt"/>
               </a:rPr>
-              <a:t>Although it received  a gold medal, ppl didn;'t like the film, they said it was hard to know what was going on</a:t>
+              <a:t>Eisen uses a cattle  killed to describe whats going on.He did the montage the way he did to achieve the most brilliant death scene</a:t>
             </a:r>
           </a:p>
           <a:p>
@@ -8431,16 +8431,16 @@
             </a:endParaRPr>
           </a:p>
           <a:p>
-            <a:endParaRPr lang="en-US" sz="3200" dirty="0" smtClean="0"/>
-          </a:p>
-          <a:p>
-            <a:endParaRPr lang="en-US" sz="3200" dirty="0" smtClean="0"/>
-          </a:p>
-          <a:p>
-            <a:endParaRPr lang="en-US" sz="3200" dirty="0" smtClean="0"/>
-          </a:p>
-          <a:p>
-            <a:endParaRPr lang="en-US" sz="3200" dirty="0" smtClean="0"/>
+            <a:endParaRPr dirty="0" lang="en-US" smtClean="0" sz="3200"/>
+          </a:p>
+          <a:p>
+            <a:endParaRPr dirty="0" lang="en-US" smtClean="0" sz="3200"/>
+          </a:p>
+          <a:p>
+            <a:endParaRPr dirty="0" lang="en-US" smtClean="0" sz="3200"/>
+          </a:p>
+          <a:p>
+            <a:endParaRPr dirty="0" lang="en-US" smtClean="0" sz="3200"/>
           </a:p>
         </p:txBody>
       </p:sp>
@@ -8497,7 +8497,7 @@
           <a:lstStyle/>
           <a:p>
             <a:r>
-              <a:rPr lang="en-US" sz="3200" dirty="0" smtClean="0"/>
+              <a:rPr dirty="0" lang="en-US" smtClean="0" sz="3200"/>
               <a:t>P </a:t>
             </a:r>
             <a:r>
@@ -8526,16 +8526,16 @@
             <a:endParaRPr/>
           </a:p>
           <a:p>
-            <a:endParaRPr lang="en-US" sz="3200" dirty="0" smtClean="0"/>
-          </a:p>
-          <a:p>
-            <a:endParaRPr lang="en-US" sz="3200" dirty="0" smtClean="0"/>
-          </a:p>
-          <a:p>
-            <a:endParaRPr lang="en-US" sz="3200" dirty="0" smtClean="0"/>
-          </a:p>
-          <a:p>
-            <a:endParaRPr lang="en-US" sz="3200" dirty="0" smtClean="0"/>
+            <a:endParaRPr dirty="0" lang="en-US" smtClean="0" sz="3200"/>
+          </a:p>
+          <a:p>
+            <a:endParaRPr dirty="0" lang="en-US" smtClean="0" sz="3200"/>
+          </a:p>
+          <a:p>
+            <a:endParaRPr dirty="0" lang="en-US" smtClean="0" sz="3200"/>
+          </a:p>
+          <a:p>
+            <a:endParaRPr dirty="0" lang="en-US" smtClean="0" sz="3200"/>
           </a:p>
         </p:txBody>
       </p:sp>
@@ -8592,44 +8592,44 @@
           <a:lstStyle/>
           <a:p>
             <a:r>
-              <a:rPr lang="en-US" sz="3200" dirty="0" smtClean="0"/>
+              <a:rPr dirty="0" lang="en-US" smtClean="0" sz="3200"/>
               <a:t>20 min</a:t>
             </a:r>
           </a:p>
           <a:p>
             <a:r>
-              <a:rPr lang="en-US" sz="3200" dirty="0" smtClean="0"/>
+              <a:rPr dirty="0" lang="en-US" smtClean="0" sz="3200"/>
               <a:t>After they got a </a:t>
             </a:r>
             <a:r>
-              <a:rPr lang="en-US" sz="3200" dirty="0" err="1" smtClean="0"/>
+              <a:rPr dirty="0" err="1" lang="en-US" smtClean="0" sz="3200"/>
               <a:t>pinic</a:t>
             </a:r>
             <a:r>
-              <a:rPr lang="en-US" sz="3200" dirty="0" smtClean="0"/>
+              <a:rPr dirty="0" lang="en-US" smtClean="0" sz="3200"/>
               <a:t> going where they show their teeth</a:t>
             </a:r>
           </a:p>
           <a:p>
             <a:r>
-              <a:rPr lang="en-US" sz="3200" dirty="0" smtClean="0"/>
+              <a:rPr dirty="0" lang="en-US" smtClean="0" sz="3200"/>
               <a:t>A machine was carrying a wheel and they knocked over the manager w/ it </a:t>
             </a:r>
           </a:p>
           <a:p>
             <a:r>
-              <a:rPr lang="en-US" sz="3200" dirty="0" smtClean="0"/>
+              <a:rPr dirty="0" lang="en-US" smtClean="0" sz="3200"/>
               <a:t>They get ready to strike</a:t>
             </a:r>
           </a:p>
           <a:p>
             <a:r>
-              <a:rPr lang="en-US" sz="3200" dirty="0" smtClean="0"/>
+              <a:rPr dirty="0" lang="en-US" smtClean="0" sz="3200"/>
               <a:t>A micrometer got stolen, it costs 25 rubles, someone loses three weeks pay</a:t>
             </a:r>
           </a:p>
           <a:p>
-            <a:endParaRPr lang="en-US" sz="3200" dirty="0" smtClean="0"/>
+            <a:endParaRPr dirty="0" lang="en-US" smtClean="0" sz="3200"/>
           </a:p>
         </p:txBody>
       </p:sp>
@@ -8686,31 +8686,31 @@
           <a:lstStyle/>
           <a:p>
             <a:r>
-              <a:rPr lang="en-US" sz="3200" dirty="0" smtClean="0"/>
+              <a:rPr dirty="0" lang="en-US" smtClean="0" sz="3200"/>
               <a:t>25 min</a:t>
             </a:r>
           </a:p>
           <a:p>
             <a:r>
-              <a:rPr lang="en-US" sz="3200" dirty="0" smtClean="0"/>
+              <a:rPr dirty="0" lang="en-US" smtClean="0" sz="3200"/>
               <a:t>The guy goes report him, the managers say he stole it and he gets no pay</a:t>
             </a:r>
           </a:p>
           <a:p>
             <a:r>
-              <a:rPr lang="en-US" sz="3200" dirty="0" smtClean="0"/>
+              <a:rPr dirty="0" lang="en-US" smtClean="0" sz="3200"/>
               <a:t>He kills himself because he cannot live as a thief</a:t>
             </a:r>
           </a:p>
           <a:p>
             <a:r>
-              <a:rPr lang="en-US" sz="3200" dirty="0" smtClean="0"/>
+              <a:rPr dirty="0" lang="en-US" smtClean="0" sz="3200"/>
               <a:t>His friends see the note and when the manager comes they overtake him, and probably kill</a:t>
             </a:r>
           </a:p>
           <a:p>
             <a:r>
-              <a:rPr lang="en-US" sz="3200" dirty="0" smtClean="0"/>
+              <a:rPr dirty="0" lang="en-US" smtClean="0" sz="3200"/>
               <a:t>It is noised throughout the factory that everyone should stop work</a:t>
             </a:r>
           </a:p>
@@ -8769,53 +8769,53 @@
           <a:lstStyle/>
           <a:p>
             <a:r>
-              <a:rPr lang="en-US" sz="3200" dirty="0" smtClean="0"/>
+              <a:rPr dirty="0" lang="en-US" smtClean="0" sz="3200"/>
               <a:t>30 min</a:t>
             </a:r>
           </a:p>
           <a:p>
             <a:r>
-              <a:rPr lang="en-US" sz="3200" dirty="0" smtClean="0"/>
+              <a:rPr dirty="0" lang="en-US" smtClean="0" sz="3200"/>
               <a:t>Two men start fighting, everyone starts running somewhere</a:t>
             </a:r>
           </a:p>
           <a:p>
             <a:r>
-              <a:rPr lang="en-US" sz="3200" dirty="0" smtClean="0"/>
+              <a:rPr dirty="0" lang="en-US" smtClean="0" sz="3200"/>
               <a:t>They head to the old foundry, but they hold them at the door</a:t>
             </a:r>
           </a:p>
           <a:p>
             <a:r>
-              <a:rPr lang="en-US" sz="3200" dirty="0" smtClean="0"/>
+              <a:rPr dirty="0" lang="en-US" smtClean="0" sz="3200"/>
               <a:t>They start throwing rocks at it</a:t>
             </a:r>
           </a:p>
           <a:p>
             <a:r>
-              <a:rPr lang="en-US" sz="3200" dirty="0" smtClean="0"/>
+              <a:rPr dirty="0" lang="en-US" smtClean="0" sz="3200"/>
               <a:t>Then they head to the office</a:t>
             </a:r>
           </a:p>
           <a:p>
             <a:r>
-              <a:rPr lang="en-US" sz="3200" dirty="0" err="1" smtClean="0"/>
+              <a:rPr dirty="0" err="1" lang="en-US" smtClean="0" sz="3200"/>
               <a:t>Ceo</a:t>
             </a:r>
             <a:r>
-              <a:rPr lang="en-US" sz="3200" dirty="0" smtClean="0"/>
+              <a:rPr dirty="0" lang="en-US" smtClean="0" sz="3200"/>
               <a:t> start calling people</a:t>
             </a:r>
           </a:p>
           <a:p>
             <a:r>
-              <a:rPr lang="en-US" sz="3200" dirty="0" smtClean="0"/>
+              <a:rPr dirty="0" lang="en-US" smtClean="0" sz="3200"/>
               <a:t>The workers say let no one in or out</a:t>
             </a:r>
           </a:p>
           <a:p>
             <a:r>
-              <a:rPr lang="en-US" sz="3200" dirty="0" smtClean="0"/>
+              <a:rPr dirty="0" lang="en-US" smtClean="0" sz="3200"/>
               <a:t>Managers going crazy</a:t>
             </a:r>
           </a:p>
@@ -8874,42 +8874,42 @@
           <a:lstStyle/>
           <a:p>
             <a:r>
-              <a:rPr lang="en-US" sz="3200" dirty="0" smtClean="0"/>
+              <a:rPr dirty="0" lang="en-US" smtClean="0" sz="3200"/>
               <a:t>35 min</a:t>
             </a:r>
           </a:p>
           <a:p>
             <a:r>
-              <a:rPr lang="en-US" sz="3200" dirty="0" smtClean="0"/>
+              <a:rPr dirty="0" lang="en-US" smtClean="0" sz="3200"/>
               <a:t>They say they need us</a:t>
             </a:r>
           </a:p>
           <a:p>
             <a:r>
-              <a:rPr lang="en-US" sz="3200" dirty="0" smtClean="0"/>
+              <a:rPr dirty="0" lang="en-US" smtClean="0" sz="3200"/>
               <a:t>They seize the  managers and roll him in a  carriage</a:t>
             </a:r>
           </a:p>
           <a:p>
             <a:r>
-              <a:rPr lang="en-US" sz="3200" dirty="0" smtClean="0"/>
+              <a:rPr dirty="0" lang="en-US" smtClean="0" sz="3200"/>
               <a:t>The managers get thrown down a hill to a boat for them to leave</a:t>
             </a:r>
           </a:p>
           <a:p>
             <a:r>
-              <a:rPr lang="en-US" sz="3200" dirty="0" smtClean="0"/>
+              <a:rPr dirty="0" lang="en-US" smtClean="0" sz="3200"/>
               <a:t>He asks why didn’t you warn</a:t>
             </a:r>
           </a:p>
           <a:p>
             <a:r>
-              <a:rPr lang="en-US" sz="3200" dirty="0" smtClean="0"/>
+              <a:rPr dirty="0" lang="en-US" smtClean="0" sz="3200"/>
               <a:t>So there is no work, daughter wakes up a man says get up for work</a:t>
             </a:r>
           </a:p>
           <a:p>
-            <a:endParaRPr lang="en-US" sz="3200" dirty="0" smtClean="0"/>
+            <a:endParaRPr dirty="0" lang="en-US" smtClean="0" sz="3200"/>
           </a:p>
         </p:txBody>
       </p:sp>
@@ -8931,10 +8931,10 @@
   <a:themeElements>
     <a:clrScheme name="Office">
       <a:dk1>
-        <a:sysClr val="windowText" lastClr="000000"/>
+        <a:sysClr lastClr="000000" val="windowText"/>
       </a:dk1>
       <a:lt1>
-        <a:sysClr val="window" lastClr="FFFFFF"/>
+        <a:sysClr lastClr="FFFFFF" val="window"/>
       </a:lt1>
       <a:dk2>
         <a:srgbClr val="44546A"/>
@@ -8969,7 +8969,7 @@
     </a:clrScheme>
     <a:fontScheme name="Office">
       <a:majorFont>
-        <a:latin typeface="Calibri Light" panose="020F0302020204030204"/>
+        <a:latin panose="020F0302020204030204" typeface="Calibri Light"/>
         <a:ea typeface=""/>
         <a:cs typeface=""/>
         <a:font script="Jpan" typeface="游ゴシック Light"/>
@@ -9004,7 +9004,7 @@
         <a:font script="Geor" typeface="Sylfaen"/>
       </a:majorFont>
       <a:minorFont>
-        <a:latin typeface="Calibri" panose="020F0502020204030204"/>
+        <a:latin panose="020F0502020204030204" typeface="Calibri"/>
         <a:ea typeface=""/>
         <a:cs typeface=""/>
         <a:font script="Jpan" typeface="游ゴシック"/>
@@ -9098,21 +9098,21 @@
         </a:gradFill>
       </a:fillStyleLst>
       <a:lnStyleLst>
-        <a:ln w="6350" cap="flat" cmpd="sng" algn="ctr">
+        <a:ln algn="ctr" cap="flat" cmpd="sng" w="6350">
           <a:solidFill>
             <a:schemeClr val="phClr"/>
           </a:solidFill>
           <a:prstDash val="solid"/>
           <a:miter lim="800000"/>
         </a:ln>
-        <a:ln w="12700" cap="flat" cmpd="sng" algn="ctr">
+        <a:ln algn="ctr" cap="flat" cmpd="sng" w="12700">
           <a:solidFill>
             <a:schemeClr val="phClr"/>
           </a:solidFill>
           <a:prstDash val="solid"/>
           <a:miter lim="800000"/>
         </a:ln>
-        <a:ln w="19050" cap="flat" cmpd="sng" algn="ctr">
+        <a:ln algn="ctr" cap="flat" cmpd="sng" w="19050">
           <a:solidFill>
             <a:schemeClr val="phClr"/>
           </a:solidFill>
@@ -9129,7 +9129,7 @@
         </a:effectStyle>
         <a:effectStyle>
           <a:effectLst>
-            <a:outerShdw blurRad="57150" dist="19050" dir="5400000" algn="ctr" rotWithShape="0">
+            <a:outerShdw algn="ctr" blurRad="57150" dir="5400000" dist="19050" rotWithShape="0">
               <a:srgbClr val="000000">
                 <a:alpha val="63000"/>
               </a:srgbClr>
@@ -9181,7 +9181,7 @@
   <a:extraClrSchemeLst/>
   <a:extLst>
     <a:ext uri="{05A4C25C-085E-4340-85A3-A5531E510DB2}">
-      <thm15:themeFamily xmlns:thm15="http://schemas.microsoft.com/office/thememl/2012/main" name="Office Theme" id="{62F939B6-93AF-4DB8-9C6B-D6C7DFDC589F}" vid="{4A3C46E8-61CC-4603-A589-7422A47A8E4A}"/>
+      <thm15:themeFamily xmlns:thm15="http://schemas.microsoft.com/office/thememl/2012/main" id="{62F939B6-93AF-4DB8-9C6B-D6C7DFDC589F}" name="Office Theme" vid="{4A3C46E8-61CC-4603-A589-7422A47A8E4A}"/>
     </a:ext>
   </a:extLst>
 </a:theme>

--- a/Spring 2017 Semester/Music or Arts/ARUS HW/6 ARUS HW/ARUS HW#6 notes.pptx
+++ b/Spring 2017 Semester/Music or Arts/ARUS HW/6 ARUS HW/ARUS HW#6 notes.pptx
@@ -4,62 +4,65 @@
   <p:sldMasterIdLst>
     <p:sldMasterId id="2147483659" r:id="rId5"/>
   </p:sldMasterIdLst>
+  <p:notesMasterIdLst>
+    <p:notesMasterId r:id="rId6"/>
+  </p:notesMasterIdLst>
   <p:sldIdLst>
-    <p:sldId id="256" r:id="rId6"/>
-    <p:sldId id="257" r:id="rId7"/>
-    <p:sldId id="258" r:id="rId8"/>
-    <p:sldId id="259" r:id="rId9"/>
-    <p:sldId id="260" r:id="rId10"/>
-    <p:sldId id="261" r:id="rId11"/>
-    <p:sldId id="262" r:id="rId12"/>
-    <p:sldId id="263" r:id="rId13"/>
-    <p:sldId id="264" r:id="rId14"/>
-    <p:sldId id="265" r:id="rId15"/>
-    <p:sldId id="266" r:id="rId16"/>
-    <p:sldId id="267" r:id="rId17"/>
-    <p:sldId id="268" r:id="rId18"/>
-    <p:sldId id="269" r:id="rId19"/>
-    <p:sldId id="270" r:id="rId20"/>
-    <p:sldId id="271" r:id="rId21"/>
-    <p:sldId id="272" r:id="rId22"/>
-    <p:sldId id="273" r:id="rId23"/>
-    <p:sldId id="274" r:id="rId24"/>
-    <p:sldId id="275" r:id="rId25"/>
-    <p:sldId id="276" r:id="rId26"/>
-    <p:sldId id="277" r:id="rId27"/>
-    <p:sldId id="278" r:id="rId28"/>
-    <p:sldId id="279" r:id="rId29"/>
-    <p:sldId id="280" r:id="rId30"/>
-    <p:sldId id="281" r:id="rId31"/>
-    <p:sldId id="282" r:id="rId32"/>
-    <p:sldId id="283" r:id="rId33"/>
-    <p:sldId id="284" r:id="rId34"/>
-    <p:sldId id="285" r:id="rId35"/>
-    <p:sldId id="286" r:id="rId36"/>
-    <p:sldId id="287" r:id="rId37"/>
-    <p:sldId id="288" r:id="rId38"/>
-    <p:sldId id="289" r:id="rId39"/>
-    <p:sldId id="290" r:id="rId40"/>
-    <p:sldId id="291" r:id="rId41"/>
-    <p:sldId id="292" r:id="rId42"/>
-    <p:sldId id="293" r:id="rId43"/>
-    <p:sldId id="294" r:id="rId44"/>
-    <p:sldId id="295" r:id="rId45"/>
-    <p:sldId id="296" r:id="rId46"/>
-    <p:sldId id="297" r:id="rId47"/>
-    <p:sldId id="298" r:id="rId48"/>
-    <p:sldId id="299" r:id="rId49"/>
-    <p:sldId id="300" r:id="rId50"/>
-    <p:sldId id="301" r:id="rId51"/>
-    <p:sldId id="302" r:id="rId52"/>
-    <p:sldId id="303" r:id="rId53"/>
-    <p:sldId id="304" r:id="rId54"/>
-    <p:sldId id="305" r:id="rId55"/>
-    <p:sldId id="306" r:id="rId56"/>
-    <p:sldId id="307" r:id="rId57"/>
-    <p:sldId id="308" r:id="rId58"/>
-    <p:sldId id="309" r:id="rId59"/>
-    <p:sldId id="310" r:id="rId60"/>
+    <p:sldId id="256" r:id="rId7"/>
+    <p:sldId id="257" r:id="rId8"/>
+    <p:sldId id="258" r:id="rId9"/>
+    <p:sldId id="259" r:id="rId10"/>
+    <p:sldId id="260" r:id="rId11"/>
+    <p:sldId id="261" r:id="rId12"/>
+    <p:sldId id="262" r:id="rId13"/>
+    <p:sldId id="263" r:id="rId14"/>
+    <p:sldId id="264" r:id="rId15"/>
+    <p:sldId id="265" r:id="rId16"/>
+    <p:sldId id="266" r:id="rId17"/>
+    <p:sldId id="267" r:id="rId18"/>
+    <p:sldId id="268" r:id="rId19"/>
+    <p:sldId id="269" r:id="rId20"/>
+    <p:sldId id="270" r:id="rId21"/>
+    <p:sldId id="271" r:id="rId22"/>
+    <p:sldId id="272" r:id="rId23"/>
+    <p:sldId id="273" r:id="rId24"/>
+    <p:sldId id="274" r:id="rId25"/>
+    <p:sldId id="275" r:id="rId26"/>
+    <p:sldId id="276" r:id="rId27"/>
+    <p:sldId id="277" r:id="rId28"/>
+    <p:sldId id="278" r:id="rId29"/>
+    <p:sldId id="279" r:id="rId30"/>
+    <p:sldId id="280" r:id="rId31"/>
+    <p:sldId id="281" r:id="rId32"/>
+    <p:sldId id="282" r:id="rId33"/>
+    <p:sldId id="283" r:id="rId34"/>
+    <p:sldId id="284" r:id="rId35"/>
+    <p:sldId id="285" r:id="rId36"/>
+    <p:sldId id="286" r:id="rId37"/>
+    <p:sldId id="287" r:id="rId38"/>
+    <p:sldId id="288" r:id="rId39"/>
+    <p:sldId id="289" r:id="rId40"/>
+    <p:sldId id="290" r:id="rId41"/>
+    <p:sldId id="291" r:id="rId42"/>
+    <p:sldId id="292" r:id="rId43"/>
+    <p:sldId id="293" r:id="rId44"/>
+    <p:sldId id="294" r:id="rId45"/>
+    <p:sldId id="295" r:id="rId46"/>
+    <p:sldId id="296" r:id="rId47"/>
+    <p:sldId id="297" r:id="rId48"/>
+    <p:sldId id="298" r:id="rId49"/>
+    <p:sldId id="299" r:id="rId50"/>
+    <p:sldId id="300" r:id="rId51"/>
+    <p:sldId id="301" r:id="rId52"/>
+    <p:sldId id="302" r:id="rId53"/>
+    <p:sldId id="303" r:id="rId54"/>
+    <p:sldId id="304" r:id="rId55"/>
+    <p:sldId id="305" r:id="rId56"/>
+    <p:sldId id="306" r:id="rId57"/>
+    <p:sldId id="307" r:id="rId58"/>
+    <p:sldId id="308" r:id="rId59"/>
+    <p:sldId id="309" r:id="rId60"/>
+    <p:sldId id="310" r:id="rId61"/>
   </p:sldIdLst>
   <p:sldSz cx="12192000" cy="6858000"/>
   <p:notesSz cx="6858000" cy="9144000"/>
@@ -164,6 +167,444 @@
     </p:ext>
   </p:extLst>
 </p:presentation>
+</file>
+
+<file path=ppt/notesMasters/notesMaster1.xml><?xml version="1.0" encoding="utf-8"?>
+<p:notesMaster xmlns:p="http://schemas.openxmlformats.org/presentationml/2006/main" xmlns:a="http://schemas.openxmlformats.org/drawingml/2006/main" xmlns:r="http://schemas.openxmlformats.org/officeDocument/2006/relationships">
+  <p:cSld>
+    <p:bg>
+      <p:bgRef idx="1001">
+        <a:schemeClr val="bg1"/>
+      </p:bgRef>
+    </p:bg>
+    <p:spTree>
+      <p:nvGrpSpPr>
+        <p:cNvPr id="1" name=""/>
+        <p:cNvGrpSpPr/>
+        <p:nvPr/>
+      </p:nvGrpSpPr>
+      <p:grpSpPr>
+        <a:xfrm>
+          <a:off x="0" y="0"/>
+          <a:ext cx="0" cy="0"/>
+          <a:chOff x="0" y="0"/>
+          <a:chExt cx="0" cy="0"/>
+        </a:xfrm>
+      </p:grpSpPr>
+      <p:sp>
+        <p:nvSpPr>
+          <p:cNvPr id="2" name="Header Placeholder 1"/>
+          <p:cNvSpPr>
+            <a:spLocks noGrp="1"/>
+          </p:cNvSpPr>
+          <p:nvPr>
+            <p:ph sz="quarter" type="hdr"/>
+          </p:nvPr>
+        </p:nvSpPr>
+        <p:spPr>
+          <a:xfrm>
+            <a:off x="0" y="0"/>
+            <a:ext cx="2971800" cy="457200"/>
+          </a:xfrm>
+          <a:prstGeom prst="rect">
+            <a:avLst/>
+          </a:prstGeom>
+        </p:spPr>
+        <p:txBody>
+          <a:bodyPr bIns="45720" lIns="91440" numCol="1" rIns="91440" rtlCol="0" tIns="45720" vert="horz"/>
+          <a:lstStyle>
+            <a:lvl1pPr algn="l">
+              <a:defRPr sz="1200"/>
+            </a:lvl1pPr>
+          </a:lstStyle>
+          <a:p>
+            <a:endParaRPr lang="en-US"/>
+          </a:p>
+        </p:txBody>
+      </p:sp>
+      <p:sp>
+        <p:nvSpPr>
+          <p:cNvPr id="3" name="Date Placeholder 2"/>
+          <p:cNvSpPr>
+            <a:spLocks noGrp="1"/>
+          </p:cNvSpPr>
+          <p:nvPr>
+            <p:ph idx="1" type="dt"/>
+          </p:nvPr>
+        </p:nvSpPr>
+        <p:spPr>
+          <a:xfrm>
+            <a:off x="3884613" y="0"/>
+            <a:ext cx="2971800" cy="457200"/>
+          </a:xfrm>
+          <a:prstGeom prst="rect">
+            <a:avLst/>
+          </a:prstGeom>
+        </p:spPr>
+        <p:txBody>
+          <a:bodyPr bIns="45720" lIns="91440" numCol="1" rIns="91440" rtlCol="0" tIns="45720" vert="horz"/>
+          <a:lstStyle>
+            <a:lvl1pPr algn="r">
+              <a:defRPr sz="1200"/>
+            </a:lvl1pPr>
+          </a:lstStyle>
+          <a:p>
+            <a:fld id="{95D3B7ED-61F7-0542-AE7B-9795C4EFD070}" type="datetimeFigureOut">
+              <a:rPr lang="en-US" smtClean="0"/>
+              <a:t>28/07/15</a:t>
+            </a:fld>
+            <a:endParaRPr lang="en-US"/>
+          </a:p>
+        </p:txBody>
+      </p:sp>
+      <p:sp>
+        <p:nvSpPr>
+          <p:cNvPr id="4" name="Slide Image Placeholder 3"/>
+          <p:cNvSpPr>
+            <a:spLocks noChangeAspect="1" noGrp="1" noRot="1"/>
+          </p:cNvSpPr>
+          <p:nvPr>
+            <p:ph idx="2" type="sldImg"/>
+          </p:nvPr>
+        </p:nvSpPr>
+        <p:spPr>
+          <a:xfrm>
+            <a:off x="1143000" y="685800"/>
+            <a:ext cx="4572000" cy="3429000"/>
+          </a:xfrm>
+          <a:prstGeom prst="rect">
+            <a:avLst/>
+          </a:prstGeom>
+          <a:noFill/>
+          <a:ln w="12700">
+            <a:solidFill>
+              <a:prstClr val="black"/>
+            </a:solidFill>
+          </a:ln>
+        </p:spPr>
+        <p:txBody>
+          <a:bodyPr anchor="ctr" bIns="45720" lIns="91440" numCol="1" rIns="91440" rtlCol="0" tIns="45720" vert="horz"/>
+          <a:lstStyle/>
+          <a:p>
+            <a:endParaRPr lang="en-US"/>
+          </a:p>
+        </p:txBody>
+      </p:sp>
+      <p:sp>
+        <p:nvSpPr>
+          <p:cNvPr id="5" name="Notes Placeholder 4"/>
+          <p:cNvSpPr>
+            <a:spLocks noGrp="1"/>
+          </p:cNvSpPr>
+          <p:nvPr>
+            <p:ph idx="3" sz="quarter" type="body"/>
+          </p:nvPr>
+        </p:nvSpPr>
+        <p:spPr>
+          <a:xfrm>
+            <a:off x="685800" y="4343400"/>
+            <a:ext cx="5486400" cy="4114800"/>
+          </a:xfrm>
+          <a:prstGeom prst="rect">
+            <a:avLst/>
+          </a:prstGeom>
+        </p:spPr>
+        <p:txBody>
+          <a:bodyPr bIns="45720" lIns="91440" numCol="1" rIns="91440" rtlCol="0" tIns="45720" vert="horz"/>
+          <a:lstStyle/>
+          <a:p>
+            <a:pPr lvl="0"/>
+            <a:r>
+              <a:rPr lang="en-US" smtClean="0"/>
+              <a:t>Click to edit Master text styles</a:t>
+            </a:r>
+          </a:p>
+          <a:p>
+            <a:pPr lvl="1"/>
+            <a:r>
+              <a:rPr lang="en-US" smtClean="0"/>
+              <a:t>Second level</a:t>
+            </a:r>
+          </a:p>
+          <a:p>
+            <a:pPr lvl="2"/>
+            <a:r>
+              <a:rPr lang="en-US" smtClean="0"/>
+              <a:t>Third level</a:t>
+            </a:r>
+          </a:p>
+          <a:p>
+            <a:pPr lvl="3"/>
+            <a:r>
+              <a:rPr lang="en-US" smtClean="0"/>
+              <a:t>Fourth level</a:t>
+            </a:r>
+          </a:p>
+          <a:p>
+            <a:pPr lvl="4"/>
+            <a:r>
+              <a:rPr lang="en-US" smtClean="0"/>
+              <a:t>Fifth level</a:t>
+            </a:r>
+            <a:endParaRPr lang="en-US"/>
+          </a:p>
+        </p:txBody>
+      </p:sp>
+      <p:sp>
+        <p:nvSpPr>
+          <p:cNvPr id="6" name="Footer Placeholder 5"/>
+          <p:cNvSpPr>
+            <a:spLocks noGrp="1"/>
+          </p:cNvSpPr>
+          <p:nvPr>
+            <p:ph idx="4" sz="quarter" type="ftr"/>
+          </p:nvPr>
+        </p:nvSpPr>
+        <p:spPr>
+          <a:xfrm>
+            <a:off x="0" y="8685213"/>
+            <a:ext cx="2971800" cy="457200"/>
+          </a:xfrm>
+          <a:prstGeom prst="rect">
+            <a:avLst/>
+          </a:prstGeom>
+        </p:spPr>
+        <p:txBody>
+          <a:bodyPr anchor="b" bIns="45720" lIns="91440" numCol="1" rIns="91440" rtlCol="0" tIns="45720" vert="horz"/>
+          <a:lstStyle>
+            <a:lvl1pPr algn="l">
+              <a:defRPr sz="1200"/>
+            </a:lvl1pPr>
+          </a:lstStyle>
+          <a:p>
+            <a:endParaRPr lang="en-US"/>
+          </a:p>
+        </p:txBody>
+      </p:sp>
+      <p:sp>
+        <p:nvSpPr>
+          <p:cNvPr id="7" name="Slide Number Placeholder 6"/>
+          <p:cNvSpPr>
+            <a:spLocks noGrp="1"/>
+          </p:cNvSpPr>
+          <p:nvPr>
+            <p:ph idx="5" sz="quarter" type="sldNum"/>
+          </p:nvPr>
+        </p:nvSpPr>
+        <p:spPr>
+          <a:xfrm>
+            <a:off x="3884613" y="8685213"/>
+            <a:ext cx="2971800" cy="457200"/>
+          </a:xfrm>
+          <a:prstGeom prst="rect">
+            <a:avLst/>
+          </a:prstGeom>
+        </p:spPr>
+        <p:txBody>
+          <a:bodyPr anchor="b" bIns="45720" lIns="91440" numCol="1" rIns="91440" rtlCol="0" tIns="45720" vert="horz"/>
+          <a:lstStyle>
+            <a:lvl1pPr algn="r">
+              <a:defRPr sz="1200"/>
+            </a:lvl1pPr>
+          </a:lstStyle>
+          <a:p>
+            <a:fld id="{9C5789CE-836E-B042-843F-5605E41F5001}" type="slidenum">
+              <a:rPr lang="en-US" smtClean="0"/>
+              <a:t>‹#›</a:t>
+            </a:fld>
+            <a:endParaRPr lang="en-US"/>
+          </a:p>
+        </p:txBody>
+      </p:sp>
+    </p:spTree>
+    <p:extLst>
+      <p:ext uri="{BB962C8B-B14F-4D97-AF65-F5344CB8AC3E}">
+        <p14:creationId xmlns:p14="http://schemas.microsoft.com/office/powerpoint/2010/main" val="3715931753"/>
+      </p:ext>
+    </p:extLst>
+  </p:cSld>
+  <p:clrMap accent1="accent1" accent2="accent2" accent3="accent3" accent4="accent4" accent5="accent5" accent6="accent6" bg1="lt1" bg2="lt2" folHlink="folHlink" hlink="hlink" tx1="dk1" tx2="dk2"/>
+  <p:notesStyle>
+    <a:lvl1pPr algn="l" defTabSz="457200" eaLnBrk="1" hangingPunct="1" latinLnBrk="0" marL="0" rtl="0">
+      <a:defRPr kern="1200" sz="1200">
+        <a:solidFill>
+          <a:schemeClr val="tx1"/>
+        </a:solidFill>
+        <a:latin typeface="+mn-lt"/>
+        <a:ea typeface="+mn-ea"/>
+        <a:cs typeface="+mn-cs"/>
+      </a:defRPr>
+    </a:lvl1pPr>
+    <a:lvl2pPr algn="l" defTabSz="457200" eaLnBrk="1" hangingPunct="1" latinLnBrk="0" marL="457200" rtl="0">
+      <a:defRPr kern="1200" sz="1200">
+        <a:solidFill>
+          <a:schemeClr val="tx1"/>
+        </a:solidFill>
+        <a:latin typeface="+mn-lt"/>
+        <a:ea typeface="+mn-ea"/>
+        <a:cs typeface="+mn-cs"/>
+      </a:defRPr>
+    </a:lvl2pPr>
+    <a:lvl3pPr algn="l" defTabSz="457200" eaLnBrk="1" hangingPunct="1" latinLnBrk="0" marL="914400" rtl="0">
+      <a:defRPr kern="1200" sz="1200">
+        <a:solidFill>
+          <a:schemeClr val="tx1"/>
+        </a:solidFill>
+        <a:latin typeface="+mn-lt"/>
+        <a:ea typeface="+mn-ea"/>
+        <a:cs typeface="+mn-cs"/>
+      </a:defRPr>
+    </a:lvl3pPr>
+    <a:lvl4pPr algn="l" defTabSz="457200" eaLnBrk="1" hangingPunct="1" latinLnBrk="0" marL="1371600" rtl="0">
+      <a:defRPr kern="1200" sz="1200">
+        <a:solidFill>
+          <a:schemeClr val="tx1"/>
+        </a:solidFill>
+        <a:latin typeface="+mn-lt"/>
+        <a:ea typeface="+mn-ea"/>
+        <a:cs typeface="+mn-cs"/>
+      </a:defRPr>
+    </a:lvl4pPr>
+    <a:lvl5pPr algn="l" defTabSz="457200" eaLnBrk="1" hangingPunct="1" latinLnBrk="0" marL="1828800" rtl="0">
+      <a:defRPr kern="1200" sz="1200">
+        <a:solidFill>
+          <a:schemeClr val="tx1"/>
+        </a:solidFill>
+        <a:latin typeface="+mn-lt"/>
+        <a:ea typeface="+mn-ea"/>
+        <a:cs typeface="+mn-cs"/>
+      </a:defRPr>
+    </a:lvl5pPr>
+    <a:lvl6pPr algn="l" defTabSz="457200" eaLnBrk="1" hangingPunct="1" latinLnBrk="0" marL="2286000" rtl="0">
+      <a:defRPr kern="1200" sz="1200">
+        <a:solidFill>
+          <a:schemeClr val="tx1"/>
+        </a:solidFill>
+        <a:latin typeface="+mn-lt"/>
+        <a:ea typeface="+mn-ea"/>
+        <a:cs typeface="+mn-cs"/>
+      </a:defRPr>
+    </a:lvl6pPr>
+    <a:lvl7pPr algn="l" defTabSz="457200" eaLnBrk="1" hangingPunct="1" latinLnBrk="0" marL="2743200" rtl="0">
+      <a:defRPr kern="1200" sz="1200">
+        <a:solidFill>
+          <a:schemeClr val="tx1"/>
+        </a:solidFill>
+        <a:latin typeface="+mn-lt"/>
+        <a:ea typeface="+mn-ea"/>
+        <a:cs typeface="+mn-cs"/>
+      </a:defRPr>
+    </a:lvl7pPr>
+    <a:lvl8pPr algn="l" defTabSz="457200" eaLnBrk="1" hangingPunct="1" latinLnBrk="0" marL="3200400" rtl="0">
+      <a:defRPr kern="1200" sz="1200">
+        <a:solidFill>
+          <a:schemeClr val="tx1"/>
+        </a:solidFill>
+        <a:latin typeface="+mn-lt"/>
+        <a:ea typeface="+mn-ea"/>
+        <a:cs typeface="+mn-cs"/>
+      </a:defRPr>
+    </a:lvl8pPr>
+    <a:lvl9pPr algn="l" defTabSz="457200" eaLnBrk="1" hangingPunct="1" latinLnBrk="0" marL="3657600" rtl="0">
+      <a:defRPr kern="1200" sz="1200">
+        <a:solidFill>
+          <a:schemeClr val="tx1"/>
+        </a:solidFill>
+        <a:latin typeface="+mn-lt"/>
+        <a:ea typeface="+mn-ea"/>
+        <a:cs typeface="+mn-cs"/>
+      </a:defRPr>
+    </a:lvl9pPr>
+  </p:notesStyle>
+</p:notesMaster>
+</file>
+
+<file path=ppt/notesSlides/notesSlide1.xml><?xml version="1.0" encoding="utf-8"?>
+<p:notes xmlns:p="http://schemas.openxmlformats.org/presentationml/2006/main" xmlns:a="http://schemas.openxmlformats.org/drawingml/2006/main" xmlns:r="http://schemas.openxmlformats.org/officeDocument/2006/relationships">
+  <p:cSld>
+    <p:spTree>
+      <p:nvGrpSpPr>
+        <p:cNvPr id="1" name=""/>
+        <p:cNvGrpSpPr/>
+        <p:nvPr/>
+      </p:nvGrpSpPr>
+      <p:grpSpPr>
+        <a:xfrm>
+          <a:off x="0" y="0"/>
+          <a:ext cx="0" cy="0"/>
+          <a:chOff x="0" y="0"/>
+          <a:chExt cx="0" cy="0"/>
+        </a:xfrm>
+      </p:grpSpPr>
+      <p:sp>
+        <p:nvSpPr>
+          <p:cNvPr id="2" name="Slide Image Placeholder 1"/>
+          <p:cNvSpPr>
+            <a:spLocks noChangeAspect="1" noGrp="1" noRot="1"/>
+          </p:cNvSpPr>
+          <p:nvPr>
+            <p:ph type="sldImg"/>
+          </p:nvPr>
+        </p:nvSpPr>
+        <p:spPr/>
+      </p:sp>
+      <p:sp>
+        <p:nvSpPr>
+          <p:cNvPr id="3" name="Notes Placeholder 2"/>
+          <p:cNvSpPr>
+            <a:spLocks noGrp="1"/>
+          </p:cNvSpPr>
+          <p:nvPr>
+            <p:ph idx="1" type="body"/>
+          </p:nvPr>
+        </p:nvSpPr>
+        <p:spPr/>
+        <p:txBody>
+          <a:bodyPr numCol="1"/>
+          <a:lstStyle/>
+          <a:p>
+            <a:r>
+              <a:rPr/>
+              <a:t>done</a:t>
+            </a:r>
+            <a:endParaRPr lang="en-US"/>
+          </a:p>
+        </p:txBody>
+      </p:sp>
+      <p:sp>
+        <p:nvSpPr>
+          <p:cNvPr id="4" name="Slide Number Placeholder 3"/>
+          <p:cNvSpPr>
+            <a:spLocks noGrp="1"/>
+          </p:cNvSpPr>
+          <p:nvPr>
+            <p:ph idx="10" sz="quarter" type="sldNum"/>
+          </p:nvPr>
+        </p:nvSpPr>
+        <p:spPr/>
+        <p:txBody>
+          <a:bodyPr numCol="1"/>
+          <a:lstStyle/>
+          <a:p>
+            <a:fld id="{9C5789CE-836E-B042-843F-5605E41F5001}" type="slidenum">
+              <a:rPr lang="en-US" smtClean="0"/>
+              <a:t>1</a:t>
+            </a:fld>
+            <a:endParaRPr lang="en-US"/>
+          </a:p>
+        </p:txBody>
+      </p:sp>
+    </p:spTree>
+    <p:extLst>
+      <p:ext uri="{BB962C8B-B14F-4D97-AF65-F5344CB8AC3E}">
+        <p14:creationId xmlns:p14="http://schemas.microsoft.com/office/powerpoint/2010/main" val="3917283960"/>
+      </p:ext>
+    </p:extLst>
+  </p:cSld>
+  <p:clrMapOvr>
+    <a:masterClrMapping/>
+  </p:clrMapOvr>
+</p:notes>
 </file>
 
 <file path=ppt/slideLayouts/slideLayout1.xml><?xml version="1.0" encoding="utf-8"?>
@@ -3082,13 +3523,13 @@
           <a:p>
             <a:r>
               <a:rPr dirty="0" i="1" lang="en-US" smtClean="0" u="sng">
-                <a:hlinkClick r:id="rId2"/>
+                <a:hlinkClick r:id="rId3"/>
               </a:rPr>
               <a:t>The </a:t>
             </a:r>
             <a:r>
               <a:rPr dirty="0" i="1" lang="en-US" u="sng">
-                <a:hlinkClick r:id="rId3"/>
+                <a:hlinkClick r:id="rId4"/>
               </a:rPr>
               <a:t>Strike</a:t>
             </a:r>
@@ -9185,4 +9626,265 @@
     </a:ext>
   </a:extLst>
 </a:theme>
+</file>
+
+<file path=ppt/theme/theme2.xml><?xml version="1.0" encoding="utf-8"?>
+<a:theme xmlns:a="http://schemas.openxmlformats.org/drawingml/2006/main" name="Office Theme">
+  <a:themeElements>
+    <a:clrScheme name="Office">
+      <a:dk1>
+        <a:sysClr lastClr="000000" val="windowText"/>
+      </a:dk1>
+      <a:lt1>
+        <a:sysClr lastClr="FFFFFF" val="window"/>
+      </a:lt1>
+      <a:dk2>
+        <a:srgbClr val="44546A"/>
+      </a:dk2>
+      <a:lt2>
+        <a:srgbClr val="E7E6E6"/>
+      </a:lt2>
+      <a:accent1>
+        <a:srgbClr val="5B9BD5"/>
+      </a:accent1>
+      <a:accent2>
+        <a:srgbClr val="ED7D31"/>
+      </a:accent2>
+      <a:accent3>
+        <a:srgbClr val="A5A5A5"/>
+      </a:accent3>
+      <a:accent4>
+        <a:srgbClr val="FFC000"/>
+      </a:accent4>
+      <a:accent5>
+        <a:srgbClr val="4472C4"/>
+      </a:accent5>
+      <a:accent6>
+        <a:srgbClr val="70AD47"/>
+      </a:accent6>
+      <a:hlink>
+        <a:srgbClr val="0563C1"/>
+      </a:hlink>
+      <a:folHlink>
+        <a:srgbClr val="954F72"/>
+      </a:folHlink>
+    </a:clrScheme>
+    <a:fontScheme name="Office">
+      <a:majorFont>
+        <a:latin panose="020F0302020204030204" typeface="Calibri Light"/>
+        <a:ea typeface=""/>
+        <a:cs typeface=""/>
+        <a:font script="Jpan" typeface="游ゴシック Light"/>
+        <a:font script="Hang" typeface="맑은 고딕"/>
+        <a:font script="Hans" typeface="等线 Light"/>
+        <a:font script="Hant" typeface="新細明體"/>
+        <a:font script="Arab" typeface="Times New Roman"/>
+        <a:font script="Hebr" typeface="Times New Roman"/>
+        <a:font script="Thai" typeface="Angsana New"/>
+        <a:font script="Ethi" typeface="Nyala"/>
+        <a:font script="Beng" typeface="Vrinda"/>
+        <a:font script="Gujr" typeface="Shruti"/>
+        <a:font script="Khmr" typeface="MoolBoran"/>
+        <a:font script="Knda" typeface="Tunga"/>
+        <a:font script="Guru" typeface="Raavi"/>
+        <a:font script="Cans" typeface="Euphemia"/>
+        <a:font script="Cher" typeface="Plantagenet Cherokee"/>
+        <a:font script="Yiii" typeface="Microsoft Yi Baiti"/>
+        <a:font script="Tibt" typeface="Microsoft Himalaya"/>
+        <a:font script="Thaa" typeface="MV Boli"/>
+        <a:font script="Deva" typeface="Mangal"/>
+        <a:font script="Telu" typeface="Gautami"/>
+        <a:font script="Taml" typeface="Latha"/>
+        <a:font script="Syrc" typeface="Estrangelo Edessa"/>
+        <a:font script="Orya" typeface="Kalinga"/>
+        <a:font script="Mlym" typeface="Kartika"/>
+        <a:font script="Laoo" typeface="DokChampa"/>
+        <a:font script="Sinh" typeface="Iskoola Pota"/>
+        <a:font script="Mong" typeface="Mongolian Baiti"/>
+        <a:font script="Viet" typeface="Times New Roman"/>
+        <a:font script="Uigh" typeface="Microsoft Uighur"/>
+        <a:font script="Geor" typeface="Sylfaen"/>
+      </a:majorFont>
+      <a:minorFont>
+        <a:latin panose="020F0502020204030204" typeface="Calibri"/>
+        <a:ea typeface=""/>
+        <a:cs typeface=""/>
+        <a:font script="Jpan" typeface="游ゴシック"/>
+        <a:font script="Hang" typeface="맑은 고딕"/>
+        <a:font script="Hans" typeface="等线"/>
+        <a:font script="Hant" typeface="新細明體"/>
+        <a:font script="Arab" typeface="Arial"/>
+        <a:font script="Hebr" typeface="Arial"/>
+        <a:font script="Thai" typeface="Cordia New"/>
+        <a:font script="Ethi" typeface="Nyala"/>
+        <a:font script="Beng" typeface="Vrinda"/>
+        <a:font script="Gujr" typeface="Shruti"/>
+        <a:font script="Khmr" typeface="DaunPenh"/>
+        <a:font script="Knda" typeface="Tunga"/>
+        <a:font script="Guru" typeface="Raavi"/>
+        <a:font script="Cans" typeface="Euphemia"/>
+        <a:font script="Cher" typeface="Plantagenet Cherokee"/>
+        <a:font script="Yiii" typeface="Microsoft Yi Baiti"/>
+        <a:font script="Tibt" typeface="Microsoft Himalaya"/>
+        <a:font script="Thaa" typeface="MV Boli"/>
+        <a:font script="Deva" typeface="Mangal"/>
+        <a:font script="Telu" typeface="Gautami"/>
+        <a:font script="Taml" typeface="Latha"/>
+        <a:font script="Syrc" typeface="Estrangelo Edessa"/>
+        <a:font script="Orya" typeface="Kalinga"/>
+        <a:font script="Mlym" typeface="Kartika"/>
+        <a:font script="Laoo" typeface="DokChampa"/>
+        <a:font script="Sinh" typeface="Iskoola Pota"/>
+        <a:font script="Mong" typeface="Mongolian Baiti"/>
+        <a:font script="Viet" typeface="Arial"/>
+        <a:font script="Uigh" typeface="Microsoft Uighur"/>
+        <a:font script="Geor" typeface="Sylfaen"/>
+      </a:minorFont>
+    </a:fontScheme>
+    <a:fmtScheme name="Office">
+      <a:fillStyleLst>
+        <a:solidFill>
+          <a:schemeClr val="phClr"/>
+        </a:solidFill>
+        <a:gradFill rotWithShape="1">
+          <a:gsLst>
+            <a:gs pos="0">
+              <a:schemeClr val="phClr">
+                <a:lumMod val="110000"/>
+                <a:satMod val="105000"/>
+                <a:tint val="67000"/>
+              </a:schemeClr>
+            </a:gs>
+            <a:gs pos="50000">
+              <a:schemeClr val="phClr">
+                <a:lumMod val="105000"/>
+                <a:satMod val="103000"/>
+                <a:tint val="73000"/>
+              </a:schemeClr>
+            </a:gs>
+            <a:gs pos="100000">
+              <a:schemeClr val="phClr">
+                <a:lumMod val="105000"/>
+                <a:satMod val="109000"/>
+                <a:tint val="81000"/>
+              </a:schemeClr>
+            </a:gs>
+          </a:gsLst>
+          <a:lin ang="5400000" scaled="0"/>
+        </a:gradFill>
+        <a:gradFill rotWithShape="1">
+          <a:gsLst>
+            <a:gs pos="0">
+              <a:schemeClr val="phClr">
+                <a:satMod val="103000"/>
+                <a:lumMod val="102000"/>
+                <a:tint val="94000"/>
+              </a:schemeClr>
+            </a:gs>
+            <a:gs pos="50000">
+              <a:schemeClr val="phClr">
+                <a:satMod val="110000"/>
+                <a:lumMod val="100000"/>
+                <a:shade val="100000"/>
+              </a:schemeClr>
+            </a:gs>
+            <a:gs pos="100000">
+              <a:schemeClr val="phClr">
+                <a:lumMod val="99000"/>
+                <a:satMod val="120000"/>
+                <a:shade val="78000"/>
+              </a:schemeClr>
+            </a:gs>
+          </a:gsLst>
+          <a:lin ang="5400000" scaled="0"/>
+        </a:gradFill>
+      </a:fillStyleLst>
+      <a:lnStyleLst>
+        <a:ln algn="ctr" cap="flat" cmpd="sng" w="6350">
+          <a:solidFill>
+            <a:schemeClr val="phClr"/>
+          </a:solidFill>
+          <a:prstDash val="solid"/>
+          <a:miter lim="800000"/>
+        </a:ln>
+        <a:ln algn="ctr" cap="flat" cmpd="sng" w="12700">
+          <a:solidFill>
+            <a:schemeClr val="phClr"/>
+          </a:solidFill>
+          <a:prstDash val="solid"/>
+          <a:miter lim="800000"/>
+        </a:ln>
+        <a:ln algn="ctr" cap="flat" cmpd="sng" w="19050">
+          <a:solidFill>
+            <a:schemeClr val="phClr"/>
+          </a:solidFill>
+          <a:prstDash val="solid"/>
+          <a:miter lim="800000"/>
+        </a:ln>
+      </a:lnStyleLst>
+      <a:effectStyleLst>
+        <a:effectStyle>
+          <a:effectLst/>
+        </a:effectStyle>
+        <a:effectStyle>
+          <a:effectLst/>
+        </a:effectStyle>
+        <a:effectStyle>
+          <a:effectLst>
+            <a:outerShdw algn="ctr" blurRad="57150" dir="5400000" dist="19050" rotWithShape="0">
+              <a:srgbClr val="000000">
+                <a:alpha val="63000"/>
+              </a:srgbClr>
+            </a:outerShdw>
+          </a:effectLst>
+        </a:effectStyle>
+      </a:effectStyleLst>
+      <a:bgFillStyleLst>
+        <a:solidFill>
+          <a:schemeClr val="phClr"/>
+        </a:solidFill>
+        <a:solidFill>
+          <a:schemeClr val="phClr">
+            <a:tint val="95000"/>
+            <a:satMod val="170000"/>
+          </a:schemeClr>
+        </a:solidFill>
+        <a:gradFill rotWithShape="1">
+          <a:gsLst>
+            <a:gs pos="0">
+              <a:schemeClr val="phClr">
+                <a:tint val="93000"/>
+                <a:satMod val="150000"/>
+                <a:shade val="98000"/>
+                <a:lumMod val="102000"/>
+              </a:schemeClr>
+            </a:gs>
+            <a:gs pos="50000">
+              <a:schemeClr val="phClr">
+                <a:tint val="98000"/>
+                <a:satMod val="130000"/>
+                <a:shade val="90000"/>
+                <a:lumMod val="103000"/>
+              </a:schemeClr>
+            </a:gs>
+            <a:gs pos="100000">
+              <a:schemeClr val="phClr">
+                <a:shade val="63000"/>
+                <a:satMod val="120000"/>
+              </a:schemeClr>
+            </a:gs>
+          </a:gsLst>
+          <a:lin ang="5400000" scaled="0"/>
+        </a:gradFill>
+      </a:bgFillStyleLst>
+    </a:fmtScheme>
+  </a:themeElements>
+  <a:objectDefaults/>
+  <a:extraClrSchemeLst/>
+  <a:extLst>
+    <a:ext uri="{05A4C25C-085E-4340-85A3-A5531E510DB2}">
+      <thm15:themeFamily xmlns:thm15="http://schemas.microsoft.com/office/thememl/2012/main" id="{62F939B6-93AF-4DB8-9C6B-D6C7DFDC589F}" name="Office Theme" vid="{4A3C46E8-61CC-4603-A589-7422A47A8E4A}"/>
+    </a:ext>
+  </a:extLst>
+</a:theme>
 </file>
--- a/Spring 2017 Semester/Music or Arts/ARUS HW/6 ARUS HW/ARUS HW#6 notes.pptx
+++ b/Spring 2017 Semester/Music or Arts/ARUS HW/6 ARUS HW/ARUS HW#6 notes.pptx
@@ -4718,7 +4718,7 @@
         <p:spPr>
           <a:xfrm>
             <a:off x="838200" y="161365"/>
-            <a:ext cx="10515600" cy="6015598"/>
+            <a:ext cx="10515600" cy="6207162"/>
           </a:xfrm>
         </p:spPr>
         <p:txBody>
@@ -4729,72 +4729,56 @@
           <a:p>
             <a:r>
               <a:rPr dirty="0" lang="en-US" smtClean="0" sz="3200"/>
-              <a:t>P </a:t>
-            </a:r>
-            <a:r>
-              <a:rPr sz="3200">
-                <a:solidFill>
-                  <a:schemeClr val="tx1"/>
-                </a:solidFill>
-                <a:latin typeface="+mn-lt"/>
-              </a:rPr>
-              <a:t> 54(pdf).</a:t>
-            </a:r>
-          </a:p>
-          <a:p>
-            <a:r>
-              <a:rPr sz="3200">
-                <a:solidFill>
-                  <a:schemeClr val="tx1"/>
-                </a:solidFill>
-                <a:latin typeface="+mn-lt"/>
-              </a:rPr>
-              <a:t>( pg 53 was just scenes from part six).I do not understand the first paragraph. </a:t>
-            </a:r>
-          </a:p>
-          <a:p>
-            <a:r>
-              <a:rPr sz="3200">
-                <a:solidFill>
-                  <a:schemeClr val="tx1"/>
-                </a:solidFill>
-                <a:latin typeface="+mn-lt"/>
-              </a:rPr>
-              <a:t>Although it received  a gold medal, ppl didn;'t like the film, they said it was hard to know what was going on</a:t>
-            </a:r>
-          </a:p>
-          <a:p>
-            <a:endParaRPr sz="3200">
-              <a:solidFill>
-                <a:schemeClr val="tx1"/>
-              </a:solidFill>
-              <a:latin typeface="+mn-lt"/>
-            </a:endParaRPr>
-          </a:p>
-          <a:p>
-            <a:endParaRPr sz="3200">
-              <a:solidFill>
-                <a:schemeClr val="tx1"/>
-              </a:solidFill>
-              <a:latin typeface="+mn-lt"/>
-            </a:endParaRPr>
-          </a:p>
-          <a:p>
-            <a:endParaRPr sz="3200">
-              <a:solidFill>
-                <a:schemeClr val="tx1"/>
-              </a:solidFill>
-              <a:latin typeface="+mn-lt"/>
-            </a:endParaRPr>
-          </a:p>
-          <a:p>
-            <a:endParaRPr dirty="0" lang="en-US" smtClean="0" sz="3200"/>
-          </a:p>
-          <a:p>
-            <a:endParaRPr dirty="0" lang="en-US" smtClean="0" sz="3200"/>
-          </a:p>
-          <a:p>
-            <a:endParaRPr dirty="0" lang="en-US" smtClean="0" sz="3200"/>
+              <a:t>1 hour 30 min</a:t>
+            </a:r>
+          </a:p>
+          <a:p>
+            <a:r>
+              <a:rPr dirty="0" lang="en-US" smtClean="0" sz="3200"/>
+              <a:t>All of a sudden they are chased back</a:t>
+            </a:r>
+          </a:p>
+          <a:p>
+            <a:r>
+              <a:rPr dirty="0" lang="en-US" smtClean="0" sz="3200"/>
+              <a:t>They flee and barricade a gate</a:t>
+            </a:r>
+          </a:p>
+          <a:p>
+            <a:r>
+              <a:rPr dirty="0" lang="en-US" smtClean="0" sz="3200"/>
+              <a:t>The gate falls. They continue to flee</a:t>
+            </a:r>
+          </a:p>
+          <a:p>
+            <a:r>
+              <a:rPr dirty="0" lang="en-US" smtClean="0" sz="3200"/>
+              <a:t>They chase everyone to their apartments</a:t>
+            </a:r>
+          </a:p>
+          <a:p>
+            <a:r>
+              <a:rPr dirty="0" lang="en-US" smtClean="0" sz="3200"/>
+              <a:t>Everyone going crazy, a woman tries to escape</a:t>
+            </a:r>
+          </a:p>
+          <a:p>
+            <a:r>
+              <a:rPr dirty="0" lang="en-US" smtClean="0" sz="3200"/>
+              <a:t>They are rushing everyone into apartments making people climb walls</a:t>
+            </a:r>
+          </a:p>
+          <a:p>
+            <a:r>
+              <a:rPr dirty="0" lang="en-US" smtClean="0" sz="3200"/>
+              <a:t>Kids are hanging out playing w/ toys</a:t>
+            </a:r>
+          </a:p>
+          <a:p>
+            <a:r>
+              <a:rPr dirty="0" lang="en-US" smtClean="0" sz="3200"/>
+              <a:t>Demons enter officers as they throw a kid off the roof </a:t>
+            </a:r>
           </a:p>
           <a:p>
             <a:endParaRPr dirty="0" lang="en-US" smtClean="0" sz="3200"/>
@@ -4804,7 +4788,7 @@
     </p:spTree>
     <p:extLst>
       <p:ext uri="{BB962C8B-B14F-4D97-AF65-F5344CB8AC3E}">
-        <p14:creationId xmlns:p14="http://schemas.microsoft.com/office/powerpoint/2010/main" val="1245892544"/>
+        <p14:creationId xmlns:p14="http://schemas.microsoft.com/office/powerpoint/2010/main" val="2413203120"/>
       </p:ext>
     </p:extLst>
   </p:cSld>
@@ -4844,7 +4828,7 @@
         <p:spPr>
           <a:xfrm>
             <a:off x="838200" y="161365"/>
-            <a:ext cx="10515600" cy="6207162"/>
+            <a:ext cx="10515600" cy="6015598"/>
           </a:xfrm>
         </p:spPr>
         <p:txBody>
@@ -4855,56 +4839,49 @@
           <a:p>
             <a:r>
               <a:rPr dirty="0" lang="en-US" smtClean="0" sz="3200"/>
-              <a:t>1 hour 30 min</a:t>
-            </a:r>
-          </a:p>
-          <a:p>
-            <a:r>
-              <a:rPr dirty="0" lang="en-US" smtClean="0" sz="3200"/>
-              <a:t>All of a sudden they are chased back</a:t>
-            </a:r>
-          </a:p>
-          <a:p>
-            <a:r>
-              <a:rPr dirty="0" lang="en-US" smtClean="0" sz="3200"/>
-              <a:t>They flee and barricade a gate</a:t>
-            </a:r>
-          </a:p>
-          <a:p>
-            <a:r>
-              <a:rPr dirty="0" lang="en-US" smtClean="0" sz="3200"/>
-              <a:t>The gate falls. They continue to flee</a:t>
-            </a:r>
-          </a:p>
-          <a:p>
-            <a:r>
-              <a:rPr dirty="0" lang="en-US" smtClean="0" sz="3200"/>
-              <a:t>They chase everyone to their apartments</a:t>
-            </a:r>
-          </a:p>
-          <a:p>
-            <a:r>
-              <a:rPr dirty="0" lang="en-US" smtClean="0" sz="3200"/>
-              <a:t>Everyone going crazy, a woman tries to escape</a:t>
-            </a:r>
-          </a:p>
-          <a:p>
-            <a:r>
-              <a:rPr dirty="0" lang="en-US" smtClean="0" sz="3200"/>
-              <a:t>They are rushing everyone into apartments making people climb walls</a:t>
-            </a:r>
-          </a:p>
-          <a:p>
-            <a:r>
-              <a:rPr dirty="0" lang="en-US" smtClean="0" sz="3200"/>
-              <a:t>Kids are hanging out playing w/ toys</a:t>
-            </a:r>
-          </a:p>
-          <a:p>
-            <a:r>
-              <a:rPr dirty="0" lang="en-US" smtClean="0" sz="3200"/>
-              <a:t>Demons enter officers as they throw a kid off the roof </a:t>
-            </a:r>
+              <a:t>1 hour  35 min</a:t>
+            </a:r>
+          </a:p>
+          <a:p>
+            <a:r>
+              <a:rPr dirty="0" lang="en-US" smtClean="0" sz="3200"/>
+              <a:t>guy says you cant put </a:t>
+            </a:r>
+            <a:r>
+              <a:rPr dirty="0" err="1" lang="en-US" smtClean="0" sz="3200"/>
+              <a:t>em</a:t>
+            </a:r>
+            <a:r>
+              <a:rPr dirty="0" lang="en-US" smtClean="0" sz="3200"/>
+              <a:t> in prison too many</a:t>
+            </a:r>
+          </a:p>
+          <a:p>
+            <a:r>
+              <a:rPr dirty="0" lang="en-US" smtClean="0" sz="3200"/>
+              <a:t>General asks him to join, but he refuses</a:t>
+            </a:r>
+          </a:p>
+          <a:p>
+            <a:r>
+              <a:rPr dirty="0" lang="en-US" smtClean="0" sz="3200"/>
+              <a:t>They showed goats getting killed and officers getting killed too</a:t>
+            </a:r>
+          </a:p>
+          <a:p>
+            <a:r>
+              <a:rPr dirty="0" lang="en-US" smtClean="0" sz="3200"/>
+              <a:t>So they killed everyone</a:t>
+            </a:r>
+          </a:p>
+          <a:p>
+            <a:pPr indent="0" marL="0">
+              <a:buNone/>
+            </a:pPr>
+            <a:endParaRPr dirty="0" lang="en-US" smtClean="0" sz="3200"/>
+          </a:p>
+          <a:p>
+            <a:endParaRPr dirty="0" lang="en-US" smtClean="0" sz="3200"/>
           </a:p>
           <a:p>
             <a:endParaRPr dirty="0" lang="en-US" smtClean="0" sz="3200"/>
@@ -4914,7 +4891,7 @@
     </p:spTree>
     <p:extLst>
       <p:ext uri="{BB962C8B-B14F-4D97-AF65-F5344CB8AC3E}">
-        <p14:creationId xmlns:p14="http://schemas.microsoft.com/office/powerpoint/2010/main" val="2413203120"/>
+        <p14:creationId xmlns:p14="http://schemas.microsoft.com/office/powerpoint/2010/main" val="2006355284"/>
       </p:ext>
     </p:extLst>
   </p:cSld>
@@ -4943,81 +4920,53 @@
       </p:grpSpPr>
       <p:sp>
         <p:nvSpPr>
-          <p:cNvPr id="3" name="Content Placeholder 2"/>
-          <p:cNvSpPr>
-            <a:spLocks noGrp="1"/>
-          </p:cNvSpPr>
-          <p:nvPr>
-            <p:ph idx="1"/>
-          </p:nvPr>
-        </p:nvSpPr>
-        <p:spPr>
-          <a:xfrm>
-            <a:off x="838200" y="161365"/>
-            <a:ext cx="10515600" cy="6015598"/>
-          </a:xfrm>
-        </p:spPr>
-        <p:txBody>
-          <a:bodyPr numCol="1">
-            <a:normAutofit/>
-          </a:bodyPr>
-          <a:lstStyle/>
-          <a:p>
-            <a:r>
-              <a:rPr dirty="0" lang="en-US" smtClean="0" sz="3200"/>
-              <a:t>1 hour  35 min</a:t>
-            </a:r>
-          </a:p>
-          <a:p>
-            <a:r>
-              <a:rPr dirty="0" lang="en-US" smtClean="0" sz="3200"/>
-              <a:t>guy says you cant put </a:t>
-            </a:r>
-            <a:r>
-              <a:rPr dirty="0" err="1" lang="en-US" smtClean="0" sz="3200"/>
-              <a:t>em</a:t>
-            </a:r>
-            <a:r>
-              <a:rPr dirty="0" lang="en-US" smtClean="0" sz="3200"/>
-              <a:t> in prison too many</a:t>
-            </a:r>
-          </a:p>
-          <a:p>
-            <a:r>
-              <a:rPr dirty="0" lang="en-US" smtClean="0" sz="3200"/>
-              <a:t>General asks him to join, but he refuses</a:t>
-            </a:r>
-          </a:p>
-          <a:p>
-            <a:r>
-              <a:rPr dirty="0" lang="en-US" smtClean="0" sz="3200"/>
-              <a:t>They showed goats getting killed and officers getting killed too</a:t>
-            </a:r>
-          </a:p>
-          <a:p>
-            <a:r>
-              <a:rPr dirty="0" lang="en-US" smtClean="0" sz="3200"/>
-              <a:t>So they killed everyone</a:t>
-            </a:r>
-          </a:p>
-          <a:p>
-            <a:pPr indent="0" marL="0">
-              <a:buNone/>
-            </a:pPr>
-            <a:endParaRPr dirty="0" lang="en-US" smtClean="0" sz="3200"/>
-          </a:p>
-          <a:p>
-            <a:endParaRPr dirty="0" lang="en-US" smtClean="0" sz="3200"/>
-          </a:p>
-          <a:p>
-            <a:endParaRPr dirty="0" lang="en-US" smtClean="0" sz="3200"/>
+          <p:cNvPr id="2" name="Title 1"/>
+          <p:cNvSpPr>
+            <a:spLocks noGrp="1"/>
+          </p:cNvSpPr>
+          <p:nvPr>
+            <p:ph type="title"/>
+          </p:nvPr>
+        </p:nvSpPr>
+        <p:spPr/>
+        <p:txBody>
+          <a:bodyPr numCol="1"/>
+          <a:lstStyle/>
+          <a:p>
+            <a:r>
+              <a:rPr dirty="0" lang="en-US" smtClean="0"/>
+              <a:t>Taylor’s article “Cinema” from the Blackwell Encyclopedia of the Russian Revolution </a:t>
+            </a:r>
+          </a:p>
+        </p:txBody>
+      </p:sp>
+      <p:sp>
+        <p:nvSpPr>
+          <p:cNvPr id="3" name="Text Placeholder 2"/>
+          <p:cNvSpPr>
+            <a:spLocks noGrp="1"/>
+          </p:cNvSpPr>
+          <p:nvPr>
+            <p:ph idx="1" type="body"/>
+          </p:nvPr>
+        </p:nvSpPr>
+        <p:spPr/>
+        <p:txBody>
+          <a:bodyPr numCol="1"/>
+          <a:lstStyle/>
+          <a:p>
+            <a:r>
+              <a:rPr dirty="0" lang="en-US" smtClean="0"/>
+              <a:t>Every page (civil war was going on the whole time)</a:t>
+            </a:r>
+            <a:endParaRPr dirty="0" lang="en-US"/>
           </a:p>
         </p:txBody>
       </p:sp>
     </p:spTree>
     <p:extLst>
       <p:ext uri="{BB962C8B-B14F-4D97-AF65-F5344CB8AC3E}">
-        <p14:creationId xmlns:p14="http://schemas.microsoft.com/office/powerpoint/2010/main" val="2006355284"/>
+        <p14:creationId xmlns:p14="http://schemas.microsoft.com/office/powerpoint/2010/main" val="1409341632"/>
       </p:ext>
     </p:extLst>
   </p:cSld>
@@ -5046,53 +4995,64 @@
       </p:grpSpPr>
       <p:sp>
         <p:nvSpPr>
-          <p:cNvPr id="2" name="Title 1"/>
-          <p:cNvSpPr>
-            <a:spLocks noGrp="1"/>
-          </p:cNvSpPr>
-          <p:nvPr>
-            <p:ph type="title"/>
-          </p:nvPr>
-        </p:nvSpPr>
-        <p:spPr/>
-        <p:txBody>
-          <a:bodyPr numCol="1"/>
-          <a:lstStyle/>
-          <a:p>
-            <a:r>
-              <a:rPr dirty="0" lang="en-US" smtClean="0"/>
-              <a:t>Taylor’s article “Cinema” from the Blackwell Encyclopedia of the Russian Revolution </a:t>
-            </a:r>
-          </a:p>
-        </p:txBody>
-      </p:sp>
-      <p:sp>
-        <p:nvSpPr>
-          <p:cNvPr id="3" name="Text Placeholder 2"/>
-          <p:cNvSpPr>
-            <a:spLocks noGrp="1"/>
-          </p:cNvSpPr>
-          <p:nvPr>
-            <p:ph idx="1" type="body"/>
-          </p:nvPr>
-        </p:nvSpPr>
-        <p:spPr/>
-        <p:txBody>
-          <a:bodyPr numCol="1"/>
-          <a:lstStyle/>
-          <a:p>
-            <a:r>
-              <a:rPr dirty="0" lang="en-US" smtClean="0"/>
-              <a:t>Every page (civil war was going on the whole time)</a:t>
-            </a:r>
-            <a:endParaRPr dirty="0" lang="en-US"/>
+          <p:cNvPr id="3" name="Content Placeholder 2"/>
+          <p:cNvSpPr>
+            <a:spLocks noGrp="1"/>
+          </p:cNvSpPr>
+          <p:nvPr>
+            <p:ph idx="1"/>
+          </p:nvPr>
+        </p:nvSpPr>
+        <p:spPr>
+          <a:xfrm>
+            <a:off x="838200" y="161365"/>
+            <a:ext cx="10515600" cy="6015598"/>
+          </a:xfrm>
+        </p:spPr>
+        <p:txBody>
+          <a:bodyPr numCol="1">
+            <a:normAutofit/>
+          </a:bodyPr>
+          <a:lstStyle/>
+          <a:p>
+            <a:r>
+              <a:rPr dirty="0" lang="en-US" smtClean="0" sz="3200"/>
+              <a:t>P 276</a:t>
+            </a:r>
+          </a:p>
+          <a:p>
+            <a:r>
+              <a:rPr dirty="0" lang="en-US" smtClean="0" sz="3200"/>
+              <a:t>People used movies to promote political agendas</a:t>
+            </a:r>
+          </a:p>
+          <a:p>
+            <a:r>
+              <a:rPr dirty="0" lang="en-US" smtClean="0" sz="3200"/>
+              <a:t>That’s how the Bolsheviks came up</a:t>
+            </a:r>
+          </a:p>
+          <a:p>
+            <a:r>
+              <a:rPr dirty="0" lang="en-US" smtClean="0" sz="3200"/>
+              <a:t>Bolshevik needed silent film because country was diverse and illiterate </a:t>
+            </a:r>
+          </a:p>
+          <a:p>
+            <a:endParaRPr dirty="0" lang="en-US" smtClean="0" sz="3200"/>
+          </a:p>
+          <a:p>
+            <a:endParaRPr dirty="0" lang="en-US" smtClean="0" sz="3200"/>
+          </a:p>
+          <a:p>
+            <a:endParaRPr dirty="0" lang="en-US" smtClean="0" sz="3200"/>
           </a:p>
         </p:txBody>
       </p:sp>
     </p:spTree>
     <p:extLst>
       <p:ext uri="{BB962C8B-B14F-4D97-AF65-F5344CB8AC3E}">
-        <p14:creationId xmlns:p14="http://schemas.microsoft.com/office/powerpoint/2010/main" val="1409341632"/>
+        <p14:creationId xmlns:p14="http://schemas.microsoft.com/office/powerpoint/2010/main" val="2583092736"/>
       </p:ext>
     </p:extLst>
   </p:cSld>
@@ -5143,25 +5103,61 @@
           <a:p>
             <a:r>
               <a:rPr dirty="0" lang="en-US" smtClean="0" sz="3200"/>
-              <a:t>P 276</a:t>
-            </a:r>
-          </a:p>
-          <a:p>
-            <a:r>
-              <a:rPr dirty="0" lang="en-US" smtClean="0" sz="3200"/>
-              <a:t>People used movies to promote political agendas</a:t>
-            </a:r>
-          </a:p>
-          <a:p>
-            <a:r>
-              <a:rPr dirty="0" lang="en-US" smtClean="0" sz="3200"/>
-              <a:t>That’s how the Bolsheviks came up</a:t>
-            </a:r>
-          </a:p>
-          <a:p>
-            <a:r>
-              <a:rPr dirty="0" lang="en-US" smtClean="0" sz="3200"/>
-              <a:t>Bolshevik needed silent film because country was diverse and illiterate </a:t>
+              <a:t>P 277</a:t>
+            </a:r>
+          </a:p>
+          <a:p>
+            <a:r>
+              <a:rPr dirty="0" lang="en-US" smtClean="0" sz="3200"/>
+              <a:t>People then accepted everything they saw in the movies as real, no prep needed</a:t>
+            </a:r>
+          </a:p>
+          <a:p>
+            <a:r>
+              <a:rPr dirty="0" lang="en-US" smtClean="0" sz="3200"/>
+              <a:t>Russian film depended on </a:t>
+            </a:r>
+            <a:r>
+              <a:rPr dirty="0" err="1" lang="en-US" smtClean="0" sz="3200"/>
+              <a:t>france</a:t>
+            </a:r>
+            <a:r>
+              <a:rPr dirty="0" lang="en-US" smtClean="0" sz="3200"/>
+              <a:t> but when the Bolsheviks came, they threated normal cinema business</a:t>
+            </a:r>
+          </a:p>
+          <a:p>
+            <a:r>
+              <a:rPr dirty="0" lang="en-US" smtClean="0" sz="3200"/>
+              <a:t>In order to use cinema to help the gov’t </a:t>
+            </a:r>
+            <a:r>
+              <a:rPr dirty="0" err="1" lang="en-US" smtClean="0" sz="3200"/>
+              <a:t>lunacharky</a:t>
+            </a:r>
+            <a:r>
+              <a:rPr dirty="0" lang="en-US" smtClean="0" sz="3200"/>
+              <a:t> (a commissariat) said you </a:t>
+            </a:r>
+            <a:r>
+              <a:rPr dirty="0" err="1" lang="en-US" smtClean="0" sz="3200"/>
+              <a:t>gotta</a:t>
+            </a:r>
+            <a:r>
+              <a:rPr dirty="0" lang="en-US" smtClean="0" sz="3200"/>
+              <a:t> develop it slowly. The made agitation movies</a:t>
+            </a:r>
+          </a:p>
+          <a:p>
+            <a:r>
+              <a:rPr dirty="0" lang="en-US" smtClean="0" sz="3200"/>
+              <a:t>Bolshevik said, “well make our own Hollywood but all foreigners can work w/ us” in Moscow and Petrograd</a:t>
+            </a:r>
+          </a:p>
+          <a:p>
+            <a:r>
+              <a:rPr dirty="0" lang="en-US" smtClean="0" sz="3200"/>
+              <a:t>The movies sucked, it was supposed to be for communist propaganda. Act quick or they can’t do anything</a:t>
             </a:r>
           </a:p>
           <a:p>
@@ -5178,7 +5174,7 @@
     </p:spTree>
     <p:extLst>
       <p:ext uri="{BB962C8B-B14F-4D97-AF65-F5344CB8AC3E}">
-        <p14:creationId xmlns:p14="http://schemas.microsoft.com/office/powerpoint/2010/main" val="2583092736"/>
+        <p14:creationId xmlns:p14="http://schemas.microsoft.com/office/powerpoint/2010/main" val="323699877"/>
       </p:ext>
     </p:extLst>
   </p:cSld>
@@ -5229,61 +5225,39 @@
           <a:p>
             <a:r>
               <a:rPr dirty="0" lang="en-US" smtClean="0" sz="3200"/>
-              <a:t>P 277</a:t>
-            </a:r>
-          </a:p>
-          <a:p>
-            <a:r>
-              <a:rPr dirty="0" lang="en-US" smtClean="0" sz="3200"/>
-              <a:t>People then accepted everything they saw in the movies as real, no prep needed</a:t>
-            </a:r>
-          </a:p>
-          <a:p>
-            <a:r>
-              <a:rPr dirty="0" lang="en-US" smtClean="0" sz="3200"/>
-              <a:t>Russian film depended on </a:t>
+              <a:t>P 278</a:t>
+            </a:r>
+          </a:p>
+          <a:p>
+            <a:r>
+              <a:rPr dirty="0" lang="en-US" smtClean="0" sz="3200"/>
+              <a:t>Problems were basically, they couldn’t get movies to countryside and the movies couldn’t convert </a:t>
             </a:r>
             <a:r>
               <a:rPr dirty="0" err="1" lang="en-US" smtClean="0" sz="3200"/>
-              <a:t>france</a:t>
-            </a:r>
-            <a:r>
-              <a:rPr dirty="0" lang="en-US" smtClean="0" sz="3200"/>
-              <a:t> but when the Bolsheviks came, they threated normal cinema business</a:t>
-            </a:r>
-          </a:p>
-          <a:p>
-            <a:r>
-              <a:rPr dirty="0" lang="en-US" smtClean="0" sz="3200"/>
-              <a:t>In order to use cinema to help the gov’t </a:t>
-            </a:r>
+              <a:t>ppl</a:t>
+            </a:r>
+            <a:r>
+              <a:rPr dirty="0" lang="en-US" smtClean="0" sz="3200"/>
+              <a:t> to bolshevism</a:t>
+            </a:r>
+          </a:p>
+          <a:p>
             <a:r>
               <a:rPr dirty="0" err="1" lang="en-US" smtClean="0" sz="3200"/>
-              <a:t>lunacharky</a:t>
-            </a:r>
-            <a:r>
-              <a:rPr dirty="0" lang="en-US" smtClean="0" sz="3200"/>
-              <a:t> (a commissariat) said you </a:t>
+              <a:t>Govt</a:t>
+            </a:r>
+            <a:r>
+              <a:rPr dirty="0" lang="en-US" smtClean="0" sz="3200"/>
+              <a:t> made </a:t>
             </a:r>
             <a:r>
               <a:rPr dirty="0" err="1" lang="en-US" smtClean="0" sz="3200"/>
-              <a:t>gotta</a:t>
-            </a:r>
-            <a:r>
-              <a:rPr dirty="0" lang="en-US" smtClean="0" sz="3200"/>
-              <a:t> develop it slowly. The made agitation movies</a:t>
-            </a:r>
-          </a:p>
-          <a:p>
-            <a:r>
-              <a:rPr dirty="0" lang="en-US" smtClean="0" sz="3200"/>
-              <a:t>Bolshevik said, “well make our own Hollywood but all foreigners can work w/ us” in Moscow and Petrograd</a:t>
-            </a:r>
-          </a:p>
-          <a:p>
-            <a:r>
-              <a:rPr dirty="0" lang="en-US" smtClean="0" sz="3200"/>
-              <a:t>The movies sucked, it was supposed to be for communist propaganda. Act quick or they can’t do anything</a:t>
+              <a:t>agit</a:t>
+            </a:r>
+            <a:r>
+              <a:rPr dirty="0" lang="en-US" smtClean="0" sz="3200"/>
+              <a:t> trains</a:t>
             </a:r>
           </a:p>
           <a:p>
@@ -5300,7 +5274,7 @@
     </p:spTree>
     <p:extLst>
       <p:ext uri="{BB962C8B-B14F-4D97-AF65-F5344CB8AC3E}">
-        <p14:creationId xmlns:p14="http://schemas.microsoft.com/office/powerpoint/2010/main" val="323699877"/>
+        <p14:creationId xmlns:p14="http://schemas.microsoft.com/office/powerpoint/2010/main" val="238041423"/>
       </p:ext>
     </p:extLst>
   </p:cSld>
@@ -5351,13 +5325,47 @@
           <a:p>
             <a:r>
               <a:rPr dirty="0" lang="en-US" smtClean="0" sz="3200"/>
-              <a:t>P 278</a:t>
-            </a:r>
-          </a:p>
-          <a:p>
-            <a:r>
-              <a:rPr dirty="0" lang="en-US" smtClean="0" sz="3200"/>
-              <a:t>Problems were basically, they couldn’t get movies to countryside and the movies couldn’t convert </a:t>
+              <a:t>P 279</a:t>
+            </a:r>
+          </a:p>
+          <a:p>
+            <a:r>
+              <a:rPr dirty="0" err="1" lang="en-US" smtClean="0" sz="3200"/>
+              <a:t>Agit</a:t>
+            </a:r>
+            <a:r>
+              <a:rPr dirty="0" lang="en-US" smtClean="0" sz="3200"/>
+              <a:t> trains started for the red army </a:t>
+            </a:r>
+            <a:r>
+              <a:rPr dirty="0" err="1" lang="en-US" smtClean="0" sz="3200"/>
+              <a:t>dist</a:t>
+            </a:r>
+            <a:r>
+              <a:rPr dirty="0" lang="en-US" smtClean="0" sz="3200"/>
+              <a:t> </a:t>
+            </a:r>
+            <a:r>
+              <a:rPr dirty="0" err="1" lang="en-US" smtClean="0" sz="3200"/>
+              <a:t>pamplets</a:t>
+            </a:r>
+            <a:r>
+              <a:rPr dirty="0" lang="en-US" smtClean="0" sz="3200"/>
+              <a:t> to red army units and made a living-space interior a success	</a:t>
+            </a:r>
+          </a:p>
+          <a:p>
+            <a:r>
+              <a:rPr dirty="0" lang="en-US" smtClean="0" sz="3200"/>
+              <a:t>They started to make good use of </a:t>
+            </a:r>
+            <a:r>
+              <a:rPr dirty="0" err="1" lang="en-US" smtClean="0" sz="3200"/>
+              <a:t>agit</a:t>
+            </a:r>
+            <a:r>
+              <a:rPr dirty="0" lang="en-US" smtClean="0" sz="3200"/>
+              <a:t>-trains and it was supervised by the top </a:t>
             </a:r>
             <a:r>
               <a:rPr dirty="0" err="1" lang="en-US" smtClean="0" sz="3200"/>
@@ -5365,25 +5373,53 @@
             </a:r>
             <a:r>
               <a:rPr dirty="0" lang="en-US" smtClean="0" sz="3200"/>
-              <a:t> to bolshevism</a:t>
-            </a:r>
-          </a:p>
-          <a:p>
+              <a:t> in Bolsheviks, including Lenin</a:t>
+            </a:r>
+          </a:p>
+          <a:p>
+            <a:r>
+              <a:rPr dirty="0" lang="en-US" smtClean="0" sz="3200"/>
+              <a:t>The trains showed how to keep healthy but made the leaders look superhuman, even when </a:t>
+            </a:r>
             <a:r>
               <a:rPr dirty="0" err="1" lang="en-US" smtClean="0" sz="3200"/>
-              <a:t>Govt</a:t>
-            </a:r>
-            <a:r>
-              <a:rPr dirty="0" lang="en-US" smtClean="0" sz="3200"/>
-              <a:t> made </a:t>
+              <a:t>ppl</a:t>
+            </a:r>
+            <a:r>
+              <a:rPr dirty="0" lang="en-US" smtClean="0" sz="3200"/>
+              <a:t> tried to kill him</a:t>
+            </a:r>
+          </a:p>
+          <a:p>
+            <a:r>
+              <a:rPr dirty="0" lang="en-US" smtClean="0" sz="3200"/>
+              <a:t>Also used to show the Soviet </a:t>
             </a:r>
             <a:r>
               <a:rPr dirty="0" err="1" lang="en-US" smtClean="0" sz="3200"/>
-              <a:t>agit</a:t>
-            </a:r>
-            <a:r>
-              <a:rPr dirty="0" lang="en-US" smtClean="0" sz="3200"/>
-              <a:t> trains</a:t>
+              <a:t>ppl</a:t>
+            </a:r>
+            <a:r>
+              <a:rPr dirty="0" lang="en-US" smtClean="0" sz="3200"/>
+              <a:t> the rest of their country</a:t>
+            </a:r>
+          </a:p>
+          <a:p>
+            <a:r>
+              <a:rPr dirty="0" err="1" lang="en-US" smtClean="0" sz="3200"/>
+              <a:t>Lunacharsky</a:t>
+            </a:r>
+            <a:r>
+              <a:rPr dirty="0" lang="en-US" smtClean="0" sz="3200"/>
+              <a:t> was also thinking about future , wrote a book for future of Soviet </a:t>
+            </a:r>
+            <a:r>
+              <a:rPr dirty="0" err="1" lang="en-US" smtClean="0" sz="3200"/>
+              <a:t>cinmna</a:t>
+            </a:r>
+            <a:r>
+              <a:rPr dirty="0" lang="en-US" smtClean="0" sz="3200"/>
+              <a:t> guidelines</a:t>
             </a:r>
           </a:p>
           <a:p>
@@ -5400,7 +5436,7 @@
     </p:spTree>
     <p:extLst>
       <p:ext uri="{BB962C8B-B14F-4D97-AF65-F5344CB8AC3E}">
-        <p14:creationId xmlns:p14="http://schemas.microsoft.com/office/powerpoint/2010/main" val="238041423"/>
+        <p14:creationId xmlns:p14="http://schemas.microsoft.com/office/powerpoint/2010/main" val="2146321728"/>
       </p:ext>
     </p:extLst>
   </p:cSld>
@@ -5451,105 +5487,34 @@
           <a:p>
             <a:r>
               <a:rPr dirty="0" lang="en-US" smtClean="0" sz="3200"/>
-              <a:t>P 279</a:t>
-            </a:r>
-          </a:p>
-          <a:p>
+              <a:t>P 280</a:t>
+            </a:r>
+          </a:p>
+          <a:p>
+            <a:r>
+              <a:rPr dirty="0" lang="en-US" smtClean="0" sz="3200"/>
+              <a:t>He basically said, we must do something novel</a:t>
+            </a:r>
+          </a:p>
+          <a:p>
+            <a:r>
+              <a:rPr dirty="0" lang="en-US" smtClean="0" sz="3200"/>
+              <a:t>So they started a school based on film</a:t>
+            </a:r>
+          </a:p>
+          <a:p>
+            <a:r>
+              <a:rPr dirty="0" lang="en-US" smtClean="0" sz="3200"/>
+              <a:t>By 1921 Soviet </a:t>
+            </a:r>
             <a:r>
               <a:rPr dirty="0" err="1" lang="en-US" smtClean="0" sz="3200"/>
-              <a:t>Agit</a:t>
-            </a:r>
-            <a:r>
-              <a:rPr dirty="0" lang="en-US" smtClean="0" sz="3200"/>
-              <a:t> trains started for the red army </a:t>
-            </a:r>
-            <a:r>
-              <a:rPr dirty="0" err="1" lang="en-US" smtClean="0" sz="3200"/>
-              <a:t>dist</a:t>
-            </a:r>
-            <a:r>
-              <a:rPr dirty="0" lang="en-US" smtClean="0" sz="3200"/>
-              <a:t> </a:t>
-            </a:r>
-            <a:r>
-              <a:rPr dirty="0" err="1" lang="en-US" smtClean="0" sz="3200"/>
-              <a:t>pamplets</a:t>
-            </a:r>
-            <a:r>
-              <a:rPr dirty="0" lang="en-US" smtClean="0" sz="3200"/>
-              <a:t> to red army units and made a living-space interior a success	</a:t>
-            </a:r>
-          </a:p>
-          <a:p>
-            <a:r>
-              <a:rPr dirty="0" lang="en-US" smtClean="0" sz="3200"/>
-              <a:t>They started to make good use of </a:t>
-            </a:r>
-            <a:r>
-              <a:rPr dirty="0" err="1" lang="en-US" smtClean="0" sz="3200"/>
-              <a:t>agit</a:t>
-            </a:r>
-            <a:r>
-              <a:rPr dirty="0" lang="en-US" smtClean="0" sz="3200"/>
-              <a:t>-trains and it was supervised by the top </a:t>
-            </a:r>
-            <a:r>
-              <a:rPr dirty="0" err="1" lang="en-US" smtClean="0" sz="3200"/>
-              <a:t>ppl</a:t>
-            </a:r>
-            <a:r>
-              <a:rPr dirty="0" lang="en-US" smtClean="0" sz="3200"/>
-              <a:t> in Bolsheviks, including Lenin</a:t>
-            </a:r>
-          </a:p>
-          <a:p>
-            <a:r>
-              <a:rPr dirty="0" lang="en-US" smtClean="0" sz="3200"/>
-              <a:t>The trains showed how to keep healthy but made the leaders look superhuman, even when </a:t>
-            </a:r>
-            <a:r>
-              <a:rPr dirty="0" err="1" lang="en-US" smtClean="0" sz="3200"/>
-              <a:t>ppl</a:t>
-            </a:r>
-            <a:r>
-              <a:rPr dirty="0" lang="en-US" smtClean="0" sz="3200"/>
-              <a:t> tried to kill him</a:t>
-            </a:r>
-          </a:p>
-          <a:p>
-            <a:r>
-              <a:rPr dirty="0" lang="en-US" smtClean="0" sz="3200"/>
-              <a:t>Also used to show the Soviet </a:t>
-            </a:r>
-            <a:r>
-              <a:rPr dirty="0" err="1" lang="en-US" smtClean="0" sz="3200"/>
-              <a:t>ppl</a:t>
-            </a:r>
-            <a:r>
-              <a:rPr dirty="0" lang="en-US" smtClean="0" sz="3200"/>
-              <a:t> the rest of their country</a:t>
-            </a:r>
-          </a:p>
-          <a:p>
-            <a:r>
-              <a:rPr dirty="0" err="1" lang="en-US" smtClean="0" sz="3200"/>
-              <a:t>Lunacharsky</a:t>
-            </a:r>
-            <a:r>
-              <a:rPr dirty="0" lang="en-US" smtClean="0" sz="3200"/>
-              <a:t> was also thinking about future , wrote a book for future of Soviet </a:t>
-            </a:r>
-            <a:r>
-              <a:rPr dirty="0" err="1" lang="en-US" smtClean="0" sz="3200"/>
-              <a:t>cinmna</a:t>
-            </a:r>
-            <a:r>
-              <a:rPr dirty="0" lang="en-US" smtClean="0" sz="3200"/>
-              <a:t> guidelines</a:t>
-            </a:r>
-          </a:p>
-          <a:p>
-            <a:endParaRPr dirty="0" lang="en-US" smtClean="0" sz="3200"/>
+              <a:t>cinemna</a:t>
+            </a:r>
+            <a:r>
+              <a:rPr dirty="0" lang="en-US" smtClean="0" sz="3200"/>
+              <a:t> was figuring things out but it was already the most important of the arts</a:t>
+            </a:r>
           </a:p>
           <a:p>
             <a:endParaRPr dirty="0" lang="en-US" smtClean="0" sz="3200"/>
@@ -5562,7 +5527,7 @@
     </p:spTree>
     <p:extLst>
       <p:ext uri="{BB962C8B-B14F-4D97-AF65-F5344CB8AC3E}">
-        <p14:creationId xmlns:p14="http://schemas.microsoft.com/office/powerpoint/2010/main" val="2146321728"/>
+        <p14:creationId xmlns:p14="http://schemas.microsoft.com/office/powerpoint/2010/main" val="854748334"/>
       </p:ext>
     </p:extLst>
   </p:cSld>
@@ -5591,69 +5556,58 @@
       </p:grpSpPr>
       <p:sp>
         <p:nvSpPr>
-          <p:cNvPr id="3" name="Content Placeholder 2"/>
-          <p:cNvSpPr>
-            <a:spLocks noGrp="1"/>
-          </p:cNvSpPr>
-          <p:nvPr>
-            <p:ph idx="1"/>
+          <p:cNvPr id="2" name="Title 1"/>
+          <p:cNvSpPr>
+            <a:spLocks noGrp="1"/>
+          </p:cNvSpPr>
+          <p:nvPr>
+            <p:ph type="title"/>
           </p:nvPr>
         </p:nvSpPr>
         <p:spPr>
           <a:xfrm>
-            <a:off x="838200" y="161365"/>
-            <a:ext cx="10515600" cy="6015598"/>
+            <a:off x="557530" y="1736726"/>
+            <a:ext cx="10515600" cy="2852737"/>
           </a:xfrm>
         </p:spPr>
         <p:txBody>
-          <a:bodyPr numCol="1">
-            <a:normAutofit/>
-          </a:bodyPr>
-          <a:lstStyle/>
-          <a:p>
-            <a:r>
-              <a:rPr dirty="0" lang="en-US" smtClean="0" sz="3200"/>
-              <a:t>P 280</a:t>
-            </a:r>
-          </a:p>
-          <a:p>
-            <a:r>
-              <a:rPr dirty="0" lang="en-US" smtClean="0" sz="3200"/>
-              <a:t>He basically said, we must do something novel</a:t>
-            </a:r>
-          </a:p>
-          <a:p>
-            <a:r>
-              <a:rPr dirty="0" lang="en-US" smtClean="0" sz="3200"/>
-              <a:t>So they started a school based on film</a:t>
-            </a:r>
-          </a:p>
-          <a:p>
-            <a:r>
-              <a:rPr dirty="0" lang="en-US" smtClean="0" sz="3200"/>
-              <a:t>By 1921 Soviet </a:t>
-            </a:r>
-            <a:r>
-              <a:rPr dirty="0" err="1" lang="en-US" smtClean="0" sz="3200"/>
-              <a:t>cinemna</a:t>
-            </a:r>
-            <a:r>
-              <a:rPr dirty="0" lang="en-US" smtClean="0" sz="3200"/>
-              <a:t> was figuring things out but it was already the most important of the arts</a:t>
-            </a:r>
-          </a:p>
-          <a:p>
-            <a:endParaRPr dirty="0" lang="en-US" smtClean="0" sz="3200"/>
-          </a:p>
-          <a:p>
-            <a:endParaRPr dirty="0" lang="en-US" smtClean="0" sz="3200"/>
+          <a:bodyPr numCol="1"/>
+          <a:lstStyle/>
+          <a:p>
+            <a:r>
+              <a:rPr dirty="0" lang="en-US" smtClean="0"/>
+              <a:t>Eagle Eisenstein as a Semiotician</a:t>
+            </a:r>
+          </a:p>
+        </p:txBody>
+      </p:sp>
+      <p:sp>
+        <p:nvSpPr>
+          <p:cNvPr id="3" name="Text Placeholder 2"/>
+          <p:cNvSpPr>
+            <a:spLocks noGrp="1"/>
+          </p:cNvSpPr>
+          <p:nvPr>
+            <p:ph idx="1" type="body"/>
+          </p:nvPr>
+        </p:nvSpPr>
+        <p:spPr/>
+        <p:txBody>
+          <a:bodyPr numCol="1"/>
+          <a:lstStyle/>
+          <a:p>
+            <a:r>
+              <a:rPr dirty="0" lang="en-US" smtClean="0"/>
+              <a:t>Every page</a:t>
+            </a:r>
+            <a:endParaRPr dirty="0" lang="en-US"/>
           </a:p>
         </p:txBody>
       </p:sp>
     </p:spTree>
     <p:extLst>
       <p:ext uri="{BB962C8B-B14F-4D97-AF65-F5344CB8AC3E}">
-        <p14:creationId xmlns:p14="http://schemas.microsoft.com/office/powerpoint/2010/main" val="854748334"/>
+        <p14:creationId xmlns:p14="http://schemas.microsoft.com/office/powerpoint/2010/main" val="2091349862"/>
       </p:ext>
     </p:extLst>
   </p:cSld>
@@ -5682,58 +5636,63 @@
       </p:grpSpPr>
       <p:sp>
         <p:nvSpPr>
-          <p:cNvPr id="2" name="Title 1"/>
-          <p:cNvSpPr>
-            <a:spLocks noGrp="1"/>
-          </p:cNvSpPr>
-          <p:nvPr>
-            <p:ph type="title"/>
+          <p:cNvPr id="3" name="Content Placeholder 2"/>
+          <p:cNvSpPr>
+            <a:spLocks noGrp="1"/>
+          </p:cNvSpPr>
+          <p:nvPr>
+            <p:ph idx="1"/>
           </p:nvPr>
         </p:nvSpPr>
         <p:spPr>
           <a:xfrm>
-            <a:off x="557530" y="1736726"/>
-            <a:ext cx="10515600" cy="2852737"/>
+            <a:off x="838200" y="161365"/>
+            <a:ext cx="10515600" cy="6015598"/>
           </a:xfrm>
         </p:spPr>
         <p:txBody>
-          <a:bodyPr numCol="1"/>
-          <a:lstStyle/>
-          <a:p>
-            <a:r>
-              <a:rPr dirty="0" lang="en-US" smtClean="0"/>
-              <a:t>Eagle Eisenstein as a Semiotician</a:t>
-            </a:r>
-          </a:p>
-        </p:txBody>
-      </p:sp>
-      <p:sp>
-        <p:nvSpPr>
-          <p:cNvPr id="3" name="Text Placeholder 2"/>
-          <p:cNvSpPr>
-            <a:spLocks noGrp="1"/>
-          </p:cNvSpPr>
-          <p:nvPr>
-            <p:ph idx="1" type="body"/>
-          </p:nvPr>
-        </p:nvSpPr>
-        <p:spPr/>
-        <p:txBody>
-          <a:bodyPr numCol="1"/>
-          <a:lstStyle/>
-          <a:p>
-            <a:r>
-              <a:rPr dirty="0" lang="en-US" smtClean="0"/>
-              <a:t>Every page</a:t>
-            </a:r>
-            <a:endParaRPr dirty="0" lang="en-US"/>
+          <a:bodyPr numCol="1">
+            <a:normAutofit/>
+          </a:bodyPr>
+          <a:lstStyle/>
+          <a:p>
+            <a:r>
+              <a:rPr dirty="0" lang="en-US" smtClean="0" sz="3200"/>
+              <a:t>P 5 (pdf)</a:t>
+            </a:r>
+          </a:p>
+          <a:p>
+            <a:r>
+              <a:rPr dirty="0" lang="en-US" smtClean="0" sz="3200"/>
+              <a:t>Sergei M. Eisenstein important to Soviet cinema use of symbols</a:t>
+            </a:r>
+          </a:p>
+          <a:p>
+            <a:r>
+              <a:rPr dirty="0" lang="en-US" smtClean="0" sz="3200"/>
+              <a:t>Basically cinema is a complex form of communication based off language of emotions, he’ right</a:t>
+            </a:r>
+          </a:p>
+          <a:p>
+            <a:r>
+              <a:rPr dirty="0" lang="en-US" smtClean="0" sz="3200"/>
+              <a:t>Left of </a:t>
+            </a:r>
+            <a:r>
+              <a:rPr lang="en-US" smtClean="0" sz="3200"/>
+              <a:t>at page 6</a:t>
+            </a:r>
+            <a:endParaRPr dirty="0" lang="en-US" smtClean="0" sz="3200"/>
+          </a:p>
+          <a:p>
+            <a:endParaRPr dirty="0" lang="en-US" smtClean="0" sz="3200"/>
           </a:p>
         </p:txBody>
       </p:sp>
     </p:spTree>
     <p:extLst>
       <p:ext uri="{BB962C8B-B14F-4D97-AF65-F5344CB8AC3E}">
-        <p14:creationId xmlns:p14="http://schemas.microsoft.com/office/powerpoint/2010/main" val="2091349862"/>
+        <p14:creationId xmlns:p14="http://schemas.microsoft.com/office/powerpoint/2010/main" val="418469225"/>
       </p:ext>
     </p:extLst>
   </p:cSld>
@@ -5891,41 +5850,70 @@
           <a:p>
             <a:r>
               <a:rPr dirty="0" lang="en-US" smtClean="0" sz="3200"/>
-              <a:t>P 5 (pdf)</a:t>
-            </a:r>
-          </a:p>
-          <a:p>
-            <a:r>
-              <a:rPr dirty="0" lang="en-US" smtClean="0" sz="3200"/>
-              <a:t>Sergei M. Eisenstein important to Soviet cinema use of symbols</a:t>
-            </a:r>
-          </a:p>
-          <a:p>
-            <a:r>
-              <a:rPr dirty="0" lang="en-US" smtClean="0" sz="3200"/>
-              <a:t>Basically cinema is a complex form of communication based off language of emotions, he’ right</a:t>
-            </a:r>
-          </a:p>
-          <a:p>
-            <a:r>
-              <a:rPr dirty="0" lang="en-US" smtClean="0" sz="3200"/>
-              <a:t>Left of </a:t>
-            </a:r>
-            <a:r>
-              <a:rPr lang="en-US" smtClean="0" sz="3200"/>
-              <a:t>at page 6</a:t>
-            </a:r>
-            <a:endParaRPr dirty="0" lang="en-US" smtClean="0" sz="3200"/>
-          </a:p>
-          <a:p>
-            <a:endParaRPr dirty="0" lang="en-US" smtClean="0" sz="3200"/>
+              <a:t>P 6 (pdf)</a:t>
+            </a:r>
+          </a:p>
+          <a:p>
+            <a:r>
+              <a:rPr dirty="0" lang="en-US" smtClean="0" sz="3200"/>
+              <a:t>Got inner speech from Ley </a:t>
+            </a:r>
+            <a:r>
+              <a:rPr dirty="0" err="1" lang="en-US" smtClean="0" sz="3200"/>
+              <a:t>Vygotski</a:t>
+            </a:r>
+            <a:endParaRPr dirty="0" lang="en-US" smtClean="0" sz="3200"/>
+          </a:p>
+          <a:p>
+            <a:r>
+              <a:rPr dirty="0" lang="en-US" smtClean="0" sz="3200"/>
+              <a:t>He said inner speech brings forth thought</a:t>
+            </a:r>
+          </a:p>
+          <a:p>
+            <a:r>
+              <a:rPr dirty="0" lang="en-US" smtClean="0" sz="3200"/>
+              <a:t>He said thought is a whole thing not separate</a:t>
+            </a:r>
+          </a:p>
+          <a:p>
+            <a:r>
+              <a:rPr dirty="0" err="1" lang="en-US" smtClean="0" sz="3200"/>
+              <a:t>Eisen</a:t>
+            </a:r>
+            <a:r>
+              <a:rPr dirty="0" lang="en-US" smtClean="0" sz="3200"/>
+              <a:t>. Agrees wants to make a model use image to speak this inner language</a:t>
+            </a:r>
+          </a:p>
+          <a:p>
+            <a:r>
+              <a:rPr dirty="0" lang="en-US" smtClean="0" sz="3200"/>
+              <a:t>Found image-sensual in </a:t>
+            </a:r>
+            <a:r>
+              <a:rPr dirty="0" err="1" lang="en-US" smtClean="0" sz="3200"/>
+              <a:t>metynomic</a:t>
+            </a:r>
+            <a:r>
+              <a:rPr dirty="0" lang="en-US" smtClean="0" sz="3200"/>
+              <a:t> or metaphor things. Model based off typology, icon and index says you </a:t>
+            </a:r>
+            <a:r>
+              <a:rPr dirty="0" err="1" lang="en-US" smtClean="0" sz="3200"/>
+              <a:t>gotta</a:t>
+            </a:r>
+            <a:r>
+              <a:rPr dirty="0" lang="en-US" smtClean="0" sz="3200"/>
+              <a:t> do it right</a:t>
+            </a:r>
           </a:p>
         </p:txBody>
       </p:sp>
     </p:spTree>
     <p:extLst>
       <p:ext uri="{BB962C8B-B14F-4D97-AF65-F5344CB8AC3E}">
-        <p14:creationId xmlns:p14="http://schemas.microsoft.com/office/powerpoint/2010/main" val="418469225"/>
+        <p14:creationId xmlns:p14="http://schemas.microsoft.com/office/powerpoint/2010/main" val="3121246351"/>
       </p:ext>
     </p:extLst>
   </p:cSld>
@@ -5976,30 +5964,65 @@
           <a:p>
             <a:r>
               <a:rPr dirty="0" lang="en-US" smtClean="0" sz="3200"/>
-              <a:t>P 6 (pdf)</a:t>
-            </a:r>
-          </a:p>
-          <a:p>
-            <a:r>
-              <a:rPr dirty="0" lang="en-US" smtClean="0" sz="3200"/>
-              <a:t>Got inner speech from Ley </a:t>
-            </a:r>
+              <a:t>P 7 (pdf)</a:t>
+            </a:r>
+          </a:p>
+          <a:p>
             <a:r>
               <a:rPr dirty="0" err="1" lang="en-US" smtClean="0" sz="3200"/>
-              <a:t>Vygotski</a:t>
-            </a:r>
-            <a:endParaRPr dirty="0" lang="en-US" smtClean="0" sz="3200"/>
-          </a:p>
-          <a:p>
-            <a:r>
-              <a:rPr dirty="0" lang="en-US" smtClean="0" sz="3200"/>
-              <a:t>He said inner speech brings forth thought</a:t>
-            </a:r>
-          </a:p>
-          <a:p>
-            <a:r>
-              <a:rPr dirty="0" lang="en-US" smtClean="0" sz="3200"/>
-              <a:t>He said thought is a whole thing not separate</a:t>
+              <a:t>Cimena</a:t>
+            </a:r>
+            <a:r>
+              <a:rPr dirty="0" lang="en-US" smtClean="0" sz="3200"/>
+              <a:t> is man made, and </a:t>
+            </a:r>
+            <a:r>
+              <a:rPr dirty="0" err="1" lang="en-US" smtClean="0" sz="3200"/>
+              <a:t>unfies</a:t>
+            </a:r>
+            <a:r>
+              <a:rPr dirty="0" lang="en-US" smtClean="0" sz="3200"/>
+              <a:t> all potentials of the arts</a:t>
+            </a:r>
+            <a:endParaRPr dirty="0" lang="en-US"/>
+          </a:p>
+          <a:p>
+            <a:r>
+              <a:rPr dirty="0" err="1" lang="en-US" smtClean="0" sz="3200"/>
+              <a:t>Scuplture</a:t>
+            </a:r>
+            <a:r>
+              <a:rPr dirty="0" lang="en-US" smtClean="0" sz="3200"/>
+              <a:t>- changing plastic</a:t>
+            </a:r>
+          </a:p>
+          <a:p>
+            <a:r>
+              <a:rPr dirty="0" lang="en-US" smtClean="0" sz="3200"/>
+              <a:t>Painting- movement</a:t>
+            </a:r>
+          </a:p>
+          <a:p>
+            <a:r>
+              <a:rPr dirty="0" lang="en-US" smtClean="0" sz="3200"/>
+              <a:t>Music- </a:t>
+            </a:r>
+            <a:r>
+              <a:rPr dirty="0" err="1" lang="en-US" smtClean="0" sz="3200"/>
+              <a:t>visuality</a:t>
+            </a:r>
+            <a:endParaRPr dirty="0" lang="en-US" smtClean="0" sz="3200"/>
+          </a:p>
+          <a:p>
+            <a:r>
+              <a:rPr dirty="0" lang="en-US" smtClean="0" sz="3200"/>
+              <a:t>Literature- can see it</a:t>
+            </a:r>
+          </a:p>
+          <a:p>
+            <a:r>
+              <a:rPr dirty="0" lang="en-US" smtClean="0" sz="3200"/>
+              <a:t>Cinema put it into one</a:t>
             </a:r>
           </a:p>
           <a:p>
@@ -6009,29 +6032,15 @@
             </a:r>
             <a:r>
               <a:rPr dirty="0" lang="en-US" smtClean="0" sz="3200"/>
-              <a:t>. Agrees wants to make a model use image to speak this inner language</a:t>
-            </a:r>
-          </a:p>
-          <a:p>
-            <a:r>
-              <a:rPr dirty="0" lang="en-US" smtClean="0" sz="3200"/>
-              <a:t>Found image-sensual in </a:t>
+              <a:t>. Had to blow up wall that stood </a:t>
             </a:r>
             <a:r>
               <a:rPr dirty="0" err="1" lang="en-US" smtClean="0" sz="3200"/>
-              <a:t>metynomic</a:t>
-            </a:r>
-            <a:r>
-              <a:rPr dirty="0" lang="en-US" smtClean="0" sz="3200"/>
-              <a:t> or metaphor things. Model based off typology, icon and index says you </a:t>
-            </a:r>
-            <a:r>
-              <a:rPr dirty="0" err="1" lang="en-US" smtClean="0" sz="3200"/>
-              <a:t>gotta</a:t>
-            </a:r>
-            <a:r>
-              <a:rPr dirty="0" lang="en-US" smtClean="0" sz="3200"/>
-              <a:t> do it right</a:t>
+              <a:t>btwn</a:t>
+            </a:r>
+            <a:r>
+              <a:rPr dirty="0" lang="en-US" smtClean="0" sz="3200"/>
+              <a:t> language of logic and language of images, movies had to make sense</a:t>
             </a:r>
           </a:p>
         </p:txBody>
@@ -6039,7 +6048,7 @@
     </p:spTree>
     <p:extLst>
       <p:ext uri="{BB962C8B-B14F-4D97-AF65-F5344CB8AC3E}">
-        <p14:creationId xmlns:p14="http://schemas.microsoft.com/office/powerpoint/2010/main" val="3121246351"/>
+        <p14:creationId xmlns:p14="http://schemas.microsoft.com/office/powerpoint/2010/main" val="3104095314"/>
       </p:ext>
     </p:extLst>
   </p:cSld>
@@ -6090,65 +6099,7 @@
           <a:p>
             <a:r>
               <a:rPr dirty="0" lang="en-US" smtClean="0" sz="3200"/>
-              <a:t>P 7 (pdf)</a:t>
-            </a:r>
-          </a:p>
-          <a:p>
-            <a:r>
-              <a:rPr dirty="0" err="1" lang="en-US" smtClean="0" sz="3200"/>
-              <a:t>Cimena</a:t>
-            </a:r>
-            <a:r>
-              <a:rPr dirty="0" lang="en-US" smtClean="0" sz="3200"/>
-              <a:t> is man made, and </a:t>
-            </a:r>
-            <a:r>
-              <a:rPr dirty="0" err="1" lang="en-US" smtClean="0" sz="3200"/>
-              <a:t>unfies</a:t>
-            </a:r>
-            <a:r>
-              <a:rPr dirty="0" lang="en-US" smtClean="0" sz="3200"/>
-              <a:t> all potentials of the arts</a:t>
-            </a:r>
-            <a:endParaRPr dirty="0" lang="en-US"/>
-          </a:p>
-          <a:p>
-            <a:r>
-              <a:rPr dirty="0" err="1" lang="en-US" smtClean="0" sz="3200"/>
-              <a:t>Scuplture</a:t>
-            </a:r>
-            <a:r>
-              <a:rPr dirty="0" lang="en-US" smtClean="0" sz="3200"/>
-              <a:t>- changing plastic</a:t>
-            </a:r>
-          </a:p>
-          <a:p>
-            <a:r>
-              <a:rPr dirty="0" lang="en-US" smtClean="0" sz="3200"/>
-              <a:t>Painting- movement</a:t>
-            </a:r>
-          </a:p>
-          <a:p>
-            <a:r>
-              <a:rPr dirty="0" lang="en-US" smtClean="0" sz="3200"/>
-              <a:t>Music- </a:t>
-            </a:r>
-            <a:r>
-              <a:rPr dirty="0" err="1" lang="en-US" smtClean="0" sz="3200"/>
-              <a:t>visuality</a:t>
-            </a:r>
-            <a:endParaRPr dirty="0" lang="en-US" smtClean="0" sz="3200"/>
-          </a:p>
-          <a:p>
-            <a:r>
-              <a:rPr dirty="0" lang="en-US" smtClean="0" sz="3200"/>
-              <a:t>Literature- can see it</a:t>
-            </a:r>
-          </a:p>
-          <a:p>
-            <a:r>
-              <a:rPr dirty="0" lang="en-US" smtClean="0" sz="3200"/>
-              <a:t>Cinema put it into one</a:t>
+              <a:t>P  8 (pdf)</a:t>
             </a:r>
           </a:p>
           <a:p>
@@ -6158,15 +6109,63 @@
             </a:r>
             <a:r>
               <a:rPr dirty="0" lang="en-US" smtClean="0" sz="3200"/>
-              <a:t>. Had to blow up wall that stood </a:t>
+              <a:t>. Tries to use </a:t>
             </a:r>
             <a:r>
               <a:rPr dirty="0" err="1" lang="en-US" smtClean="0" sz="3200"/>
-              <a:t>btwn</a:t>
-            </a:r>
-            <a:r>
-              <a:rPr dirty="0" lang="en-US" smtClean="0" sz="3200"/>
-              <a:t> language of logic and language of images, movies had to make sense</a:t>
+              <a:t>cimena</a:t>
+            </a:r>
+            <a:r>
+              <a:rPr dirty="0" lang="en-US" smtClean="0" sz="3200"/>
+              <a:t> to get to </a:t>
+            </a:r>
+            <a:r>
+              <a:rPr dirty="0" err="1" lang="en-US" smtClean="0" sz="3200"/>
+              <a:t>psycology</a:t>
+            </a:r>
+            <a:r>
+              <a:rPr dirty="0" lang="en-US" smtClean="0" sz="3200"/>
+              <a:t> of man in order to advance mankind</a:t>
+            </a:r>
+          </a:p>
+          <a:p>
+            <a:r>
+              <a:rPr dirty="0" lang="en-US" smtClean="0" sz="3200"/>
+              <a:t>What does 2</a:t>
+            </a:r>
+            <a:r>
+              <a:rPr baseline="30000" dirty="0" lang="en-US" smtClean="0" sz="3200"/>
+              <a:t>nd</a:t>
+            </a:r>
+            <a:r>
+              <a:rPr dirty="0" lang="en-US" smtClean="0" sz="3200"/>
+              <a:t> </a:t>
+            </a:r>
+            <a:r>
+              <a:rPr dirty="0" err="1" lang="en-US" smtClean="0" sz="3200"/>
+              <a:t>parargraph</a:t>
+            </a:r>
+            <a:r>
+              <a:rPr dirty="0" lang="en-US" smtClean="0" sz="3200"/>
+              <a:t> mean</a:t>
+            </a:r>
+          </a:p>
+          <a:p>
+            <a:r>
+              <a:rPr dirty="0" err="1" lang="en-US" smtClean="0" sz="3200"/>
+              <a:t>Eisen</a:t>
+            </a:r>
+            <a:r>
+              <a:rPr dirty="0" lang="en-US" smtClean="0" sz="3200"/>
+              <a:t>. Copies Japanese ideograms. Pictures are turned into alphabets in Japanese and emotions are merges of those alphabets. </a:t>
+            </a:r>
+            <a:r>
+              <a:rPr dirty="0" err="1" lang="en-US" smtClean="0" sz="3200"/>
+              <a:t>Eisen</a:t>
+            </a:r>
+            <a:r>
+              <a:rPr dirty="0" lang="en-US" smtClean="0" sz="3200"/>
+              <a:t>. has an off screen narrator speak while someone acts out the scene</a:t>
             </a:r>
           </a:p>
         </p:txBody>
@@ -6174,7 +6173,7 @@
     </p:spTree>
     <p:extLst>
       <p:ext uri="{BB962C8B-B14F-4D97-AF65-F5344CB8AC3E}">
-        <p14:creationId xmlns:p14="http://schemas.microsoft.com/office/powerpoint/2010/main" val="3104095314"/>
+        <p14:creationId xmlns:p14="http://schemas.microsoft.com/office/powerpoint/2010/main" val="462892155"/>
       </p:ext>
     </p:extLst>
   </p:cSld>
@@ -6225,7 +6224,7 @@
           <a:p>
             <a:r>
               <a:rPr dirty="0" lang="en-US" smtClean="0" sz="3200"/>
-              <a:t>P  8 (pdf)</a:t>
+              <a:t>P  9 (pdf)</a:t>
             </a:r>
           </a:p>
           <a:p>
@@ -6235,55 +6234,35 @@
             </a:r>
             <a:r>
               <a:rPr dirty="0" lang="en-US" smtClean="0" sz="3200"/>
-              <a:t>. Tries to use </a:t>
+              <a:t>. Did it more than images he used brightness all visual aspects to talk his inner voice language</a:t>
+            </a:r>
+          </a:p>
+          <a:p>
+            <a:r>
+              <a:rPr dirty="0" lang="en-US" smtClean="0" sz="3200"/>
+              <a:t>D.W. Griffith does things like a </a:t>
             </a:r>
             <a:r>
               <a:rPr dirty="0" err="1" lang="en-US" smtClean="0" sz="3200"/>
-              <a:t>cimena</a:t>
-            </a:r>
-            <a:r>
-              <a:rPr dirty="0" lang="en-US" smtClean="0" sz="3200"/>
-              <a:t> to get to </a:t>
-            </a:r>
-            <a:r>
-              <a:rPr dirty="0" err="1" lang="en-US" smtClean="0" sz="3200"/>
-              <a:t>psycology</a:t>
-            </a:r>
-            <a:r>
-              <a:rPr dirty="0" lang="en-US" smtClean="0" sz="3200"/>
-              <a:t> of man in order to advance mankind</a:t>
-            </a:r>
-          </a:p>
-          <a:p>
-            <a:r>
-              <a:rPr dirty="0" lang="en-US" smtClean="0" sz="3200"/>
-              <a:t>What does 2</a:t>
-            </a:r>
-            <a:r>
-              <a:rPr baseline="30000" dirty="0" lang="en-US" smtClean="0" sz="3200"/>
-              <a:t>nd</a:t>
-            </a:r>
-            <a:r>
-              <a:rPr dirty="0" lang="en-US" smtClean="0" sz="3200"/>
-              <a:t> </a:t>
-            </a:r>
-            <a:r>
-              <a:rPr dirty="0" err="1" lang="en-US" smtClean="0" sz="3200"/>
-              <a:t>parargraph</a:t>
-            </a:r>
-            <a:r>
-              <a:rPr dirty="0" lang="en-US" smtClean="0" sz="3200"/>
-              <a:t> mean</a:t>
-            </a:r>
-          </a:p>
-          <a:p>
+              <a:t>metyoymn</a:t>
+            </a:r>
+            <a:r>
+              <a:rPr dirty="0" lang="en-US" smtClean="0" sz="3200"/>
+              <a:t> while </a:t>
+            </a:r>
             <a:r>
               <a:rPr dirty="0" err="1" lang="en-US" smtClean="0" sz="3200"/>
               <a:t>Eisen</a:t>
             </a:r>
             <a:r>
               <a:rPr dirty="0" lang="en-US" smtClean="0" sz="3200"/>
-              <a:t>. Copies Japanese ideograms. Pictures are turned into alphabets in Japanese and emotions are merges of those alphabets. </a:t>
+              <a:t>. Uses metaphor he cares about using quality to create quality</a:t>
+            </a:r>
+          </a:p>
+          <a:p>
+            <a:r>
+              <a:rPr dirty="0" lang="en-US" smtClean="0" sz="3200"/>
+              <a:t>So </a:t>
             </a:r>
             <a:r>
               <a:rPr dirty="0" err="1" lang="en-US" smtClean="0" sz="3200"/>
@@ -6291,7 +6270,7 @@
             </a:r>
             <a:r>
               <a:rPr dirty="0" lang="en-US" smtClean="0" sz="3200"/>
-              <a:t>. has an off screen narrator speak while someone acts out the scene</a:t>
+              <a:t>. Puts all objects of the same object together to create paradigms</a:t>
             </a:r>
           </a:p>
         </p:txBody>
@@ -6299,7 +6278,7 @@
     </p:spTree>
     <p:extLst>
       <p:ext uri="{BB962C8B-B14F-4D97-AF65-F5344CB8AC3E}">
-        <p14:creationId xmlns:p14="http://schemas.microsoft.com/office/powerpoint/2010/main" val="462892155"/>
+        <p14:creationId xmlns:p14="http://schemas.microsoft.com/office/powerpoint/2010/main" val="346287130"/>
       </p:ext>
     </p:extLst>
   </p:cSld>
@@ -6350,53 +6329,48 @@
           <a:p>
             <a:r>
               <a:rPr dirty="0" lang="en-US" smtClean="0" sz="3200"/>
-              <a:t>P  9 (pdf)</a:t>
-            </a:r>
-          </a:p>
-          <a:p>
+              <a:t>P  10 (pdf)</a:t>
+            </a:r>
+          </a:p>
+          <a:p>
+            <a:r>
+              <a:rPr dirty="0" lang="en-US" smtClean="0" sz="3200"/>
+              <a:t>What is the 1</a:t>
+            </a:r>
+            <a:r>
+              <a:rPr baseline="30000" dirty="0" lang="en-US" smtClean="0" sz="3200"/>
+              <a:t>st</a:t>
+            </a:r>
+            <a:r>
+              <a:rPr dirty="0" lang="en-US" smtClean="0" sz="3200"/>
+              <a:t> paragraph </a:t>
+            </a:r>
             <a:r>
               <a:rPr dirty="0" err="1" lang="en-US" smtClean="0" sz="3200"/>
-              <a:t>Eisen</a:t>
-            </a:r>
-            <a:r>
-              <a:rPr dirty="0" lang="en-US" smtClean="0" sz="3200"/>
-              <a:t>. Did it more than images he used brightness all visual aspects to talk his inner voice language</a:t>
-            </a:r>
-          </a:p>
-          <a:p>
-            <a:r>
-              <a:rPr dirty="0" lang="en-US" smtClean="0" sz="3200"/>
-              <a:t>D.W. Griffith does things like a </a:t>
+              <a:t>abt</a:t>
+            </a:r>
+            <a:endParaRPr dirty="0" lang="en-US" smtClean="0" sz="3200"/>
+          </a:p>
+          <a:p>
+            <a:r>
+              <a:rPr dirty="0" lang="en-US" smtClean="0" sz="3200"/>
+              <a:t>The persons physical characteristics were </a:t>
             </a:r>
             <a:r>
               <a:rPr dirty="0" err="1" lang="en-US" smtClean="0" sz="3200"/>
-              <a:t>metyoymn</a:t>
-            </a:r>
-            <a:r>
-              <a:rPr dirty="0" lang="en-US" smtClean="0" sz="3200"/>
-              <a:t> while </a:t>
+              <a:t>impt</a:t>
+            </a:r>
+            <a:r>
+              <a:rPr dirty="0" lang="en-US" smtClean="0" sz="3200"/>
+              <a:t>, just like kabuki his characters reminded </a:t>
             </a:r>
             <a:r>
               <a:rPr dirty="0" err="1" lang="en-US" smtClean="0" sz="3200"/>
-              <a:t>Eisen</a:t>
-            </a:r>
-            <a:r>
-              <a:rPr dirty="0" lang="en-US" smtClean="0" sz="3200"/>
-              <a:t>. Uses metaphor he cares about using quality to create quality</a:t>
-            </a:r>
-          </a:p>
-          <a:p>
-            <a:r>
-              <a:rPr dirty="0" lang="en-US" smtClean="0" sz="3200"/>
-              <a:t>So </a:t>
-            </a:r>
-            <a:r>
-              <a:rPr dirty="0" err="1" lang="en-US" smtClean="0" sz="3200"/>
-              <a:t>Eisen</a:t>
-            </a:r>
-            <a:r>
-              <a:rPr dirty="0" lang="en-US" smtClean="0" sz="3200"/>
-              <a:t>. Puts all objects of the same object together to create paradigms</a:t>
+              <a:t>ppl</a:t>
+            </a:r>
+            <a:r>
+              <a:rPr dirty="0" lang="en-US" smtClean="0" sz="3200"/>
+              <a:t> and acted like their respective animals</a:t>
             </a:r>
           </a:p>
         </p:txBody>
@@ -6404,7 +6378,7 @@
     </p:spTree>
     <p:extLst>
       <p:ext uri="{BB962C8B-B14F-4D97-AF65-F5344CB8AC3E}">
-        <p14:creationId xmlns:p14="http://schemas.microsoft.com/office/powerpoint/2010/main" val="346287130"/>
+        <p14:creationId xmlns:p14="http://schemas.microsoft.com/office/powerpoint/2010/main" val="3009201768"/>
       </p:ext>
     </p:extLst>
   </p:cSld>
@@ -6455,48 +6429,45 @@
           <a:p>
             <a:r>
               <a:rPr dirty="0" lang="en-US" smtClean="0" sz="3200"/>
-              <a:t>P  10 (pdf)</a:t>
-            </a:r>
-          </a:p>
-          <a:p>
-            <a:r>
-              <a:rPr dirty="0" lang="en-US" smtClean="0" sz="3200"/>
-              <a:t>What is the 1</a:t>
-            </a:r>
-            <a:r>
-              <a:rPr baseline="30000" dirty="0" lang="en-US" smtClean="0" sz="3200"/>
-              <a:t>st</a:t>
-            </a:r>
-            <a:r>
-              <a:rPr dirty="0" lang="en-US" smtClean="0" sz="3200"/>
-              <a:t> paragraph </a:t>
-            </a:r>
+              <a:t>P  11 (pdf)</a:t>
+            </a:r>
+          </a:p>
+          <a:p>
             <a:r>
               <a:rPr dirty="0" err="1" lang="en-US" smtClean="0" sz="3200"/>
-              <a:t>abt</a:t>
-            </a:r>
-            <a:endParaRPr dirty="0" lang="en-US" smtClean="0" sz="3200"/>
-          </a:p>
-          <a:p>
-            <a:r>
-              <a:rPr dirty="0" lang="en-US" smtClean="0" sz="3200"/>
-              <a:t>The persons physical characteristics were </a:t>
+              <a:t>Eisen</a:t>
+            </a:r>
+            <a:r>
+              <a:rPr dirty="0" lang="en-US" smtClean="0" sz="3200"/>
+              <a:t>. Talks about </a:t>
             </a:r>
             <a:r>
               <a:rPr dirty="0" err="1" lang="en-US" smtClean="0" sz="3200"/>
-              <a:t>impt</a:t>
-            </a:r>
-            <a:r>
-              <a:rPr dirty="0" lang="en-US" smtClean="0" sz="3200"/>
-              <a:t>, just like kabuki his characters reminded </a:t>
+              <a:t>fragementation</a:t>
+            </a:r>
+            <a:r>
+              <a:rPr dirty="0" lang="en-US" smtClean="0" sz="3200"/>
+              <a:t> of signs, says actors task is to match his </a:t>
             </a:r>
             <a:r>
               <a:rPr dirty="0" err="1" lang="en-US" smtClean="0" sz="3200"/>
-              <a:t>ppl</a:t>
-            </a:r>
-            <a:r>
-              <a:rPr dirty="0" lang="en-US" smtClean="0" sz="3200"/>
-              <a:t> and acted like their respective animals</a:t>
+              <a:t>charcter</a:t>
+            </a:r>
+            <a:r>
+              <a:rPr dirty="0" lang="en-US" smtClean="0" sz="3200"/>
+              <a:t> in a few features</a:t>
+            </a:r>
+          </a:p>
+          <a:p>
+            <a:r>
+              <a:rPr dirty="0" lang="en-US" smtClean="0" sz="3200"/>
+              <a:t>He has to live out his character</a:t>
+            </a:r>
+          </a:p>
+          <a:p>
+            <a:r>
+              <a:rPr dirty="0" lang="en-US" smtClean="0" sz="3200"/>
+              <a:t>Also the change in quality of a scene as you see it can also cause a change in emotion</a:t>
             </a:r>
           </a:p>
         </p:txBody>
@@ -6504,7 +6475,7 @@
     </p:spTree>
     <p:extLst>
       <p:ext uri="{BB962C8B-B14F-4D97-AF65-F5344CB8AC3E}">
-        <p14:creationId xmlns:p14="http://schemas.microsoft.com/office/powerpoint/2010/main" val="3009201768"/>
+        <p14:creationId xmlns:p14="http://schemas.microsoft.com/office/powerpoint/2010/main" val="3389904435"/>
       </p:ext>
     </p:extLst>
   </p:cSld>
@@ -6555,53 +6526,42 @@
           <a:p>
             <a:r>
               <a:rPr dirty="0" lang="en-US" smtClean="0" sz="3200"/>
-              <a:t>P  11 (pdf)</a:t>
-            </a:r>
-          </a:p>
-          <a:p>
-            <a:r>
-              <a:rPr dirty="0" err="1" lang="en-US" smtClean="0" sz="3200"/>
-              <a:t>Eisen</a:t>
-            </a:r>
-            <a:r>
-              <a:rPr dirty="0" lang="en-US" smtClean="0" sz="3200"/>
-              <a:t>. Talks about </a:t>
-            </a:r>
-            <a:r>
-              <a:rPr dirty="0" err="1" lang="en-US" smtClean="0" sz="3200"/>
-              <a:t>fragementation</a:t>
-            </a:r>
-            <a:r>
-              <a:rPr dirty="0" lang="en-US" smtClean="0" sz="3200"/>
-              <a:t> of signs, says actors task is to match his </a:t>
-            </a:r>
-            <a:r>
-              <a:rPr dirty="0" err="1" lang="en-US" smtClean="0" sz="3200"/>
-              <a:t>charcter</a:t>
-            </a:r>
-            <a:r>
-              <a:rPr dirty="0" lang="en-US" smtClean="0" sz="3200"/>
-              <a:t> in a few features</a:t>
-            </a:r>
-          </a:p>
-          <a:p>
-            <a:r>
-              <a:rPr dirty="0" lang="en-US" smtClean="0" sz="3200"/>
-              <a:t>He has to live out his character</a:t>
-            </a:r>
-          </a:p>
-          <a:p>
-            <a:r>
-              <a:rPr dirty="0" lang="en-US" smtClean="0" sz="3200"/>
-              <a:t>Also the change in quality of a scene as you see it can also cause a change in emotion</a:t>
-            </a:r>
+              <a:t>P  12 (pdf)</a:t>
+            </a:r>
+          </a:p>
+          <a:p>
+            <a:r>
+              <a:rPr sz="3200">
+                <a:solidFill>
+                  <a:schemeClr val="tx1"/>
+                </a:solidFill>
+                <a:latin typeface="+mn-lt"/>
+              </a:rPr>
+              <a:t>Gestures are important</a:t>
+            </a:r>
+            <a:endParaRPr dirty="0" lang="en-US" smtClean="0" sz="3200"/>
+          </a:p>
+          <a:p>
+            <a:r>
+              <a:rPr dirty="0" lang="en-US" smtClean="0" sz="3200"/>
+              <a:t>Colors have no meaning, just conceptuality and they help make movies look good</a:t>
+            </a:r>
+          </a:p>
+          <a:p>
+            <a:endParaRPr dirty="0" lang="en-US" smtClean="0" sz="3200"/>
+          </a:p>
+          <a:p>
+            <a:endParaRPr dirty="0" lang="en-US" smtClean="0" sz="3200"/>
+          </a:p>
+          <a:p>
+            <a:endParaRPr dirty="0" lang="en-US" smtClean="0" sz="3200"/>
           </a:p>
         </p:txBody>
       </p:sp>
     </p:spTree>
     <p:extLst>
       <p:ext uri="{BB962C8B-B14F-4D97-AF65-F5344CB8AC3E}">
-        <p14:creationId xmlns:p14="http://schemas.microsoft.com/office/powerpoint/2010/main" val="3389904435"/>
+        <p14:creationId xmlns:p14="http://schemas.microsoft.com/office/powerpoint/2010/main" val="1245892544"/>
       </p:ext>
     </p:extLst>
   </p:cSld>
@@ -6652,26 +6612,32 @@
           <a:p>
             <a:r>
               <a:rPr dirty="0" lang="en-US" smtClean="0" sz="3200"/>
-              <a:t>P  12 (pdf)</a:t>
-            </a:r>
-          </a:p>
-          <a:p>
-            <a:r>
-              <a:rPr sz="3200">
-                <a:solidFill>
-                  <a:schemeClr val="tx1"/>
-                </a:solidFill>
-                <a:latin typeface="+mn-lt"/>
-              </a:rPr>
-              <a:t>Gestures are important</a:t>
-            </a:r>
-            <a:endParaRPr dirty="0" lang="en-US" smtClean="0" sz="3200"/>
-          </a:p>
-          <a:p>
-            <a:r>
-              <a:rPr dirty="0" lang="en-US" smtClean="0" sz="3200"/>
-              <a:t>Colors have no meaning, just conceptuality and they help make movies look good</a:t>
-            </a:r>
+              <a:t>P  13(pdf)</a:t>
+            </a:r>
+          </a:p>
+          <a:p>
+            <a:r>
+              <a:rPr/>
+              <a:t>Colors depend on the movie to work</a:t>
+            </a:r>
+          </a:p>
+          <a:p>
+            <a:r>
+              <a:rPr/>
+              <a:t>Music used to push out gestures</a:t>
+            </a:r>
+          </a:p>
+          <a:p>
+            <a:r>
+              <a:rPr/>
+              <a:t>Uses music to express emotion</a:t>
+            </a:r>
+          </a:p>
+          <a:p>
+            <a:endParaRPr/>
+          </a:p>
+          <a:p>
+            <a:endParaRPr dirty="0" lang="en-US" smtClean="0" sz="3200"/>
           </a:p>
           <a:p>
             <a:endParaRPr dirty="0" lang="en-US" smtClean="0" sz="3200"/>
@@ -6738,26 +6704,51 @@
           <a:p>
             <a:r>
               <a:rPr dirty="0" lang="en-US" smtClean="0" sz="3200"/>
-              <a:t>P  13(pdf)</a:t>
+              <a:t>P  14(pdf)</a:t>
+            </a:r>
+          </a:p>
+          <a:p>
+            <a:r>
+              <a:rPr sz="3200">
+                <a:solidFill>
+                  <a:schemeClr val="tx1"/>
+                </a:solidFill>
+                <a:latin typeface="+mn-lt"/>
+              </a:rPr>
+              <a:t>Eisen makes his music clash, like like yin and yang</a:t>
+            </a:r>
+          </a:p>
+          <a:p>
+            <a:r>
+              <a:rPr sz="3200">
+                <a:solidFill>
+                  <a:schemeClr val="tx1"/>
+                </a:solidFill>
+                <a:latin typeface="+mn-lt"/>
+              </a:rPr>
+              <a:t>Music should signify something to the audience</a:t>
+            </a:r>
+          </a:p>
+          <a:p>
+            <a:r>
+              <a:rPr sz="3000"/>
+              <a:t>I dont get this paragrahph at all (p 3)</a:t>
+            </a:r>
+          </a:p>
+          <a:p>
+            <a:r>
+              <a:rPr sz="3000"/>
+              <a:t>Cinematic art works by telling u its real and fake at the same time</a:t>
             </a:r>
           </a:p>
           <a:p>
             <a:r>
               <a:rPr/>
-              <a:t>Colors depend on the movie to work</a:t>
-            </a:r>
-          </a:p>
-          <a:p>
-            <a:r>
-              <a:rPr/>
-              <a:t>Music used to push out gestures</a:t>
-            </a:r>
-          </a:p>
-          <a:p>
-            <a:r>
-              <a:rPr/>
-              <a:t>Uses music to express emotion</a:t>
-            </a:r>
+              <a:t>Everything in Eisen. work is overlapping</a:t>
+            </a:r>
+          </a:p>
+          <a:p>
+            <a:endParaRPr/>
           </a:p>
           <a:p>
             <a:endParaRPr/>
@@ -6830,48 +6821,38 @@
           <a:p>
             <a:r>
               <a:rPr dirty="0" lang="en-US" smtClean="0" sz="3200"/>
-              <a:t>P  14(pdf)</a:t>
-            </a:r>
-          </a:p>
-          <a:p>
-            <a:r>
-              <a:rPr sz="3200">
-                <a:solidFill>
-                  <a:schemeClr val="tx1"/>
-                </a:solidFill>
-                <a:latin typeface="+mn-lt"/>
-              </a:rPr>
-              <a:t>Eisen makes his music clash, like like yin and yang</a:t>
-            </a:r>
-          </a:p>
-          <a:p>
-            <a:r>
-              <a:rPr sz="3200">
-                <a:solidFill>
-                  <a:schemeClr val="tx1"/>
-                </a:solidFill>
-                <a:latin typeface="+mn-lt"/>
-              </a:rPr>
-              <a:t>Music should signify something to the audience</a:t>
-            </a:r>
-          </a:p>
-          <a:p>
-            <a:r>
-              <a:rPr sz="3000"/>
-              <a:t>I dont get this paragrahph at all (p 3)</a:t>
-            </a:r>
-          </a:p>
-          <a:p>
-            <a:r>
-              <a:rPr sz="3000"/>
-              <a:t>Cinematic art works by telling u its real and fake at the same time</a:t>
+              <a:t>P  15(pdf)</a:t>
             </a:r>
           </a:p>
           <a:p>
             <a:r>
               <a:rPr/>
-              <a:t>Everything in Eisen. work is overlapping</a:t>
-            </a:r>
+              <a:t>His work is ultimately dynamic</a:t>
+            </a:r>
+          </a:p>
+          <a:p>
+            <a:r>
+              <a:rPr/>
+              <a:t>Cinema is living</a:t>
+            </a:r>
+          </a:p>
+          <a:p>
+            <a:r>
+              <a:rPr/>
+              <a:t>People gotta enjoy the movie</a:t>
+            </a:r>
+          </a:p>
+          <a:p>
+            <a:r>
+              <a:rPr/>
+              <a:t>As people watch, they also make the image for theirselves, their own personal way of how they see things</a:t>
+            </a:r>
+          </a:p>
+          <a:p>
+            <a:endParaRPr/>
+          </a:p>
+          <a:p>
+            <a:endParaRPr/>
           </a:p>
           <a:p>
             <a:endParaRPr/>
@@ -7096,32 +7077,23 @@
           <a:p>
             <a:r>
               <a:rPr dirty="0" lang="en-US" smtClean="0" sz="3200"/>
-              <a:t>P  15(pdf)</a:t>
+              <a:t>P  16(pdf)</a:t>
             </a:r>
           </a:p>
           <a:p>
             <a:r>
               <a:rPr/>
-              <a:t>His work is ultimately dynamic</a:t>
+              <a:t>There is norms and deviation in movies</a:t>
             </a:r>
           </a:p>
           <a:p>
             <a:r>
               <a:rPr/>
-              <a:t>Cinema is living</a:t>
-            </a:r>
-          </a:p>
-          <a:p>
-            <a:r>
-              <a:rPr/>
-              <a:t>People gotta enjoy the movie</a:t>
-            </a:r>
-          </a:p>
-          <a:p>
-            <a:r>
-              <a:rPr/>
-              <a:t>As people watch, they also make the image for theirselves, their own personal way of how they see things</a:t>
-            </a:r>
+              <a:t>Idk I think it talks abt montage</a:t>
+            </a:r>
+          </a:p>
+          <a:p>
+            <a:endParaRPr/>
           </a:p>
           <a:p>
             <a:endParaRPr/>
@@ -7203,20 +7175,44 @@
           <a:p>
             <a:r>
               <a:rPr dirty="0" lang="en-US" smtClean="0" sz="3200"/>
-              <a:t>P  16(pdf)</a:t>
+              <a:t>P  17(pdf)</a:t>
             </a:r>
           </a:p>
           <a:p>
             <a:r>
               <a:rPr/>
-              <a:t>There is norms and deviation in movies</a:t>
+              <a:t>The essence of cinema is to create meaning</a:t>
             </a:r>
           </a:p>
           <a:p>
             <a:r>
               <a:rPr/>
-              <a:t>Idk I think it talks abt montage</a:t>
-            </a:r>
+              <a:t>I think this is talking about how ppl can switch between shots in their work and take advantage of that and do different things with it</a:t>
+            </a:r>
+          </a:p>
+          <a:p>
+            <a:r>
+              <a:rPr/>
+              <a:t>Different viewpoints in conflict are also represented as dynamic</a:t>
+            </a:r>
+          </a:p>
+          <a:p>
+            <a:r>
+              <a:rPr/>
+              <a:t>Eisen calls the use of several aspects (codes) of cinema vertical montage</a:t>
+            </a:r>
+          </a:p>
+          <a:p>
+            <a:r>
+              <a:rPr/>
+              <a:t>The movie has to give credit to all the details that make it up</a:t>
+            </a:r>
+          </a:p>
+          <a:p>
+            <a:endParaRPr/>
+          </a:p>
+          <a:p>
+            <a:endParaRPr/>
           </a:p>
           <a:p>
             <a:endParaRPr/>
@@ -7301,56 +7297,56 @@
           <a:p>
             <a:r>
               <a:rPr dirty="0" lang="en-US" smtClean="0" sz="3200"/>
-              <a:t>P  17(pdf)</a:t>
+              <a:t>P  18(pdf)</a:t>
             </a:r>
           </a:p>
           <a:p>
             <a:r>
               <a:rPr/>
-              <a:t>The essence of cinema is to create meaning</a:t>
+              <a:t>The vertical montage is made when you take apart details you see in real life and re-create them in your movies</a:t>
             </a:r>
           </a:p>
           <a:p>
             <a:r>
               <a:rPr/>
-              <a:t>I think this is talking about how ppl can switch between shots in their work and take advantage of that and do different things with it</a:t>
+              <a:t>Thought comes after a media of communication</a:t>
             </a:r>
           </a:p>
           <a:p>
             <a:r>
               <a:rPr/>
-              <a:t>Different viewpoints in conflict are also represented as dynamic</a:t>
+              <a:t>"         "  in words</a:t>
             </a:r>
           </a:p>
           <a:p>
             <a:r>
               <a:rPr/>
-              <a:t>Eisen calls the use of several aspects (codes) of cinema vertical montage</a:t>
+              <a:t>"          " in a cinema</a:t>
             </a:r>
           </a:p>
           <a:p>
             <a:r>
               <a:rPr/>
-              <a:t>The movie has to give credit to all the details that make it up</a:t>
-            </a:r>
-          </a:p>
-          <a:p>
-            <a:endParaRPr/>
-          </a:p>
-          <a:p>
-            <a:endParaRPr/>
-          </a:p>
-          <a:p>
-            <a:endParaRPr/>
-          </a:p>
-          <a:p>
-            <a:endParaRPr/>
-          </a:p>
-          <a:p>
-            <a:endParaRPr/>
-          </a:p>
-          <a:p>
-            <a:endParaRPr/>
+              <a:t>"          " same w/ complex sound and pictures and combined</a:t>
+            </a:r>
+          </a:p>
+          <a:p>
+            <a:r>
+              <a:rPr/>
+              <a:t>"           " then </a:t>
+            </a:r>
+          </a:p>
+          <a:p>
+            <a:r>
+              <a:rPr/>
+              <a:t>Souds futurisitc, but its not</a:t>
+            </a:r>
+          </a:p>
+          <a:p>
+            <a:r>
+              <a:rPr/>
+              <a:t>Sassure called it syntagmatism, where complexity of elements in time</a:t>
+            </a:r>
           </a:p>
           <a:p>
             <a:endParaRPr/>
@@ -7423,59 +7419,32 @@
           <a:p>
             <a:r>
               <a:rPr dirty="0" lang="en-US" smtClean="0" sz="3200"/>
-              <a:t>P  18(pdf)</a:t>
+              <a:t>P  19(pdf)</a:t>
             </a:r>
           </a:p>
           <a:p>
             <a:r>
               <a:rPr/>
-              <a:t>The vertical montage is made when you take apart details you see in real life and re-create them in your movies</a:t>
+              <a:t>All the details depend on each other</a:t>
             </a:r>
           </a:p>
           <a:p>
             <a:r>
               <a:rPr/>
-              <a:t>Thought comes after a media of communication</a:t>
+              <a:t>This happens at a complex level</a:t>
             </a:r>
           </a:p>
           <a:p>
             <a:r>
               <a:rPr/>
-              <a:t>"         "  in words</a:t>
+              <a:t>Also called Tyjanov idea of dual poetry</a:t>
             </a:r>
           </a:p>
           <a:p>
             <a:r>
               <a:rPr/>
-              <a:t>"          " in a cinema</a:t>
-            </a:r>
-          </a:p>
-          <a:p>
-            <a:r>
-              <a:rPr/>
-              <a:t>"          " same w/ complex sound and pictures and combined</a:t>
-            </a:r>
-          </a:p>
-          <a:p>
-            <a:r>
-              <a:rPr/>
-              <a:t>"           " then </a:t>
-            </a:r>
-          </a:p>
-          <a:p>
-            <a:r>
-              <a:rPr/>
-              <a:t>Souds futurisitc, but its not</a:t>
-            </a:r>
-          </a:p>
-          <a:p>
-            <a:r>
-              <a:rPr/>
-              <a:t>Sassure called it syntagmatism, where complexity of elements in time</a:t>
-            </a:r>
-          </a:p>
-          <a:p>
-            <a:endParaRPr/>
+              <a:t>Eisens shots are dynamic internally</a:t>
+            </a:r>
           </a:p>
           <a:p>
             <a:endParaRPr dirty="0" lang="en-US" smtClean="0" sz="3200"/>
@@ -7545,32 +7514,93 @@
           <a:p>
             <a:r>
               <a:rPr dirty="0" lang="en-US" smtClean="0" sz="3200"/>
-              <a:t>P  19(pdf)</a:t>
-            </a:r>
-          </a:p>
-          <a:p>
-            <a:r>
-              <a:rPr/>
-              <a:t>All the details depend on each other</a:t>
-            </a:r>
-          </a:p>
-          <a:p>
-            <a:r>
-              <a:rPr/>
-              <a:t>This happens at a complex level</a:t>
-            </a:r>
-          </a:p>
-          <a:p>
-            <a:r>
-              <a:rPr/>
-              <a:t>Also called Tyjanov idea of dual poetry</a:t>
-            </a:r>
-          </a:p>
-          <a:p>
-            <a:r>
-              <a:rPr/>
-              <a:t>Eisens shots are dynamic internally</a:t>
-            </a:r>
+              <a:t>P  20(pdf)</a:t>
+            </a:r>
+          </a:p>
+          <a:p>
+            <a:r>
+              <a:rPr sz="3200">
+                <a:solidFill>
+                  <a:schemeClr val="tx1"/>
+                </a:solidFill>
+                <a:latin typeface="+mn-lt"/>
+              </a:rPr>
+              <a:t>Eisen. uses music to start a new shot</a:t>
+            </a:r>
+          </a:p>
+          <a:p>
+            <a:r>
+              <a:rPr sz="3200">
+                <a:solidFill>
+                  <a:schemeClr val="tx1"/>
+                </a:solidFill>
+                <a:latin typeface="+mn-lt"/>
+              </a:rPr>
+              <a:t>It helps the music appear better also. </a:t>
+            </a:r>
+          </a:p>
+          <a:p>
+            <a:r>
+              <a:rPr sz="3200">
+                <a:solidFill>
+                  <a:schemeClr val="tx1"/>
+                </a:solidFill>
+                <a:latin typeface="+mn-lt"/>
+              </a:rPr>
+              <a:t>What is happening is that for visuals, a new key staff is made, making movies is like writing orchestra music.</a:t>
+            </a:r>
+          </a:p>
+          <a:p>
+            <a:r>
+              <a:rPr sz="3200">
+                <a:solidFill>
+                  <a:schemeClr val="tx1"/>
+                </a:solidFill>
+                <a:latin typeface="+mn-lt"/>
+              </a:rPr>
+              <a:t>As he continued w/ it he figured out all the complexities.</a:t>
+            </a:r>
+          </a:p>
+          <a:p>
+            <a:r>
+              <a:rPr sz="3200">
+                <a:solidFill>
+                  <a:schemeClr val="tx1"/>
+                </a:solidFill>
+                <a:latin typeface="+mn-lt"/>
+              </a:rPr>
+              <a:t>As you see the entire movie you figure out what it means. </a:t>
+            </a:r>
+          </a:p>
+          <a:p>
+            <a:r>
+              <a:rPr sz="3200">
+                <a:solidFill>
+                  <a:schemeClr val="tx1"/>
+                </a:solidFill>
+                <a:latin typeface="+mn-lt"/>
+              </a:rPr>
+              <a:t>Ex.  simple stuff is not enough to see the plot</a:t>
+            </a:r>
+          </a:p>
+          <a:p>
+            <a:r>
+              <a:rPr sz="3200">
+                <a:solidFill>
+                  <a:schemeClr val="tx1"/>
+                </a:solidFill>
+                <a:latin typeface="+mn-lt"/>
+              </a:rPr>
+              <a:t>Detials in movies work like a main character, (foggy), then secondary</a:t>
+            </a:r>
+          </a:p>
+          <a:p>
+            <a:endParaRPr sz="3200">
+              <a:solidFill>
+                <a:schemeClr val="tx1"/>
+              </a:solidFill>
+              <a:latin typeface="+mn-lt"/>
+            </a:endParaRPr>
           </a:p>
           <a:p>
             <a:endParaRPr dirty="0" lang="en-US" smtClean="0" sz="3200"/>
@@ -7640,7 +7670,7 @@
           <a:p>
             <a:r>
               <a:rPr dirty="0" lang="en-US" smtClean="0" sz="3200"/>
-              <a:t>P  20(pdf)</a:t>
+              <a:t>P  21(pdf)</a:t>
             </a:r>
           </a:p>
           <a:p>
@@ -7651,7 +7681,7 @@
                 </a:solidFill>
                 <a:latin typeface="+mn-lt"/>
               </a:rPr>
-              <a:t>Eisen. uses music to start a new shot</a:t>
+              <a:t>Details in movies work like a main character, (foggy), then secondary characters (rippling waves) to adjust it. </a:t>
             </a:r>
           </a:p>
           <a:p>
@@ -7662,7 +7692,7 @@
                 </a:solidFill>
                 <a:latin typeface="+mn-lt"/>
               </a:rPr>
-              <a:t>It helps the music appear better also. </a:t>
+              <a:t>Instead of having ppl killed, we should see why ppl are getting killed, revolt, call to war etc.</a:t>
             </a:r>
           </a:p>
           <a:p>
@@ -7673,51 +7703,7 @@
                 </a:solidFill>
                 <a:latin typeface="+mn-lt"/>
               </a:rPr>
-              <a:t>What is happening is that for visuals, a new key staff is made, making movies is like writing orchestra music.</a:t>
-            </a:r>
-          </a:p>
-          <a:p>
-            <a:r>
-              <a:rPr sz="3200">
-                <a:solidFill>
-                  <a:schemeClr val="tx1"/>
-                </a:solidFill>
-                <a:latin typeface="+mn-lt"/>
-              </a:rPr>
-              <a:t>As he continued w/ it he figured out all the complexities.</a:t>
-            </a:r>
-          </a:p>
-          <a:p>
-            <a:r>
-              <a:rPr sz="3200">
-                <a:solidFill>
-                  <a:schemeClr val="tx1"/>
-                </a:solidFill>
-                <a:latin typeface="+mn-lt"/>
-              </a:rPr>
-              <a:t>As you see the entire movie you figure out what it means. </a:t>
-            </a:r>
-          </a:p>
-          <a:p>
-            <a:r>
-              <a:rPr sz="3200">
-                <a:solidFill>
-                  <a:schemeClr val="tx1"/>
-                </a:solidFill>
-                <a:latin typeface="+mn-lt"/>
-              </a:rPr>
-              <a:t>Ex.  simple stuff is not enough to see the plot</a:t>
-            </a:r>
-          </a:p>
-          <a:p>
-            <a:r>
-              <a:rPr sz="3200">
-                <a:solidFill>
-                  <a:schemeClr val="tx1"/>
-                </a:solidFill>
-                <a:latin typeface="+mn-lt"/>
-              </a:rPr>
-              <a:t>Detials in movies work like a main character, (foggy), then secondary</a:t>
+              <a:t>Vertical montage works with paradigms, and semiotics to create  not only living, but beautiful movies</a:t>
             </a:r>
           </a:p>
           <a:p>
@@ -7796,7 +7782,7 @@
           <a:p>
             <a:r>
               <a:rPr dirty="0" lang="en-US" smtClean="0" sz="3200"/>
-              <a:t>P  21(pdf)</a:t>
+              <a:t>P  22(pdf)</a:t>
             </a:r>
           </a:p>
           <a:p>
@@ -7807,29 +7793,7 @@
                 </a:solidFill>
                 <a:latin typeface="+mn-lt"/>
               </a:rPr>
-              <a:t>Details in movies work like a main character, (foggy), then secondary characters (rippling waves) to adjust it. </a:t>
-            </a:r>
-          </a:p>
-          <a:p>
-            <a:r>
-              <a:rPr sz="3200">
-                <a:solidFill>
-                  <a:schemeClr val="tx1"/>
-                </a:solidFill>
-                <a:latin typeface="+mn-lt"/>
-              </a:rPr>
-              <a:t>Instead of having ppl killed, we should see why ppl are getting killed, revolt, call to war etc.</a:t>
-            </a:r>
-          </a:p>
-          <a:p>
-            <a:r>
-              <a:rPr sz="3200">
-                <a:solidFill>
-                  <a:schemeClr val="tx1"/>
-                </a:solidFill>
-                <a:latin typeface="+mn-lt"/>
-              </a:rPr>
-              <a:t>Vertical montage works with paradigms, and semiotics to create  not only living, but beautiful movies</a:t>
+              <a:t>Because of Eisen we can better study semiotics</a:t>
             </a:r>
           </a:p>
           <a:p>
@@ -7886,68 +7850,60 @@
       </p:grpSpPr>
       <p:sp>
         <p:nvSpPr>
-          <p:cNvPr id="3" name="Content Placeholder 2"/>
-          <p:cNvSpPr>
-            <a:spLocks noGrp="1"/>
-          </p:cNvSpPr>
-          <p:nvPr>
-            <p:ph idx="1"/>
-          </p:nvPr>
-        </p:nvSpPr>
-        <p:spPr>
-          <a:xfrm>
-            <a:off x="838200" y="161365"/>
-            <a:ext cx="10515600" cy="6015598"/>
-          </a:xfrm>
-        </p:spPr>
-        <p:txBody>
-          <a:bodyPr numCol="1">
-            <a:normAutofit/>
-          </a:bodyPr>
-          <a:lstStyle/>
-          <a:p>
-            <a:r>
-              <a:rPr dirty="0" lang="en-US" smtClean="0" sz="3200"/>
-              <a:t>P  22(pdf)</a:t>
-            </a:r>
-          </a:p>
-          <a:p>
-            <a:r>
-              <a:rPr sz="3200">
-                <a:solidFill>
-                  <a:schemeClr val="tx1"/>
-                </a:solidFill>
-                <a:latin typeface="+mn-lt"/>
-              </a:rPr>
-              <a:t>Because of Eisen we can better study semiotics</a:t>
-            </a:r>
-          </a:p>
-          <a:p>
-            <a:endParaRPr sz="3200">
-              <a:solidFill>
-                <a:schemeClr val="tx1"/>
-              </a:solidFill>
-              <a:latin typeface="+mn-lt"/>
-            </a:endParaRPr>
-          </a:p>
-          <a:p>
-            <a:endParaRPr dirty="0" lang="en-US" smtClean="0" sz="3200"/>
-          </a:p>
-          <a:p>
-            <a:endParaRPr dirty="0" lang="en-US" smtClean="0" sz="3200"/>
-          </a:p>
-          <a:p>
-            <a:endParaRPr dirty="0" lang="en-US" smtClean="0" sz="3200"/>
-          </a:p>
-          <a:p>
-            <a:endParaRPr dirty="0" lang="en-US" smtClean="0" sz="3200"/>
+          <p:cNvPr id="2" name="Title 1"/>
+          <p:cNvSpPr>
+            <a:spLocks noGrp="1"/>
+          </p:cNvSpPr>
+          <p:nvPr>
+            <p:ph type="title"/>
+          </p:nvPr>
+        </p:nvSpPr>
+        <p:spPr/>
+        <p:txBody>
+          <a:bodyPr numCol="1"/>
+          <a:lstStyle/>
+          <a:p>
+            <a:r>
+              <a:rPr/>
+              <a:t>Beumers’s Cinema the chapter by Richard Taylor, </a:t>
+            </a:r>
+            <a:endParaRPr dirty="0" lang="en-US"/>
+          </a:p>
+          <a:p>
+            <a:endParaRPr dirty="0" lang="en-US"/>
+          </a:p>
+        </p:txBody>
+      </p:sp>
+      <p:sp>
+        <p:nvSpPr>
+          <p:cNvPr id="3" name="Text Placeholder 2"/>
+          <p:cNvSpPr>
+            <a:spLocks noGrp="1"/>
+          </p:cNvSpPr>
+          <p:nvPr>
+            <p:ph idx="1" type="body"/>
+          </p:nvPr>
+        </p:nvSpPr>
+        <p:spPr/>
+        <p:txBody>
+          <a:bodyPr numCol="1"/>
+          <a:lstStyle/>
+          <a:p>
+            <a:r>
+              <a:rPr/>
+              <a:t>“THE STRIKE” (47–56).  EVERY PARAGRAPH</a:t>
+            </a:r>
+            <a:endParaRPr dirty="0" lang="en-US"/>
+          </a:p>
+          <a:p>
+            <a:endParaRPr dirty="0" lang="en-US"/>
           </a:p>
         </p:txBody>
       </p:sp>
     </p:spTree>
     <p:extLst>
       <p:ext uri="{BB962C8B-B14F-4D97-AF65-F5344CB8AC3E}">
-        <p14:creationId xmlns:p14="http://schemas.microsoft.com/office/powerpoint/2010/main" val="1245892544"/>
+        <p14:creationId xmlns:p14="http://schemas.microsoft.com/office/powerpoint/2010/main" val="221988584"/>
       </p:ext>
     </p:extLst>
   </p:cSld>
@@ -7976,60 +7932,109 @@
       </p:grpSpPr>
       <p:sp>
         <p:nvSpPr>
-          <p:cNvPr id="2" name="Title 1"/>
-          <p:cNvSpPr>
-            <a:spLocks noGrp="1"/>
-          </p:cNvSpPr>
-          <p:nvPr>
-            <p:ph type="title"/>
-          </p:nvPr>
-        </p:nvSpPr>
-        <p:spPr/>
-        <p:txBody>
-          <a:bodyPr numCol="1"/>
-          <a:lstStyle/>
-          <a:p>
-            <a:r>
-              <a:rPr/>
-              <a:t>Beumers’s Cinema the chapter by Richard Taylor, </a:t>
-            </a:r>
-            <a:endParaRPr dirty="0" lang="en-US"/>
-          </a:p>
-          <a:p>
-            <a:endParaRPr dirty="0" lang="en-US"/>
-          </a:p>
-        </p:txBody>
-      </p:sp>
-      <p:sp>
-        <p:nvSpPr>
-          <p:cNvPr id="3" name="Text Placeholder 2"/>
-          <p:cNvSpPr>
-            <a:spLocks noGrp="1"/>
-          </p:cNvSpPr>
-          <p:nvPr>
-            <p:ph idx="1" type="body"/>
-          </p:nvPr>
-        </p:nvSpPr>
-        <p:spPr/>
-        <p:txBody>
-          <a:bodyPr numCol="1"/>
-          <a:lstStyle/>
-          <a:p>
-            <a:r>
-              <a:rPr/>
-              <a:t>“THE STRIKE” (47–56).  EVERY PARAGRAPH</a:t>
-            </a:r>
-            <a:endParaRPr dirty="0" lang="en-US"/>
-          </a:p>
-          <a:p>
-            <a:endParaRPr dirty="0" lang="en-US"/>
+          <p:cNvPr id="3" name="Content Placeholder 2"/>
+          <p:cNvSpPr>
+            <a:spLocks noGrp="1"/>
+          </p:cNvSpPr>
+          <p:nvPr>
+            <p:ph idx="1"/>
+          </p:nvPr>
+        </p:nvSpPr>
+        <p:spPr>
+          <a:xfrm>
+            <a:off x="838200" y="161365"/>
+            <a:ext cx="10515600" cy="6015598"/>
+          </a:xfrm>
+        </p:spPr>
+        <p:txBody>
+          <a:bodyPr numCol="1">
+            <a:normAutofit/>
+          </a:bodyPr>
+          <a:lstStyle/>
+          <a:p>
+            <a:r>
+              <a:rPr dirty="0" lang="en-US" smtClean="0" sz="3200"/>
+              <a:t>P  47(pdf)</a:t>
+            </a:r>
+          </a:p>
+          <a:p>
+            <a:r>
+              <a:rPr sz="3200">
+                <a:solidFill>
+                  <a:schemeClr val="tx1"/>
+                </a:solidFill>
+                <a:latin typeface="+mn-lt"/>
+              </a:rPr>
+              <a:t>Eisen made the strike in 1925. </a:t>
+            </a:r>
+          </a:p>
+          <a:p>
+            <a:r>
+              <a:rPr sz="3200">
+                <a:solidFill>
+                  <a:schemeClr val="tx1"/>
+                </a:solidFill>
+                <a:latin typeface="+mn-lt"/>
+              </a:rPr>
+              <a:t>He tried to do things before but it failed, he got it tho</a:t>
+            </a:r>
+          </a:p>
+          <a:p>
+            <a:r>
+              <a:rPr sz="3200">
+                <a:solidFill>
+                  <a:schemeClr val="tx1"/>
+                </a:solidFill>
+                <a:latin typeface="+mn-lt"/>
+              </a:rPr>
+              <a:t>Made  Mabuse the Gambler in 1922 w/ Fritz Lang. His first film was The Wise Man. </a:t>
+            </a:r>
+          </a:p>
+          <a:p>
+            <a:r>
+              <a:rPr sz="3200">
+                <a:solidFill>
+                  <a:schemeClr val="tx1"/>
+                </a:solidFill>
+                <a:latin typeface="+mn-lt"/>
+              </a:rPr>
+              <a:t>He broke with Prolekut and became sole owner, the strike changed his life</a:t>
+            </a:r>
+          </a:p>
+          <a:p>
+            <a:endParaRPr sz="3200">
+              <a:solidFill>
+                <a:schemeClr val="tx1"/>
+              </a:solidFill>
+              <a:latin typeface="+mn-lt"/>
+            </a:endParaRPr>
+          </a:p>
+          <a:p>
+            <a:endParaRPr sz="3200">
+              <a:solidFill>
+                <a:schemeClr val="tx1"/>
+              </a:solidFill>
+              <a:latin typeface="+mn-lt"/>
+            </a:endParaRPr>
+          </a:p>
+          <a:p>
+            <a:endParaRPr dirty="0" lang="en-US" smtClean="0" sz="3200"/>
+          </a:p>
+          <a:p>
+            <a:endParaRPr dirty="0" lang="en-US" smtClean="0" sz="3200"/>
+          </a:p>
+          <a:p>
+            <a:endParaRPr dirty="0" lang="en-US" smtClean="0" sz="3200"/>
+          </a:p>
+          <a:p>
+            <a:endParaRPr dirty="0" lang="en-US" smtClean="0" sz="3200"/>
           </a:p>
         </p:txBody>
       </p:sp>
     </p:spTree>
     <p:extLst>
       <p:ext uri="{BB962C8B-B14F-4D97-AF65-F5344CB8AC3E}">
-        <p14:creationId xmlns:p14="http://schemas.microsoft.com/office/powerpoint/2010/main" val="221988584"/>
+        <p14:creationId xmlns:p14="http://schemas.microsoft.com/office/powerpoint/2010/main" val="1245892544"/>
       </p:ext>
     </p:extLst>
   </p:cSld>
@@ -8080,7 +8085,7 @@
           <a:p>
             <a:r>
               <a:rPr dirty="0" lang="en-US" smtClean="0" sz="3200"/>
-              <a:t>P  47(pdf)</a:t>
+              <a:t>P  48(pdf)</a:t>
             </a:r>
           </a:p>
           <a:p>
@@ -8091,7 +8096,7 @@
                 </a:solidFill>
                 <a:latin typeface="+mn-lt"/>
               </a:rPr>
-              <a:t>Eisen made the strike in 1925. </a:t>
+              <a:t>Eisen second file The Battleship Potemkin, was like the stike because it was revolutionary, all the extra- stuff was nt needed. </a:t>
             </a:r>
           </a:p>
           <a:p>
@@ -8102,7 +8107,7 @@
                 </a:solidFill>
                 <a:latin typeface="+mn-lt"/>
               </a:rPr>
-              <a:t>He tried to do things before but it failed, he got it tho</a:t>
+              <a:t>The strike was based off Lenin saying 'organization is everything' for the proletariat.  </a:t>
             </a:r>
           </a:p>
           <a:p>
@@ -8113,18 +8118,7 @@
                 </a:solidFill>
                 <a:latin typeface="+mn-lt"/>
               </a:rPr>
-              <a:t>Made  Mabuse the Gambler in 1922 w/ Fritz Lang. His first film was The Wise Man. </a:t>
-            </a:r>
-          </a:p>
-          <a:p>
-            <a:r>
-              <a:rPr sz="3200">
-                <a:solidFill>
-                  <a:schemeClr val="tx1"/>
-                </a:solidFill>
-                <a:latin typeface="+mn-lt"/>
-              </a:rPr>
-              <a:t>He broke with Prolekut and became sole owner, the strike changed his life</a:t>
+              <a:t>Movie starts off as 1. 'All is calm in the factory' but then trouble slowly brews, othr guy was spy working in the factory</a:t>
             </a:r>
           </a:p>
           <a:p>
@@ -8346,7 +8340,7 @@
           <a:p>
             <a:r>
               <a:rPr dirty="0" lang="en-US" smtClean="0" sz="3200"/>
-              <a:t>P  48(pdf)</a:t>
+              <a:t>P  49(pdf)</a:t>
             </a:r>
           </a:p>
           <a:p>
@@ -8357,46 +8351,30 @@
                 </a:solidFill>
                 <a:latin typeface="+mn-lt"/>
               </a:rPr>
-              <a:t>Eisen second file The Battleship Potemkin, was like the stike because it was revolutionary, all the extra- stuff was nt needed. </a:t>
-            </a:r>
-          </a:p>
-          <a:p>
-            <a:r>
-              <a:rPr sz="3200">
-                <a:solidFill>
-                  <a:schemeClr val="tx1"/>
-                </a:solidFill>
-                <a:latin typeface="+mn-lt"/>
-              </a:rPr>
-              <a:t>The strike was based off Lenin saying 'organization is everything' for the proletariat.  </a:t>
-            </a:r>
-          </a:p>
-          <a:p>
-            <a:r>
-              <a:rPr sz="3200">
-                <a:solidFill>
-                  <a:schemeClr val="tx1"/>
-                </a:solidFill>
-                <a:latin typeface="+mn-lt"/>
-              </a:rPr>
-              <a:t>Movie starts off as 1. 'All is calm in the factory' but then trouble slowly brews, othr guy was spy working in the factory</a:t>
-            </a:r>
-          </a:p>
-          <a:p>
-            <a:endParaRPr sz="3200">
-              <a:solidFill>
-                <a:schemeClr val="tx1"/>
-              </a:solidFill>
-              <a:latin typeface="+mn-lt"/>
-            </a:endParaRPr>
-          </a:p>
-          <a:p>
-            <a:endParaRPr sz="3200">
-              <a:solidFill>
-                <a:schemeClr val="tx1"/>
-              </a:solidFill>
-              <a:latin typeface="+mn-lt"/>
-            </a:endParaRPr>
+              <a:t>Two sides are established, the lone capitalists, and the organised workers.  The workers have meetings in the water, bathroom, </a:t>
+            </a:r>
+            <a:r>
+              <a:rPr sz="3000"/>
+              <a:t>but they find whoever is spying on them always. </a:t>
+            </a:r>
+          </a:p>
+          <a:p>
+            <a:r>
+              <a:rPr sz="3000"/>
+              <a:t>They go to a pinic, in the factory yard, they knock down a spy with the wheel. </a:t>
+            </a:r>
+          </a:p>
+          <a:p>
+            <a:r>
+              <a:rPr sz="3000"/>
+              <a:t>Second part is called a reason to strike, guy loses his micometer, when he goes to the office they say he stole it, he kills himself as a result</a:t>
+            </a:r>
+          </a:p>
+          <a:p>
+            <a:endParaRPr sz="3000"/>
+          </a:p>
+          <a:p>
+            <a:endParaRPr sz="3000"/>
           </a:p>
           <a:p>
             <a:endParaRPr dirty="0" lang="en-US" smtClean="0" sz="3200"/>
@@ -8466,10 +8444,8 @@
           <a:p>
             <a:r>
               <a:rPr dirty="0" lang="en-US" smtClean="0" sz="3200"/>
-              <a:t>P  49(pdf)</a:t>
-            </a:r>
-          </a:p>
-          <a:p>
+              <a:t>P </a:t>
+            </a:r>
             <a:r>
               <a:rPr sz="3200">
                 <a:solidFill>
@@ -8477,30 +8453,45 @@
                 </a:solidFill>
                 <a:latin typeface="+mn-lt"/>
               </a:rPr>
-              <a:t>Two sides are established, the lone capitalists, and the organised workers.  The workers have meetings in the water, bathroom, </a:t>
-            </a:r>
-            <a:r>
-              <a:rPr sz="3000"/>
-              <a:t>but they find whoever is spying on them always. </a:t>
-            </a:r>
-          </a:p>
-          <a:p>
-            <a:r>
-              <a:rPr sz="3000"/>
-              <a:t>They go to a pinic, in the factory yard, they knock down a spy with the wheel. </a:t>
-            </a:r>
-          </a:p>
-          <a:p>
-            <a:r>
-              <a:rPr sz="3000"/>
-              <a:t>Second part is called a reason to strike, guy loses his micometer, when he goes to the office they say he stole it, he kills himself as a result</a:t>
-            </a:r>
-          </a:p>
-          <a:p>
-            <a:endParaRPr sz="3000"/>
-          </a:p>
-          <a:p>
-            <a:endParaRPr sz="3000"/>
+              <a:t> 50(pdf)</a:t>
+            </a:r>
+          </a:p>
+          <a:p>
+            <a:r>
+              <a:rPr sz="3200">
+                <a:solidFill>
+                  <a:schemeClr val="tx1"/>
+                </a:solidFill>
+                <a:latin typeface="+mn-lt"/>
+              </a:rPr>
+              <a:t>The locomotive was a sign of the peoples power. the hat in the water was a sign of rich ppl impotence. </a:t>
+            </a:r>
+          </a:p>
+          <a:p>
+            <a:r>
+              <a:rPr sz="3200">
+                <a:solidFill>
+                  <a:schemeClr val="tx1"/>
+                </a:solidFill>
+                <a:latin typeface="+mn-lt"/>
+              </a:rPr>
+              <a:t>Third section 'the plant stood still' children', cats,pigs, n ducklings represent nature &amp; life. The lemon represents rejection of the workers requests. </a:t>
+            </a:r>
+          </a:p>
+          <a:p>
+            <a:r>
+              <a:rPr dirty="0" lang="en-US" smtClean="0" sz="3200"/>
+              <a:t>the fourth section 'The strike drags on' food store closes, ppl starve, spy takes pic of man taking off image, gets him beaten then becomes a tratior identify the enemies</a:t>
+            </a:r>
+          </a:p>
+          <a:p>
+            <a:endParaRPr dirty="0" lang="en-US" smtClean="0" sz="3200"/>
+          </a:p>
+          <a:p>
+            <a:endParaRPr dirty="0" lang="en-US" smtClean="0" sz="3200"/>
+          </a:p>
+          <a:p>
+            <a:endParaRPr dirty="0" lang="en-US" smtClean="0" sz="3200"/>
           </a:p>
           <a:p>
             <a:endParaRPr dirty="0" lang="en-US" smtClean="0" sz="3200"/>
@@ -8579,7 +8570,7 @@
                 </a:solidFill>
                 <a:latin typeface="+mn-lt"/>
               </a:rPr>
-              <a:t> 50(pdf)</a:t>
+              <a:t> 51(pdf)</a:t>
             </a:r>
           </a:p>
           <a:p>
@@ -8590,7 +8581,7 @@
                 </a:solidFill>
                 <a:latin typeface="+mn-lt"/>
               </a:rPr>
-              <a:t>The locomotive was a sign of the peoples power. the hat in the water was a sign of rich ppl impotence. </a:t>
+              <a:t>The fifth part 'provocation to disaster' some agent goes to the underworld, and their leaders chooses a group of ppl from barrels to cause trouble. The owl follows a group of ppl through the steets. </a:t>
             </a:r>
           </a:p>
           <a:p>
@@ -8601,23 +8592,32 @@
                 </a:solidFill>
                 <a:latin typeface="+mn-lt"/>
               </a:rPr>
-              <a:t>Third section 'the plant stood still' children', cats,pigs, n ducklings represent nature &amp; life. The lemon represents rejection of the workers requests. </a:t>
-            </a:r>
-          </a:p>
-          <a:p>
-            <a:r>
-              <a:rPr dirty="0" lang="en-US" smtClean="0" sz="3200"/>
-              <a:t>the fourth section 'The strike drags on' food store closes, ppl starve, spy takes pic of man taking off image, gets him beaten then becomes a tratior identify the enemies</a:t>
-            </a:r>
-          </a:p>
-          <a:p>
-            <a:endParaRPr dirty="0" lang="en-US" smtClean="0" sz="3200"/>
-          </a:p>
-          <a:p>
-            <a:endParaRPr dirty="0" lang="en-US" smtClean="0" sz="3200"/>
-          </a:p>
-          <a:p>
-            <a:endParaRPr dirty="0" lang="en-US" smtClean="0" sz="3200"/>
+              <a:t>The criminals burn down  a building a firefighters are called, but they turn the hoses on the workers and flush out the ringleaders. </a:t>
+            </a:r>
+          </a:p>
+          <a:p>
+            <a:endParaRPr sz="3200">
+              <a:solidFill>
+                <a:schemeClr val="tx1"/>
+              </a:solidFill>
+              <a:latin typeface="+mn-lt"/>
+            </a:endParaRPr>
+          </a:p>
+          <a:p>
+            <a:endParaRPr sz="3200">
+              <a:solidFill>
+                <a:schemeClr val="tx1"/>
+              </a:solidFill>
+              <a:latin typeface="+mn-lt"/>
+            </a:endParaRPr>
+          </a:p>
+          <a:p>
+            <a:endParaRPr sz="3200">
+              <a:solidFill>
+                <a:schemeClr val="tx1"/>
+              </a:solidFill>
+              <a:latin typeface="+mn-lt"/>
+            </a:endParaRPr>
           </a:p>
           <a:p>
             <a:endParaRPr dirty="0" lang="en-US" smtClean="0" sz="3200"/>
@@ -8696,7 +8696,7 @@
                 </a:solidFill>
                 <a:latin typeface="+mn-lt"/>
               </a:rPr>
-              <a:t> 51(pdf)</a:t>
+              <a:t> 52(pdf)</a:t>
             </a:r>
           </a:p>
           <a:p>
@@ -8707,7 +8707,7 @@
                 </a:solidFill>
                 <a:latin typeface="+mn-lt"/>
               </a:rPr>
-              <a:t>The fifth part 'provocation to disaster' some agent goes to the underworld, and their leaders chooses a group of ppl from barrels to cause trouble. The owl follows a group of ppl through the steets. </a:t>
+              <a:t>The sixth part 'Liquidation' the calvary comes in and gets reckless. The worker denies to help and is sent back to his cell. </a:t>
             </a:r>
           </a:p>
           <a:p>
@@ -8718,7 +8718,7 @@
                 </a:solidFill>
                 <a:latin typeface="+mn-lt"/>
               </a:rPr>
-              <a:t>The criminals burn down  a building a firefighters are called, but they turn the hoses on the workers and flush out the ringleaders. </a:t>
+              <a:t>Eisen uses a cattle  killed to describe whats going on.He did the montage the way he did to achieve the most brilliant death scene</a:t>
             </a:r>
           </a:p>
           <a:p>
@@ -8822,7 +8822,7 @@
                 </a:solidFill>
                 <a:latin typeface="+mn-lt"/>
               </a:rPr>
-              <a:t> 52(pdf)</a:t>
+              <a:t> 54(pdf).</a:t>
             </a:r>
           </a:p>
           <a:p>
@@ -8833,7 +8833,7 @@
                 </a:solidFill>
                 <a:latin typeface="+mn-lt"/>
               </a:rPr>
-              <a:t>The sixth part 'Liquidation' the calvary comes in and gets reckless. The worker denies to help and is sent back to his cell. </a:t>
+              <a:t>( pg 53 was just scenes from part six).I do not understand the first paragraph. </a:t>
             </a:r>
           </a:p>
           <a:p>
@@ -8844,7 +8844,7 @@
                 </a:solidFill>
                 <a:latin typeface="+mn-lt"/>
               </a:rPr>
-              <a:t>Eisen uses a cattle  killed to describe whats going on.He did the montage the way he did to achieve the most brilliant death scene</a:t>
+              <a:t>Although it received  a gold medal, ppl didn;'t like the film, they said it was hard to know what was going on</a:t>
             </a:r>
           </a:p>
           <a:p>
